--- a/Document/Baocao.pptx
+++ b/Document/Baocao.pptx
@@ -1,19 +1,23 @@
 
 <file path=ppt/presentation.xml><?xml version="1.0" encoding="utf-8"?>
-<p:presentation xmlns:a="http://schemas.openxmlformats.org/drawingml/2006/main" xmlns:r="http://schemas.openxmlformats.org/officeDocument/2006/relationships" xmlns:p="http://schemas.openxmlformats.org/presentationml/2006/main" saveSubsetFonts="1">
+<p:presentation xmlns:a="http://schemas.openxmlformats.org/drawingml/2006/main" xmlns:r="http://schemas.openxmlformats.org/officeDocument/2006/relationships" xmlns:p="http://schemas.openxmlformats.org/presentationml/2006/main" saveSubsetFonts="1" bookmarkIdSeed="7">
   <p:sldMasterIdLst>
     <p:sldMasterId id="2147483707" r:id="rId1"/>
   </p:sldMasterIdLst>
   <p:sldIdLst>
     <p:sldId id="256" r:id="rId2"/>
     <p:sldId id="257" r:id="rId3"/>
-    <p:sldId id="258" r:id="rId4"/>
-    <p:sldId id="262" r:id="rId5"/>
-    <p:sldId id="259" r:id="rId6"/>
-    <p:sldId id="263" r:id="rId7"/>
-    <p:sldId id="260" r:id="rId8"/>
-    <p:sldId id="264" r:id="rId9"/>
-    <p:sldId id="261" r:id="rId10"/>
+    <p:sldId id="265" r:id="rId4"/>
+    <p:sldId id="266" r:id="rId5"/>
+    <p:sldId id="267" r:id="rId6"/>
+    <p:sldId id="258" r:id="rId7"/>
+    <p:sldId id="262" r:id="rId8"/>
+    <p:sldId id="268" r:id="rId9"/>
+    <p:sldId id="259" r:id="rId10"/>
+    <p:sldId id="263" r:id="rId11"/>
+    <p:sldId id="260" r:id="rId12"/>
+    <p:sldId id="264" r:id="rId13"/>
+    <p:sldId id="261" r:id="rId14"/>
   </p:sldIdLst>
   <p:sldSz cx="12192000" cy="6858000"/>
   <p:notesSz cx="6858000" cy="9144000"/>
@@ -288,7 +292,7 @@
           <a:p>
             <a:fld id="{0124091A-53C6-413B-ACA2-50D8C00FFCBD}" type="datetimeFigureOut">
               <a:rPr lang="vi-VN" smtClean="0"/>
-              <a:t>07/03/2017</a:t>
+              <a:t>13/03/2017</a:t>
             </a:fld>
             <a:endParaRPr lang="vi-VN"/>
           </a:p>
@@ -516,7 +520,7 @@
           <a:p>
             <a:fld id="{0124091A-53C6-413B-ACA2-50D8C00FFCBD}" type="datetimeFigureOut">
               <a:rPr lang="vi-VN" smtClean="0"/>
-              <a:t>07/03/2017</a:t>
+              <a:t>13/03/2017</a:t>
             </a:fld>
             <a:endParaRPr lang="vi-VN"/>
           </a:p>
@@ -696,7 +700,7 @@
           <a:p>
             <a:fld id="{0124091A-53C6-413B-ACA2-50D8C00FFCBD}" type="datetimeFigureOut">
               <a:rPr lang="vi-VN" smtClean="0"/>
-              <a:t>07/03/2017</a:t>
+              <a:t>13/03/2017</a:t>
             </a:fld>
             <a:endParaRPr lang="vi-VN"/>
           </a:p>
@@ -866,7 +870,7 @@
           <a:p>
             <a:fld id="{0124091A-53C6-413B-ACA2-50D8C00FFCBD}" type="datetimeFigureOut">
               <a:rPr lang="vi-VN" smtClean="0"/>
-              <a:t>07/03/2017</a:t>
+              <a:t>13/03/2017</a:t>
             </a:fld>
             <a:endParaRPr lang="vi-VN"/>
           </a:p>
@@ -1120,7 +1124,7 @@
           <a:p>
             <a:fld id="{0124091A-53C6-413B-ACA2-50D8C00FFCBD}" type="datetimeFigureOut">
               <a:rPr lang="vi-VN" smtClean="0"/>
-              <a:t>07/03/2017</a:t>
+              <a:t>13/03/2017</a:t>
             </a:fld>
             <a:endParaRPr lang="vi-VN"/>
           </a:p>
@@ -1446,7 +1450,7 @@
           <a:p>
             <a:fld id="{0124091A-53C6-413B-ACA2-50D8C00FFCBD}" type="datetimeFigureOut">
               <a:rPr lang="vi-VN" smtClean="0"/>
-              <a:t>07/03/2017</a:t>
+              <a:t>13/03/2017</a:t>
             </a:fld>
             <a:endParaRPr lang="vi-VN"/>
           </a:p>
@@ -1897,7 +1901,7 @@
           <a:p>
             <a:fld id="{0124091A-53C6-413B-ACA2-50D8C00FFCBD}" type="datetimeFigureOut">
               <a:rPr lang="vi-VN" smtClean="0"/>
-              <a:t>07/03/2017</a:t>
+              <a:t>13/03/2017</a:t>
             </a:fld>
             <a:endParaRPr lang="vi-VN"/>
           </a:p>
@@ -2015,7 +2019,7 @@
           <a:p>
             <a:fld id="{0124091A-53C6-413B-ACA2-50D8C00FFCBD}" type="datetimeFigureOut">
               <a:rPr lang="vi-VN" smtClean="0"/>
-              <a:t>07/03/2017</a:t>
+              <a:t>13/03/2017</a:t>
             </a:fld>
             <a:endParaRPr lang="vi-VN"/>
           </a:p>
@@ -2110,7 +2114,7 @@
           <a:p>
             <a:fld id="{0124091A-53C6-413B-ACA2-50D8C00FFCBD}" type="datetimeFigureOut">
               <a:rPr lang="vi-VN" smtClean="0"/>
-              <a:t>07/03/2017</a:t>
+              <a:t>13/03/2017</a:t>
             </a:fld>
             <a:endParaRPr lang="vi-VN"/>
           </a:p>
@@ -2397,7 +2401,7 @@
           <a:p>
             <a:fld id="{0124091A-53C6-413B-ACA2-50D8C00FFCBD}" type="datetimeFigureOut">
               <a:rPr lang="vi-VN" smtClean="0"/>
-              <a:t>07/03/2017</a:t>
+              <a:t>13/03/2017</a:t>
             </a:fld>
             <a:endParaRPr lang="vi-VN"/>
           </a:p>
@@ -2719,7 +2723,7 @@
           <a:p>
             <a:fld id="{0124091A-53C6-413B-ACA2-50D8C00FFCBD}" type="datetimeFigureOut">
               <a:rPr lang="vi-VN" smtClean="0"/>
-              <a:t>07/03/2017</a:t>
+              <a:t>13/03/2017</a:t>
             </a:fld>
             <a:endParaRPr lang="vi-VN"/>
           </a:p>
@@ -2973,7 +2977,7 @@
           <a:p>
             <a:fld id="{0124091A-53C6-413B-ACA2-50D8C00FFCBD}" type="datetimeFigureOut">
               <a:rPr lang="vi-VN" smtClean="0"/>
-              <a:t>07/03/2017</a:t>
+              <a:t>13/03/2017</a:t>
             </a:fld>
             <a:endParaRPr lang="vi-VN"/>
           </a:p>
@@ -3564,645 +3568,7 @@
 </p:sld>
 </file>
 
-<file path=ppt/slides/slide2.xml><?xml version="1.0" encoding="utf-8"?>
-<p:sld xmlns:a="http://schemas.openxmlformats.org/drawingml/2006/main" xmlns:r="http://schemas.openxmlformats.org/officeDocument/2006/relationships" xmlns:p="http://schemas.openxmlformats.org/presentationml/2006/main">
-  <p:cSld>
-    <p:spTree>
-      <p:nvGrpSpPr>
-        <p:cNvPr id="1" name=""/>
-        <p:cNvGrpSpPr/>
-        <p:nvPr/>
-      </p:nvGrpSpPr>
-      <p:grpSpPr>
-        <a:xfrm>
-          <a:off x="0" y="0"/>
-          <a:ext cx="0" cy="0"/>
-          <a:chOff x="0" y="0"/>
-          <a:chExt cx="0" cy="0"/>
-        </a:xfrm>
-      </p:grpSpPr>
-      <p:sp>
-        <p:nvSpPr>
-          <p:cNvPr id="2" name="Title 1"/>
-          <p:cNvSpPr>
-            <a:spLocks noGrp="1"/>
-          </p:cNvSpPr>
-          <p:nvPr>
-            <p:ph type="title"/>
-          </p:nvPr>
-        </p:nvSpPr>
-        <p:spPr/>
-        <p:txBody>
-          <a:bodyPr/>
-          <a:lstStyle/>
-          <a:p>
-            <a:r>
-              <a:rPr lang="en-US" smtClean="0">
-                <a:latin typeface="Times New Roman" panose="02020603050405020304" pitchFamily="18" charset="0"/>
-                <a:cs typeface="Times New Roman" panose="02020603050405020304" pitchFamily="18" charset="0"/>
-              </a:rPr>
-              <a:t>CHƯƠNG 1: MỞ ĐẦU</a:t>
-            </a:r>
-            <a:endParaRPr lang="vi-VN">
-              <a:latin typeface="Times New Roman" panose="02020603050405020304" pitchFamily="18" charset="0"/>
-              <a:cs typeface="Times New Roman" panose="02020603050405020304" pitchFamily="18" charset="0"/>
-            </a:endParaRPr>
-          </a:p>
-        </p:txBody>
-      </p:sp>
-      <p:sp>
-        <p:nvSpPr>
-          <p:cNvPr id="3" name="Content Placeholder 2"/>
-          <p:cNvSpPr>
-            <a:spLocks noGrp="1"/>
-          </p:cNvSpPr>
-          <p:nvPr>
-            <p:ph idx="1"/>
-          </p:nvPr>
-        </p:nvSpPr>
-        <p:spPr/>
-        <p:txBody>
-          <a:bodyPr>
-            <a:normAutofit/>
-          </a:bodyPr>
-          <a:lstStyle/>
-          <a:p>
-            <a:r>
-              <a:rPr lang="en-US" sz="3000" smtClean="0">
-                <a:latin typeface="Times New Roman" panose="02020603050405020304" pitchFamily="18" charset="0"/>
-                <a:cs typeface="Times New Roman" panose="02020603050405020304" pitchFamily="18" charset="0"/>
-              </a:rPr>
-              <a:t>Giới </a:t>
-            </a:r>
-            <a:r>
-              <a:rPr lang="en-US" sz="3000">
-                <a:latin typeface="Times New Roman" panose="02020603050405020304" pitchFamily="18" charset="0"/>
-                <a:cs typeface="Times New Roman" panose="02020603050405020304" pitchFamily="18" charset="0"/>
-              </a:rPr>
-              <a:t>Thiệu Hệ Thống Hỏi Đáp Tự </a:t>
-            </a:r>
-            <a:r>
-              <a:rPr lang="en-US" sz="3000" smtClean="0">
-                <a:latin typeface="Times New Roman" panose="02020603050405020304" pitchFamily="18" charset="0"/>
-                <a:cs typeface="Times New Roman" panose="02020603050405020304" pitchFamily="18" charset="0"/>
-              </a:rPr>
-              <a:t>Động</a:t>
-            </a:r>
-          </a:p>
-          <a:p>
-            <a:r>
-              <a:rPr lang="en-US" sz="3000">
-                <a:latin typeface="Times New Roman" panose="02020603050405020304" pitchFamily="18" charset="0"/>
-                <a:cs typeface="Times New Roman" panose="02020603050405020304" pitchFamily="18" charset="0"/>
-              </a:rPr>
-              <a:t>Mục đích đề </a:t>
-            </a:r>
-            <a:r>
-              <a:rPr lang="en-US" sz="3000" smtClean="0">
-                <a:latin typeface="Times New Roman" panose="02020603050405020304" pitchFamily="18" charset="0"/>
-                <a:cs typeface="Times New Roman" panose="02020603050405020304" pitchFamily="18" charset="0"/>
-              </a:rPr>
-              <a:t>tài</a:t>
-            </a:r>
-          </a:p>
-          <a:p>
-            <a:r>
-              <a:rPr lang="en-US" sz="3000">
-                <a:latin typeface="Times New Roman" panose="02020603050405020304" pitchFamily="18" charset="0"/>
-                <a:cs typeface="Times New Roman" panose="02020603050405020304" pitchFamily="18" charset="0"/>
-              </a:rPr>
-              <a:t>Các nghiên cứu liên quan</a:t>
-            </a:r>
-            <a:endParaRPr lang="en-US" sz="3000" smtClean="0">
-              <a:latin typeface="Times New Roman" panose="02020603050405020304" pitchFamily="18" charset="0"/>
-              <a:cs typeface="Times New Roman" panose="02020603050405020304" pitchFamily="18" charset="0"/>
-            </a:endParaRPr>
-          </a:p>
-          <a:p>
-            <a:r>
-              <a:rPr lang="en-US" sz="3000">
-                <a:latin typeface="Times New Roman" panose="02020603050405020304" pitchFamily="18" charset="0"/>
-                <a:cs typeface="Times New Roman" panose="02020603050405020304" pitchFamily="18" charset="0"/>
-              </a:rPr>
-              <a:t>Đối tượng và phạm vi nghiên cứu</a:t>
-            </a:r>
-            <a:endParaRPr lang="vi-VN" sz="3000">
-              <a:latin typeface="Times New Roman" panose="02020603050405020304" pitchFamily="18" charset="0"/>
-              <a:cs typeface="Times New Roman" panose="02020603050405020304" pitchFamily="18" charset="0"/>
-            </a:endParaRPr>
-          </a:p>
-        </p:txBody>
-      </p:sp>
-    </p:spTree>
-    <p:extLst>
-      <p:ext uri="{BB962C8B-B14F-4D97-AF65-F5344CB8AC3E}">
-        <p14:creationId xmlns:p14="http://schemas.microsoft.com/office/powerpoint/2010/main" val="1959882576"/>
-      </p:ext>
-    </p:extLst>
-  </p:cSld>
-  <p:clrMapOvr>
-    <a:masterClrMapping/>
-  </p:clrMapOvr>
-  <p:timing>
-    <p:tnLst>
-      <p:par>
-        <p:cTn id="1" dur="indefinite" restart="never" nodeType="tmRoot"/>
-      </p:par>
-    </p:tnLst>
-  </p:timing>
-</p:sld>
-</file>
-
-<file path=ppt/slides/slide3.xml><?xml version="1.0" encoding="utf-8"?>
-<p:sld xmlns:a="http://schemas.openxmlformats.org/drawingml/2006/main" xmlns:r="http://schemas.openxmlformats.org/officeDocument/2006/relationships" xmlns:p="http://schemas.openxmlformats.org/presentationml/2006/main">
-  <p:cSld>
-    <p:spTree>
-      <p:nvGrpSpPr>
-        <p:cNvPr id="1" name=""/>
-        <p:cNvGrpSpPr/>
-        <p:nvPr/>
-      </p:nvGrpSpPr>
-      <p:grpSpPr>
-        <a:xfrm>
-          <a:off x="0" y="0"/>
-          <a:ext cx="0" cy="0"/>
-          <a:chOff x="0" y="0"/>
-          <a:chExt cx="0" cy="0"/>
-        </a:xfrm>
-      </p:grpSpPr>
-      <p:sp>
-        <p:nvSpPr>
-          <p:cNvPr id="2" name="Title 1"/>
-          <p:cNvSpPr>
-            <a:spLocks noGrp="1"/>
-          </p:cNvSpPr>
-          <p:nvPr>
-            <p:ph type="title"/>
-          </p:nvPr>
-        </p:nvSpPr>
-        <p:spPr/>
-        <p:txBody>
-          <a:bodyPr/>
-          <a:lstStyle/>
-          <a:p>
-            <a:r>
-              <a:rPr lang="en-US">
-                <a:latin typeface="Times New Roman" panose="02020603050405020304" pitchFamily="18" charset="0"/>
-                <a:cs typeface="Times New Roman" panose="02020603050405020304" pitchFamily="18" charset="0"/>
-              </a:rPr>
-              <a:t>CHƯƠNG </a:t>
-            </a:r>
-            <a:r>
-              <a:rPr lang="en-US" smtClean="0">
-                <a:latin typeface="Times New Roman" panose="02020603050405020304" pitchFamily="18" charset="0"/>
-                <a:cs typeface="Times New Roman" panose="02020603050405020304" pitchFamily="18" charset="0"/>
-              </a:rPr>
-              <a:t>2: XÂY </a:t>
-            </a:r>
-            <a:r>
-              <a:rPr lang="en-US">
-                <a:latin typeface="Times New Roman" panose="02020603050405020304" pitchFamily="18" charset="0"/>
-                <a:cs typeface="Times New Roman" panose="02020603050405020304" pitchFamily="18" charset="0"/>
-              </a:rPr>
-              <a:t>DỰNG HỆ THỐNG</a:t>
-            </a:r>
-            <a:r>
-              <a:rPr lang="vi-VN"/>
-              <a:t/>
-            </a:r>
-            <a:br>
-              <a:rPr lang="vi-VN"/>
-            </a:br>
-            <a:endParaRPr lang="vi-VN"/>
-          </a:p>
-        </p:txBody>
-      </p:sp>
-      <p:sp>
-        <p:nvSpPr>
-          <p:cNvPr id="3" name="Content Placeholder 2"/>
-          <p:cNvSpPr>
-            <a:spLocks noGrp="1"/>
-          </p:cNvSpPr>
-          <p:nvPr>
-            <p:ph idx="1"/>
-          </p:nvPr>
-        </p:nvSpPr>
-        <p:spPr/>
-        <p:txBody>
-          <a:bodyPr>
-            <a:noAutofit/>
-          </a:bodyPr>
-          <a:lstStyle/>
-          <a:p>
-            <a:r>
-              <a:rPr lang="en-US" sz="2800" smtClean="0">
-                <a:latin typeface="Times New Roman" panose="02020603050405020304" pitchFamily="18" charset="0"/>
-                <a:cs typeface="Times New Roman" panose="02020603050405020304" pitchFamily="18" charset="0"/>
-              </a:rPr>
-              <a:t>Kiến </a:t>
-            </a:r>
-            <a:r>
-              <a:rPr lang="en-US" sz="2800">
-                <a:latin typeface="Times New Roman" panose="02020603050405020304" pitchFamily="18" charset="0"/>
-                <a:cs typeface="Times New Roman" panose="02020603050405020304" pitchFamily="18" charset="0"/>
-              </a:rPr>
-              <a:t>trúc tổng quan của hệ </a:t>
-            </a:r>
-            <a:r>
-              <a:rPr lang="en-US" sz="2800" smtClean="0">
-                <a:latin typeface="Times New Roman" panose="02020603050405020304" pitchFamily="18" charset="0"/>
-                <a:cs typeface="Times New Roman" panose="02020603050405020304" pitchFamily="18" charset="0"/>
-              </a:rPr>
-              <a:t>thống</a:t>
-            </a:r>
-          </a:p>
-          <a:p>
-            <a:r>
-              <a:rPr lang="en-US" sz="2800">
-                <a:latin typeface="Times New Roman" panose="02020603050405020304" pitchFamily="18" charset="0"/>
-                <a:cs typeface="Times New Roman" panose="02020603050405020304" pitchFamily="18" charset="0"/>
-              </a:rPr>
-              <a:t>Thiết kế hệ </a:t>
-            </a:r>
-            <a:r>
-              <a:rPr lang="en-US" sz="2800" smtClean="0">
-                <a:latin typeface="Times New Roman" panose="02020603050405020304" pitchFamily="18" charset="0"/>
-                <a:cs typeface="Times New Roman" panose="02020603050405020304" pitchFamily="18" charset="0"/>
-              </a:rPr>
-              <a:t>thống(Mô Hình Use case,Sequence,Class Diagram)</a:t>
-            </a:r>
-          </a:p>
-          <a:p>
-            <a:r>
-              <a:rPr lang="en-US" sz="2800" smtClean="0">
-                <a:latin typeface="Times New Roman" panose="02020603050405020304" pitchFamily="18" charset="0"/>
-                <a:cs typeface="Times New Roman" panose="02020603050405020304" pitchFamily="18" charset="0"/>
-              </a:rPr>
-              <a:t>Thiết kế và xây dựng cơ sở dữ liệu </a:t>
-            </a:r>
-          </a:p>
-          <a:p>
-            <a:r>
-              <a:rPr lang="en-US" sz="2800" smtClean="0">
-                <a:latin typeface="Times New Roman" panose="02020603050405020304" pitchFamily="18" charset="0"/>
-                <a:cs typeface="Times New Roman" panose="02020603050405020304" pitchFamily="18" charset="0"/>
-              </a:rPr>
-              <a:t>Kiến trúc web: Mô hình MVC và công cụ hiện thực MEAN JS</a:t>
-            </a:r>
-          </a:p>
-          <a:p>
-            <a:r>
-              <a:rPr lang="en-US" sz="2800" smtClean="0">
-                <a:latin typeface="Times New Roman" panose="02020603050405020304" pitchFamily="18" charset="0"/>
-                <a:cs typeface="Times New Roman" panose="02020603050405020304" pitchFamily="18" charset="0"/>
-              </a:rPr>
-              <a:t>Kiến trúc mobile: Mô hình Module và công cụ hiện thực</a:t>
-            </a:r>
-            <a:endParaRPr lang="vi-VN" sz="2800">
-              <a:latin typeface="Times New Roman" panose="02020603050405020304" pitchFamily="18" charset="0"/>
-              <a:cs typeface="Times New Roman" panose="02020603050405020304" pitchFamily="18" charset="0"/>
-            </a:endParaRPr>
-          </a:p>
-        </p:txBody>
-      </p:sp>
-    </p:spTree>
-    <p:extLst>
-      <p:ext uri="{BB962C8B-B14F-4D97-AF65-F5344CB8AC3E}">
-        <p14:creationId xmlns:p14="http://schemas.microsoft.com/office/powerpoint/2010/main" val="702421245"/>
-      </p:ext>
-    </p:extLst>
-  </p:cSld>
-  <p:clrMapOvr>
-    <a:masterClrMapping/>
-  </p:clrMapOvr>
-  <p:timing>
-    <p:tnLst>
-      <p:par>
-        <p:cTn id="1" dur="indefinite" restart="never" nodeType="tmRoot"/>
-      </p:par>
-    </p:tnLst>
-  </p:timing>
-</p:sld>
-</file>
-
-<file path=ppt/slides/slide4.xml><?xml version="1.0" encoding="utf-8"?>
-<p:sld xmlns:a="http://schemas.openxmlformats.org/drawingml/2006/main" xmlns:r="http://schemas.openxmlformats.org/officeDocument/2006/relationships" xmlns:p="http://schemas.openxmlformats.org/presentationml/2006/main">
-  <p:cSld>
-    <p:spTree>
-      <p:nvGrpSpPr>
-        <p:cNvPr id="1" name=""/>
-        <p:cNvGrpSpPr/>
-        <p:nvPr/>
-      </p:nvGrpSpPr>
-      <p:grpSpPr>
-        <a:xfrm>
-          <a:off x="0" y="0"/>
-          <a:ext cx="0" cy="0"/>
-          <a:chOff x="0" y="0"/>
-          <a:chExt cx="0" cy="0"/>
-        </a:xfrm>
-      </p:grpSpPr>
-      <p:sp>
-        <p:nvSpPr>
-          <p:cNvPr id="2" name="Title 1"/>
-          <p:cNvSpPr>
-            <a:spLocks noGrp="1"/>
-          </p:cNvSpPr>
-          <p:nvPr>
-            <p:ph type="title"/>
-          </p:nvPr>
-        </p:nvSpPr>
-        <p:spPr/>
-        <p:txBody>
-          <a:bodyPr/>
-          <a:lstStyle/>
-          <a:p>
-            <a:r>
-              <a:rPr lang="en-US" sz="4400" smtClean="0">
-                <a:latin typeface="Times New Roman" panose="02020603050405020304" pitchFamily="18" charset="0"/>
-                <a:cs typeface="Times New Roman" panose="02020603050405020304" pitchFamily="18" charset="0"/>
-              </a:rPr>
-              <a:t>Kiến </a:t>
-            </a:r>
-            <a:r>
-              <a:rPr lang="en-US" sz="4400">
-                <a:latin typeface="Times New Roman" panose="02020603050405020304" pitchFamily="18" charset="0"/>
-                <a:cs typeface="Times New Roman" panose="02020603050405020304" pitchFamily="18" charset="0"/>
-              </a:rPr>
-              <a:t>trúc tổng quan của hệ thống</a:t>
-            </a:r>
-            <a:br>
-              <a:rPr lang="en-US" sz="4400">
-                <a:latin typeface="Times New Roman" panose="02020603050405020304" pitchFamily="18" charset="0"/>
-                <a:cs typeface="Times New Roman" panose="02020603050405020304" pitchFamily="18" charset="0"/>
-              </a:rPr>
-            </a:br>
-            <a:endParaRPr lang="vi-VN"/>
-          </a:p>
-        </p:txBody>
-      </p:sp>
-      <p:pic>
-        <p:nvPicPr>
-          <p:cNvPr id="4" name="Content Placeholder 3"/>
-          <p:cNvPicPr>
-            <a:picLocks noGrp="1"/>
-          </p:cNvPicPr>
-          <p:nvPr>
-            <p:ph idx="1"/>
-          </p:nvPr>
-        </p:nvPicPr>
-        <p:blipFill>
-          <a:blip r:embed="rId2">
-            <a:extLst>
-              <a:ext uri="{28A0092B-C50C-407E-A947-70E740481C1C}">
-                <a14:useLocalDpi xmlns:a14="http://schemas.microsoft.com/office/drawing/2010/main" val="0"/>
-              </a:ext>
-            </a:extLst>
-          </a:blip>
-          <a:stretch>
-            <a:fillRect/>
-          </a:stretch>
-        </p:blipFill>
-        <p:spPr bwMode="auto">
-          <a:xfrm>
-            <a:off x="920678" y="1472958"/>
-            <a:ext cx="9692640" cy="4832308"/>
-          </a:xfrm>
-          <a:prstGeom prst="rect">
-            <a:avLst/>
-          </a:prstGeom>
-          <a:noFill/>
-          <a:ln>
-            <a:noFill/>
-          </a:ln>
-        </p:spPr>
-      </p:pic>
-    </p:spTree>
-    <p:extLst>
-      <p:ext uri="{BB962C8B-B14F-4D97-AF65-F5344CB8AC3E}">
-        <p14:creationId xmlns:p14="http://schemas.microsoft.com/office/powerpoint/2010/main" val="3714632600"/>
-      </p:ext>
-    </p:extLst>
-  </p:cSld>
-  <p:clrMapOvr>
-    <a:masterClrMapping/>
-  </p:clrMapOvr>
-  <p:timing>
-    <p:tnLst>
-      <p:par>
-        <p:cTn id="1" dur="indefinite" restart="never" nodeType="tmRoot"/>
-      </p:par>
-    </p:tnLst>
-  </p:timing>
-</p:sld>
-</file>
-
-<file path=ppt/slides/slide5.xml><?xml version="1.0" encoding="utf-8"?>
-<p:sld xmlns:a="http://schemas.openxmlformats.org/drawingml/2006/main" xmlns:r="http://schemas.openxmlformats.org/officeDocument/2006/relationships" xmlns:p="http://schemas.openxmlformats.org/presentationml/2006/main">
-  <p:cSld>
-    <p:spTree>
-      <p:nvGrpSpPr>
-        <p:cNvPr id="1" name=""/>
-        <p:cNvGrpSpPr/>
-        <p:nvPr/>
-      </p:nvGrpSpPr>
-      <p:grpSpPr>
-        <a:xfrm>
-          <a:off x="0" y="0"/>
-          <a:ext cx="0" cy="0"/>
-          <a:chOff x="0" y="0"/>
-          <a:chExt cx="0" cy="0"/>
-        </a:xfrm>
-      </p:grpSpPr>
-      <p:sp>
-        <p:nvSpPr>
-          <p:cNvPr id="2" name="Title 1"/>
-          <p:cNvSpPr>
-            <a:spLocks noGrp="1"/>
-          </p:cNvSpPr>
-          <p:nvPr>
-            <p:ph type="title"/>
-          </p:nvPr>
-        </p:nvSpPr>
-        <p:spPr/>
-        <p:txBody>
-          <a:bodyPr>
-            <a:normAutofit fontScale="90000"/>
-          </a:bodyPr>
-          <a:lstStyle/>
-          <a:p>
-            <a:r>
-              <a:rPr lang="en-US">
-                <a:latin typeface="Times New Roman" panose="02020603050405020304" pitchFamily="18" charset="0"/>
-                <a:cs typeface="Times New Roman" panose="02020603050405020304" pitchFamily="18" charset="0"/>
-              </a:rPr>
-              <a:t>CHƯƠNG 3 – </a:t>
-            </a:r>
-            <a:r>
-              <a:rPr lang="en-US" smtClean="0">
-                <a:latin typeface="Times New Roman" panose="02020603050405020304" pitchFamily="18" charset="0"/>
-                <a:cs typeface="Times New Roman" panose="02020603050405020304" pitchFamily="18" charset="0"/>
-              </a:rPr>
-              <a:t>XÂY </a:t>
-            </a:r>
-            <a:r>
-              <a:rPr lang="en-US">
-                <a:latin typeface="Times New Roman" panose="02020603050405020304" pitchFamily="18" charset="0"/>
-                <a:cs typeface="Times New Roman" panose="02020603050405020304" pitchFamily="18" charset="0"/>
-              </a:rPr>
-              <a:t>DỰNG CƠ CHẾ TRẢ LỜI TỰ ĐỘNG</a:t>
-            </a:r>
-            <a:r>
-              <a:rPr lang="vi-VN">
-                <a:latin typeface="Times New Roman" panose="02020603050405020304" pitchFamily="18" charset="0"/>
-                <a:cs typeface="Times New Roman" panose="02020603050405020304" pitchFamily="18" charset="0"/>
-              </a:rPr>
-              <a:t/>
-            </a:r>
-            <a:br>
-              <a:rPr lang="vi-VN">
-                <a:latin typeface="Times New Roman" panose="02020603050405020304" pitchFamily="18" charset="0"/>
-                <a:cs typeface="Times New Roman" panose="02020603050405020304" pitchFamily="18" charset="0"/>
-              </a:rPr>
-            </a:br>
-            <a:endParaRPr lang="vi-VN">
-              <a:latin typeface="Times New Roman" panose="02020603050405020304" pitchFamily="18" charset="0"/>
-              <a:cs typeface="Times New Roman" panose="02020603050405020304" pitchFamily="18" charset="0"/>
-            </a:endParaRPr>
-          </a:p>
-        </p:txBody>
-      </p:sp>
-      <p:sp>
-        <p:nvSpPr>
-          <p:cNvPr id="3" name="Content Placeholder 2"/>
-          <p:cNvSpPr>
-            <a:spLocks noGrp="1"/>
-          </p:cNvSpPr>
-          <p:nvPr>
-            <p:ph idx="1"/>
-          </p:nvPr>
-        </p:nvSpPr>
-        <p:spPr/>
-        <p:txBody>
-          <a:bodyPr>
-            <a:normAutofit/>
-          </a:bodyPr>
-          <a:lstStyle/>
-          <a:p>
-            <a:r>
-              <a:rPr lang="en-US" sz="2800">
-                <a:latin typeface="Times New Roman" panose="02020603050405020304" pitchFamily="18" charset="0"/>
-                <a:cs typeface="Times New Roman" panose="02020603050405020304" pitchFamily="18" charset="0"/>
-              </a:rPr>
-              <a:t>Kiến trúc tổng </a:t>
-            </a:r>
-            <a:r>
-              <a:rPr lang="en-US" sz="2800" smtClean="0">
-                <a:latin typeface="Times New Roman" panose="02020603050405020304" pitchFamily="18" charset="0"/>
-                <a:cs typeface="Times New Roman" panose="02020603050405020304" pitchFamily="18" charset="0"/>
-              </a:rPr>
-              <a:t>quan</a:t>
-            </a:r>
-            <a:r>
-              <a:rPr lang="vi-VN" sz="2800" smtClean="0">
-                <a:latin typeface="Times New Roman" panose="02020603050405020304" pitchFamily="18" charset="0"/>
-                <a:cs typeface="Times New Roman" panose="02020603050405020304" pitchFamily="18" charset="0"/>
-              </a:rPr>
-              <a:t> hệ thống trả lời tự động</a:t>
-            </a:r>
-          </a:p>
-          <a:p>
-            <a:r>
-              <a:rPr lang="en-US" sz="2800" smtClean="0">
-                <a:latin typeface="Times New Roman" panose="02020603050405020304" pitchFamily="18" charset="0"/>
-                <a:cs typeface="Times New Roman" panose="02020603050405020304" pitchFamily="18" charset="0"/>
-              </a:rPr>
-              <a:t>Lọc </a:t>
-            </a:r>
-            <a:r>
-              <a:rPr lang="en-US" sz="2800">
-                <a:latin typeface="Times New Roman" panose="02020603050405020304" pitchFamily="18" charset="0"/>
-                <a:cs typeface="Times New Roman" panose="02020603050405020304" pitchFamily="18" charset="0"/>
-              </a:rPr>
-              <a:t>dữ liệu sử dụng Full Text </a:t>
-            </a:r>
-            <a:r>
-              <a:rPr lang="en-US" sz="2800" smtClean="0">
-                <a:latin typeface="Times New Roman" panose="02020603050405020304" pitchFamily="18" charset="0"/>
-                <a:cs typeface="Times New Roman" panose="02020603050405020304" pitchFamily="18" charset="0"/>
-              </a:rPr>
-              <a:t>Search</a:t>
-            </a:r>
-          </a:p>
-          <a:p>
-            <a:r>
-              <a:rPr lang="en-US" sz="2800">
-                <a:latin typeface="Times New Roman" panose="02020603050405020304" pitchFamily="18" charset="0"/>
-                <a:cs typeface="Times New Roman" panose="02020603050405020304" pitchFamily="18" charset="0"/>
-              </a:rPr>
-              <a:t>Tách từ</a:t>
-            </a:r>
-            <a:endParaRPr lang="en-US" sz="2800" smtClean="0">
-              <a:latin typeface="Times New Roman" panose="02020603050405020304" pitchFamily="18" charset="0"/>
-              <a:cs typeface="Times New Roman" panose="02020603050405020304" pitchFamily="18" charset="0"/>
-            </a:endParaRPr>
-          </a:p>
-          <a:p>
-            <a:r>
-              <a:rPr lang="en-US" sz="2800">
-                <a:latin typeface="Times New Roman" panose="02020603050405020304" pitchFamily="18" charset="0"/>
-                <a:cs typeface="Times New Roman" panose="02020603050405020304" pitchFamily="18" charset="0"/>
-              </a:rPr>
-              <a:t>Phân loại câu hỏi sử dụng Maximum entropy classifier</a:t>
-            </a:r>
-            <a:endParaRPr lang="en-US" sz="2800" smtClean="0">
-              <a:latin typeface="Times New Roman" panose="02020603050405020304" pitchFamily="18" charset="0"/>
-              <a:cs typeface="Times New Roman" panose="02020603050405020304" pitchFamily="18" charset="0"/>
-            </a:endParaRPr>
-          </a:p>
-          <a:p>
-            <a:r>
-              <a:rPr lang="fr-FR" sz="2800">
-                <a:latin typeface="Times New Roman" panose="02020603050405020304" pitchFamily="18" charset="0"/>
-                <a:cs typeface="Times New Roman" panose="02020603050405020304" pitchFamily="18" charset="0"/>
-              </a:rPr>
-              <a:t>Đo độ tương tự giữa các câu </a:t>
-            </a:r>
-            <a:r>
-              <a:rPr lang="fr-FR" sz="2800" smtClean="0">
-                <a:latin typeface="Times New Roman" panose="02020603050405020304" pitchFamily="18" charset="0"/>
-                <a:cs typeface="Times New Roman" panose="02020603050405020304" pitchFamily="18" charset="0"/>
-              </a:rPr>
-              <a:t>hỏi</a:t>
-            </a:r>
-            <a:endParaRPr lang="vi-VN" sz="2800">
-              <a:latin typeface="Times New Roman" panose="02020603050405020304" pitchFamily="18" charset="0"/>
-              <a:cs typeface="Times New Roman" panose="02020603050405020304" pitchFamily="18" charset="0"/>
-            </a:endParaRPr>
-          </a:p>
-        </p:txBody>
-      </p:sp>
-    </p:spTree>
-    <p:extLst>
-      <p:ext uri="{BB962C8B-B14F-4D97-AF65-F5344CB8AC3E}">
-        <p14:creationId xmlns:p14="http://schemas.microsoft.com/office/powerpoint/2010/main" val="2702124910"/>
-      </p:ext>
-    </p:extLst>
-  </p:cSld>
-  <p:clrMapOvr>
-    <a:masterClrMapping/>
-  </p:clrMapOvr>
-  <p:timing>
-    <p:tnLst>
-      <p:par>
-        <p:cTn id="1" dur="indefinite" restart="never" nodeType="tmRoot"/>
-      </p:par>
-    </p:tnLst>
-  </p:timing>
-</p:sld>
-</file>
-
-<file path=ppt/slides/slide6.xml><?xml version="1.0" encoding="utf-8"?>
+<file path=ppt/slides/slide10.xml><?xml version="1.0" encoding="utf-8"?>
 <p:sld xmlns:a="http://schemas.openxmlformats.org/drawingml/2006/main" xmlns:r="http://schemas.openxmlformats.org/officeDocument/2006/relationships" xmlns:p="http://schemas.openxmlformats.org/presentationml/2006/main">
   <p:cSld>
     <p:spTree>
@@ -4310,7 +3676,7 @@
 </p:sld>
 </file>
 
-<file path=ppt/slides/slide7.xml><?xml version="1.0" encoding="utf-8"?>
+<file path=ppt/slides/slide11.xml><?xml version="1.0" encoding="utf-8"?>
 <p:sld xmlns:a="http://schemas.openxmlformats.org/drawingml/2006/main" xmlns:r="http://schemas.openxmlformats.org/officeDocument/2006/relationships" xmlns:p="http://schemas.openxmlformats.org/presentationml/2006/main">
   <p:cSld>
     <p:spTree>
@@ -4512,7 +3878,7 @@
 </p:sld>
 </file>
 
-<file path=ppt/slides/slide8.xml><?xml version="1.0" encoding="utf-8"?>
+<file path=ppt/slides/slide12.xml><?xml version="1.0" encoding="utf-8"?>
 <p:sld xmlns:a="http://schemas.openxmlformats.org/drawingml/2006/main" xmlns:r="http://schemas.openxmlformats.org/officeDocument/2006/relationships" xmlns:p="http://schemas.openxmlformats.org/presentationml/2006/main">
   <p:cSld>
     <p:spTree>
@@ -4620,6 +3986,1604 @@
 </p:sld>
 </file>
 
+<file path=ppt/slides/slide13.xml><?xml version="1.0" encoding="utf-8"?>
+<p:sld xmlns:a="http://schemas.openxmlformats.org/drawingml/2006/main" xmlns:r="http://schemas.openxmlformats.org/officeDocument/2006/relationships" xmlns:p="http://schemas.openxmlformats.org/presentationml/2006/main">
+  <p:cSld>
+    <p:spTree>
+      <p:nvGrpSpPr>
+        <p:cNvPr id="1" name=""/>
+        <p:cNvGrpSpPr/>
+        <p:nvPr/>
+      </p:nvGrpSpPr>
+      <p:grpSpPr>
+        <a:xfrm>
+          <a:off x="0" y="0"/>
+          <a:ext cx="0" cy="0"/>
+          <a:chOff x="0" y="0"/>
+          <a:chExt cx="0" cy="0"/>
+        </a:xfrm>
+      </p:grpSpPr>
+      <p:sp>
+        <p:nvSpPr>
+          <p:cNvPr id="2" name="Title 1"/>
+          <p:cNvSpPr>
+            <a:spLocks noGrp="1"/>
+          </p:cNvSpPr>
+          <p:nvPr>
+            <p:ph type="title"/>
+          </p:nvPr>
+        </p:nvSpPr>
+        <p:spPr/>
+        <p:txBody>
+          <a:bodyPr/>
+          <a:lstStyle/>
+          <a:p>
+            <a:r>
+              <a:rPr lang="en-US" b="1">
+                <a:latin typeface="Times New Roman" panose="02020603050405020304" pitchFamily="18" charset="0"/>
+                <a:cs typeface="Times New Roman" panose="02020603050405020304" pitchFamily="18" charset="0"/>
+              </a:rPr>
+              <a:t>CHƯƠNG 5– TỔNG KẾT</a:t>
+            </a:r>
+            <a:r>
+              <a:rPr lang="vi-VN" b="1">
+                <a:latin typeface="Times New Roman" panose="02020603050405020304" pitchFamily="18" charset="0"/>
+                <a:cs typeface="Times New Roman" panose="02020603050405020304" pitchFamily="18" charset="0"/>
+              </a:rPr>
+              <a:t/>
+            </a:r>
+            <a:br>
+              <a:rPr lang="vi-VN" b="1">
+                <a:latin typeface="Times New Roman" panose="02020603050405020304" pitchFamily="18" charset="0"/>
+                <a:cs typeface="Times New Roman" panose="02020603050405020304" pitchFamily="18" charset="0"/>
+              </a:rPr>
+            </a:br>
+            <a:endParaRPr lang="vi-VN">
+              <a:latin typeface="Times New Roman" panose="02020603050405020304" pitchFamily="18" charset="0"/>
+              <a:cs typeface="Times New Roman" panose="02020603050405020304" pitchFamily="18" charset="0"/>
+            </a:endParaRPr>
+          </a:p>
+        </p:txBody>
+      </p:sp>
+      <p:sp>
+        <p:nvSpPr>
+          <p:cNvPr id="3" name="Content Placeholder 2"/>
+          <p:cNvSpPr>
+            <a:spLocks noGrp="1"/>
+          </p:cNvSpPr>
+          <p:nvPr>
+            <p:ph idx="1"/>
+          </p:nvPr>
+        </p:nvSpPr>
+        <p:spPr/>
+        <p:txBody>
+          <a:bodyPr/>
+          <a:lstStyle/>
+          <a:p>
+            <a:r>
+              <a:rPr lang="en-US" sz="2800">
+                <a:latin typeface="Times New Roman" panose="02020603050405020304" pitchFamily="18" charset="0"/>
+                <a:cs typeface="Times New Roman" panose="02020603050405020304" pitchFamily="18" charset="0"/>
+              </a:rPr>
+              <a:t>Các vấn đề đã làm được:</a:t>
+            </a:r>
+            <a:endParaRPr lang="vi-VN" sz="2800">
+              <a:latin typeface="Times New Roman" panose="02020603050405020304" pitchFamily="18" charset="0"/>
+              <a:cs typeface="Times New Roman" panose="02020603050405020304" pitchFamily="18" charset="0"/>
+            </a:endParaRPr>
+          </a:p>
+          <a:p>
+            <a:r>
+              <a:rPr lang="en-US" sz="2800">
+                <a:latin typeface="Times New Roman" panose="02020603050405020304" pitchFamily="18" charset="0"/>
+                <a:cs typeface="Times New Roman" panose="02020603050405020304" pitchFamily="18" charset="0"/>
+              </a:rPr>
+              <a:t>Các vấn đề chưa làm được:</a:t>
+            </a:r>
+            <a:endParaRPr lang="vi-VN" sz="2800">
+              <a:latin typeface="Times New Roman" panose="02020603050405020304" pitchFamily="18" charset="0"/>
+              <a:cs typeface="Times New Roman" panose="02020603050405020304" pitchFamily="18" charset="0"/>
+            </a:endParaRPr>
+          </a:p>
+          <a:p>
+            <a:r>
+              <a:rPr lang="en-US" sz="2800">
+                <a:latin typeface="Times New Roman" panose="02020603050405020304" pitchFamily="18" charset="0"/>
+                <a:cs typeface="Times New Roman" panose="02020603050405020304" pitchFamily="18" charset="0"/>
+              </a:rPr>
+              <a:t>Hướng phát triển cho tương </a:t>
+            </a:r>
+            <a:r>
+              <a:rPr lang="en-US" sz="2800" smtClean="0">
+                <a:latin typeface="Times New Roman" panose="02020603050405020304" pitchFamily="18" charset="0"/>
+                <a:cs typeface="Times New Roman" panose="02020603050405020304" pitchFamily="18" charset="0"/>
+              </a:rPr>
+              <a:t>lai</a:t>
+            </a:r>
+            <a:endParaRPr lang="vi-VN" sz="2800">
+              <a:latin typeface="Times New Roman" panose="02020603050405020304" pitchFamily="18" charset="0"/>
+              <a:cs typeface="Times New Roman" panose="02020603050405020304" pitchFamily="18" charset="0"/>
+            </a:endParaRPr>
+          </a:p>
+          <a:p>
+            <a:endParaRPr lang="vi-VN"/>
+          </a:p>
+        </p:txBody>
+      </p:sp>
+    </p:spTree>
+    <p:extLst>
+      <p:ext uri="{BB962C8B-B14F-4D97-AF65-F5344CB8AC3E}">
+        <p14:creationId xmlns:p14="http://schemas.microsoft.com/office/powerpoint/2010/main" val="2787953767"/>
+      </p:ext>
+    </p:extLst>
+  </p:cSld>
+  <p:clrMapOvr>
+    <a:masterClrMapping/>
+  </p:clrMapOvr>
+  <p:timing>
+    <p:tnLst>
+      <p:par>
+        <p:cTn id="1" dur="indefinite" restart="never" nodeType="tmRoot"/>
+      </p:par>
+    </p:tnLst>
+  </p:timing>
+</p:sld>
+</file>
+
+<file path=ppt/slides/slide2.xml><?xml version="1.0" encoding="utf-8"?>
+<p:sld xmlns:a="http://schemas.openxmlformats.org/drawingml/2006/main" xmlns:r="http://schemas.openxmlformats.org/officeDocument/2006/relationships" xmlns:p="http://schemas.openxmlformats.org/presentationml/2006/main">
+  <p:cSld>
+    <p:spTree>
+      <p:nvGrpSpPr>
+        <p:cNvPr id="1" name=""/>
+        <p:cNvGrpSpPr/>
+        <p:nvPr/>
+      </p:nvGrpSpPr>
+      <p:grpSpPr>
+        <a:xfrm>
+          <a:off x="0" y="0"/>
+          <a:ext cx="0" cy="0"/>
+          <a:chOff x="0" y="0"/>
+          <a:chExt cx="0" cy="0"/>
+        </a:xfrm>
+      </p:grpSpPr>
+      <p:sp>
+        <p:nvSpPr>
+          <p:cNvPr id="2" name="Title 1"/>
+          <p:cNvSpPr>
+            <a:spLocks noGrp="1"/>
+          </p:cNvSpPr>
+          <p:nvPr>
+            <p:ph type="title"/>
+          </p:nvPr>
+        </p:nvSpPr>
+        <p:spPr/>
+        <p:txBody>
+          <a:bodyPr>
+            <a:normAutofit/>
+          </a:bodyPr>
+          <a:lstStyle/>
+          <a:p>
+            <a:r>
+              <a:rPr lang="en-US" sz="3800" smtClean="0">
+                <a:latin typeface="Times New Roman" panose="02020603050405020304" pitchFamily="18" charset="0"/>
+                <a:cs typeface="Times New Roman" panose="02020603050405020304" pitchFamily="18" charset="0"/>
+              </a:rPr>
+              <a:t>CHƯƠNG 1: MỞ ĐẦU</a:t>
+            </a:r>
+            <a:endParaRPr lang="vi-VN" sz="3800">
+              <a:latin typeface="Times New Roman" panose="02020603050405020304" pitchFamily="18" charset="0"/>
+              <a:cs typeface="Times New Roman" panose="02020603050405020304" pitchFamily="18" charset="0"/>
+            </a:endParaRPr>
+          </a:p>
+        </p:txBody>
+      </p:sp>
+      <p:sp>
+        <p:nvSpPr>
+          <p:cNvPr id="3" name="Content Placeholder 2"/>
+          <p:cNvSpPr>
+            <a:spLocks noGrp="1"/>
+          </p:cNvSpPr>
+          <p:nvPr>
+            <p:ph idx="1"/>
+          </p:nvPr>
+        </p:nvSpPr>
+        <p:spPr/>
+        <p:txBody>
+          <a:bodyPr>
+            <a:normAutofit/>
+          </a:bodyPr>
+          <a:lstStyle/>
+          <a:p>
+            <a:pPr marL="0" indent="0">
+              <a:buNone/>
+            </a:pPr>
+            <a:r>
+              <a:rPr lang="en-US" sz="2000" b="1" smtClean="0">
+                <a:latin typeface="Times New Roman" panose="02020603050405020304" pitchFamily="18" charset="0"/>
+                <a:cs typeface="Times New Roman" panose="02020603050405020304" pitchFamily="18" charset="0"/>
+              </a:rPr>
+              <a:t>1.Giới </a:t>
+            </a:r>
+            <a:r>
+              <a:rPr lang="en-US" sz="2000" b="1">
+                <a:latin typeface="Times New Roman" panose="02020603050405020304" pitchFamily="18" charset="0"/>
+                <a:cs typeface="Times New Roman" panose="02020603050405020304" pitchFamily="18" charset="0"/>
+              </a:rPr>
+              <a:t>Thiệu Hệ Thống Hỏi Đáp Tự </a:t>
+            </a:r>
+            <a:r>
+              <a:rPr lang="en-US" sz="2000" b="1" smtClean="0">
+                <a:latin typeface="Times New Roman" panose="02020603050405020304" pitchFamily="18" charset="0"/>
+                <a:cs typeface="Times New Roman" panose="02020603050405020304" pitchFamily="18" charset="0"/>
+              </a:rPr>
+              <a:t>Động</a:t>
+            </a:r>
+            <a:r>
+              <a:rPr lang="en-US" sz="2000" smtClean="0">
+                <a:latin typeface="Times New Roman" panose="02020603050405020304" pitchFamily="18" charset="0"/>
+                <a:cs typeface="Times New Roman" panose="02020603050405020304" pitchFamily="18" charset="0"/>
+              </a:rPr>
+              <a:t>:</a:t>
+            </a:r>
+          </a:p>
+          <a:p>
+            <a:pPr marL="548640" lvl="2" indent="0">
+              <a:lnSpc>
+                <a:spcPct val="170000"/>
+              </a:lnSpc>
+              <a:buNone/>
+            </a:pPr>
+            <a:r>
+              <a:rPr lang="en-US" sz="1900" smtClean="0">
+                <a:latin typeface="Times New Roman" panose="02020603050405020304" pitchFamily="18" charset="0"/>
+                <a:cs typeface="Times New Roman" panose="02020603050405020304" pitchFamily="18" charset="0"/>
+              </a:rPr>
+              <a:t>Ngày </a:t>
+            </a:r>
+            <a:r>
+              <a:rPr lang="en-US" sz="1900">
+                <a:latin typeface="Times New Roman" panose="02020603050405020304" pitchFamily="18" charset="0"/>
+                <a:cs typeface="Times New Roman" panose="02020603050405020304" pitchFamily="18" charset="0"/>
+              </a:rPr>
+              <a:t>nay hệ thống internet phát triển với một </a:t>
+            </a:r>
+            <a:r>
+              <a:rPr lang="en-US" sz="1900">
+                <a:latin typeface="Times New Roman" panose="02020603050405020304" pitchFamily="18" charset="0"/>
+                <a:cs typeface="Times New Roman" panose="02020603050405020304" pitchFamily="18" charset="0"/>
+              </a:rPr>
+              <a:t>khối </a:t>
+            </a:r>
+            <a:r>
+              <a:rPr lang="en-US" sz="1900" smtClean="0">
+                <a:latin typeface="Times New Roman" panose="02020603050405020304" pitchFamily="18" charset="0"/>
+                <a:cs typeface="Times New Roman" panose="02020603050405020304" pitchFamily="18" charset="0"/>
+              </a:rPr>
+              <a:t>lượng </a:t>
+            </a:r>
+            <a:r>
+              <a:rPr lang="en-US" sz="1900">
+                <a:latin typeface="Times New Roman" panose="02020603050405020304" pitchFamily="18" charset="0"/>
+                <a:cs typeface="Times New Roman" panose="02020603050405020304" pitchFamily="18" charset="0"/>
+              </a:rPr>
+              <a:t>dữ liệu khổng lồ dẫn đến việc tìm </a:t>
+            </a:r>
+            <a:r>
+              <a:rPr lang="en-US" sz="1900">
+                <a:latin typeface="Times New Roman" panose="02020603050405020304" pitchFamily="18" charset="0"/>
+                <a:cs typeface="Times New Roman" panose="02020603050405020304" pitchFamily="18" charset="0"/>
+              </a:rPr>
+              <a:t>kiếm </a:t>
+            </a:r>
+            <a:r>
+              <a:rPr lang="en-US" sz="1900" smtClean="0">
+                <a:latin typeface="Times New Roman" panose="02020603050405020304" pitchFamily="18" charset="0"/>
+                <a:cs typeface="Times New Roman" panose="02020603050405020304" pitchFamily="18" charset="0"/>
+              </a:rPr>
+              <a:t>thông tin sẽ </a:t>
+            </a:r>
+            <a:r>
+              <a:rPr lang="en-US" sz="1900">
+                <a:latin typeface="Times New Roman" panose="02020603050405020304" pitchFamily="18" charset="0"/>
+                <a:cs typeface="Times New Roman" panose="02020603050405020304" pitchFamily="18" charset="0"/>
+              </a:rPr>
+              <a:t>gặp khó khăn cùng với đó là </a:t>
+            </a:r>
+            <a:r>
+              <a:rPr lang="en-US" sz="1900">
+                <a:latin typeface="Times New Roman" panose="02020603050405020304" pitchFamily="18" charset="0"/>
+                <a:cs typeface="Times New Roman" panose="02020603050405020304" pitchFamily="18" charset="0"/>
+              </a:rPr>
+              <a:t>sự </a:t>
+            </a:r>
+            <a:r>
+              <a:rPr lang="en-US" sz="1900" smtClean="0">
+                <a:latin typeface="Times New Roman" panose="02020603050405020304" pitchFamily="18" charset="0"/>
+                <a:cs typeface="Times New Roman" panose="02020603050405020304" pitchFamily="18" charset="0"/>
+              </a:rPr>
+              <a:t>nguồn thông tin từ nhiều chiều </a:t>
+            </a:r>
+            <a:r>
+              <a:rPr lang="en-US" sz="1900">
+                <a:latin typeface="Times New Roman" panose="02020603050405020304" pitchFamily="18" charset="0"/>
+                <a:cs typeface="Times New Roman" panose="02020603050405020304" pitchFamily="18" charset="0"/>
+              </a:rPr>
+              <a:t>cũng có thể dẫn tới việc nắm bắt sai thông </a:t>
+            </a:r>
+            <a:r>
+              <a:rPr lang="en-US" sz="1900">
+                <a:latin typeface="Times New Roman" panose="02020603050405020304" pitchFamily="18" charset="0"/>
+                <a:cs typeface="Times New Roman" panose="02020603050405020304" pitchFamily="18" charset="0"/>
+              </a:rPr>
+              <a:t>tin</a:t>
+            </a:r>
+            <a:r>
+              <a:rPr lang="en-US" sz="1900" smtClean="0">
+                <a:latin typeface="Times New Roman" panose="02020603050405020304" pitchFamily="18" charset="0"/>
+                <a:cs typeface="Times New Roman" panose="02020603050405020304" pitchFamily="18" charset="0"/>
+              </a:rPr>
+              <a:t>.</a:t>
+            </a:r>
+          </a:p>
+          <a:p>
+            <a:pPr marL="548640" lvl="2" indent="0">
+              <a:buNone/>
+            </a:pPr>
+            <a:endParaRPr lang="en-US" sz="1900" smtClean="0">
+              <a:latin typeface="Times New Roman" panose="02020603050405020304" pitchFamily="18" charset="0"/>
+              <a:cs typeface="Times New Roman" panose="02020603050405020304" pitchFamily="18" charset="0"/>
+            </a:endParaRPr>
+          </a:p>
+          <a:p>
+            <a:pPr marL="548640" lvl="2" indent="0">
+              <a:lnSpc>
+                <a:spcPct val="170000"/>
+              </a:lnSpc>
+              <a:buNone/>
+            </a:pPr>
+            <a:r>
+              <a:rPr lang="en-US" sz="1900">
+                <a:latin typeface="Times New Roman" panose="02020603050405020304" pitchFamily="18" charset="0"/>
+                <a:cs typeface="Times New Roman" panose="02020603050405020304" pitchFamily="18" charset="0"/>
+              </a:rPr>
+              <a:t>Thông tin tìm kiếm đôi khỉ chỉ dừng ở mức tài liệu nghiên cứu, còn hệ thống hỏi đáp sẽ cho ta một câu trả lời ngắn gọn nhất có thể và đôi khi là 1 hướng giải quyết vấn đề từ những người đi trước.</a:t>
+            </a:r>
+            <a:endParaRPr lang="vi-VN" sz="1900">
+              <a:latin typeface="Times New Roman" panose="02020603050405020304" pitchFamily="18" charset="0"/>
+              <a:cs typeface="Times New Roman" panose="02020603050405020304" pitchFamily="18" charset="0"/>
+            </a:endParaRPr>
+          </a:p>
+          <a:p>
+            <a:pPr marL="548640" lvl="2" indent="0">
+              <a:buNone/>
+            </a:pPr>
+            <a:endParaRPr lang="vi-VN" sz="2800"/>
+          </a:p>
+          <a:p>
+            <a:pPr marL="571500" indent="-571500">
+              <a:buFont typeface="+mj-lt"/>
+              <a:buAutoNum type="romanUcPeriod"/>
+            </a:pPr>
+            <a:endParaRPr lang="en-US" sz="3000" smtClean="0">
+              <a:latin typeface="Times New Roman" panose="02020603050405020304" pitchFamily="18" charset="0"/>
+              <a:cs typeface="Times New Roman" panose="02020603050405020304" pitchFamily="18" charset="0"/>
+            </a:endParaRPr>
+          </a:p>
+          <a:p>
+            <a:pPr marL="571500" indent="-571500">
+              <a:buFont typeface="+mj-lt"/>
+              <a:buAutoNum type="romanUcPeriod"/>
+            </a:pPr>
+            <a:endParaRPr lang="en-US" sz="3000">
+              <a:latin typeface="Times New Roman" panose="02020603050405020304" pitchFamily="18" charset="0"/>
+              <a:cs typeface="Times New Roman" panose="02020603050405020304" pitchFamily="18" charset="0"/>
+            </a:endParaRPr>
+          </a:p>
+          <a:p>
+            <a:pPr marL="571500" indent="-571500">
+              <a:buFont typeface="+mj-lt"/>
+              <a:buAutoNum type="romanUcPeriod"/>
+            </a:pPr>
+            <a:endParaRPr lang="en-US" sz="3000" smtClean="0">
+              <a:latin typeface="Times New Roman" panose="02020603050405020304" pitchFamily="18" charset="0"/>
+              <a:cs typeface="Times New Roman" panose="02020603050405020304" pitchFamily="18" charset="0"/>
+            </a:endParaRPr>
+          </a:p>
+          <a:p>
+            <a:pPr marL="571500" indent="-571500">
+              <a:buFont typeface="+mj-lt"/>
+              <a:buAutoNum type="romanUcPeriod"/>
+            </a:pPr>
+            <a:endParaRPr lang="en-US" sz="3000" smtClean="0">
+              <a:latin typeface="Times New Roman" panose="02020603050405020304" pitchFamily="18" charset="0"/>
+              <a:cs typeface="Times New Roman" panose="02020603050405020304" pitchFamily="18" charset="0"/>
+            </a:endParaRPr>
+          </a:p>
+        </p:txBody>
+      </p:sp>
+    </p:spTree>
+    <p:extLst>
+      <p:ext uri="{BB962C8B-B14F-4D97-AF65-F5344CB8AC3E}">
+        <p14:creationId xmlns:p14="http://schemas.microsoft.com/office/powerpoint/2010/main" val="1959882576"/>
+      </p:ext>
+    </p:extLst>
+  </p:cSld>
+  <p:clrMapOvr>
+    <a:masterClrMapping/>
+  </p:clrMapOvr>
+  <p:timing>
+    <p:tnLst>
+      <p:par>
+        <p:cTn id="1" dur="indefinite" restart="never" nodeType="tmRoot"/>
+      </p:par>
+    </p:tnLst>
+  </p:timing>
+</p:sld>
+</file>
+
+<file path=ppt/slides/slide3.xml><?xml version="1.0" encoding="utf-8"?>
+<p:sld xmlns:a="http://schemas.openxmlformats.org/drawingml/2006/main" xmlns:r="http://schemas.openxmlformats.org/officeDocument/2006/relationships" xmlns:p="http://schemas.openxmlformats.org/presentationml/2006/main">
+  <p:cSld>
+    <p:spTree>
+      <p:nvGrpSpPr>
+        <p:cNvPr id="1" name=""/>
+        <p:cNvGrpSpPr/>
+        <p:nvPr/>
+      </p:nvGrpSpPr>
+      <p:grpSpPr>
+        <a:xfrm>
+          <a:off x="0" y="0"/>
+          <a:ext cx="0" cy="0"/>
+          <a:chOff x="0" y="0"/>
+          <a:chExt cx="0" cy="0"/>
+        </a:xfrm>
+      </p:grpSpPr>
+      <p:sp>
+        <p:nvSpPr>
+          <p:cNvPr id="2" name="Title 1"/>
+          <p:cNvSpPr>
+            <a:spLocks noGrp="1"/>
+          </p:cNvSpPr>
+          <p:nvPr>
+            <p:ph type="title"/>
+          </p:nvPr>
+        </p:nvSpPr>
+        <p:spPr>
+          <a:xfrm>
+            <a:off x="374767" y="0"/>
+            <a:ext cx="9692640" cy="1325562"/>
+          </a:xfrm>
+        </p:spPr>
+        <p:txBody>
+          <a:bodyPr/>
+          <a:lstStyle/>
+          <a:p>
+            <a:endParaRPr lang="vi-VN"/>
+          </a:p>
+        </p:txBody>
+      </p:sp>
+      <p:sp>
+        <p:nvSpPr>
+          <p:cNvPr id="3" name="Content Placeholder 2"/>
+          <p:cNvSpPr>
+            <a:spLocks noGrp="1"/>
+          </p:cNvSpPr>
+          <p:nvPr>
+            <p:ph idx="1"/>
+          </p:nvPr>
+        </p:nvSpPr>
+        <p:spPr>
+          <a:xfrm>
+            <a:off x="754515" y="1645420"/>
+            <a:ext cx="8933143" cy="4351337"/>
+          </a:xfrm>
+        </p:spPr>
+        <p:txBody>
+          <a:bodyPr>
+            <a:normAutofit fontScale="92500" lnSpcReduction="10000"/>
+          </a:bodyPr>
+          <a:lstStyle/>
+          <a:p>
+            <a:pPr marL="0" indent="0">
+              <a:buNone/>
+            </a:pPr>
+            <a:r>
+              <a:rPr lang="en-US" sz="2600" b="1">
+                <a:latin typeface="Times New Roman" panose="02020603050405020304" pitchFamily="18" charset="0"/>
+                <a:cs typeface="Times New Roman" panose="02020603050405020304" pitchFamily="18" charset="0"/>
+              </a:rPr>
+              <a:t>Hệ </a:t>
+            </a:r>
+            <a:r>
+              <a:rPr lang="en-US" sz="2200" b="1">
+                <a:latin typeface="Times New Roman" panose="02020603050405020304" pitchFamily="18" charset="0"/>
+                <a:cs typeface="Times New Roman" panose="02020603050405020304" pitchFamily="18" charset="0"/>
+              </a:rPr>
+              <a:t>thống</a:t>
+            </a:r>
+            <a:r>
+              <a:rPr lang="en-US" sz="2600" b="1">
+                <a:latin typeface="Times New Roman" panose="02020603050405020304" pitchFamily="18" charset="0"/>
+                <a:cs typeface="Times New Roman" panose="02020603050405020304" pitchFamily="18" charset="0"/>
+              </a:rPr>
+              <a:t> hỏi đáp là gì:</a:t>
+            </a:r>
+            <a:endParaRPr lang="vi-VN" sz="2600" b="1">
+              <a:latin typeface="Times New Roman" panose="02020603050405020304" pitchFamily="18" charset="0"/>
+              <a:cs typeface="Times New Roman" panose="02020603050405020304" pitchFamily="18" charset="0"/>
+            </a:endParaRPr>
+          </a:p>
+          <a:p>
+            <a:pPr marL="274320" lvl="1" indent="0">
+              <a:lnSpc>
+                <a:spcPct val="150000"/>
+              </a:lnSpc>
+              <a:buNone/>
+            </a:pPr>
+            <a:r>
+              <a:rPr lang="en-US" sz="1900">
+                <a:latin typeface="Times New Roman" panose="02020603050405020304" pitchFamily="18" charset="0"/>
+                <a:cs typeface="Times New Roman" panose="02020603050405020304" pitchFamily="18" charset="0"/>
+              </a:rPr>
+              <a:t>Hệ thống hỏi đáp là hệ thống cho phép người dùng đặt câu hỏi và nhận được câu trả lời về những vấn đề mà họ đang gặp khó khăn và chưa tìm ra hướng </a:t>
+            </a:r>
+            <a:r>
+              <a:rPr lang="en-US" sz="1900">
+                <a:latin typeface="Times New Roman" panose="02020603050405020304" pitchFamily="18" charset="0"/>
+                <a:cs typeface="Times New Roman" panose="02020603050405020304" pitchFamily="18" charset="0"/>
+              </a:rPr>
+              <a:t>giải </a:t>
+            </a:r>
+            <a:r>
+              <a:rPr lang="en-US" sz="1900" smtClean="0">
+                <a:latin typeface="Times New Roman" panose="02020603050405020304" pitchFamily="18" charset="0"/>
+                <a:cs typeface="Times New Roman" panose="02020603050405020304" pitchFamily="18" charset="0"/>
+              </a:rPr>
+              <a:t>quyết đồng thời là </a:t>
+            </a:r>
+            <a:r>
+              <a:rPr lang="en-US" sz="1900">
+                <a:latin typeface="Times New Roman" panose="02020603050405020304" pitchFamily="18" charset="0"/>
+                <a:cs typeface="Times New Roman" panose="02020603050405020304" pitchFamily="18" charset="0"/>
+              </a:rPr>
+              <a:t>nơi tập trung các </a:t>
+            </a:r>
+            <a:r>
+              <a:rPr lang="en-US" sz="1900">
+                <a:latin typeface="Times New Roman" panose="02020603050405020304" pitchFamily="18" charset="0"/>
+                <a:cs typeface="Times New Roman" panose="02020603050405020304" pitchFamily="18" charset="0"/>
+              </a:rPr>
+              <a:t>kiến </a:t>
+            </a:r>
+            <a:r>
+              <a:rPr lang="en-US" sz="1900" smtClean="0">
+                <a:latin typeface="Times New Roman" panose="02020603050405020304" pitchFamily="18" charset="0"/>
+                <a:cs typeface="Times New Roman" panose="02020603050405020304" pitchFamily="18" charset="0"/>
+              </a:rPr>
+              <a:t>thứ, đồng thời cũng </a:t>
+            </a:r>
+            <a:r>
+              <a:rPr lang="en-US" sz="1900">
+                <a:latin typeface="Times New Roman" panose="02020603050405020304" pitchFamily="18" charset="0"/>
+                <a:cs typeface="Times New Roman" panose="02020603050405020304" pitchFamily="18" charset="0"/>
+              </a:rPr>
+              <a:t>là thế giới thông tin mở và là kho tàng </a:t>
+            </a:r>
+            <a:r>
+              <a:rPr lang="en-US" sz="1900">
+                <a:latin typeface="Times New Roman" panose="02020603050405020304" pitchFamily="18" charset="0"/>
+                <a:cs typeface="Times New Roman" panose="02020603050405020304" pitchFamily="18" charset="0"/>
+              </a:rPr>
+              <a:t>kiến </a:t>
+            </a:r>
+            <a:r>
+              <a:rPr lang="en-US" sz="1900" smtClean="0">
+                <a:latin typeface="Times New Roman" panose="02020603050405020304" pitchFamily="18" charset="0"/>
+                <a:cs typeface="Times New Roman" panose="02020603050405020304" pitchFamily="18" charset="0"/>
+              </a:rPr>
+              <a:t>thức.</a:t>
+            </a:r>
+          </a:p>
+          <a:p>
+            <a:pPr marL="274320" lvl="1" indent="0">
+              <a:lnSpc>
+                <a:spcPct val="150000"/>
+              </a:lnSpc>
+              <a:buNone/>
+            </a:pPr>
+            <a:r>
+              <a:rPr lang="en-US" sz="1900" smtClean="0">
+                <a:latin typeface="Times New Roman" panose="02020603050405020304" pitchFamily="18" charset="0"/>
+                <a:cs typeface="Times New Roman" panose="02020603050405020304" pitchFamily="18" charset="0"/>
+              </a:rPr>
+              <a:t>Có 2 hệ thống hỏi đáp:</a:t>
+            </a:r>
+          </a:p>
+          <a:p>
+            <a:pPr lvl="1">
+              <a:lnSpc>
+                <a:spcPct val="160000"/>
+              </a:lnSpc>
+            </a:pPr>
+            <a:r>
+              <a:rPr lang="en-US" sz="1900">
+                <a:latin typeface="Times New Roman" panose="02020603050405020304" pitchFamily="18" charset="0"/>
+                <a:cs typeface="Times New Roman" panose="02020603050405020304" pitchFamily="18" charset="0"/>
+              </a:rPr>
+              <a:t>Hỏi đáp dựa trên cộng đồng (Community Question Answering System): dữ liệu được thu thập chủ yếu từ những cơ sở tri thức trên internet để xây dựng nên hệ thống.</a:t>
+            </a:r>
+            <a:endParaRPr lang="vi-VN" sz="1900">
+              <a:latin typeface="Times New Roman" panose="02020603050405020304" pitchFamily="18" charset="0"/>
+              <a:cs typeface="Times New Roman" panose="02020603050405020304" pitchFamily="18" charset="0"/>
+            </a:endParaRPr>
+          </a:p>
+          <a:p>
+            <a:pPr lvl="1">
+              <a:lnSpc>
+                <a:spcPct val="160000"/>
+              </a:lnSpc>
+            </a:pPr>
+            <a:r>
+              <a:rPr lang="en-US" sz="1900">
+                <a:latin typeface="Times New Roman" panose="02020603050405020304" pitchFamily="18" charset="0"/>
+                <a:cs typeface="Times New Roman" panose="02020603050405020304" pitchFamily="18" charset="0"/>
+              </a:rPr>
+              <a:t>Hỏi đáp dựa trên bộ sinh (Generative Question Answering System): Câu trả lời sẽ tự động được sinh ra đáp ứng nhu cầu hỏi đáp được xây dựng từ các tri thức có sẵn và sinh ra câu trả lời.</a:t>
+            </a:r>
+            <a:endParaRPr lang="vi-VN" sz="1900">
+              <a:latin typeface="Times New Roman" panose="02020603050405020304" pitchFamily="18" charset="0"/>
+              <a:cs typeface="Times New Roman" panose="02020603050405020304" pitchFamily="18" charset="0"/>
+            </a:endParaRPr>
+          </a:p>
+          <a:p>
+            <a:pPr marL="274320" lvl="1" indent="0">
+              <a:lnSpc>
+                <a:spcPct val="150000"/>
+              </a:lnSpc>
+              <a:buNone/>
+            </a:pPr>
+            <a:endParaRPr lang="en-US" sz="2000" smtClean="0">
+              <a:latin typeface="Times New Roman" panose="02020603050405020304" pitchFamily="18" charset="0"/>
+              <a:cs typeface="Times New Roman" panose="02020603050405020304" pitchFamily="18" charset="0"/>
+            </a:endParaRPr>
+          </a:p>
+          <a:p>
+            <a:pPr marL="845820" lvl="1" indent="-571500">
+              <a:buFont typeface="+mj-lt"/>
+              <a:buAutoNum type="romanUcPeriod"/>
+            </a:pPr>
+            <a:endParaRPr lang="en-US">
+              <a:latin typeface="Times New Roman" panose="02020603050405020304" pitchFamily="18" charset="0"/>
+              <a:cs typeface="Times New Roman" panose="02020603050405020304" pitchFamily="18" charset="0"/>
+            </a:endParaRPr>
+          </a:p>
+          <a:p>
+            <a:pPr marL="571500" indent="-571500">
+              <a:buFont typeface="+mj-lt"/>
+              <a:buAutoNum type="romanUcPeriod"/>
+            </a:pPr>
+            <a:endParaRPr lang="en-US" smtClean="0">
+              <a:latin typeface="Times New Roman" panose="02020603050405020304" pitchFamily="18" charset="0"/>
+              <a:cs typeface="Times New Roman" panose="02020603050405020304" pitchFamily="18" charset="0"/>
+            </a:endParaRPr>
+          </a:p>
+          <a:p>
+            <a:endParaRPr lang="vi-VN"/>
+          </a:p>
+        </p:txBody>
+      </p:sp>
+    </p:spTree>
+    <p:extLst>
+      <p:ext uri="{BB962C8B-B14F-4D97-AF65-F5344CB8AC3E}">
+        <p14:creationId xmlns:p14="http://schemas.microsoft.com/office/powerpoint/2010/main" val="3776775354"/>
+      </p:ext>
+    </p:extLst>
+  </p:cSld>
+  <p:clrMapOvr>
+    <a:masterClrMapping/>
+  </p:clrMapOvr>
+  <p:timing>
+    <p:tnLst>
+      <p:par>
+        <p:cTn id="1" dur="indefinite" restart="never" nodeType="tmRoot"/>
+      </p:par>
+    </p:tnLst>
+  </p:timing>
+</p:sld>
+</file>
+
+<file path=ppt/slides/slide4.xml><?xml version="1.0" encoding="utf-8"?>
+<p:sld xmlns:a="http://schemas.openxmlformats.org/drawingml/2006/main" xmlns:r="http://schemas.openxmlformats.org/officeDocument/2006/relationships" xmlns:p="http://schemas.openxmlformats.org/presentationml/2006/main">
+  <p:cSld>
+    <p:spTree>
+      <p:nvGrpSpPr>
+        <p:cNvPr id="1" name=""/>
+        <p:cNvGrpSpPr/>
+        <p:nvPr/>
+      </p:nvGrpSpPr>
+      <p:grpSpPr>
+        <a:xfrm>
+          <a:off x="0" y="0"/>
+          <a:ext cx="0" cy="0"/>
+          <a:chOff x="0" y="0"/>
+          <a:chExt cx="0" cy="0"/>
+        </a:xfrm>
+      </p:grpSpPr>
+      <p:sp>
+        <p:nvSpPr>
+          <p:cNvPr id="2" name="Title 1"/>
+          <p:cNvSpPr>
+            <a:spLocks noGrp="1"/>
+          </p:cNvSpPr>
+          <p:nvPr>
+            <p:ph type="title"/>
+          </p:nvPr>
+        </p:nvSpPr>
+        <p:spPr/>
+        <p:txBody>
+          <a:bodyPr/>
+          <a:lstStyle/>
+          <a:p>
+            <a:endParaRPr lang="vi-VN"/>
+          </a:p>
+        </p:txBody>
+      </p:sp>
+      <p:sp>
+        <p:nvSpPr>
+          <p:cNvPr id="3" name="Content Placeholder 2"/>
+          <p:cNvSpPr>
+            <a:spLocks noGrp="1"/>
+          </p:cNvSpPr>
+          <p:nvPr>
+            <p:ph idx="1"/>
+          </p:nvPr>
+        </p:nvSpPr>
+        <p:spPr/>
+        <p:txBody>
+          <a:bodyPr/>
+          <a:lstStyle/>
+          <a:p>
+            <a:pPr marL="0" indent="0">
+              <a:buNone/>
+            </a:pPr>
+            <a:r>
+              <a:rPr lang="en-US" sz="2400" b="1" smtClean="0">
+                <a:latin typeface="Times New Roman" panose="02020603050405020304" pitchFamily="18" charset="0"/>
+                <a:cs typeface="Times New Roman" panose="02020603050405020304" pitchFamily="18" charset="0"/>
+              </a:rPr>
+              <a:t>Ý </a:t>
+            </a:r>
+            <a:r>
+              <a:rPr lang="en-US" sz="2400" b="1">
+                <a:latin typeface="Times New Roman" panose="02020603050405020304" pitchFamily="18" charset="0"/>
+                <a:cs typeface="Times New Roman" panose="02020603050405020304" pitchFamily="18" charset="0"/>
+              </a:rPr>
+              <a:t>nghĩa hệ thống hỏi đáp và nhu cầu xã hội: </a:t>
+            </a:r>
+            <a:endParaRPr lang="vi-VN" sz="2400" b="1">
+              <a:latin typeface="Times New Roman" panose="02020603050405020304" pitchFamily="18" charset="0"/>
+              <a:cs typeface="Times New Roman" panose="02020603050405020304" pitchFamily="18" charset="0"/>
+            </a:endParaRPr>
+          </a:p>
+          <a:p>
+            <a:r>
+              <a:rPr lang="en-US" smtClean="0">
+                <a:latin typeface="Times New Roman" panose="02020603050405020304" pitchFamily="18" charset="0"/>
+                <a:cs typeface="Times New Roman" panose="02020603050405020304" pitchFamily="18" charset="0"/>
+              </a:rPr>
+              <a:t>Là nơi tập trung các giải quyết các vấn đề khó khăn hoặc thắc mắc,góp ý của các bạn sinh viên.</a:t>
+            </a:r>
+          </a:p>
+          <a:p>
+            <a:r>
+              <a:rPr lang="en-US">
+                <a:latin typeface="Times New Roman" panose="02020603050405020304" pitchFamily="18" charset="0"/>
+                <a:cs typeface="Times New Roman" panose="02020603050405020304" pitchFamily="18" charset="0"/>
+              </a:rPr>
+              <a:t> Hệ thống cho phép sinh viên đặt và trả lời các </a:t>
+            </a:r>
+            <a:r>
+              <a:rPr lang="en-US">
+                <a:latin typeface="Times New Roman" panose="02020603050405020304" pitchFamily="18" charset="0"/>
+                <a:cs typeface="Times New Roman" panose="02020603050405020304" pitchFamily="18" charset="0"/>
+              </a:rPr>
+              <a:t>câu </a:t>
+            </a:r>
+            <a:r>
+              <a:rPr lang="en-US" smtClean="0">
+                <a:latin typeface="Times New Roman" panose="02020603050405020304" pitchFamily="18" charset="0"/>
+                <a:cs typeface="Times New Roman" panose="02020603050405020304" pitchFamily="18" charset="0"/>
+              </a:rPr>
+              <a:t>hỏi và sẽ là kênh thông tin kết nối giữa nhà trường và các bạn sinh viên.</a:t>
+            </a:r>
+          </a:p>
+          <a:p>
+            <a:r>
+              <a:rPr lang="en-US" smtClean="0">
+                <a:latin typeface="Times New Roman" panose="02020603050405020304" pitchFamily="18" charset="0"/>
+                <a:cs typeface="Times New Roman" panose="02020603050405020304" pitchFamily="18" charset="0"/>
+              </a:rPr>
+              <a:t>Một địa chỉ đáng tin cậy và tập trung thông tin cho toàn thể sinh viên trường Đại Học Tôn Đức Thắng.</a:t>
+            </a:r>
+            <a:endParaRPr lang="vi-VN">
+              <a:latin typeface="Times New Roman" panose="02020603050405020304" pitchFamily="18" charset="0"/>
+              <a:cs typeface="Times New Roman" panose="02020603050405020304" pitchFamily="18" charset="0"/>
+            </a:endParaRPr>
+          </a:p>
+        </p:txBody>
+      </p:sp>
+    </p:spTree>
+    <p:extLst>
+      <p:ext uri="{BB962C8B-B14F-4D97-AF65-F5344CB8AC3E}">
+        <p14:creationId xmlns:p14="http://schemas.microsoft.com/office/powerpoint/2010/main" val="2235547894"/>
+      </p:ext>
+    </p:extLst>
+  </p:cSld>
+  <p:clrMapOvr>
+    <a:masterClrMapping/>
+  </p:clrMapOvr>
+  <p:timing>
+    <p:tnLst>
+      <p:par>
+        <p:cTn id="1" dur="indefinite" restart="never" nodeType="tmRoot"/>
+      </p:par>
+    </p:tnLst>
+  </p:timing>
+</p:sld>
+</file>
+
+<file path=ppt/slides/slide5.xml><?xml version="1.0" encoding="utf-8"?>
+<p:sld xmlns:a="http://schemas.openxmlformats.org/drawingml/2006/main" xmlns:r="http://schemas.openxmlformats.org/officeDocument/2006/relationships" xmlns:p="http://schemas.openxmlformats.org/presentationml/2006/main">
+  <p:cSld>
+    <p:spTree>
+      <p:nvGrpSpPr>
+        <p:cNvPr id="1" name=""/>
+        <p:cNvGrpSpPr/>
+        <p:nvPr/>
+      </p:nvGrpSpPr>
+      <p:grpSpPr>
+        <a:xfrm>
+          <a:off x="0" y="0"/>
+          <a:ext cx="0" cy="0"/>
+          <a:chOff x="0" y="0"/>
+          <a:chExt cx="0" cy="0"/>
+        </a:xfrm>
+      </p:grpSpPr>
+      <p:sp>
+        <p:nvSpPr>
+          <p:cNvPr id="2" name="Title 1"/>
+          <p:cNvSpPr>
+            <a:spLocks noGrp="1"/>
+          </p:cNvSpPr>
+          <p:nvPr>
+            <p:ph type="title"/>
+          </p:nvPr>
+        </p:nvSpPr>
+        <p:spPr/>
+        <p:txBody>
+          <a:bodyPr/>
+          <a:lstStyle/>
+          <a:p>
+            <a:endParaRPr lang="vi-VN"/>
+          </a:p>
+        </p:txBody>
+      </p:sp>
+      <p:sp>
+        <p:nvSpPr>
+          <p:cNvPr id="3" name="Content Placeholder 2"/>
+          <p:cNvSpPr>
+            <a:spLocks noGrp="1"/>
+          </p:cNvSpPr>
+          <p:nvPr>
+            <p:ph idx="1"/>
+          </p:nvPr>
+        </p:nvSpPr>
+        <p:spPr>
+          <a:xfrm>
+            <a:off x="415710" y="1801504"/>
+            <a:ext cx="9342439" cy="4351337"/>
+          </a:xfrm>
+        </p:spPr>
+        <p:txBody>
+          <a:bodyPr>
+            <a:normAutofit fontScale="92500" lnSpcReduction="10000"/>
+          </a:bodyPr>
+          <a:lstStyle/>
+          <a:p>
+            <a:pPr marL="548640" lvl="2" indent="0">
+              <a:buNone/>
+            </a:pPr>
+            <a:r>
+              <a:rPr lang="en-US" sz="2200" b="1" smtClean="0">
+                <a:latin typeface="Times New Roman" panose="02020603050405020304" pitchFamily="18" charset="0"/>
+                <a:cs typeface="Times New Roman" panose="02020603050405020304" pitchFamily="18" charset="0"/>
+              </a:rPr>
+              <a:t>2. Mục </a:t>
+            </a:r>
+            <a:r>
+              <a:rPr lang="en-US" sz="2200" b="1">
+                <a:latin typeface="Times New Roman" panose="02020603050405020304" pitchFamily="18" charset="0"/>
+                <a:cs typeface="Times New Roman" panose="02020603050405020304" pitchFamily="18" charset="0"/>
+              </a:rPr>
+              <a:t>đích </a:t>
+            </a:r>
+            <a:r>
+              <a:rPr lang="en-US" sz="2200" b="1">
+                <a:latin typeface="Times New Roman" panose="02020603050405020304" pitchFamily="18" charset="0"/>
+                <a:cs typeface="Times New Roman" panose="02020603050405020304" pitchFamily="18" charset="0"/>
+              </a:rPr>
+              <a:t>đề </a:t>
+            </a:r>
+            <a:r>
+              <a:rPr lang="en-US" sz="2200" b="1" smtClean="0">
+                <a:latin typeface="Times New Roman" panose="02020603050405020304" pitchFamily="18" charset="0"/>
+                <a:cs typeface="Times New Roman" panose="02020603050405020304" pitchFamily="18" charset="0"/>
+              </a:rPr>
+              <a:t>tài</a:t>
+            </a:r>
+          </a:p>
+          <a:p>
+            <a:pPr lvl="2">
+              <a:lnSpc>
+                <a:spcPct val="150000"/>
+              </a:lnSpc>
+            </a:pPr>
+            <a:r>
+              <a:rPr lang="en-US" sz="1800">
+                <a:latin typeface="Times New Roman" panose="02020603050405020304" pitchFamily="18" charset="0"/>
+                <a:cs typeface="Times New Roman" panose="02020603050405020304" pitchFamily="18" charset="0"/>
+              </a:rPr>
+              <a:t>Tạo ra diễn đàn kết nối giữa sinh viên và nhà trường, thông qua website và ứng dụng điện thoại trên nền tảng Android. Là nơi cung cấp lời, trao đổi, giải đáp các thắc mắc của các bạn sinh viên, hỗ trợ sinh viên tìm kiếm thông tin một cách nhanh chóng và chính xác nhất.</a:t>
+            </a:r>
+            <a:endParaRPr lang="vi-VN" sz="1800">
+              <a:latin typeface="Times New Roman" panose="02020603050405020304" pitchFamily="18" charset="0"/>
+              <a:cs typeface="Times New Roman" panose="02020603050405020304" pitchFamily="18" charset="0"/>
+            </a:endParaRPr>
+          </a:p>
+          <a:p>
+            <a:pPr lvl="2">
+              <a:lnSpc>
+                <a:spcPct val="150000"/>
+              </a:lnSpc>
+            </a:pPr>
+            <a:r>
+              <a:rPr lang="en-US" sz="1800">
+                <a:latin typeface="Times New Roman" panose="02020603050405020304" pitchFamily="18" charset="0"/>
+                <a:cs typeface="Times New Roman" panose="02020603050405020304" pitchFamily="18" charset="0"/>
+              </a:rPr>
+              <a:t>Nghiên cứu hệ thống Question Answering và cách hiện thực một hệ thống trả lời tự động áp dụng cho sinh viên trường Đại Học Tôn Đức Thắng nói riêng và có thể mở rộng cho toàn thể xã hội sử dụng từ cơ sở dữ liệu của diễn đàn.</a:t>
+            </a:r>
+            <a:endParaRPr lang="vi-VN" sz="1800">
+              <a:latin typeface="Times New Roman" panose="02020603050405020304" pitchFamily="18" charset="0"/>
+              <a:cs typeface="Times New Roman" panose="02020603050405020304" pitchFamily="18" charset="0"/>
+            </a:endParaRPr>
+          </a:p>
+          <a:p>
+            <a:pPr marL="548640" lvl="2" indent="0">
+              <a:buNone/>
+            </a:pPr>
+            <a:r>
+              <a:rPr lang="en-US" sz="2200" b="1" smtClean="0">
+                <a:latin typeface="Times New Roman" panose="02020603050405020304" pitchFamily="18" charset="0"/>
+                <a:cs typeface="Times New Roman" panose="02020603050405020304" pitchFamily="18" charset="0"/>
+              </a:rPr>
+              <a:t>3. Đối </a:t>
+            </a:r>
+            <a:r>
+              <a:rPr lang="en-US" sz="2200" b="1">
+                <a:latin typeface="Times New Roman" panose="02020603050405020304" pitchFamily="18" charset="0"/>
+                <a:cs typeface="Times New Roman" panose="02020603050405020304" pitchFamily="18" charset="0"/>
+              </a:rPr>
+              <a:t>tượng và phạm vi </a:t>
+            </a:r>
+            <a:r>
+              <a:rPr lang="en-US" sz="2200" b="1">
+                <a:latin typeface="Times New Roman" panose="02020603050405020304" pitchFamily="18" charset="0"/>
+                <a:cs typeface="Times New Roman" panose="02020603050405020304" pitchFamily="18" charset="0"/>
+              </a:rPr>
+              <a:t>nghiên </a:t>
+            </a:r>
+            <a:r>
+              <a:rPr lang="en-US" sz="2200" b="1" smtClean="0">
+                <a:latin typeface="Times New Roman" panose="02020603050405020304" pitchFamily="18" charset="0"/>
+                <a:cs typeface="Times New Roman" panose="02020603050405020304" pitchFamily="18" charset="0"/>
+              </a:rPr>
+              <a:t>cứu</a:t>
+            </a:r>
+          </a:p>
+          <a:p>
+            <a:pPr lvl="2">
+              <a:lnSpc>
+                <a:spcPct val="150000"/>
+              </a:lnSpc>
+            </a:pPr>
+            <a:r>
+              <a:rPr lang="en-US" sz="1800">
+                <a:latin typeface="Times New Roman" panose="02020603050405020304" pitchFamily="18" charset="0"/>
+                <a:cs typeface="Times New Roman" panose="02020603050405020304" pitchFamily="18" charset="0"/>
+              </a:rPr>
+              <a:t>Nghiên cứu xây dựng diễn đàn.</a:t>
+            </a:r>
+            <a:endParaRPr lang="vi-VN" sz="1800">
+              <a:latin typeface="Times New Roman" panose="02020603050405020304" pitchFamily="18" charset="0"/>
+              <a:cs typeface="Times New Roman" panose="02020603050405020304" pitchFamily="18" charset="0"/>
+            </a:endParaRPr>
+          </a:p>
+          <a:p>
+            <a:pPr lvl="2">
+              <a:lnSpc>
+                <a:spcPct val="150000"/>
+              </a:lnSpc>
+            </a:pPr>
+            <a:r>
+              <a:rPr lang="en-US" sz="1800">
+                <a:latin typeface="Times New Roman" panose="02020603050405020304" pitchFamily="18" charset="0"/>
+                <a:cs typeface="Times New Roman" panose="02020603050405020304" pitchFamily="18" charset="0"/>
+              </a:rPr>
+              <a:t>Nghiên cứu xây dụng ứng dụng chạy trên nền tảng android.</a:t>
+            </a:r>
+            <a:endParaRPr lang="vi-VN" sz="1800">
+              <a:latin typeface="Times New Roman" panose="02020603050405020304" pitchFamily="18" charset="0"/>
+              <a:cs typeface="Times New Roman" panose="02020603050405020304" pitchFamily="18" charset="0"/>
+            </a:endParaRPr>
+          </a:p>
+          <a:p>
+            <a:pPr lvl="2">
+              <a:lnSpc>
+                <a:spcPct val="150000"/>
+              </a:lnSpc>
+            </a:pPr>
+            <a:r>
+              <a:rPr lang="en-US" sz="1800">
+                <a:latin typeface="Times New Roman" panose="02020603050405020304" pitchFamily="18" charset="0"/>
+                <a:cs typeface="Times New Roman" panose="02020603050405020304" pitchFamily="18" charset="0"/>
+              </a:rPr>
+              <a:t>Hệ thống tìm kiếm câu hỏi tương đương.</a:t>
+            </a:r>
+            <a:endParaRPr lang="vi-VN" sz="1800">
+              <a:latin typeface="Times New Roman" panose="02020603050405020304" pitchFamily="18" charset="0"/>
+              <a:cs typeface="Times New Roman" panose="02020603050405020304" pitchFamily="18" charset="0"/>
+            </a:endParaRPr>
+          </a:p>
+          <a:p>
+            <a:endParaRPr lang="vi-VN"/>
+          </a:p>
+        </p:txBody>
+      </p:sp>
+    </p:spTree>
+    <p:extLst>
+      <p:ext uri="{BB962C8B-B14F-4D97-AF65-F5344CB8AC3E}">
+        <p14:creationId xmlns:p14="http://schemas.microsoft.com/office/powerpoint/2010/main" val="2557757998"/>
+      </p:ext>
+    </p:extLst>
+  </p:cSld>
+  <p:clrMapOvr>
+    <a:masterClrMapping/>
+  </p:clrMapOvr>
+  <p:timing>
+    <p:tnLst>
+      <p:par>
+        <p:cTn id="1" dur="indefinite" restart="never" nodeType="tmRoot"/>
+      </p:par>
+    </p:tnLst>
+  </p:timing>
+</p:sld>
+</file>
+
+<file path=ppt/slides/slide6.xml><?xml version="1.0" encoding="utf-8"?>
+<p:sld xmlns:a="http://schemas.openxmlformats.org/drawingml/2006/main" xmlns:r="http://schemas.openxmlformats.org/officeDocument/2006/relationships" xmlns:p="http://schemas.openxmlformats.org/presentationml/2006/main">
+  <p:cSld>
+    <p:spTree>
+      <p:nvGrpSpPr>
+        <p:cNvPr id="1" name=""/>
+        <p:cNvGrpSpPr/>
+        <p:nvPr/>
+      </p:nvGrpSpPr>
+      <p:grpSpPr>
+        <a:xfrm>
+          <a:off x="0" y="0"/>
+          <a:ext cx="0" cy="0"/>
+          <a:chOff x="0" y="0"/>
+          <a:chExt cx="0" cy="0"/>
+        </a:xfrm>
+      </p:grpSpPr>
+      <p:sp>
+        <p:nvSpPr>
+          <p:cNvPr id="2" name="Title 1"/>
+          <p:cNvSpPr>
+            <a:spLocks noGrp="1"/>
+          </p:cNvSpPr>
+          <p:nvPr>
+            <p:ph type="title"/>
+          </p:nvPr>
+        </p:nvSpPr>
+        <p:spPr>
+          <a:xfrm>
+            <a:off x="429358" y="679658"/>
+            <a:ext cx="9692640" cy="1325562"/>
+          </a:xfrm>
+        </p:spPr>
+        <p:txBody>
+          <a:bodyPr/>
+          <a:lstStyle/>
+          <a:p>
+            <a:r>
+              <a:rPr lang="en-US" sz="3800">
+                <a:latin typeface="Times New Roman" panose="02020603050405020304" pitchFamily="18" charset="0"/>
+                <a:cs typeface="Times New Roman" panose="02020603050405020304" pitchFamily="18" charset="0"/>
+              </a:rPr>
+              <a:t>CHƯƠNG</a:t>
+            </a:r>
+            <a:r>
+              <a:rPr lang="en-US">
+                <a:latin typeface="Times New Roman" panose="02020603050405020304" pitchFamily="18" charset="0"/>
+                <a:cs typeface="Times New Roman" panose="02020603050405020304" pitchFamily="18" charset="0"/>
+              </a:rPr>
+              <a:t> </a:t>
+            </a:r>
+            <a:r>
+              <a:rPr lang="en-US" smtClean="0">
+                <a:latin typeface="Times New Roman" panose="02020603050405020304" pitchFamily="18" charset="0"/>
+                <a:cs typeface="Times New Roman" panose="02020603050405020304" pitchFamily="18" charset="0"/>
+              </a:rPr>
+              <a:t>2: XÂY </a:t>
+            </a:r>
+            <a:r>
+              <a:rPr lang="en-US">
+                <a:latin typeface="Times New Roman" panose="02020603050405020304" pitchFamily="18" charset="0"/>
+                <a:cs typeface="Times New Roman" panose="02020603050405020304" pitchFamily="18" charset="0"/>
+              </a:rPr>
+              <a:t>DỰNG HỆ THỐNG</a:t>
+            </a:r>
+            <a:r>
+              <a:rPr lang="vi-VN"/>
+              <a:t/>
+            </a:r>
+            <a:br>
+              <a:rPr lang="vi-VN"/>
+            </a:br>
+            <a:endParaRPr lang="vi-VN"/>
+          </a:p>
+        </p:txBody>
+      </p:sp>
+      <p:sp>
+        <p:nvSpPr>
+          <p:cNvPr id="3" name="Content Placeholder 2"/>
+          <p:cNvSpPr>
+            <a:spLocks noGrp="1"/>
+          </p:cNvSpPr>
+          <p:nvPr>
+            <p:ph idx="1"/>
+          </p:nvPr>
+        </p:nvSpPr>
+        <p:spPr/>
+        <p:txBody>
+          <a:bodyPr>
+            <a:noAutofit/>
+          </a:bodyPr>
+          <a:lstStyle/>
+          <a:p>
+            <a:pPr marL="0" indent="0">
+              <a:buNone/>
+            </a:pPr>
+            <a:r>
+              <a:rPr lang="en-US" sz="2000" b="1" smtClean="0">
+                <a:latin typeface="Times New Roman" panose="02020603050405020304" pitchFamily="18" charset="0"/>
+                <a:cs typeface="Times New Roman" panose="02020603050405020304" pitchFamily="18" charset="0"/>
+              </a:rPr>
+              <a:t>1.Kiến </a:t>
+            </a:r>
+            <a:r>
+              <a:rPr lang="en-US" sz="2000" b="1">
+                <a:latin typeface="Times New Roman" panose="02020603050405020304" pitchFamily="18" charset="0"/>
+                <a:cs typeface="Times New Roman" panose="02020603050405020304" pitchFamily="18" charset="0"/>
+              </a:rPr>
+              <a:t>trúc tổng quan của hệ </a:t>
+            </a:r>
+            <a:r>
+              <a:rPr lang="en-US" sz="2000" b="1" smtClean="0">
+                <a:latin typeface="Times New Roman" panose="02020603050405020304" pitchFamily="18" charset="0"/>
+                <a:cs typeface="Times New Roman" panose="02020603050405020304" pitchFamily="18" charset="0"/>
+              </a:rPr>
+              <a:t>thống:</a:t>
+            </a:r>
+          </a:p>
+          <a:p>
+            <a:pPr marL="0" indent="0">
+              <a:buNone/>
+            </a:pPr>
+            <a:r>
+              <a:rPr lang="en-US">
+                <a:latin typeface="Times New Roman" panose="02020603050405020304" pitchFamily="18" charset="0"/>
+                <a:cs typeface="Times New Roman" panose="02020603050405020304" pitchFamily="18" charset="0"/>
+              </a:rPr>
+              <a:t>Hệ thống bao gồm 4 thành phần chính: </a:t>
+            </a:r>
+            <a:endParaRPr lang="vi-VN" b="1">
+              <a:latin typeface="Times New Roman" panose="02020603050405020304" pitchFamily="18" charset="0"/>
+              <a:cs typeface="Times New Roman" panose="02020603050405020304" pitchFamily="18" charset="0"/>
+            </a:endParaRPr>
+          </a:p>
+          <a:p>
+            <a:pPr lvl="0"/>
+            <a:r>
+              <a:rPr lang="en-US">
+                <a:latin typeface="Times New Roman" panose="02020603050405020304" pitchFamily="18" charset="0"/>
+                <a:cs typeface="Times New Roman" panose="02020603050405020304" pitchFamily="18" charset="0"/>
+              </a:rPr>
+              <a:t>Web Client hay ứng dụng trên điện thoại di động là nơi hiển thì giao diện cho người dùng tương tác.</a:t>
+            </a:r>
+            <a:endParaRPr lang="vi-VN" b="1">
+              <a:latin typeface="Times New Roman" panose="02020603050405020304" pitchFamily="18" charset="0"/>
+              <a:cs typeface="Times New Roman" panose="02020603050405020304" pitchFamily="18" charset="0"/>
+            </a:endParaRPr>
+          </a:p>
+          <a:p>
+            <a:pPr lvl="0"/>
+            <a:r>
+              <a:rPr lang="en-US">
+                <a:latin typeface="Times New Roman" panose="02020603050405020304" pitchFamily="18" charset="0"/>
+                <a:cs typeface="Times New Roman" panose="02020603050405020304" pitchFamily="18" charset="0"/>
+              </a:rPr>
+              <a:t> Rest API là nơi tiếp nhận xử lý các yêu cầu từ người dùng như đăng nhập, đặt câu hỏi, tìm kiếm câu hỏi… </a:t>
+            </a:r>
+            <a:endParaRPr lang="vi-VN" b="1">
+              <a:latin typeface="Times New Roman" panose="02020603050405020304" pitchFamily="18" charset="0"/>
+              <a:cs typeface="Times New Roman" panose="02020603050405020304" pitchFamily="18" charset="0"/>
+            </a:endParaRPr>
+          </a:p>
+          <a:p>
+            <a:pPr lvl="0"/>
+            <a:r>
+              <a:rPr lang="en-US">
+                <a:latin typeface="Times New Roman" panose="02020603050405020304" pitchFamily="18" charset="0"/>
+                <a:cs typeface="Times New Roman" panose="02020603050405020304" pitchFamily="18" charset="0"/>
+              </a:rPr>
+              <a:t>Mô đun trả lời tự động là nơi xử lý các câu hỏi, tìm ra câu hỏi tương tự và gửi về cho Rest API</a:t>
+            </a:r>
+            <a:endParaRPr lang="vi-VN" b="1">
+              <a:latin typeface="Times New Roman" panose="02020603050405020304" pitchFamily="18" charset="0"/>
+              <a:cs typeface="Times New Roman" panose="02020603050405020304" pitchFamily="18" charset="0"/>
+            </a:endParaRPr>
+          </a:p>
+          <a:p>
+            <a:pPr lvl="0"/>
+            <a:r>
+              <a:rPr lang="en-US">
+                <a:latin typeface="Times New Roman" panose="02020603050405020304" pitchFamily="18" charset="0"/>
+                <a:cs typeface="Times New Roman" panose="02020603050405020304" pitchFamily="18" charset="0"/>
+              </a:rPr>
+              <a:t> Database là nơi cung cấp dữ liệu như các câu hỏi, câu trả lời, thông tin người dùng…</a:t>
+            </a:r>
+            <a:endParaRPr lang="vi-VN" b="1">
+              <a:latin typeface="Times New Roman" panose="02020603050405020304" pitchFamily="18" charset="0"/>
+              <a:cs typeface="Times New Roman" panose="02020603050405020304" pitchFamily="18" charset="0"/>
+            </a:endParaRPr>
+          </a:p>
+          <a:p>
+            <a:endParaRPr lang="en-US" sz="2800" smtClean="0">
+              <a:latin typeface="Times New Roman" panose="02020603050405020304" pitchFamily="18" charset="0"/>
+              <a:cs typeface="Times New Roman" panose="02020603050405020304" pitchFamily="18" charset="0"/>
+            </a:endParaRPr>
+          </a:p>
+          <a:p>
+            <a:endParaRPr lang="en-US" sz="2800" smtClean="0">
+              <a:latin typeface="Times New Roman" panose="02020603050405020304" pitchFamily="18" charset="0"/>
+              <a:cs typeface="Times New Roman" panose="02020603050405020304" pitchFamily="18" charset="0"/>
+            </a:endParaRPr>
+          </a:p>
+        </p:txBody>
+      </p:sp>
+    </p:spTree>
+    <p:extLst>
+      <p:ext uri="{BB962C8B-B14F-4D97-AF65-F5344CB8AC3E}">
+        <p14:creationId xmlns:p14="http://schemas.microsoft.com/office/powerpoint/2010/main" val="702421245"/>
+      </p:ext>
+    </p:extLst>
+  </p:cSld>
+  <p:clrMapOvr>
+    <a:masterClrMapping/>
+  </p:clrMapOvr>
+  <p:timing>
+    <p:tnLst>
+      <p:par>
+        <p:cTn id="1" dur="indefinite" restart="never" nodeType="tmRoot"/>
+      </p:par>
+    </p:tnLst>
+  </p:timing>
+</p:sld>
+</file>
+
+<file path=ppt/slides/slide7.xml><?xml version="1.0" encoding="utf-8"?>
+<p:sld xmlns:a="http://schemas.openxmlformats.org/drawingml/2006/main" xmlns:r="http://schemas.openxmlformats.org/officeDocument/2006/relationships" xmlns:p="http://schemas.openxmlformats.org/presentationml/2006/main">
+  <p:cSld>
+    <p:spTree>
+      <p:nvGrpSpPr>
+        <p:cNvPr id="1" name=""/>
+        <p:cNvGrpSpPr/>
+        <p:nvPr/>
+      </p:nvGrpSpPr>
+      <p:grpSpPr>
+        <a:xfrm>
+          <a:off x="0" y="0"/>
+          <a:ext cx="0" cy="0"/>
+          <a:chOff x="0" y="0"/>
+          <a:chExt cx="0" cy="0"/>
+        </a:xfrm>
+      </p:grpSpPr>
+      <p:sp>
+        <p:nvSpPr>
+          <p:cNvPr id="2" name="Title 1"/>
+          <p:cNvSpPr>
+            <a:spLocks noGrp="1"/>
+          </p:cNvSpPr>
+          <p:nvPr>
+            <p:ph type="title"/>
+          </p:nvPr>
+        </p:nvSpPr>
+        <p:spPr/>
+        <p:txBody>
+          <a:bodyPr>
+            <a:normAutofit/>
+          </a:bodyPr>
+          <a:lstStyle/>
+          <a:p>
+            <a:r>
+              <a:rPr lang="en-US" sz="3800" smtClean="0">
+                <a:latin typeface="Times New Roman" panose="02020603050405020304" pitchFamily="18" charset="0"/>
+                <a:cs typeface="Times New Roman" panose="02020603050405020304" pitchFamily="18" charset="0"/>
+              </a:rPr>
+              <a:t>Kiến </a:t>
+            </a:r>
+            <a:r>
+              <a:rPr lang="en-US" sz="3800">
+                <a:latin typeface="Times New Roman" panose="02020603050405020304" pitchFamily="18" charset="0"/>
+                <a:cs typeface="Times New Roman" panose="02020603050405020304" pitchFamily="18" charset="0"/>
+              </a:rPr>
+              <a:t>T</a:t>
+            </a:r>
+            <a:r>
+              <a:rPr lang="en-US" sz="3800" smtClean="0">
+                <a:latin typeface="Times New Roman" panose="02020603050405020304" pitchFamily="18" charset="0"/>
+                <a:cs typeface="Times New Roman" panose="02020603050405020304" pitchFamily="18" charset="0"/>
+              </a:rPr>
+              <a:t>rúc </a:t>
+            </a:r>
+            <a:r>
+              <a:rPr lang="en-US" sz="3800">
+                <a:latin typeface="Times New Roman" panose="02020603050405020304" pitchFamily="18" charset="0"/>
+                <a:cs typeface="Times New Roman" panose="02020603050405020304" pitchFamily="18" charset="0"/>
+              </a:rPr>
+              <a:t>T</a:t>
+            </a:r>
+            <a:r>
+              <a:rPr lang="en-US" sz="3800" smtClean="0">
+                <a:latin typeface="Times New Roman" panose="02020603050405020304" pitchFamily="18" charset="0"/>
+                <a:cs typeface="Times New Roman" panose="02020603050405020304" pitchFamily="18" charset="0"/>
+              </a:rPr>
+              <a:t>ổng </a:t>
+            </a:r>
+            <a:r>
+              <a:rPr lang="en-US" sz="3800">
+                <a:latin typeface="Times New Roman" panose="02020603050405020304" pitchFamily="18" charset="0"/>
+                <a:cs typeface="Times New Roman" panose="02020603050405020304" pitchFamily="18" charset="0"/>
+              </a:rPr>
+              <a:t>Q</a:t>
+            </a:r>
+            <a:r>
+              <a:rPr lang="en-US" sz="3800" smtClean="0">
+                <a:latin typeface="Times New Roman" panose="02020603050405020304" pitchFamily="18" charset="0"/>
+                <a:cs typeface="Times New Roman" panose="02020603050405020304" pitchFamily="18" charset="0"/>
+              </a:rPr>
+              <a:t>uan </a:t>
+            </a:r>
+            <a:r>
+              <a:rPr lang="en-US" sz="3800">
+                <a:latin typeface="Times New Roman" panose="02020603050405020304" pitchFamily="18" charset="0"/>
+                <a:cs typeface="Times New Roman" panose="02020603050405020304" pitchFamily="18" charset="0"/>
+              </a:rPr>
+              <a:t>C</a:t>
+            </a:r>
+            <a:r>
+              <a:rPr lang="en-US" sz="3800" smtClean="0">
+                <a:latin typeface="Times New Roman" panose="02020603050405020304" pitchFamily="18" charset="0"/>
+                <a:cs typeface="Times New Roman" panose="02020603050405020304" pitchFamily="18" charset="0"/>
+              </a:rPr>
+              <a:t>ủa </a:t>
+            </a:r>
+            <a:r>
+              <a:rPr lang="en-US" sz="3800">
+                <a:latin typeface="Times New Roman" panose="02020603050405020304" pitchFamily="18" charset="0"/>
+                <a:cs typeface="Times New Roman" panose="02020603050405020304" pitchFamily="18" charset="0"/>
+              </a:rPr>
+              <a:t>H</a:t>
+            </a:r>
+            <a:r>
+              <a:rPr lang="en-US" sz="3800" smtClean="0">
+                <a:latin typeface="Times New Roman" panose="02020603050405020304" pitchFamily="18" charset="0"/>
+                <a:cs typeface="Times New Roman" panose="02020603050405020304" pitchFamily="18" charset="0"/>
+              </a:rPr>
+              <a:t>ệ </a:t>
+            </a:r>
+            <a:r>
+              <a:rPr lang="en-US" sz="3800">
+                <a:latin typeface="Times New Roman" panose="02020603050405020304" pitchFamily="18" charset="0"/>
+                <a:cs typeface="Times New Roman" panose="02020603050405020304" pitchFamily="18" charset="0"/>
+              </a:rPr>
+              <a:t>T</a:t>
+            </a:r>
+            <a:r>
+              <a:rPr lang="en-US" sz="3800" smtClean="0">
+                <a:latin typeface="Times New Roman" panose="02020603050405020304" pitchFamily="18" charset="0"/>
+                <a:cs typeface="Times New Roman" panose="02020603050405020304" pitchFamily="18" charset="0"/>
+              </a:rPr>
+              <a:t>hống</a:t>
+            </a:r>
+            <a:r>
+              <a:rPr lang="en-US" sz="3800">
+                <a:latin typeface="Times New Roman" panose="02020603050405020304" pitchFamily="18" charset="0"/>
+                <a:cs typeface="Times New Roman" panose="02020603050405020304" pitchFamily="18" charset="0"/>
+              </a:rPr>
+              <a:t/>
+            </a:r>
+            <a:br>
+              <a:rPr lang="en-US" sz="3800">
+                <a:latin typeface="Times New Roman" panose="02020603050405020304" pitchFamily="18" charset="0"/>
+                <a:cs typeface="Times New Roman" panose="02020603050405020304" pitchFamily="18" charset="0"/>
+              </a:rPr>
+            </a:br>
+            <a:endParaRPr lang="vi-VN" sz="3800"/>
+          </a:p>
+        </p:txBody>
+      </p:sp>
+      <p:pic>
+        <p:nvPicPr>
+          <p:cNvPr id="4" name="Content Placeholder 3"/>
+          <p:cNvPicPr>
+            <a:picLocks noGrp="1"/>
+          </p:cNvPicPr>
+          <p:nvPr>
+            <p:ph idx="1"/>
+          </p:nvPr>
+        </p:nvPicPr>
+        <p:blipFill>
+          <a:blip r:embed="rId2">
+            <a:extLst>
+              <a:ext uri="{28A0092B-C50C-407E-A947-70E740481C1C}">
+                <a14:useLocalDpi xmlns:a14="http://schemas.microsoft.com/office/drawing/2010/main" val="0"/>
+              </a:ext>
+            </a:extLst>
+          </a:blip>
+          <a:stretch>
+            <a:fillRect/>
+          </a:stretch>
+        </p:blipFill>
+        <p:spPr bwMode="auto">
+          <a:xfrm>
+            <a:off x="920678" y="1472958"/>
+            <a:ext cx="9692640" cy="4832308"/>
+          </a:xfrm>
+          <a:prstGeom prst="rect">
+            <a:avLst/>
+          </a:prstGeom>
+          <a:noFill/>
+          <a:ln>
+            <a:noFill/>
+          </a:ln>
+        </p:spPr>
+      </p:pic>
+    </p:spTree>
+    <p:extLst>
+      <p:ext uri="{BB962C8B-B14F-4D97-AF65-F5344CB8AC3E}">
+        <p14:creationId xmlns:p14="http://schemas.microsoft.com/office/powerpoint/2010/main" val="3714632600"/>
+      </p:ext>
+    </p:extLst>
+  </p:cSld>
+  <p:clrMapOvr>
+    <a:masterClrMapping/>
+  </p:clrMapOvr>
+  <p:timing>
+    <p:tnLst>
+      <p:par>
+        <p:cTn id="1" dur="indefinite" restart="never" nodeType="tmRoot"/>
+      </p:par>
+    </p:tnLst>
+  </p:timing>
+</p:sld>
+</file>
+
+<file path=ppt/slides/slide8.xml><?xml version="1.0" encoding="utf-8"?>
+<p:sld xmlns:a="http://schemas.openxmlformats.org/drawingml/2006/main" xmlns:r="http://schemas.openxmlformats.org/officeDocument/2006/relationships" xmlns:p="http://schemas.openxmlformats.org/presentationml/2006/main">
+  <p:cSld>
+    <p:spTree>
+      <p:nvGrpSpPr>
+        <p:cNvPr id="1" name=""/>
+        <p:cNvGrpSpPr/>
+        <p:nvPr/>
+      </p:nvGrpSpPr>
+      <p:grpSpPr>
+        <a:xfrm>
+          <a:off x="0" y="0"/>
+          <a:ext cx="0" cy="0"/>
+          <a:chOff x="0" y="0"/>
+          <a:chExt cx="0" cy="0"/>
+        </a:xfrm>
+      </p:grpSpPr>
+      <p:sp>
+        <p:nvSpPr>
+          <p:cNvPr id="2" name="Title 1"/>
+          <p:cNvSpPr>
+            <a:spLocks noGrp="1"/>
+          </p:cNvSpPr>
+          <p:nvPr>
+            <p:ph type="title"/>
+          </p:nvPr>
+        </p:nvSpPr>
+        <p:spPr/>
+        <p:txBody>
+          <a:bodyPr>
+            <a:normAutofit/>
+          </a:bodyPr>
+          <a:lstStyle/>
+          <a:p>
+            <a:r>
+              <a:rPr lang="en-US" sz="3800" smtClean="0"/>
+              <a:t>Cơ Sở Dữ Liệu Hệ Thống</a:t>
+            </a:r>
+            <a:endParaRPr lang="vi-VN" sz="3800"/>
+          </a:p>
+        </p:txBody>
+      </p:sp>
+      <p:pic>
+        <p:nvPicPr>
+          <p:cNvPr id="4" name="Content Placeholder 3"/>
+          <p:cNvPicPr>
+            <a:picLocks noGrp="1" noChangeAspect="1"/>
+          </p:cNvPicPr>
+          <p:nvPr>
+            <p:ph idx="1"/>
+          </p:nvPr>
+        </p:nvPicPr>
+        <p:blipFill>
+          <a:blip r:embed="rId2">
+            <a:extLst>
+              <a:ext uri="{28A0092B-C50C-407E-A947-70E740481C1C}">
+                <a14:useLocalDpi xmlns:a14="http://schemas.microsoft.com/office/drawing/2010/main" val="0"/>
+              </a:ext>
+            </a:extLst>
+          </a:blip>
+          <a:stretch>
+            <a:fillRect/>
+          </a:stretch>
+        </p:blipFill>
+        <p:spPr>
+          <a:xfrm>
+            <a:off x="1934677" y="2402006"/>
+            <a:ext cx="7332153" cy="4351338"/>
+          </a:xfrm>
+        </p:spPr>
+      </p:pic>
+    </p:spTree>
+    <p:extLst>
+      <p:ext uri="{BB962C8B-B14F-4D97-AF65-F5344CB8AC3E}">
+        <p14:creationId xmlns:p14="http://schemas.microsoft.com/office/powerpoint/2010/main" val="3291630536"/>
+      </p:ext>
+    </p:extLst>
+  </p:cSld>
+  <p:clrMapOvr>
+    <a:masterClrMapping/>
+  </p:clrMapOvr>
+  <p:timing>
+    <p:tnLst>
+      <p:par>
+        <p:cTn id="1" dur="indefinite" restart="never" nodeType="tmRoot"/>
+      </p:par>
+    </p:tnLst>
+  </p:timing>
+</p:sld>
+</file>
+
 <file path=ppt/slides/slide9.xml><?xml version="1.0" encoding="utf-8"?>
 <p:sld xmlns:a="http://schemas.openxmlformats.org/drawingml/2006/main" xmlns:r="http://schemas.openxmlformats.org/officeDocument/2006/relationships" xmlns:p="http://schemas.openxmlformats.org/presentationml/2006/main">
   <p:cSld>
@@ -4649,25 +5613,41 @@
         </p:nvSpPr>
         <p:spPr/>
         <p:txBody>
-          <a:bodyPr/>
-          <a:lstStyle/>
-          <a:p>
-            <a:r>
-              <a:rPr lang="en-US" b="1">
-                <a:latin typeface="Times New Roman" panose="02020603050405020304" pitchFamily="18" charset="0"/>
-                <a:cs typeface="Times New Roman" panose="02020603050405020304" pitchFamily="18" charset="0"/>
-              </a:rPr>
-              <a:t>CHƯƠNG 5– TỔNG KẾT</a:t>
-            </a:r>
-            <a:r>
-              <a:rPr lang="vi-VN" b="1">
+          <a:bodyPr>
+            <a:normAutofit fontScale="90000"/>
+          </a:bodyPr>
+          <a:lstStyle/>
+          <a:p>
+            <a:r>
+              <a:rPr lang="en-US">
+                <a:latin typeface="Times New Roman" panose="02020603050405020304" pitchFamily="18" charset="0"/>
+                <a:cs typeface="Times New Roman" panose="02020603050405020304" pitchFamily="18" charset="0"/>
+              </a:rPr>
+              <a:t>CHƯƠNG 3 – </a:t>
+            </a:r>
+            <a:r>
+              <a:rPr lang="en-US" smtClean="0">
+                <a:latin typeface="Times New Roman" panose="02020603050405020304" pitchFamily="18" charset="0"/>
+                <a:cs typeface="Times New Roman" panose="02020603050405020304" pitchFamily="18" charset="0"/>
+              </a:rPr>
+              <a:t>XÂY </a:t>
+            </a:r>
+            <a:r>
+              <a:rPr lang="en-US">
+                <a:latin typeface="Times New Roman" panose="02020603050405020304" pitchFamily="18" charset="0"/>
+                <a:cs typeface="Times New Roman" panose="02020603050405020304" pitchFamily="18" charset="0"/>
+              </a:rPr>
+              <a:t>DỰNG CƠ CHẾ TRẢ LỜI TỰ ĐỘNG</a:t>
+            </a:r>
+            <a:r>
+              <a:rPr lang="vi-VN">
                 <a:latin typeface="Times New Roman" panose="02020603050405020304" pitchFamily="18" charset="0"/>
                 <a:cs typeface="Times New Roman" panose="02020603050405020304" pitchFamily="18" charset="0"/>
               </a:rPr>
               <a:t/>
             </a:r>
             <a:br>
-              <a:rPr lang="vi-VN" b="1">
+              <a:rPr lang="vi-VN">
                 <a:latin typeface="Times New Roman" panose="02020603050405020304" pitchFamily="18" charset="0"/>
                 <a:cs typeface="Times New Roman" panose="02020603050405020304" pitchFamily="18" charset="0"/>
               </a:rPr>
@@ -4691,7 +5671,9 @@
         </p:nvSpPr>
         <p:spPr/>
         <p:txBody>
-          <a:bodyPr/>
+          <a:bodyPr>
+            <a:normAutofit/>
+          </a:bodyPr>
           <a:lstStyle/>
           <a:p>
             <a:r>
@@ -4699,55 +5681,98 @@
                 <a:latin typeface="Times New Roman" panose="02020603050405020304" pitchFamily="18" charset="0"/>
                 <a:cs typeface="Times New Roman" panose="02020603050405020304" pitchFamily="18" charset="0"/>
               </a:rPr>
-              <a:t>Các vấn đề đã làm được:</a:t>
+              <a:t>Kiến trúc tổng </a:t>
+            </a:r>
+            <a:r>
+              <a:rPr lang="en-US" sz="2800" smtClean="0">
+                <a:latin typeface="Times New Roman" panose="02020603050405020304" pitchFamily="18" charset="0"/>
+                <a:cs typeface="Times New Roman" panose="02020603050405020304" pitchFamily="18" charset="0"/>
+              </a:rPr>
+              <a:t>quan</a:t>
+            </a:r>
+            <a:r>
+              <a:rPr lang="vi-VN" sz="2800" smtClean="0">
+                <a:latin typeface="Times New Roman" panose="02020603050405020304" pitchFamily="18" charset="0"/>
+                <a:cs typeface="Times New Roman" panose="02020603050405020304" pitchFamily="18" charset="0"/>
+              </a:rPr>
+              <a:t> hệ thống trả lời tự động</a:t>
+            </a:r>
+          </a:p>
+          <a:p>
+            <a:r>
+              <a:rPr lang="en-US" sz="2800" smtClean="0">
+                <a:latin typeface="Times New Roman" panose="02020603050405020304" pitchFamily="18" charset="0"/>
+                <a:cs typeface="Times New Roman" panose="02020603050405020304" pitchFamily="18" charset="0"/>
+              </a:rPr>
+              <a:t>Lọc </a:t>
+            </a:r>
+            <a:r>
+              <a:rPr lang="en-US" sz="2800">
+                <a:latin typeface="Times New Roman" panose="02020603050405020304" pitchFamily="18" charset="0"/>
+                <a:cs typeface="Times New Roman" panose="02020603050405020304" pitchFamily="18" charset="0"/>
+              </a:rPr>
+              <a:t>dữ liệu sử dụng Full Text </a:t>
+            </a:r>
+            <a:r>
+              <a:rPr lang="en-US" sz="2800" smtClean="0">
+                <a:latin typeface="Times New Roman" panose="02020603050405020304" pitchFamily="18" charset="0"/>
+                <a:cs typeface="Times New Roman" panose="02020603050405020304" pitchFamily="18" charset="0"/>
+              </a:rPr>
+              <a:t>Search</a:t>
+            </a:r>
+          </a:p>
+          <a:p>
+            <a:r>
+              <a:rPr lang="en-US" sz="2800">
+                <a:latin typeface="Times New Roman" panose="02020603050405020304" pitchFamily="18" charset="0"/>
+                <a:cs typeface="Times New Roman" panose="02020603050405020304" pitchFamily="18" charset="0"/>
+              </a:rPr>
+              <a:t>Tách từ</a:t>
+            </a:r>
+            <a:endParaRPr lang="en-US" sz="2800" smtClean="0">
+              <a:latin typeface="Times New Roman" panose="02020603050405020304" pitchFamily="18" charset="0"/>
+              <a:cs typeface="Times New Roman" panose="02020603050405020304" pitchFamily="18" charset="0"/>
+            </a:endParaRPr>
+          </a:p>
+          <a:p>
+            <a:r>
+              <a:rPr lang="en-US" sz="2800">
+                <a:latin typeface="Times New Roman" panose="02020603050405020304" pitchFamily="18" charset="0"/>
+                <a:cs typeface="Times New Roman" panose="02020603050405020304" pitchFamily="18" charset="0"/>
+              </a:rPr>
+              <a:t>Phân loại câu hỏi sử dụng Maximum entropy classifier</a:t>
+            </a:r>
+            <a:endParaRPr lang="en-US" sz="2800" smtClean="0">
+              <a:latin typeface="Times New Roman" panose="02020603050405020304" pitchFamily="18" charset="0"/>
+              <a:cs typeface="Times New Roman" panose="02020603050405020304" pitchFamily="18" charset="0"/>
+            </a:endParaRPr>
+          </a:p>
+          <a:p>
+            <a:r>
+              <a:rPr lang="fr-FR" sz="2800">
+                <a:latin typeface="Times New Roman" panose="02020603050405020304" pitchFamily="18" charset="0"/>
+                <a:cs typeface="Times New Roman" panose="02020603050405020304" pitchFamily="18" charset="0"/>
+              </a:rPr>
+              <a:t>Đo độ tương tự giữa các câu </a:t>
+            </a:r>
+            <a:r>
+              <a:rPr lang="fr-FR" sz="2800" smtClean="0">
+                <a:latin typeface="Times New Roman" panose="02020603050405020304" pitchFamily="18" charset="0"/>
+                <a:cs typeface="Times New Roman" panose="02020603050405020304" pitchFamily="18" charset="0"/>
+              </a:rPr>
+              <a:t>hỏi</a:t>
             </a:r>
             <a:endParaRPr lang="vi-VN" sz="2800">
               <a:latin typeface="Times New Roman" panose="02020603050405020304" pitchFamily="18" charset="0"/>
               <a:cs typeface="Times New Roman" panose="02020603050405020304" pitchFamily="18" charset="0"/>
             </a:endParaRPr>
           </a:p>
-          <a:p>
-            <a:r>
-              <a:rPr lang="en-US" sz="2800">
-                <a:latin typeface="Times New Roman" panose="02020603050405020304" pitchFamily="18" charset="0"/>
-                <a:cs typeface="Times New Roman" panose="02020603050405020304" pitchFamily="18" charset="0"/>
-              </a:rPr>
-              <a:t>Các vấn đề chưa làm được:</a:t>
-            </a:r>
-            <a:endParaRPr lang="vi-VN" sz="2800">
-              <a:latin typeface="Times New Roman" panose="02020603050405020304" pitchFamily="18" charset="0"/>
-              <a:cs typeface="Times New Roman" panose="02020603050405020304" pitchFamily="18" charset="0"/>
-            </a:endParaRPr>
-          </a:p>
-          <a:p>
-            <a:r>
-              <a:rPr lang="en-US" sz="2800">
-                <a:latin typeface="Times New Roman" panose="02020603050405020304" pitchFamily="18" charset="0"/>
-                <a:cs typeface="Times New Roman" panose="02020603050405020304" pitchFamily="18" charset="0"/>
-              </a:rPr>
-              <a:t>Hướng phát triển cho tương </a:t>
-            </a:r>
-            <a:r>
-              <a:rPr lang="en-US" sz="2800" smtClean="0">
-                <a:latin typeface="Times New Roman" panose="02020603050405020304" pitchFamily="18" charset="0"/>
-                <a:cs typeface="Times New Roman" panose="02020603050405020304" pitchFamily="18" charset="0"/>
-              </a:rPr>
-              <a:t>lai</a:t>
-            </a:r>
-            <a:endParaRPr lang="vi-VN" sz="2800">
-              <a:latin typeface="Times New Roman" panose="02020603050405020304" pitchFamily="18" charset="0"/>
-              <a:cs typeface="Times New Roman" panose="02020603050405020304" pitchFamily="18" charset="0"/>
-            </a:endParaRPr>
-          </a:p>
-          <a:p>
-            <a:endParaRPr lang="vi-VN"/>
-          </a:p>
         </p:txBody>
       </p:sp>
     </p:spTree>
     <p:extLst>
       <p:ext uri="{BB962C8B-B14F-4D97-AF65-F5344CB8AC3E}">
-        <p14:creationId xmlns:p14="http://schemas.microsoft.com/office/powerpoint/2010/main" val="2787953767"/>
+        <p14:creationId xmlns:p14="http://schemas.microsoft.com/office/powerpoint/2010/main" val="2702124910"/>
       </p:ext>
     </p:extLst>
   </p:cSld>

--- a/Document/Baocao.pptx
+++ b/Document/Baocao.pptx
@@ -2,22 +2,34 @@
 <file path=ppt/presentation.xml><?xml version="1.0" encoding="utf-8"?>
 <p:presentation xmlns:a="http://schemas.openxmlformats.org/drawingml/2006/main" xmlns:r="http://schemas.openxmlformats.org/officeDocument/2006/relationships" xmlns:p="http://schemas.openxmlformats.org/presentationml/2006/main" saveSubsetFonts="1" bookmarkIdSeed="7">
   <p:sldMasterIdLst>
-    <p:sldMasterId id="2147483707" r:id="rId1"/>
+    <p:sldMasterId id="2147483743" r:id="rId1"/>
   </p:sldMasterIdLst>
   <p:sldIdLst>
     <p:sldId id="256" r:id="rId2"/>
     <p:sldId id="257" r:id="rId3"/>
     <p:sldId id="265" r:id="rId4"/>
-    <p:sldId id="266" r:id="rId5"/>
-    <p:sldId id="267" r:id="rId6"/>
+    <p:sldId id="267" r:id="rId5"/>
+    <p:sldId id="272" r:id="rId6"/>
     <p:sldId id="258" r:id="rId7"/>
     <p:sldId id="262" r:id="rId8"/>
     <p:sldId id="268" r:id="rId9"/>
-    <p:sldId id="259" r:id="rId10"/>
-    <p:sldId id="263" r:id="rId11"/>
-    <p:sldId id="260" r:id="rId12"/>
-    <p:sldId id="264" r:id="rId13"/>
-    <p:sldId id="261" r:id="rId14"/>
+    <p:sldId id="269" r:id="rId10"/>
+    <p:sldId id="281" r:id="rId11"/>
+    <p:sldId id="263" r:id="rId12"/>
+    <p:sldId id="259" r:id="rId13"/>
+    <p:sldId id="273" r:id="rId14"/>
+    <p:sldId id="274" r:id="rId15"/>
+    <p:sldId id="275" r:id="rId16"/>
+    <p:sldId id="276" r:id="rId17"/>
+    <p:sldId id="260" r:id="rId18"/>
+    <p:sldId id="264" r:id="rId19"/>
+    <p:sldId id="277" r:id="rId20"/>
+    <p:sldId id="278" r:id="rId21"/>
+    <p:sldId id="279" r:id="rId22"/>
+    <p:sldId id="280" r:id="rId23"/>
+    <p:sldId id="261" r:id="rId24"/>
+    <p:sldId id="270" r:id="rId25"/>
+    <p:sldId id="271" r:id="rId26"/>
   </p:sldIdLst>
   <p:sldSz cx="12192000" cy="6858000"/>
   <p:notesSz cx="6858000" cy="9144000"/>
@@ -292,7 +304,7 @@
           <a:p>
             <a:fld id="{0124091A-53C6-413B-ACA2-50D8C00FFCBD}" type="datetimeFigureOut">
               <a:rPr lang="vi-VN" smtClean="0"/>
-              <a:t>13/03/2017</a:t>
+              <a:t>14/03/2017</a:t>
             </a:fld>
             <a:endParaRPr lang="vi-VN"/>
           </a:p>
@@ -401,7 +413,7 @@
     </p:spTree>
     <p:extLst>
       <p:ext uri="{BB962C8B-B14F-4D97-AF65-F5344CB8AC3E}">
-        <p14:creationId xmlns:p14="http://schemas.microsoft.com/office/powerpoint/2010/main" val="1591426706"/>
+        <p14:creationId xmlns:p14="http://schemas.microsoft.com/office/powerpoint/2010/main" val="2010252379"/>
       </p:ext>
     </p:extLst>
   </p:cSld>
@@ -520,7 +532,7 @@
           <a:p>
             <a:fld id="{0124091A-53C6-413B-ACA2-50D8C00FFCBD}" type="datetimeFigureOut">
               <a:rPr lang="vi-VN" smtClean="0"/>
-              <a:t>13/03/2017</a:t>
+              <a:t>14/03/2017</a:t>
             </a:fld>
             <a:endParaRPr lang="vi-VN"/>
           </a:p>
@@ -571,7 +583,7 @@
     </p:spTree>
     <p:extLst>
       <p:ext uri="{BB962C8B-B14F-4D97-AF65-F5344CB8AC3E}">
-        <p14:creationId xmlns:p14="http://schemas.microsoft.com/office/powerpoint/2010/main" val="3597356235"/>
+        <p14:creationId xmlns:p14="http://schemas.microsoft.com/office/powerpoint/2010/main" val="3340785164"/>
       </p:ext>
     </p:extLst>
   </p:cSld>
@@ -700,7 +712,7 @@
           <a:p>
             <a:fld id="{0124091A-53C6-413B-ACA2-50D8C00FFCBD}" type="datetimeFigureOut">
               <a:rPr lang="vi-VN" smtClean="0"/>
-              <a:t>13/03/2017</a:t>
+              <a:t>14/03/2017</a:t>
             </a:fld>
             <a:endParaRPr lang="vi-VN"/>
           </a:p>
@@ -751,7 +763,7 @@
     </p:spTree>
     <p:extLst>
       <p:ext uri="{BB962C8B-B14F-4D97-AF65-F5344CB8AC3E}">
-        <p14:creationId xmlns:p14="http://schemas.microsoft.com/office/powerpoint/2010/main" val="3304498779"/>
+        <p14:creationId xmlns:p14="http://schemas.microsoft.com/office/powerpoint/2010/main" val="2629466593"/>
       </p:ext>
     </p:extLst>
   </p:cSld>
@@ -870,7 +882,7 @@
           <a:p>
             <a:fld id="{0124091A-53C6-413B-ACA2-50D8C00FFCBD}" type="datetimeFigureOut">
               <a:rPr lang="vi-VN" smtClean="0"/>
-              <a:t>13/03/2017</a:t>
+              <a:t>14/03/2017</a:t>
             </a:fld>
             <a:endParaRPr lang="vi-VN"/>
           </a:p>
@@ -921,7 +933,7 @@
     </p:spTree>
     <p:extLst>
       <p:ext uri="{BB962C8B-B14F-4D97-AF65-F5344CB8AC3E}">
-        <p14:creationId xmlns:p14="http://schemas.microsoft.com/office/powerpoint/2010/main" val="1257063234"/>
+        <p14:creationId xmlns:p14="http://schemas.microsoft.com/office/powerpoint/2010/main" val="1534866347"/>
       </p:ext>
     </p:extLst>
   </p:cSld>
@@ -1124,7 +1136,7 @@
           <a:p>
             <a:fld id="{0124091A-53C6-413B-ACA2-50D8C00FFCBD}" type="datetimeFigureOut">
               <a:rPr lang="vi-VN" smtClean="0"/>
-              <a:t>13/03/2017</a:t>
+              <a:t>14/03/2017</a:t>
             </a:fld>
             <a:endParaRPr lang="vi-VN"/>
           </a:p>
@@ -1213,7 +1225,7 @@
     </p:spTree>
     <p:extLst>
       <p:ext uri="{BB962C8B-B14F-4D97-AF65-F5344CB8AC3E}">
-        <p14:creationId xmlns:p14="http://schemas.microsoft.com/office/powerpoint/2010/main" val="410740714"/>
+        <p14:creationId xmlns:p14="http://schemas.microsoft.com/office/powerpoint/2010/main" val="3334848663"/>
       </p:ext>
     </p:extLst>
   </p:cSld>
@@ -1450,7 +1462,7 @@
           <a:p>
             <a:fld id="{0124091A-53C6-413B-ACA2-50D8C00FFCBD}" type="datetimeFigureOut">
               <a:rPr lang="vi-VN" smtClean="0"/>
-              <a:t>13/03/2017</a:t>
+              <a:t>14/03/2017</a:t>
             </a:fld>
             <a:endParaRPr lang="vi-VN"/>
           </a:p>
@@ -1501,7 +1513,7 @@
     </p:spTree>
     <p:extLst>
       <p:ext uri="{BB962C8B-B14F-4D97-AF65-F5344CB8AC3E}">
-        <p14:creationId xmlns:p14="http://schemas.microsoft.com/office/powerpoint/2010/main" val="4176170708"/>
+        <p14:creationId xmlns:p14="http://schemas.microsoft.com/office/powerpoint/2010/main" val="219382183"/>
       </p:ext>
     </p:extLst>
   </p:cSld>
@@ -1901,7 +1913,7 @@
           <a:p>
             <a:fld id="{0124091A-53C6-413B-ACA2-50D8C00FFCBD}" type="datetimeFigureOut">
               <a:rPr lang="vi-VN" smtClean="0"/>
-              <a:t>13/03/2017</a:t>
+              <a:t>14/03/2017</a:t>
             </a:fld>
             <a:endParaRPr lang="vi-VN"/>
           </a:p>
@@ -1952,7 +1964,7 @@
     </p:spTree>
     <p:extLst>
       <p:ext uri="{BB962C8B-B14F-4D97-AF65-F5344CB8AC3E}">
-        <p14:creationId xmlns:p14="http://schemas.microsoft.com/office/powerpoint/2010/main" val="1557111717"/>
+        <p14:creationId xmlns:p14="http://schemas.microsoft.com/office/powerpoint/2010/main" val="4061765524"/>
       </p:ext>
     </p:extLst>
   </p:cSld>
@@ -2019,7 +2031,7 @@
           <a:p>
             <a:fld id="{0124091A-53C6-413B-ACA2-50D8C00FFCBD}" type="datetimeFigureOut">
               <a:rPr lang="vi-VN" smtClean="0"/>
-              <a:t>13/03/2017</a:t>
+              <a:t>14/03/2017</a:t>
             </a:fld>
             <a:endParaRPr lang="vi-VN"/>
           </a:p>
@@ -2070,7 +2082,7 @@
     </p:spTree>
     <p:extLst>
       <p:ext uri="{BB962C8B-B14F-4D97-AF65-F5344CB8AC3E}">
-        <p14:creationId xmlns:p14="http://schemas.microsoft.com/office/powerpoint/2010/main" val="3145918399"/>
+        <p14:creationId xmlns:p14="http://schemas.microsoft.com/office/powerpoint/2010/main" val="2056569312"/>
       </p:ext>
     </p:extLst>
   </p:cSld>
@@ -2114,7 +2126,7 @@
           <a:p>
             <a:fld id="{0124091A-53C6-413B-ACA2-50D8C00FFCBD}" type="datetimeFigureOut">
               <a:rPr lang="vi-VN" smtClean="0"/>
-              <a:t>13/03/2017</a:t>
+              <a:t>14/03/2017</a:t>
             </a:fld>
             <a:endParaRPr lang="vi-VN"/>
           </a:p>
@@ -2165,7 +2177,7 @@
     </p:spTree>
     <p:extLst>
       <p:ext uri="{BB962C8B-B14F-4D97-AF65-F5344CB8AC3E}">
-        <p14:creationId xmlns:p14="http://schemas.microsoft.com/office/powerpoint/2010/main" val="415351532"/>
+        <p14:creationId xmlns:p14="http://schemas.microsoft.com/office/powerpoint/2010/main" val="4281458526"/>
       </p:ext>
     </p:extLst>
   </p:cSld>
@@ -2401,7 +2413,7 @@
           <a:p>
             <a:fld id="{0124091A-53C6-413B-ACA2-50D8C00FFCBD}" type="datetimeFigureOut">
               <a:rPr lang="vi-VN" smtClean="0"/>
-              <a:t>13/03/2017</a:t>
+              <a:t>14/03/2017</a:t>
             </a:fld>
             <a:endParaRPr lang="vi-VN"/>
           </a:p>
@@ -2452,7 +2464,7 @@
     </p:spTree>
     <p:extLst>
       <p:ext uri="{BB962C8B-B14F-4D97-AF65-F5344CB8AC3E}">
-        <p14:creationId xmlns:p14="http://schemas.microsoft.com/office/powerpoint/2010/main" val="3483288254"/>
+        <p14:creationId xmlns:p14="http://schemas.microsoft.com/office/powerpoint/2010/main" val="3867167726"/>
       </p:ext>
     </p:extLst>
   </p:cSld>
@@ -2723,7 +2735,7 @@
           <a:p>
             <a:fld id="{0124091A-53C6-413B-ACA2-50D8C00FFCBD}" type="datetimeFigureOut">
               <a:rPr lang="vi-VN" smtClean="0"/>
-              <a:t>13/03/2017</a:t>
+              <a:t>14/03/2017</a:t>
             </a:fld>
             <a:endParaRPr lang="vi-VN"/>
           </a:p>
@@ -2774,7 +2786,7 @@
     </p:spTree>
     <p:extLst>
       <p:ext uri="{BB962C8B-B14F-4D97-AF65-F5344CB8AC3E}">
-        <p14:creationId xmlns:p14="http://schemas.microsoft.com/office/powerpoint/2010/main" val="2731043518"/>
+        <p14:creationId xmlns:p14="http://schemas.microsoft.com/office/powerpoint/2010/main" val="973662628"/>
       </p:ext>
     </p:extLst>
   </p:cSld>
@@ -2977,7 +2989,7 @@
           <a:p>
             <a:fld id="{0124091A-53C6-413B-ACA2-50D8C00FFCBD}" type="datetimeFigureOut">
               <a:rPr lang="vi-VN" smtClean="0"/>
-              <a:t>13/03/2017</a:t>
+              <a:t>14/03/2017</a:t>
             </a:fld>
             <a:endParaRPr lang="vi-VN"/>
           </a:p>
@@ -3068,23 +3080,23 @@
     </p:spTree>
     <p:extLst>
       <p:ext uri="{BB962C8B-B14F-4D97-AF65-F5344CB8AC3E}">
-        <p14:creationId xmlns:p14="http://schemas.microsoft.com/office/powerpoint/2010/main" val="2623453698"/>
+        <p14:creationId xmlns:p14="http://schemas.microsoft.com/office/powerpoint/2010/main" val="2653405105"/>
       </p:ext>
     </p:extLst>
   </p:cSld>
   <p:clrMap bg1="lt1" tx1="dk1" bg2="lt2" tx2="dk2" accent1="accent1" accent2="accent2" accent3="accent3" accent4="accent4" accent5="accent5" accent6="accent6" hlink="hlink" folHlink="folHlink"/>
   <p:sldLayoutIdLst>
-    <p:sldLayoutId id="2147483708" r:id="rId1"/>
-    <p:sldLayoutId id="2147483709" r:id="rId2"/>
-    <p:sldLayoutId id="2147483710" r:id="rId3"/>
-    <p:sldLayoutId id="2147483711" r:id="rId4"/>
-    <p:sldLayoutId id="2147483712" r:id="rId5"/>
-    <p:sldLayoutId id="2147483713" r:id="rId6"/>
-    <p:sldLayoutId id="2147483714" r:id="rId7"/>
-    <p:sldLayoutId id="2147483715" r:id="rId8"/>
-    <p:sldLayoutId id="2147483716" r:id="rId9"/>
-    <p:sldLayoutId id="2147483717" r:id="rId10"/>
-    <p:sldLayoutId id="2147483718" r:id="rId11"/>
+    <p:sldLayoutId id="2147483744" r:id="rId1"/>
+    <p:sldLayoutId id="2147483745" r:id="rId2"/>
+    <p:sldLayoutId id="2147483746" r:id="rId3"/>
+    <p:sldLayoutId id="2147483747" r:id="rId4"/>
+    <p:sldLayoutId id="2147483748" r:id="rId5"/>
+    <p:sldLayoutId id="2147483749" r:id="rId6"/>
+    <p:sldLayoutId id="2147483750" r:id="rId7"/>
+    <p:sldLayoutId id="2147483751" r:id="rId8"/>
+    <p:sldLayoutId id="2147483752" r:id="rId9"/>
+    <p:sldLayoutId id="2147483753" r:id="rId10"/>
+    <p:sldLayoutId id="2147483754" r:id="rId11"/>
   </p:sldLayoutIdLst>
   <p:txStyles>
     <p:titleStyle>
@@ -3536,7 +3548,47 @@
                 <a:latin typeface="Times New Roman" panose="02020603050405020304" pitchFamily="18" charset="0"/>
                 <a:cs typeface="Times New Roman" panose="02020603050405020304" pitchFamily="18" charset="0"/>
               </a:rPr>
-              <a:t>Nguyễn nhật nguyên - 51303352</a:t>
+              <a:t>Nguyễn </a:t>
+            </a:r>
+            <a:r>
+              <a:rPr lang="en-US" smtClean="0">
+                <a:solidFill>
+                  <a:schemeClr val="tx1"/>
+                </a:solidFill>
+                <a:latin typeface="Times New Roman" panose="02020603050405020304" pitchFamily="18" charset="0"/>
+                <a:cs typeface="Times New Roman" panose="02020603050405020304" pitchFamily="18" charset="0"/>
+              </a:rPr>
+              <a:t>Nhật </a:t>
+            </a:r>
+            <a:r>
+              <a:rPr lang="en-US">
+                <a:solidFill>
+                  <a:schemeClr val="tx1"/>
+                </a:solidFill>
+                <a:latin typeface="Times New Roman" panose="02020603050405020304" pitchFamily="18" charset="0"/>
+                <a:cs typeface="Times New Roman" panose="02020603050405020304" pitchFamily="18" charset="0"/>
+              </a:rPr>
+              <a:t>N</a:t>
+            </a:r>
+            <a:r>
+              <a:rPr lang="en-US" smtClean="0">
+                <a:solidFill>
+                  <a:schemeClr val="tx1"/>
+                </a:solidFill>
+                <a:latin typeface="Times New Roman" panose="02020603050405020304" pitchFamily="18" charset="0"/>
+                <a:cs typeface="Times New Roman" panose="02020603050405020304" pitchFamily="18" charset="0"/>
+              </a:rPr>
+              <a:t>guyên </a:t>
+            </a:r>
+            <a:r>
+              <a:rPr lang="en-US" smtClean="0">
+                <a:solidFill>
+                  <a:schemeClr val="tx1"/>
+                </a:solidFill>
+                <a:latin typeface="Times New Roman" panose="02020603050405020304" pitchFamily="18" charset="0"/>
+                <a:cs typeface="Times New Roman" panose="02020603050405020304" pitchFamily="18" charset="0"/>
+              </a:rPr>
+              <a:t>- 51303352</a:t>
             </a:r>
             <a:endParaRPr lang="vi-VN">
               <a:solidFill>
@@ -3595,23 +3647,13 @@
             <p:ph type="title"/>
           </p:nvPr>
         </p:nvSpPr>
-        <p:spPr>
-          <a:xfrm>
-            <a:off x="1261871" y="148397"/>
-            <a:ext cx="9692640" cy="1325562"/>
-          </a:xfrm>
-        </p:spPr>
+        <p:spPr/>
         <p:txBody>
-          <a:bodyPr/>
+          <a:bodyPr>
+            <a:normAutofit/>
+          </a:bodyPr>
           <a:lstStyle/>
           <a:p>
-            <a:r>
-              <a:rPr lang="en-US">
-                <a:latin typeface="Times New Roman" panose="02020603050405020304" pitchFamily="18" charset="0"/>
-                <a:cs typeface="Times New Roman" panose="02020603050405020304" pitchFamily="18" charset="0"/>
-              </a:rPr>
-              <a:t>Kiến trúc tổng quan cơ chế trả lời tự động</a:t>
-            </a:r>
             <a:endParaRPr lang="vi-VN">
               <a:latin typeface="Times New Roman" panose="02020603050405020304" pitchFamily="18" charset="0"/>
               <a:cs typeface="Times New Roman" panose="02020603050405020304" pitchFamily="18" charset="0"/>
@@ -3619,47 +3661,81 @@
           </a:p>
         </p:txBody>
       </p:sp>
-      <p:pic>
-        <p:nvPicPr>
-          <p:cNvPr id="4" name="Content Placeholder 3"/>
-          <p:cNvPicPr>
-            <a:picLocks noGrp="1"/>
-          </p:cNvPicPr>
+      <p:sp>
+        <p:nvSpPr>
+          <p:cNvPr id="3" name="Content Placeholder 2"/>
+          <p:cNvSpPr>
+            <a:spLocks noGrp="1"/>
+          </p:cNvSpPr>
           <p:nvPr>
             <p:ph idx="1"/>
           </p:nvPr>
-        </p:nvPicPr>
-        <p:blipFill>
-          <a:blip r:embed="rId2">
-            <a:extLst>
-              <a:ext uri="{28A0092B-C50C-407E-A947-70E740481C1C}">
-                <a14:useLocalDpi xmlns:a14="http://schemas.microsoft.com/office/drawing/2010/main" val="0"/>
-              </a:ext>
-            </a:extLst>
-          </a:blip>
-          <a:srcRect/>
-          <a:stretch>
-            <a:fillRect/>
-          </a:stretch>
-        </p:blipFill>
-        <p:spPr bwMode="auto">
+        </p:nvSpPr>
+        <p:spPr>
           <a:xfrm>
-            <a:off x="110001" y="1473959"/>
-            <a:ext cx="11778017" cy="5384041"/>
+            <a:off x="450377" y="2115404"/>
+            <a:ext cx="10652624" cy="4351337"/>
           </a:xfrm>
-          <a:prstGeom prst="rect">
-            <a:avLst/>
-          </a:prstGeom>
-          <a:noFill/>
-          <a:ln>
-            <a:noFill/>
-          </a:ln>
         </p:spPr>
-      </p:pic>
+        <p:txBody>
+          <a:bodyPr>
+            <a:normAutofit/>
+          </a:bodyPr>
+          <a:lstStyle/>
+          <a:p>
+            <a:endParaRPr lang="en-US" sz="2800" smtClean="0">
+              <a:latin typeface="Times New Roman" panose="02020603050405020304" pitchFamily="18" charset="0"/>
+              <a:cs typeface="Times New Roman" panose="02020603050405020304" pitchFamily="18" charset="0"/>
+            </a:endParaRPr>
+          </a:p>
+          <a:p>
+            <a:endParaRPr lang="en-US" sz="2800">
+              <a:latin typeface="Times New Roman" panose="02020603050405020304" pitchFamily="18" charset="0"/>
+              <a:cs typeface="Times New Roman" panose="02020603050405020304" pitchFamily="18" charset="0"/>
+            </a:endParaRPr>
+          </a:p>
+          <a:p>
+            <a:pPr marL="0" indent="0">
+              <a:buNone/>
+            </a:pPr>
+            <a:r>
+              <a:rPr lang="en-US" sz="3200" smtClean="0">
+                <a:latin typeface="Times New Roman" panose="02020603050405020304" pitchFamily="18" charset="0"/>
+                <a:cs typeface="Times New Roman" panose="02020603050405020304" pitchFamily="18" charset="0"/>
+              </a:rPr>
+              <a:t>   CHƯƠNG </a:t>
+            </a:r>
+            <a:r>
+              <a:rPr lang="en-US" sz="3200">
+                <a:latin typeface="Times New Roman" panose="02020603050405020304" pitchFamily="18" charset="0"/>
+                <a:cs typeface="Times New Roman" panose="02020603050405020304" pitchFamily="18" charset="0"/>
+              </a:rPr>
+              <a:t>3 – XÂY DỰNG CƠ CHẾ TRẢ LỜI TỰ ĐỘNG</a:t>
+            </a:r>
+            <a:r>
+              <a:rPr lang="vi-VN" sz="2800">
+                <a:latin typeface="Times New Roman" panose="02020603050405020304" pitchFamily="18" charset="0"/>
+                <a:cs typeface="Times New Roman" panose="02020603050405020304" pitchFamily="18" charset="0"/>
+              </a:rPr>
+              <a:t/>
+            </a:r>
+            <a:br>
+              <a:rPr lang="vi-VN" sz="2800">
+                <a:latin typeface="Times New Roman" panose="02020603050405020304" pitchFamily="18" charset="0"/>
+                <a:cs typeface="Times New Roman" panose="02020603050405020304" pitchFamily="18" charset="0"/>
+              </a:rPr>
+            </a:br>
+            <a:endParaRPr lang="en-US" sz="2800" smtClean="0">
+              <a:latin typeface="Times New Roman" panose="02020603050405020304" pitchFamily="18" charset="0"/>
+              <a:cs typeface="Times New Roman" panose="02020603050405020304" pitchFamily="18" charset="0"/>
+            </a:endParaRPr>
+          </a:p>
+        </p:txBody>
+      </p:sp>
     </p:spTree>
     <p:extLst>
       <p:ext uri="{BB962C8B-B14F-4D97-AF65-F5344CB8AC3E}">
-        <p14:creationId xmlns:p14="http://schemas.microsoft.com/office/powerpoint/2010/main" val="2703463628"/>
+        <p14:creationId xmlns:p14="http://schemas.microsoft.com/office/powerpoint/2010/main" val="1829843110"/>
       </p:ext>
     </p:extLst>
   </p:cSld>
@@ -3703,11 +3779,14 @@
             <p:ph type="title"/>
           </p:nvPr>
         </p:nvSpPr>
-        <p:spPr/>
+        <p:spPr>
+          <a:xfrm>
+            <a:off x="360712" y="0"/>
+            <a:ext cx="9692640" cy="1325562"/>
+          </a:xfrm>
+        </p:spPr>
         <p:txBody>
-          <a:bodyPr>
-            <a:normAutofit fontScale="90000"/>
-          </a:bodyPr>
+          <a:bodyPr/>
           <a:lstStyle/>
           <a:p>
             <a:r>
@@ -3715,153 +3794,55 @@
                 <a:latin typeface="Times New Roman" panose="02020603050405020304" pitchFamily="18" charset="0"/>
                 <a:cs typeface="Times New Roman" panose="02020603050405020304" pitchFamily="18" charset="0"/>
               </a:rPr>
-              <a:t>CHƯƠNG 4–NGHIÊN CỨU THỰC NGHIỆM</a:t>
-            </a:r>
-            <a:r>
-              <a:rPr lang="vi-VN" b="1"/>
-              <a:t/>
-            </a:r>
-            <a:br>
-              <a:rPr lang="vi-VN" b="1"/>
-            </a:br>
-            <a:endParaRPr lang="vi-VN"/>
+              <a:t>Kiến trúc tổng quan cơ chế trả lời tự động</a:t>
+            </a:r>
+            <a:endParaRPr lang="vi-VN">
+              <a:latin typeface="Times New Roman" panose="02020603050405020304" pitchFamily="18" charset="0"/>
+              <a:cs typeface="Times New Roman" panose="02020603050405020304" pitchFamily="18" charset="0"/>
+            </a:endParaRPr>
           </a:p>
         </p:txBody>
       </p:sp>
-      <p:sp>
-        <p:nvSpPr>
-          <p:cNvPr id="3" name="Content Placeholder 2"/>
-          <p:cNvSpPr>
-            <a:spLocks noGrp="1"/>
-          </p:cNvSpPr>
+      <p:pic>
+        <p:nvPicPr>
+          <p:cNvPr id="4" name="Content Placeholder 3"/>
+          <p:cNvPicPr>
+            <a:picLocks noGrp="1"/>
+          </p:cNvPicPr>
           <p:nvPr>
             <p:ph idx="1"/>
           </p:nvPr>
-        </p:nvSpPr>
-        <p:spPr/>
-        <p:txBody>
-          <a:bodyPr>
-            <a:normAutofit/>
-          </a:bodyPr>
-          <a:lstStyle/>
-          <a:p>
-            <a:r>
-              <a:rPr lang="en-US" sz="2800">
-                <a:latin typeface="Times New Roman" panose="02020603050405020304" pitchFamily="18" charset="0"/>
-                <a:cs typeface="Times New Roman" panose="02020603050405020304" pitchFamily="18" charset="0"/>
-              </a:rPr>
-              <a:t>Bộ đánh giá giải thuật phân loại câu </a:t>
-            </a:r>
-            <a:r>
-              <a:rPr lang="en-US" sz="2800" smtClean="0">
-                <a:latin typeface="Times New Roman" panose="02020603050405020304" pitchFamily="18" charset="0"/>
-                <a:cs typeface="Times New Roman" panose="02020603050405020304" pitchFamily="18" charset="0"/>
-              </a:rPr>
-              <a:t>hỏi</a:t>
-            </a:r>
-            <a:endParaRPr lang="vi-VN" sz="2800" smtClean="0">
-              <a:latin typeface="Times New Roman" panose="02020603050405020304" pitchFamily="18" charset="0"/>
-              <a:cs typeface="Times New Roman" panose="02020603050405020304" pitchFamily="18" charset="0"/>
-            </a:endParaRPr>
-          </a:p>
-          <a:p>
-            <a:r>
-              <a:rPr lang="en-US" sz="2800">
-                <a:latin typeface="Times New Roman" panose="02020603050405020304" pitchFamily="18" charset="0"/>
-                <a:cs typeface="Times New Roman" panose="02020603050405020304" pitchFamily="18" charset="0"/>
-              </a:rPr>
-              <a:t>Xây dựng bộ đánh giá giải thuật phân loại câu </a:t>
-            </a:r>
-            <a:r>
-              <a:rPr lang="en-US" sz="2800" smtClean="0">
-                <a:latin typeface="Times New Roman" panose="02020603050405020304" pitchFamily="18" charset="0"/>
-                <a:cs typeface="Times New Roman" panose="02020603050405020304" pitchFamily="18" charset="0"/>
-              </a:rPr>
-              <a:t>hỏi</a:t>
-            </a:r>
-            <a:endParaRPr lang="vi-VN" sz="2800" smtClean="0">
-              <a:latin typeface="Times New Roman" panose="02020603050405020304" pitchFamily="18" charset="0"/>
-              <a:cs typeface="Times New Roman" panose="02020603050405020304" pitchFamily="18" charset="0"/>
-            </a:endParaRPr>
-          </a:p>
-          <a:p>
-            <a:r>
-              <a:rPr lang="en-US" sz="2800">
-                <a:latin typeface="Times New Roman" panose="02020603050405020304" pitchFamily="18" charset="0"/>
-                <a:cs typeface="Times New Roman" panose="02020603050405020304" pitchFamily="18" charset="0"/>
-              </a:rPr>
-              <a:t>Kết quả thử </a:t>
-            </a:r>
-            <a:r>
-              <a:rPr lang="en-US" sz="2800" smtClean="0">
-                <a:latin typeface="Times New Roman" panose="02020603050405020304" pitchFamily="18" charset="0"/>
-                <a:cs typeface="Times New Roman" panose="02020603050405020304" pitchFamily="18" charset="0"/>
-              </a:rPr>
-              <a:t>nghiệm</a:t>
-            </a:r>
-            <a:endParaRPr lang="vi-VN" sz="2800" smtClean="0">
-              <a:latin typeface="Times New Roman" panose="02020603050405020304" pitchFamily="18" charset="0"/>
-              <a:cs typeface="Times New Roman" panose="02020603050405020304" pitchFamily="18" charset="0"/>
-            </a:endParaRPr>
-          </a:p>
-          <a:p>
-            <a:r>
-              <a:rPr lang="en-US" sz="2800">
-                <a:latin typeface="Times New Roman" panose="02020603050405020304" pitchFamily="18" charset="0"/>
-                <a:cs typeface="Times New Roman" panose="02020603050405020304" pitchFamily="18" charset="0"/>
-              </a:rPr>
-              <a:t>Bộ đánh giá mô-đun trả lời tự </a:t>
-            </a:r>
-            <a:r>
-              <a:rPr lang="en-US" sz="2800" smtClean="0">
-                <a:latin typeface="Times New Roman" panose="02020603050405020304" pitchFamily="18" charset="0"/>
-                <a:cs typeface="Times New Roman" panose="02020603050405020304" pitchFamily="18" charset="0"/>
-              </a:rPr>
-              <a:t>động</a:t>
-            </a:r>
-          </a:p>
-          <a:p>
-            <a:r>
-              <a:rPr lang="en-US" sz="2800">
-                <a:latin typeface="Times New Roman" panose="02020603050405020304" pitchFamily="18" charset="0"/>
-                <a:cs typeface="Times New Roman" panose="02020603050405020304" pitchFamily="18" charset="0"/>
-              </a:rPr>
-              <a:t>Xây dựng bộ đánh giá mô-đun trả lời tự </a:t>
-            </a:r>
-            <a:r>
-              <a:rPr lang="en-US" sz="2800" smtClean="0">
-                <a:latin typeface="Times New Roman" panose="02020603050405020304" pitchFamily="18" charset="0"/>
-                <a:cs typeface="Times New Roman" panose="02020603050405020304" pitchFamily="18" charset="0"/>
-              </a:rPr>
-              <a:t>động</a:t>
-            </a:r>
-          </a:p>
-          <a:p>
-            <a:r>
-              <a:rPr lang="en-US" sz="2800">
-                <a:latin typeface="Times New Roman" panose="02020603050405020304" pitchFamily="18" charset="0"/>
-                <a:cs typeface="Times New Roman" panose="02020603050405020304" pitchFamily="18" charset="0"/>
-              </a:rPr>
-              <a:t>Kế hoạch thử nghiệm </a:t>
-            </a:r>
-            <a:r>
-              <a:rPr lang="en-US" sz="2800" smtClean="0">
-                <a:latin typeface="Times New Roman" panose="02020603050405020304" pitchFamily="18" charset="0"/>
-                <a:cs typeface="Times New Roman" panose="02020603050405020304" pitchFamily="18" charset="0"/>
-              </a:rPr>
-              <a:t>mô hình 1n gram và 2n gram</a:t>
-            </a:r>
-            <a:endParaRPr lang="vi-VN" sz="2800">
-              <a:latin typeface="Times New Roman" panose="02020603050405020304" pitchFamily="18" charset="0"/>
-              <a:cs typeface="Times New Roman" panose="02020603050405020304" pitchFamily="18" charset="0"/>
-            </a:endParaRPr>
-          </a:p>
-        </p:txBody>
-      </p:sp>
+        </p:nvPicPr>
+        <p:blipFill>
+          <a:blip r:embed="rId2">
+            <a:extLst>
+              <a:ext uri="{28A0092B-C50C-407E-A947-70E740481C1C}">
+                <a14:useLocalDpi xmlns:a14="http://schemas.microsoft.com/office/drawing/2010/main" val="0"/>
+              </a:ext>
+            </a:extLst>
+          </a:blip>
+          <a:stretch>
+            <a:fillRect/>
+          </a:stretch>
+        </p:blipFill>
+        <p:spPr bwMode="auto">
+          <a:xfrm>
+            <a:off x="688259" y="1689974"/>
+            <a:ext cx="9846448" cy="4697179"/>
+          </a:xfrm>
+          <a:prstGeom prst="rect">
+            <a:avLst/>
+          </a:prstGeom>
+          <a:noFill/>
+          <a:ln>
+            <a:noFill/>
+          </a:ln>
+        </p:spPr>
+      </p:pic>
     </p:spTree>
     <p:extLst>
       <p:ext uri="{BB962C8B-B14F-4D97-AF65-F5344CB8AC3E}">
-        <p14:creationId xmlns:p14="http://schemas.microsoft.com/office/powerpoint/2010/main" val="4229966639"/>
+        <p14:creationId xmlns:p14="http://schemas.microsoft.com/office/powerpoint/2010/main" val="2703463628"/>
       </p:ext>
     </p:extLst>
   </p:cSld>
@@ -3908,68 +3889,90 @@
         <p:spPr/>
         <p:txBody>
           <a:bodyPr>
-            <a:normAutofit fontScale="90000"/>
+            <a:normAutofit/>
           </a:bodyPr>
           <a:lstStyle/>
           <a:p>
-            <a:r>
-              <a:rPr lang="en-US">
-                <a:latin typeface="Times New Roman" panose="02020603050405020304" pitchFamily="18" charset="0"/>
-                <a:cs typeface="Times New Roman" panose="02020603050405020304" pitchFamily="18" charset="0"/>
-              </a:rPr>
-              <a:t>Tổng quan mô hình bộ dánh giá giải thuật phân loại câu hỏi</a:t>
-            </a:r>
-            <a:r>
-              <a:rPr lang="vi-VN"/>
-              <a:t/>
-            </a:r>
-            <a:br>
-              <a:rPr lang="vi-VN"/>
-            </a:br>
-            <a:endParaRPr lang="vi-VN"/>
+            <a:endParaRPr lang="vi-VN">
+              <a:latin typeface="Times New Roman" panose="02020603050405020304" pitchFamily="18" charset="0"/>
+              <a:cs typeface="Times New Roman" panose="02020603050405020304" pitchFamily="18" charset="0"/>
+            </a:endParaRPr>
           </a:p>
         </p:txBody>
       </p:sp>
-      <p:pic>
-        <p:nvPicPr>
-          <p:cNvPr id="4" name="Content Placeholder 3"/>
-          <p:cNvPicPr>
-            <a:picLocks noGrp="1"/>
-          </p:cNvPicPr>
+      <p:sp>
+        <p:nvSpPr>
+          <p:cNvPr id="3" name="Content Placeholder 2"/>
+          <p:cNvSpPr>
+            <a:spLocks noGrp="1"/>
+          </p:cNvSpPr>
           <p:nvPr>
             <p:ph idx="1"/>
           </p:nvPr>
-        </p:nvPicPr>
-        <p:blipFill>
-          <a:blip r:embed="rId2">
-            <a:extLst>
-              <a:ext uri="{28A0092B-C50C-407E-A947-70E740481C1C}">
-                <a14:useLocalDpi xmlns:a14="http://schemas.microsoft.com/office/drawing/2010/main" val="0"/>
-              </a:ext>
-            </a:extLst>
-          </a:blip>
-          <a:stretch>
-            <a:fillRect/>
-          </a:stretch>
-        </p:blipFill>
-        <p:spPr bwMode="auto">
+        </p:nvSpPr>
+        <p:spPr>
           <a:xfrm>
-            <a:off x="1692322" y="1337481"/>
-            <a:ext cx="8256896" cy="5363570"/>
+            <a:off x="961621" y="1897039"/>
+            <a:ext cx="8595360" cy="4351337"/>
           </a:xfrm>
-          <a:prstGeom prst="rect">
-            <a:avLst/>
-          </a:prstGeom>
-          <a:noFill/>
-          <a:ln>
-            <a:noFill/>
-          </a:ln>
         </p:spPr>
-      </p:pic>
+        <p:txBody>
+          <a:bodyPr>
+            <a:normAutofit/>
+          </a:bodyPr>
+          <a:lstStyle/>
+          <a:p>
+            <a:pPr marL="0" indent="0">
+              <a:buNone/>
+            </a:pPr>
+            <a:r>
+              <a:rPr lang="vi-VN" sz="2400" b="1" smtClean="0">
+                <a:latin typeface="Times New Roman" panose="02020603050405020304" pitchFamily="18" charset="0"/>
+                <a:cs typeface="Times New Roman" panose="02020603050405020304" pitchFamily="18" charset="0"/>
+              </a:rPr>
+              <a:t>Các phương pháp sử dụng trong cơ chế trả lời tự động:</a:t>
+            </a:r>
+          </a:p>
+          <a:p>
+            <a:pPr marL="0" indent="0">
+              <a:buNone/>
+            </a:pPr>
+            <a:r>
+              <a:rPr lang="en-US" sz="2400" b="1" smtClean="0">
+                <a:latin typeface="Times New Roman" panose="02020603050405020304" pitchFamily="18" charset="0"/>
+                <a:cs typeface="Times New Roman" panose="02020603050405020304" pitchFamily="18" charset="0"/>
+              </a:rPr>
+              <a:t>1. Lọc dữ liệu sử dụng Full Text Search:</a:t>
+            </a:r>
+          </a:p>
+          <a:p>
+            <a:pPr marL="0" indent="0">
+              <a:buNone/>
+            </a:pPr>
+            <a:r>
+              <a:rPr lang="en-US" sz="2200">
+                <a:latin typeface="Times New Roman" panose="02020603050405020304" pitchFamily="18" charset="0"/>
+                <a:cs typeface="Times New Roman" panose="02020603050405020304" pitchFamily="18" charset="0"/>
+              </a:rPr>
+              <a:t>FTS là một kỹ thuật tìm kiếm trên cơ sở dữ liệu dạng văn bản. Sở dĩ FTS có hiệu năng và tốc độ truy xuất cao hơn các kỹ thuật tìm kiếm thông thường là nhờ sử dụng phương pháp đánh chỉ mục (Indexing). Mỗi từ trong văn bản mới chèn vào sẽ được lưu vào một mảng gồm địa chỉ các văn bản chứa từ đó</a:t>
+            </a:r>
+            <a:endParaRPr lang="vi-VN" sz="2200" b="1">
+              <a:latin typeface="Times New Roman" panose="02020603050405020304" pitchFamily="18" charset="0"/>
+              <a:cs typeface="Times New Roman" panose="02020603050405020304" pitchFamily="18" charset="0"/>
+            </a:endParaRPr>
+          </a:p>
+          <a:p>
+            <a:endParaRPr lang="en-US" sz="2800" smtClean="0">
+              <a:latin typeface="Times New Roman" panose="02020603050405020304" pitchFamily="18" charset="0"/>
+              <a:cs typeface="Times New Roman" panose="02020603050405020304" pitchFamily="18" charset="0"/>
+            </a:endParaRPr>
+          </a:p>
+        </p:txBody>
+      </p:sp>
     </p:spTree>
     <p:extLst>
       <p:ext uri="{BB962C8B-B14F-4D97-AF65-F5344CB8AC3E}">
-        <p14:creationId xmlns:p14="http://schemas.microsoft.com/office/powerpoint/2010/main" val="3526157464"/>
+        <p14:creationId xmlns:p14="http://schemas.microsoft.com/office/powerpoint/2010/main" val="2702124910"/>
       </p:ext>
     </p:extLst>
   </p:cSld>
@@ -4018,30 +4021,7 @@
           <a:bodyPr/>
           <a:lstStyle/>
           <a:p>
-            <a:r>
-              <a:rPr lang="en-US" b="1">
-                <a:latin typeface="Times New Roman" panose="02020603050405020304" pitchFamily="18" charset="0"/>
-                <a:cs typeface="Times New Roman" panose="02020603050405020304" pitchFamily="18" charset="0"/>
-              </a:rPr>
-              <a:t>CHƯƠNG 5– TỔNG KẾT</a:t>
-            </a:r>
-            <a:r>
-              <a:rPr lang="vi-VN" b="1">
-                <a:latin typeface="Times New Roman" panose="02020603050405020304" pitchFamily="18" charset="0"/>
-                <a:cs typeface="Times New Roman" panose="02020603050405020304" pitchFamily="18" charset="0"/>
-              </a:rPr>
-              <a:t/>
-            </a:r>
-            <a:br>
-              <a:rPr lang="vi-VN" b="1">
-                <a:latin typeface="Times New Roman" panose="02020603050405020304" pitchFamily="18" charset="0"/>
-                <a:cs typeface="Times New Roman" panose="02020603050405020304" pitchFamily="18" charset="0"/>
-              </a:rPr>
-            </a:br>
-            <a:endParaRPr lang="vi-VN">
-              <a:latin typeface="Times New Roman" panose="02020603050405020304" pitchFamily="18" charset="0"/>
-              <a:cs typeface="Times New Roman" panose="02020603050405020304" pitchFamily="18" charset="0"/>
-            </a:endParaRPr>
+            <a:endParaRPr lang="vi-VN"/>
           </a:p>
         </p:txBody>
       </p:sp>
@@ -4060,47 +4040,103 @@
           <a:bodyPr/>
           <a:lstStyle/>
           <a:p>
-            <a:r>
-              <a:rPr lang="en-US" sz="2800">
-                <a:latin typeface="Times New Roman" panose="02020603050405020304" pitchFamily="18" charset="0"/>
-                <a:cs typeface="Times New Roman" panose="02020603050405020304" pitchFamily="18" charset="0"/>
-              </a:rPr>
-              <a:t>Các vấn đề đã làm được:</a:t>
-            </a:r>
-            <a:endParaRPr lang="vi-VN" sz="2800">
+            <a:pPr marL="0" indent="0">
+              <a:buNone/>
+            </a:pPr>
+            <a:r>
+              <a:rPr lang="en-US" sz="2400" b="1" smtClean="0">
+                <a:latin typeface="Times New Roman" panose="02020603050405020304" pitchFamily="18" charset="0"/>
+                <a:cs typeface="Times New Roman" panose="02020603050405020304" pitchFamily="18" charset="0"/>
+              </a:rPr>
+              <a:t>2. Tách từ:</a:t>
+            </a:r>
+          </a:p>
+          <a:p>
+            <a:pPr marL="0" indent="0">
+              <a:buNone/>
+            </a:pPr>
+            <a:r>
+              <a:rPr lang="en-US" sz="2200" smtClean="0">
+                <a:latin typeface="Times New Roman" panose="02020603050405020304" pitchFamily="18" charset="0"/>
+                <a:cs typeface="Times New Roman" panose="02020603050405020304" pitchFamily="18" charset="0"/>
+              </a:rPr>
+              <a:t>Nhằm </a:t>
+            </a:r>
+            <a:r>
+              <a:rPr lang="en-US" sz="2200">
+                <a:latin typeface="Times New Roman" panose="02020603050405020304" pitchFamily="18" charset="0"/>
+                <a:cs typeface="Times New Roman" panose="02020603050405020304" pitchFamily="18" charset="0"/>
+              </a:rPr>
+              <a:t>lọc ra những từ có nghĩa trong Tiếng Việt để nâng cao khả năng tìm kiếm các câu hỏi </a:t>
+            </a:r>
+            <a:r>
+              <a:rPr lang="en-US" sz="2200">
+                <a:latin typeface="Times New Roman" panose="02020603050405020304" pitchFamily="18" charset="0"/>
+                <a:cs typeface="Times New Roman" panose="02020603050405020304" pitchFamily="18" charset="0"/>
+              </a:rPr>
+              <a:t>tương </a:t>
+            </a:r>
+            <a:r>
+              <a:rPr lang="en-US" sz="2200" smtClean="0">
+                <a:latin typeface="Times New Roman" panose="02020603050405020304" pitchFamily="18" charset="0"/>
+                <a:cs typeface="Times New Roman" panose="02020603050405020304" pitchFamily="18" charset="0"/>
+              </a:rPr>
+              <a:t>tự</a:t>
+            </a:r>
+          </a:p>
+          <a:p>
+            <a:pPr marL="0" indent="0">
+              <a:buNone/>
+            </a:pPr>
+            <a:r>
+              <a:rPr lang="en-US" sz="2200" smtClean="0">
+                <a:latin typeface="Times New Roman" panose="02020603050405020304" pitchFamily="18" charset="0"/>
+                <a:cs typeface="Times New Roman" panose="02020603050405020304" pitchFamily="18" charset="0"/>
+              </a:rPr>
+              <a:t>Ví dụ: Sinh viên trường đại học Tôn Đức Thắng.</a:t>
+            </a:r>
+          </a:p>
+          <a:p>
+            <a:pPr marL="0" indent="0">
+              <a:buNone/>
+            </a:pPr>
+            <a:r>
+              <a:rPr lang="en-US" sz="2200" smtClean="0">
+                <a:latin typeface="Times New Roman" panose="02020603050405020304" pitchFamily="18" charset="0"/>
+                <a:cs typeface="Times New Roman" panose="02020603050405020304" pitchFamily="18" charset="0"/>
+              </a:rPr>
+              <a:t>Kết quả tách từ : Sinh_viên trường đại_học Tôn_Đức_Thắng</a:t>
+            </a:r>
+            <a:endParaRPr lang="en-US" sz="2200">
               <a:latin typeface="Times New Roman" panose="02020603050405020304" pitchFamily="18" charset="0"/>
               <a:cs typeface="Times New Roman" panose="02020603050405020304" pitchFamily="18" charset="0"/>
             </a:endParaRPr>
           </a:p>
           <a:p>
-            <a:r>
-              <a:rPr lang="en-US" sz="2800">
-                <a:latin typeface="Times New Roman" panose="02020603050405020304" pitchFamily="18" charset="0"/>
-                <a:cs typeface="Times New Roman" panose="02020603050405020304" pitchFamily="18" charset="0"/>
-              </a:rPr>
-              <a:t>Các vấn đề chưa làm được:</a:t>
-            </a:r>
-            <a:endParaRPr lang="vi-VN" sz="2800">
+            <a:pPr marL="0" indent="0">
+              <a:buNone/>
+            </a:pPr>
+            <a:endParaRPr lang="en-US" sz="2200">
               <a:latin typeface="Times New Roman" panose="02020603050405020304" pitchFamily="18" charset="0"/>
               <a:cs typeface="Times New Roman" panose="02020603050405020304" pitchFamily="18" charset="0"/>
             </a:endParaRPr>
           </a:p>
           <a:p>
             <a:r>
-              <a:rPr lang="en-US" sz="2800">
-                <a:latin typeface="Times New Roman" panose="02020603050405020304" pitchFamily="18" charset="0"/>
-                <a:cs typeface="Times New Roman" panose="02020603050405020304" pitchFamily="18" charset="0"/>
-              </a:rPr>
-              <a:t>Hướng phát triển cho tương </a:t>
-            </a:r>
-            <a:r>
-              <a:rPr lang="en-US" sz="2800" smtClean="0">
-                <a:latin typeface="Times New Roman" panose="02020603050405020304" pitchFamily="18" charset="0"/>
-                <a:cs typeface="Times New Roman" panose="02020603050405020304" pitchFamily="18" charset="0"/>
-              </a:rPr>
-              <a:t>lai</a:t>
-            </a:r>
-            <a:endParaRPr lang="vi-VN" sz="2800">
+              <a:rPr lang="fr-FR" smtClean="0">
+                <a:latin typeface="Times New Roman" panose="02020603050405020304" pitchFamily="18" charset="0"/>
+                <a:cs typeface="Times New Roman" panose="02020603050405020304" pitchFamily="18" charset="0"/>
+              </a:rPr>
+              <a:t>Đo </a:t>
+            </a:r>
+            <a:r>
+              <a:rPr lang="fr-FR">
+                <a:latin typeface="Times New Roman" panose="02020603050405020304" pitchFamily="18" charset="0"/>
+                <a:cs typeface="Times New Roman" panose="02020603050405020304" pitchFamily="18" charset="0"/>
+              </a:rPr>
+              <a:t>độ tương tự giữa các câu hỏi</a:t>
+            </a:r>
+            <a:endParaRPr lang="vi-VN">
               <a:latin typeface="Times New Roman" panose="02020603050405020304" pitchFamily="18" charset="0"/>
               <a:cs typeface="Times New Roman" panose="02020603050405020304" pitchFamily="18" charset="0"/>
             </a:endParaRPr>
@@ -4113,7 +4149,2902 @@
     </p:spTree>
     <p:extLst>
       <p:ext uri="{BB962C8B-B14F-4D97-AF65-F5344CB8AC3E}">
-        <p14:creationId xmlns:p14="http://schemas.microsoft.com/office/powerpoint/2010/main" val="2787953767"/>
+        <p14:creationId xmlns:p14="http://schemas.microsoft.com/office/powerpoint/2010/main" val="1928928921"/>
+      </p:ext>
+    </p:extLst>
+  </p:cSld>
+  <p:clrMapOvr>
+    <a:masterClrMapping/>
+  </p:clrMapOvr>
+  <p:timing>
+    <p:tnLst>
+      <p:par>
+        <p:cTn id="1" dur="indefinite" restart="never" nodeType="tmRoot"/>
+      </p:par>
+    </p:tnLst>
+  </p:timing>
+</p:sld>
+</file>
+
+<file path=ppt/slides/slide14.xml><?xml version="1.0" encoding="utf-8"?>
+<p:sld xmlns:a="http://schemas.openxmlformats.org/drawingml/2006/main" xmlns:r="http://schemas.openxmlformats.org/officeDocument/2006/relationships" xmlns:p="http://schemas.openxmlformats.org/presentationml/2006/main">
+  <p:cSld>
+    <p:spTree>
+      <p:nvGrpSpPr>
+        <p:cNvPr id="1" name=""/>
+        <p:cNvGrpSpPr/>
+        <p:nvPr/>
+      </p:nvGrpSpPr>
+      <p:grpSpPr>
+        <a:xfrm>
+          <a:off x="0" y="0"/>
+          <a:ext cx="0" cy="0"/>
+          <a:chOff x="0" y="0"/>
+          <a:chExt cx="0" cy="0"/>
+        </a:xfrm>
+      </p:grpSpPr>
+      <p:sp>
+        <p:nvSpPr>
+          <p:cNvPr id="2" name="Title 1"/>
+          <p:cNvSpPr>
+            <a:spLocks noGrp="1"/>
+          </p:cNvSpPr>
+          <p:nvPr>
+            <p:ph type="title"/>
+          </p:nvPr>
+        </p:nvSpPr>
+        <p:spPr/>
+        <p:txBody>
+          <a:bodyPr/>
+          <a:lstStyle/>
+          <a:p>
+            <a:endParaRPr lang="vi-VN"/>
+          </a:p>
+        </p:txBody>
+      </p:sp>
+      <p:sp>
+        <p:nvSpPr>
+          <p:cNvPr id="3" name="Content Placeholder 2"/>
+          <p:cNvSpPr>
+            <a:spLocks noGrp="1"/>
+          </p:cNvSpPr>
+          <p:nvPr>
+            <p:ph idx="1"/>
+          </p:nvPr>
+        </p:nvSpPr>
+        <p:spPr/>
+        <p:txBody>
+          <a:bodyPr/>
+          <a:lstStyle/>
+          <a:p>
+            <a:pPr marL="0" indent="0">
+              <a:buNone/>
+            </a:pPr>
+            <a:r>
+              <a:rPr lang="en-US" sz="2400" b="1" smtClean="0">
+                <a:latin typeface="Times New Roman" panose="02020603050405020304" pitchFamily="18" charset="0"/>
+                <a:cs typeface="Times New Roman" panose="02020603050405020304" pitchFamily="18" charset="0"/>
+              </a:rPr>
+              <a:t>3. Phân </a:t>
+            </a:r>
+            <a:r>
+              <a:rPr lang="en-US" sz="2400" b="1">
+                <a:latin typeface="Times New Roman" panose="02020603050405020304" pitchFamily="18" charset="0"/>
+                <a:cs typeface="Times New Roman" panose="02020603050405020304" pitchFamily="18" charset="0"/>
+              </a:rPr>
+              <a:t>loại câu hỏi sử dụng Maximum </a:t>
+            </a:r>
+            <a:r>
+              <a:rPr lang="en-US" sz="2400" b="1">
+                <a:latin typeface="Times New Roman" panose="02020603050405020304" pitchFamily="18" charset="0"/>
+                <a:cs typeface="Times New Roman" panose="02020603050405020304" pitchFamily="18" charset="0"/>
+              </a:rPr>
+              <a:t>entropy </a:t>
+            </a:r>
+            <a:r>
+              <a:rPr lang="en-US" sz="2400" b="1" smtClean="0">
+                <a:latin typeface="Times New Roman" panose="02020603050405020304" pitchFamily="18" charset="0"/>
+                <a:cs typeface="Times New Roman" panose="02020603050405020304" pitchFamily="18" charset="0"/>
+              </a:rPr>
+              <a:t>classifier</a:t>
+            </a:r>
+          </a:p>
+          <a:p>
+            <a:pPr marL="0" indent="0">
+              <a:lnSpc>
+                <a:spcPct val="100000"/>
+              </a:lnSpc>
+              <a:buNone/>
+            </a:pPr>
+            <a:r>
+              <a:rPr lang="en-US" sz="2200" smtClean="0">
+                <a:latin typeface="Times New Roman" panose="02020603050405020304" pitchFamily="18" charset="0"/>
+                <a:cs typeface="Times New Roman" panose="02020603050405020304" pitchFamily="18" charset="0"/>
+              </a:rPr>
+              <a:t>Maximum entropy classifier là một bộ phân loại thường được sử dụng trong xử lý ngôn ngữ tự nhiên. Nó cho phép xây dựng các đặc trưng từ tập dữ liệu huấn luyện. Tự động phân loại 1 câu theo 1 chủ đề dựa trên các đặc trưng đó.</a:t>
+            </a:r>
+            <a:endParaRPr lang="vi-VN" sz="2200" smtClean="0">
+              <a:latin typeface="Times New Roman" panose="02020603050405020304" pitchFamily="18" charset="0"/>
+              <a:cs typeface="Times New Roman" panose="02020603050405020304" pitchFamily="18" charset="0"/>
+            </a:endParaRPr>
+          </a:p>
+          <a:p>
+            <a:pPr marL="0" indent="0">
+              <a:lnSpc>
+                <a:spcPct val="100000"/>
+              </a:lnSpc>
+              <a:buNone/>
+            </a:pPr>
+            <a:r>
+              <a:rPr lang="fr-FR" sz="2200">
+                <a:latin typeface="Times New Roman" panose="02020603050405020304" pitchFamily="18" charset="0"/>
+                <a:cs typeface="Times New Roman" panose="02020603050405020304" pitchFamily="18" charset="0"/>
+              </a:rPr>
+              <a:t>Các thống kê dữ liệu cho rằng 90% các loại câu hỏi When có chứa từ “khi nào”. Như vậy nếu D có chứa từ “khi nào” thì xác suất nó thuộc loại câu hỏi When là 90%, đây cũng gọi là 1 ràng buộc của mô hình và xác suất vào các loại còn lại là </a:t>
+            </a:r>
+            <a:r>
+              <a:rPr lang="fr-FR" sz="2200">
+                <a:latin typeface="Times New Roman" panose="02020603050405020304" pitchFamily="18" charset="0"/>
+                <a:cs typeface="Times New Roman" panose="02020603050405020304" pitchFamily="18" charset="0"/>
+              </a:rPr>
+              <a:t>2</a:t>
+            </a:r>
+            <a:r>
+              <a:rPr lang="fr-FR" sz="2200" smtClean="0">
+                <a:latin typeface="Times New Roman" panose="02020603050405020304" pitchFamily="18" charset="0"/>
+                <a:cs typeface="Times New Roman" panose="02020603050405020304" pitchFamily="18" charset="0"/>
+              </a:rPr>
+              <a:t>%.</a:t>
+            </a:r>
+            <a:endParaRPr lang="vi-VN" sz="2200">
+              <a:latin typeface="Times New Roman" panose="02020603050405020304" pitchFamily="18" charset="0"/>
+              <a:cs typeface="Times New Roman" panose="02020603050405020304" pitchFamily="18" charset="0"/>
+            </a:endParaRPr>
+          </a:p>
+          <a:p>
+            <a:pPr marL="0" indent="0">
+              <a:buNone/>
+            </a:pPr>
+            <a:endParaRPr lang="vi-VN"/>
+          </a:p>
+        </p:txBody>
+      </p:sp>
+    </p:spTree>
+    <p:extLst>
+      <p:ext uri="{BB962C8B-B14F-4D97-AF65-F5344CB8AC3E}">
+        <p14:creationId xmlns:p14="http://schemas.microsoft.com/office/powerpoint/2010/main" val="893130947"/>
+      </p:ext>
+    </p:extLst>
+  </p:cSld>
+  <p:clrMapOvr>
+    <a:masterClrMapping/>
+  </p:clrMapOvr>
+  <p:timing>
+    <p:tnLst>
+      <p:par>
+        <p:cTn id="1" dur="indefinite" restart="never" nodeType="tmRoot"/>
+      </p:par>
+    </p:tnLst>
+  </p:timing>
+</p:sld>
+</file>
+
+<file path=ppt/slides/slide15.xml><?xml version="1.0" encoding="utf-8"?>
+<p:sld xmlns:a="http://schemas.openxmlformats.org/drawingml/2006/main" xmlns:r="http://schemas.openxmlformats.org/officeDocument/2006/relationships" xmlns:p="http://schemas.openxmlformats.org/presentationml/2006/main">
+  <p:cSld>
+    <p:spTree>
+      <p:nvGrpSpPr>
+        <p:cNvPr id="1" name=""/>
+        <p:cNvGrpSpPr/>
+        <p:nvPr/>
+      </p:nvGrpSpPr>
+      <p:grpSpPr>
+        <a:xfrm>
+          <a:off x="0" y="0"/>
+          <a:ext cx="0" cy="0"/>
+          <a:chOff x="0" y="0"/>
+          <a:chExt cx="0" cy="0"/>
+        </a:xfrm>
+      </p:grpSpPr>
+      <p:sp>
+        <p:nvSpPr>
+          <p:cNvPr id="2" name="Title 1"/>
+          <p:cNvSpPr>
+            <a:spLocks noGrp="1"/>
+          </p:cNvSpPr>
+          <p:nvPr>
+            <p:ph type="title"/>
+          </p:nvPr>
+        </p:nvSpPr>
+        <p:spPr/>
+        <p:txBody>
+          <a:bodyPr/>
+          <a:lstStyle/>
+          <a:p>
+            <a:endParaRPr lang="vi-VN"/>
+          </a:p>
+        </p:txBody>
+      </p:sp>
+      <mc:AlternateContent xmlns:mc="http://schemas.openxmlformats.org/markup-compatibility/2006">
+        <mc:Choice xmlns:a14="http://schemas.microsoft.com/office/drawing/2010/main" Requires="a14">
+          <p:sp>
+            <p:nvSpPr>
+              <p:cNvPr id="3" name="Content Placeholder 2"/>
+              <p:cNvSpPr>
+                <a:spLocks noGrp="1"/>
+              </p:cNvSpPr>
+              <p:nvPr>
+                <p:ph idx="1"/>
+              </p:nvPr>
+            </p:nvSpPr>
+            <p:spPr/>
+            <p:txBody>
+              <a:bodyPr>
+                <a:normAutofit/>
+              </a:bodyPr>
+              <a:lstStyle/>
+              <a:p>
+                <a:pPr marL="0" indent="0">
+                  <a:buNone/>
+                </a:pPr>
+                <a:r>
+                  <a:rPr lang="fr-FR" sz="2400" b="1" smtClean="0">
+                    <a:latin typeface="Times New Roman" panose="02020603050405020304" pitchFamily="18" charset="0"/>
+                    <a:cs typeface="Times New Roman" panose="02020603050405020304" pitchFamily="18" charset="0"/>
+                  </a:rPr>
+                  <a:t>4. Đo </a:t>
+                </a:r>
+                <a:r>
+                  <a:rPr lang="fr-FR" sz="2400" b="1">
+                    <a:latin typeface="Times New Roman" panose="02020603050405020304" pitchFamily="18" charset="0"/>
+                    <a:cs typeface="Times New Roman" panose="02020603050405020304" pitchFamily="18" charset="0"/>
+                  </a:rPr>
+                  <a:t>độ tương tự giữa các </a:t>
+                </a:r>
+                <a:r>
+                  <a:rPr lang="fr-FR" sz="2400" b="1">
+                    <a:latin typeface="Times New Roman" panose="02020603050405020304" pitchFamily="18" charset="0"/>
+                    <a:cs typeface="Times New Roman" panose="02020603050405020304" pitchFamily="18" charset="0"/>
+                  </a:rPr>
+                  <a:t>câu </a:t>
+                </a:r>
+                <a:r>
+                  <a:rPr lang="fr-FR" sz="2400" b="1" smtClean="0">
+                    <a:latin typeface="Times New Roman" panose="02020603050405020304" pitchFamily="18" charset="0"/>
+                    <a:cs typeface="Times New Roman" panose="02020603050405020304" pitchFamily="18" charset="0"/>
+                  </a:rPr>
+                  <a:t>hỏi</a:t>
+                </a:r>
+              </a:p>
+              <a:p>
+                <a:pPr marL="0" indent="0" algn="ctr">
+                  <a:buNone/>
+                </a:pPr>
+                <a:endParaRPr lang="en-US" sz="2800" i="1" smtClean="0"/>
+              </a:p>
+              <a:p>
+                <a:pPr marL="0" indent="0" algn="ctr">
+                  <a:buNone/>
+                </a:pPr>
+                <a:r>
+                  <a:rPr lang="en-US" sz="2800" i="1"/>
+                  <a:t>Độ </a:t>
+                </a:r>
+                <a:r>
+                  <a:rPr lang="en-US" sz="2800" i="1"/>
+                  <a:t>tương tự (s1, s2)</a:t>
+                </a:r>
+                <a:r>
+                  <a:rPr lang="en-US" sz="2800"/>
+                  <a:t> =  </a:t>
+                </a:r>
+                <a14:m>
+                  <m:oMath xmlns:m="http://schemas.openxmlformats.org/officeDocument/2006/math">
+                    <m:f>
+                      <m:fPr>
+                        <m:ctrlPr>
+                          <a:rPr lang="vi-VN" sz="2800" i="1">
+                            <a:latin typeface="Cambria Math" panose="02040503050406030204" pitchFamily="18" charset="0"/>
+                          </a:rPr>
+                        </m:ctrlPr>
+                      </m:fPr>
+                      <m:num>
+                        <m:r>
+                          <a:rPr lang="en-US" sz="2800">
+                            <a:latin typeface="Cambria Math" panose="02040503050406030204" pitchFamily="18" charset="0"/>
+                          </a:rPr>
+                          <m:t>2</m:t>
+                        </m:r>
+                        <m:r>
+                          <a:rPr lang="en-US" sz="2800" i="1">
+                            <a:latin typeface="Cambria Math" panose="02040503050406030204" pitchFamily="18" charset="0"/>
+                          </a:rPr>
+                          <m:t>𝑋</m:t>
+                        </m:r>
+                        <m:r>
+                          <a:rPr lang="en-US" sz="2800">
+                            <a:latin typeface="Cambria Math" panose="02040503050406030204" pitchFamily="18" charset="0"/>
+                          </a:rPr>
+                          <m:t>|</m:t>
+                        </m:r>
+                        <m:r>
+                          <a:rPr lang="en-US" sz="2800" i="1">
+                            <a:latin typeface="Cambria Math" panose="02040503050406030204" pitchFamily="18" charset="0"/>
+                          </a:rPr>
+                          <m:t>𝑐</m:t>
+                        </m:r>
+                        <m:r>
+                          <a:rPr lang="en-US" sz="2800">
+                            <a:latin typeface="Cambria Math" panose="02040503050406030204" pitchFamily="18" charset="0"/>
+                          </a:rPr>
+                          <m:t>ặ</m:t>
+                        </m:r>
+                        <m:r>
+                          <a:rPr lang="en-US" sz="2800" i="1">
+                            <a:latin typeface="Cambria Math" panose="02040503050406030204" pitchFamily="18" charset="0"/>
+                          </a:rPr>
+                          <m:t>𝑝</m:t>
+                        </m:r>
+                        <m:d>
+                          <m:dPr>
+                            <m:ctrlPr>
+                              <a:rPr lang="vi-VN" sz="2800" i="1">
+                                <a:latin typeface="Cambria Math" panose="02040503050406030204" pitchFamily="18" charset="0"/>
+                              </a:rPr>
+                            </m:ctrlPr>
+                          </m:dPr>
+                          <m:e>
+                            <m:r>
+                              <a:rPr lang="en-US" sz="2800" i="1">
+                                <a:latin typeface="Cambria Math" panose="02040503050406030204" pitchFamily="18" charset="0"/>
+                              </a:rPr>
+                              <m:t>𝑠</m:t>
+                            </m:r>
+                            <m:r>
+                              <a:rPr lang="en-US" sz="2800">
+                                <a:latin typeface="Cambria Math" panose="02040503050406030204" pitchFamily="18" charset="0"/>
+                              </a:rPr>
+                              <m:t>1</m:t>
+                            </m:r>
+                          </m:e>
+                        </m:d>
+                        <m:r>
+                          <a:rPr lang="en-US" sz="2800">
+                            <a:latin typeface="Cambria Math" panose="02040503050406030204" pitchFamily="18" charset="0"/>
+                          </a:rPr>
+                          <m:t>∩</m:t>
+                        </m:r>
+                        <m:r>
+                          <a:rPr lang="en-US" sz="2800" i="1">
+                            <a:latin typeface="Cambria Math" panose="02040503050406030204" pitchFamily="18" charset="0"/>
+                          </a:rPr>
+                          <m:t>𝑐</m:t>
+                        </m:r>
+                        <m:r>
+                          <a:rPr lang="en-US" sz="2800">
+                            <a:latin typeface="Cambria Math" panose="02040503050406030204" pitchFamily="18" charset="0"/>
+                          </a:rPr>
+                          <m:t>ặ</m:t>
+                        </m:r>
+                        <m:r>
+                          <a:rPr lang="en-US" sz="2800" i="1">
+                            <a:latin typeface="Cambria Math" panose="02040503050406030204" pitchFamily="18" charset="0"/>
+                          </a:rPr>
+                          <m:t>𝑝</m:t>
+                        </m:r>
+                        <m:r>
+                          <a:rPr lang="en-US" sz="2800">
+                            <a:latin typeface="Cambria Math" panose="02040503050406030204" pitchFamily="18" charset="0"/>
+                          </a:rPr>
+                          <m:t>(</m:t>
+                        </m:r>
+                        <m:r>
+                          <a:rPr lang="en-US" sz="2800" i="1">
+                            <a:latin typeface="Cambria Math" panose="02040503050406030204" pitchFamily="18" charset="0"/>
+                          </a:rPr>
+                          <m:t>𝑠</m:t>
+                        </m:r>
+                        <m:r>
+                          <a:rPr lang="en-US" sz="2800">
+                            <a:latin typeface="Cambria Math" panose="02040503050406030204" pitchFamily="18" charset="0"/>
+                          </a:rPr>
+                          <m:t>2)|</m:t>
+                        </m:r>
+                      </m:num>
+                      <m:den>
+                        <m:d>
+                          <m:dPr>
+                            <m:begChr m:val="|"/>
+                            <m:endChr m:val="|"/>
+                            <m:ctrlPr>
+                              <a:rPr lang="vi-VN" sz="2800" i="1">
+                                <a:latin typeface="Cambria Math" panose="02040503050406030204" pitchFamily="18" charset="0"/>
+                              </a:rPr>
+                            </m:ctrlPr>
+                          </m:dPr>
+                          <m:e>
+                            <m:r>
+                              <a:rPr lang="en-US" sz="2800" i="1">
+                                <a:latin typeface="Cambria Math" panose="02040503050406030204" pitchFamily="18" charset="0"/>
+                              </a:rPr>
+                              <m:t>𝑐</m:t>
+                            </m:r>
+                            <m:r>
+                              <a:rPr lang="en-US" sz="2800">
+                                <a:latin typeface="Cambria Math" panose="02040503050406030204" pitchFamily="18" charset="0"/>
+                              </a:rPr>
+                              <m:t>ặ</m:t>
+                            </m:r>
+                            <m:r>
+                              <a:rPr lang="en-US" sz="2800" i="1">
+                                <a:latin typeface="Cambria Math" panose="02040503050406030204" pitchFamily="18" charset="0"/>
+                              </a:rPr>
+                              <m:t>𝑝</m:t>
+                            </m:r>
+                            <m:d>
+                              <m:dPr>
+                                <m:ctrlPr>
+                                  <a:rPr lang="vi-VN" sz="2800" i="1">
+                                    <a:latin typeface="Cambria Math" panose="02040503050406030204" pitchFamily="18" charset="0"/>
+                                  </a:rPr>
+                                </m:ctrlPr>
+                              </m:dPr>
+                              <m:e>
+                                <m:r>
+                                  <a:rPr lang="en-US" sz="2800" i="1">
+                                    <a:latin typeface="Cambria Math" panose="02040503050406030204" pitchFamily="18" charset="0"/>
+                                  </a:rPr>
+                                  <m:t>𝑠</m:t>
+                                </m:r>
+                                <m:r>
+                                  <a:rPr lang="en-US" sz="2800">
+                                    <a:latin typeface="Cambria Math" panose="02040503050406030204" pitchFamily="18" charset="0"/>
+                                  </a:rPr>
+                                  <m:t>1</m:t>
+                                </m:r>
+                              </m:e>
+                            </m:d>
+                          </m:e>
+                        </m:d>
+                        <m:r>
+                          <a:rPr lang="en-US" sz="2800">
+                            <a:latin typeface="Cambria Math" panose="02040503050406030204" pitchFamily="18" charset="0"/>
+                          </a:rPr>
+                          <m:t>+|</m:t>
+                        </m:r>
+                        <m:r>
+                          <a:rPr lang="en-US" sz="2800" i="1">
+                            <a:latin typeface="Cambria Math" panose="02040503050406030204" pitchFamily="18" charset="0"/>
+                          </a:rPr>
+                          <m:t>𝑐</m:t>
+                        </m:r>
+                        <m:r>
+                          <a:rPr lang="en-US" sz="2800">
+                            <a:latin typeface="Cambria Math" panose="02040503050406030204" pitchFamily="18" charset="0"/>
+                          </a:rPr>
+                          <m:t>ặ</m:t>
+                        </m:r>
+                        <m:r>
+                          <a:rPr lang="en-US" sz="2800" i="1">
+                            <a:latin typeface="Cambria Math" panose="02040503050406030204" pitchFamily="18" charset="0"/>
+                          </a:rPr>
+                          <m:t>𝑝</m:t>
+                        </m:r>
+                        <m:r>
+                          <a:rPr lang="en-US" sz="2800">
+                            <a:latin typeface="Cambria Math" panose="02040503050406030204" pitchFamily="18" charset="0"/>
+                          </a:rPr>
+                          <m:t>(</m:t>
+                        </m:r>
+                        <m:r>
+                          <a:rPr lang="en-US" sz="2800" i="1">
+                            <a:latin typeface="Cambria Math" panose="02040503050406030204" pitchFamily="18" charset="0"/>
+                          </a:rPr>
+                          <m:t>𝑠</m:t>
+                        </m:r>
+                        <m:r>
+                          <a:rPr lang="en-US" sz="2800">
+                            <a:latin typeface="Cambria Math" panose="02040503050406030204" pitchFamily="18" charset="0"/>
+                          </a:rPr>
+                          <m:t>2)|</m:t>
+                        </m:r>
+                      </m:den>
+                    </m:f>
+                  </m:oMath>
+                </a14:m>
+                <a:endParaRPr lang="en-US" sz="2800" i="1"/>
+              </a:p>
+              <a:p>
+                <a:pPr marL="0" indent="0">
+                  <a:buNone/>
+                </a:pPr>
+                <a:r>
+                  <a:rPr lang="fr-FR" sz="2800">
+                    <a:latin typeface="Times New Roman" panose="02020603050405020304" pitchFamily="18" charset="0"/>
+                    <a:cs typeface="Times New Roman" panose="02020603050405020304" pitchFamily="18" charset="0"/>
+                  </a:rPr>
+                  <a:t>	 </a:t>
+                </a:r>
+                <a:endParaRPr lang="fr-FR" sz="2800" smtClean="0">
+                  <a:latin typeface="Times New Roman" panose="02020603050405020304" pitchFamily="18" charset="0"/>
+                  <a:cs typeface="Times New Roman" panose="02020603050405020304" pitchFamily="18" charset="0"/>
+                </a:endParaRPr>
+              </a:p>
+              <a:p>
+                <a:pPr marL="0" indent="0">
+                  <a:buNone/>
+                </a:pPr>
+                <a:r>
+                  <a:rPr lang="fr-FR" sz="2800">
+                    <a:latin typeface="Times New Roman" panose="02020603050405020304" pitchFamily="18" charset="0"/>
+                    <a:cs typeface="Times New Roman" panose="02020603050405020304" pitchFamily="18" charset="0"/>
+                  </a:rPr>
+                  <a:t>	</a:t>
+                </a:r>
+                <a:r>
+                  <a:rPr lang="en-US" sz="2200" smtClean="0">
+                    <a:latin typeface="Times New Roman" panose="02020603050405020304" pitchFamily="18" charset="0"/>
+                    <a:cs typeface="Times New Roman" panose="02020603050405020304" pitchFamily="18" charset="0"/>
+                  </a:rPr>
+                  <a:t>Trong đó: S1 S2 là 2 câu cần so sánh</a:t>
+                </a:r>
+                <a:endParaRPr lang="vi-VN" sz="2200">
+                  <a:latin typeface="Times New Roman" panose="02020603050405020304" pitchFamily="18" charset="0"/>
+                  <a:cs typeface="Times New Roman" panose="02020603050405020304" pitchFamily="18" charset="0"/>
+                </a:endParaRPr>
+              </a:p>
+            </p:txBody>
+          </p:sp>
+        </mc:Choice>
+        <mc:Fallback>
+          <p:sp>
+            <p:nvSpPr>
+              <p:cNvPr id="3" name="Content Placeholder 2"/>
+              <p:cNvSpPr>
+                <a:spLocks noGrp="1" noRot="1" noChangeAspect="1" noMove="1" noResize="1" noEditPoints="1" noAdjustHandles="1" noChangeArrowheads="1" noChangeShapeType="1" noTextEdit="1"/>
+              </p:cNvSpPr>
+              <p:nvPr>
+                <p:ph idx="1"/>
+              </p:nvPr>
+            </p:nvSpPr>
+            <p:spPr>
+              <a:blipFill rotWithShape="0">
+                <a:blip r:embed="rId2"/>
+                <a:stretch>
+                  <a:fillRect l="-1064" t="-1541"/>
+                </a:stretch>
+              </a:blipFill>
+            </p:spPr>
+            <p:txBody>
+              <a:bodyPr/>
+              <a:lstStyle/>
+              <a:p>
+                <a:r>
+                  <a:rPr lang="vi-VN">
+                    <a:noFill/>
+                  </a:rPr>
+                  <a:t> </a:t>
+                </a:r>
+              </a:p>
+            </p:txBody>
+          </p:sp>
+        </mc:Fallback>
+      </mc:AlternateContent>
+    </p:spTree>
+    <p:extLst>
+      <p:ext uri="{BB962C8B-B14F-4D97-AF65-F5344CB8AC3E}">
+        <p14:creationId xmlns:p14="http://schemas.microsoft.com/office/powerpoint/2010/main" val="1448593591"/>
+      </p:ext>
+    </p:extLst>
+  </p:cSld>
+  <p:clrMapOvr>
+    <a:masterClrMapping/>
+  </p:clrMapOvr>
+  <p:timing>
+    <p:tnLst>
+      <p:par>
+        <p:cTn id="1" dur="indefinite" restart="never" nodeType="tmRoot"/>
+      </p:par>
+    </p:tnLst>
+  </p:timing>
+</p:sld>
+</file>
+
+<file path=ppt/slides/slide16.xml><?xml version="1.0" encoding="utf-8"?>
+<p:sld xmlns:a="http://schemas.openxmlformats.org/drawingml/2006/main" xmlns:r="http://schemas.openxmlformats.org/officeDocument/2006/relationships" xmlns:p="http://schemas.openxmlformats.org/presentationml/2006/main">
+  <p:cSld>
+    <p:spTree>
+      <p:nvGrpSpPr>
+        <p:cNvPr id="1" name=""/>
+        <p:cNvGrpSpPr/>
+        <p:nvPr/>
+      </p:nvGrpSpPr>
+      <p:grpSpPr>
+        <a:xfrm>
+          <a:off x="0" y="0"/>
+          <a:ext cx="0" cy="0"/>
+          <a:chOff x="0" y="0"/>
+          <a:chExt cx="0" cy="0"/>
+        </a:xfrm>
+      </p:grpSpPr>
+      <p:sp>
+        <p:nvSpPr>
+          <p:cNvPr id="2" name="Title 1"/>
+          <p:cNvSpPr>
+            <a:spLocks noGrp="1"/>
+          </p:cNvSpPr>
+          <p:nvPr>
+            <p:ph type="title"/>
+          </p:nvPr>
+        </p:nvSpPr>
+        <p:spPr/>
+        <p:txBody>
+          <a:bodyPr/>
+          <a:lstStyle/>
+          <a:p>
+            <a:endParaRPr lang="vi-VN"/>
+          </a:p>
+        </p:txBody>
+      </p:sp>
+      <mc:AlternateContent xmlns:mc="http://schemas.openxmlformats.org/markup-compatibility/2006">
+        <mc:Choice xmlns:a14="http://schemas.microsoft.com/office/drawing/2010/main" Requires="a14">
+          <p:sp>
+            <p:nvSpPr>
+              <p:cNvPr id="3" name="Content Placeholder 2"/>
+              <p:cNvSpPr>
+                <a:spLocks noGrp="1"/>
+              </p:cNvSpPr>
+              <p:nvPr>
+                <p:ph idx="1"/>
+              </p:nvPr>
+            </p:nvSpPr>
+            <p:spPr/>
+            <p:txBody>
+              <a:bodyPr>
+                <a:normAutofit fontScale="92500"/>
+              </a:bodyPr>
+              <a:lstStyle/>
+              <a:p>
+                <a:pPr marL="0" indent="0">
+                  <a:buNone/>
+                </a:pPr>
+                <a:r>
+                  <a:rPr lang="fr-FR">
+                    <a:latin typeface="Times New Roman" panose="02020603050405020304" pitchFamily="18" charset="0"/>
+                    <a:cs typeface="Times New Roman" panose="02020603050405020304" pitchFamily="18" charset="0"/>
+                  </a:rPr>
+                  <a:t>Ví dụ:</a:t>
+                </a:r>
+              </a:p>
+              <a:p>
+                <a:pPr lvl="0"/>
+                <a:r>
+                  <a:rPr lang="fr-FR" sz="2200">
+                    <a:latin typeface="Times New Roman" panose="02020603050405020304" pitchFamily="18" charset="0"/>
+                    <a:cs typeface="Times New Roman" panose="02020603050405020304" pitchFamily="18" charset="0"/>
+                  </a:rPr>
+                  <a:t>Bao nhiêu tiền một tín chỉ? =&gt;</a:t>
+                </a:r>
+                <a:r>
+                  <a:rPr lang="fr-FR" sz="2200" i="1">
+                    <a:latin typeface="Times New Roman" panose="02020603050405020304" pitchFamily="18" charset="0"/>
+                    <a:cs typeface="Times New Roman" panose="02020603050405020304" pitchFamily="18" charset="0"/>
+                  </a:rPr>
+                  <a:t> {bao nhiêu, nhiêu tiền, tiền 1, 1 tín, tín chỉ}</a:t>
+                </a:r>
+                <a:endParaRPr lang="vi-VN" sz="2200">
+                  <a:latin typeface="Times New Roman" panose="02020603050405020304" pitchFamily="18" charset="0"/>
+                  <a:cs typeface="Times New Roman" panose="02020603050405020304" pitchFamily="18" charset="0"/>
+                </a:endParaRPr>
+              </a:p>
+              <a:p>
+                <a:pPr lvl="0"/>
+                <a:r>
+                  <a:rPr lang="fr-FR" sz="2200">
+                    <a:latin typeface="Times New Roman" panose="02020603050405020304" pitchFamily="18" charset="0"/>
+                    <a:cs typeface="Times New Roman" panose="02020603050405020304" pitchFamily="18" charset="0"/>
+                  </a:rPr>
+                  <a:t>Một tín chỉ bao nhiêu tiền? =&gt;</a:t>
+                </a:r>
+                <a:r>
+                  <a:rPr lang="fr-FR" sz="2200" i="1">
+                    <a:latin typeface="Times New Roman" panose="02020603050405020304" pitchFamily="18" charset="0"/>
+                    <a:cs typeface="Times New Roman" panose="02020603050405020304" pitchFamily="18" charset="0"/>
+                  </a:rPr>
+                  <a:t> {học phí, phí 1, 1 tín, tín chỉ, chỉ là, là bao, bao nhiêu}</a:t>
+                </a:r>
+                <a:endParaRPr lang="vi-VN" sz="2200">
+                  <a:latin typeface="Times New Roman" panose="02020603050405020304" pitchFamily="18" charset="0"/>
+                  <a:cs typeface="Times New Roman" panose="02020603050405020304" pitchFamily="18" charset="0"/>
+                </a:endParaRPr>
+              </a:p>
+              <a:p>
+                <a:pPr marL="0" indent="0">
+                  <a:buNone/>
+                </a:pPr>
+                <a:r>
+                  <a:rPr lang="fr-FR" sz="2200">
+                    <a:latin typeface="Times New Roman" panose="02020603050405020304" pitchFamily="18" charset="0"/>
+                    <a:cs typeface="Times New Roman" panose="02020603050405020304" pitchFamily="18" charset="0"/>
+                  </a:rPr>
+                  <a:t>Như vậy </a:t>
+                </a:r>
+                <a:r>
+                  <a:rPr lang="fr-FR" sz="2200" i="1">
+                    <a:latin typeface="Times New Roman" panose="02020603050405020304" pitchFamily="18" charset="0"/>
+                    <a:cs typeface="Times New Roman" panose="02020603050405020304" pitchFamily="18" charset="0"/>
+                  </a:rPr>
+                  <a:t>S1</a:t>
+                </a:r>
+                <a:r>
+                  <a:rPr lang="fr-FR" sz="2200">
+                    <a:latin typeface="Times New Roman" panose="02020603050405020304" pitchFamily="18" charset="0"/>
+                    <a:cs typeface="Times New Roman" panose="02020603050405020304" pitchFamily="18" charset="0"/>
+                  </a:rPr>
+                  <a:t> và </a:t>
+                </a:r>
+                <a:r>
+                  <a:rPr lang="fr-FR" sz="2200" i="1">
+                    <a:latin typeface="Times New Roman" panose="02020603050405020304" pitchFamily="18" charset="0"/>
+                    <a:cs typeface="Times New Roman" panose="02020603050405020304" pitchFamily="18" charset="0"/>
+                  </a:rPr>
+                  <a:t>S2</a:t>
+                </a:r>
+                <a:r>
+                  <a:rPr lang="fr-FR" sz="2200">
+                    <a:latin typeface="Times New Roman" panose="02020603050405020304" pitchFamily="18" charset="0"/>
+                    <a:cs typeface="Times New Roman" panose="02020603050405020304" pitchFamily="18" charset="0"/>
+                  </a:rPr>
+                  <a:t> có các cặp trùng nhau là: </a:t>
+                </a:r>
+                <a:r>
+                  <a:rPr lang="fr-FR" sz="2200" i="1">
+                    <a:latin typeface="Times New Roman" panose="02020603050405020304" pitchFamily="18" charset="0"/>
+                    <a:cs typeface="Times New Roman" panose="02020603050405020304" pitchFamily="18" charset="0"/>
+                  </a:rPr>
+                  <a:t>{bao nhiêu, 1 tín, tín </a:t>
+                </a:r>
+                <a:r>
+                  <a:rPr lang="fr-FR" sz="2200" i="1">
+                    <a:latin typeface="Times New Roman" panose="02020603050405020304" pitchFamily="18" charset="0"/>
+                    <a:cs typeface="Times New Roman" panose="02020603050405020304" pitchFamily="18" charset="0"/>
+                  </a:rPr>
+                  <a:t>chỉ</a:t>
+                </a:r>
+                <a:r>
+                  <a:rPr lang="fr-FR" sz="2200" i="1" smtClean="0">
+                    <a:latin typeface="Times New Roman" panose="02020603050405020304" pitchFamily="18" charset="0"/>
+                    <a:cs typeface="Times New Roman" panose="02020603050405020304" pitchFamily="18" charset="0"/>
+                  </a:rPr>
+                  <a:t>}</a:t>
+                </a:r>
+                <a:r>
+                  <a:rPr lang="fr-FR" sz="2200" smtClean="0">
+                    <a:latin typeface="Times New Roman" panose="02020603050405020304" pitchFamily="18" charset="0"/>
+                    <a:cs typeface="Times New Roman" panose="02020603050405020304" pitchFamily="18" charset="0"/>
+                  </a:rPr>
+                  <a:t>.</a:t>
+                </a:r>
+              </a:p>
+              <a:p>
+                <a:endParaRPr lang="vi-VN" sz="2200">
+                  <a:latin typeface="Times New Roman" panose="02020603050405020304" pitchFamily="18" charset="0"/>
+                  <a:cs typeface="Times New Roman" panose="02020603050405020304" pitchFamily="18" charset="0"/>
+                </a:endParaRPr>
+              </a:p>
+              <a:p>
+                <a14:m>
+                  <m:oMath xmlns:m="http://schemas.openxmlformats.org/officeDocument/2006/math">
+                    <m:r>
+                      <a:rPr lang="en-US" sz="2200"/>
+                      <m:t>Độ </m:t>
+                    </m:r>
+                    <m:r>
+                      <m:rPr>
+                        <m:sty m:val="p"/>
+                      </m:rPr>
+                      <a:rPr lang="en-US" sz="2200"/>
+                      <m:t>t</m:t>
+                    </m:r>
+                    <m:r>
+                      <a:rPr lang="en-US" sz="2200"/>
+                      <m:t>ươ</m:t>
+                    </m:r>
+                    <m:r>
+                      <m:rPr>
+                        <m:sty m:val="p"/>
+                      </m:rPr>
+                      <a:rPr lang="en-US" sz="2200"/>
+                      <m:t>ng</m:t>
+                    </m:r>
+                    <m:r>
+                      <a:rPr lang="en-US" sz="2200"/>
+                      <m:t> </m:t>
+                    </m:r>
+                    <m:r>
+                      <m:rPr>
+                        <m:sty m:val="p"/>
+                      </m:rPr>
+                      <a:rPr lang="en-US" sz="2200"/>
+                      <m:t>t</m:t>
+                    </m:r>
+                    <m:r>
+                      <a:rPr lang="en-US" sz="2200"/>
+                      <m:t>ự</m:t>
+                    </m:r>
+                    <m:d>
+                      <m:dPr>
+                        <m:ctrlPr>
+                          <a:rPr lang="vi-VN" sz="2200" i="1"/>
+                        </m:ctrlPr>
+                      </m:dPr>
+                      <m:e>
+                        <m:r>
+                          <m:rPr>
+                            <m:sty m:val="p"/>
+                          </m:rPr>
+                          <a:rPr lang="en-US" sz="2200"/>
+                          <m:t>S</m:t>
+                        </m:r>
+                        <m:r>
+                          <a:rPr lang="en-US" sz="2200"/>
+                          <m:t>1, </m:t>
+                        </m:r>
+                        <m:r>
+                          <m:rPr>
+                            <m:sty m:val="p"/>
+                          </m:rPr>
+                          <a:rPr lang="en-US" sz="2200"/>
+                          <m:t>S</m:t>
+                        </m:r>
+                        <m:r>
+                          <a:rPr lang="en-US" sz="2200"/>
+                          <m:t>2</m:t>
+                        </m:r>
+                      </m:e>
+                    </m:d>
+                    <m:r>
+                      <a:rPr lang="en-US" sz="2200"/>
+                      <m:t>= </m:t>
+                    </m:r>
+                    <m:f>
+                      <m:fPr>
+                        <m:ctrlPr>
+                          <a:rPr lang="vi-VN" sz="2200" i="1"/>
+                        </m:ctrlPr>
+                      </m:fPr>
+                      <m:num>
+                        <m:r>
+                          <a:rPr lang="en-US" sz="2200"/>
+                          <m:t>2</m:t>
+                        </m:r>
+                        <m:r>
+                          <a:rPr lang="en-US" sz="2200" i="1"/>
+                          <m:t>𝑋</m:t>
+                        </m:r>
+                        <m:r>
+                          <a:rPr lang="en-US" sz="2200"/>
+                          <m:t>|</m:t>
+                        </m:r>
+                        <m:r>
+                          <a:rPr lang="en-US" sz="2200" i="1"/>
+                          <m:t>{</m:t>
+                        </m:r>
+                        <m:r>
+                          <m:rPr>
+                            <m:sty m:val="p"/>
+                          </m:rPr>
+                          <a:rPr lang="en-US" sz="2200"/>
+                          <m:t>bao</m:t>
+                        </m:r>
+                        <m:r>
+                          <a:rPr lang="en-US" sz="2200"/>
+                          <m:t> </m:t>
+                        </m:r>
+                        <m:r>
+                          <m:rPr>
+                            <m:sty m:val="p"/>
+                          </m:rPr>
+                          <a:rPr lang="en-US" sz="2200"/>
+                          <m:t>nhi</m:t>
+                        </m:r>
+                        <m:r>
+                          <a:rPr lang="en-US" sz="2200"/>
+                          <m:t>ê</m:t>
+                        </m:r>
+                        <m:r>
+                          <m:rPr>
+                            <m:sty m:val="p"/>
+                          </m:rPr>
+                          <a:rPr lang="en-US" sz="2200"/>
+                          <m:t>u</m:t>
+                        </m:r>
+                        <m:r>
+                          <a:rPr lang="en-US" sz="2200"/>
+                          <m:t>, 1 </m:t>
+                        </m:r>
+                        <m:r>
+                          <m:rPr>
+                            <m:sty m:val="p"/>
+                          </m:rPr>
+                          <a:rPr lang="en-US" sz="2200"/>
+                          <m:t>t</m:t>
+                        </m:r>
+                        <m:r>
+                          <a:rPr lang="en-US" sz="2200"/>
+                          <m:t>í</m:t>
+                        </m:r>
+                        <m:r>
+                          <m:rPr>
+                            <m:sty m:val="p"/>
+                          </m:rPr>
+                          <a:rPr lang="en-US" sz="2200"/>
+                          <m:t>n</m:t>
+                        </m:r>
+                        <m:r>
+                          <a:rPr lang="en-US" sz="2200"/>
+                          <m:t>, </m:t>
+                        </m:r>
+                        <m:r>
+                          <m:rPr>
+                            <m:sty m:val="p"/>
+                          </m:rPr>
+                          <a:rPr lang="en-US" sz="2200"/>
+                          <m:t>t</m:t>
+                        </m:r>
+                        <m:r>
+                          <a:rPr lang="en-US" sz="2200"/>
+                          <m:t>í</m:t>
+                        </m:r>
+                        <m:r>
+                          <m:rPr>
+                            <m:sty m:val="p"/>
+                          </m:rPr>
+                          <a:rPr lang="en-US" sz="2200"/>
+                          <m:t>n</m:t>
+                        </m:r>
+                        <m:r>
+                          <a:rPr lang="en-US" sz="2200"/>
+                          <m:t> </m:t>
+                        </m:r>
+                        <m:r>
+                          <m:rPr>
+                            <m:sty m:val="p"/>
+                          </m:rPr>
+                          <a:rPr lang="en-US" sz="2200"/>
+                          <m:t>ch</m:t>
+                        </m:r>
+                        <m:r>
+                          <a:rPr lang="en-US" sz="2200"/>
+                          <m:t>ỉ</m:t>
+                        </m:r>
+                        <m:r>
+                          <a:rPr lang="en-US" sz="2200" i="1"/>
+                          <m:t>}</m:t>
+                        </m:r>
+                        <m:r>
+                          <a:rPr lang="en-US" sz="2200"/>
+                          <m:t>|</m:t>
+                        </m:r>
+                      </m:num>
+                      <m:den>
+                        <m:d>
+                          <m:dPr>
+                            <m:begChr m:val="|"/>
+                            <m:endChr m:val="|"/>
+                            <m:ctrlPr>
+                              <a:rPr lang="vi-VN" sz="2200" i="1"/>
+                            </m:ctrlPr>
+                          </m:dPr>
+                          <m:e>
+                            <m:r>
+                              <a:rPr lang="en-US" sz="2200"/>
+                              <m:t>{</m:t>
+                            </m:r>
+                            <m:r>
+                              <m:rPr>
+                                <m:sty m:val="p"/>
+                              </m:rPr>
+                              <a:rPr lang="fr-FR" sz="2200"/>
+                              <m:t>bao</m:t>
+                            </m:r>
+                            <m:r>
+                              <a:rPr lang="fr-FR" sz="2200"/>
+                              <m:t> </m:t>
+                            </m:r>
+                            <m:r>
+                              <m:rPr>
+                                <m:sty m:val="p"/>
+                              </m:rPr>
+                              <a:rPr lang="fr-FR" sz="2200"/>
+                              <m:t>nhi</m:t>
+                            </m:r>
+                            <m:r>
+                              <a:rPr lang="fr-FR" sz="2200"/>
+                              <m:t>ê</m:t>
+                            </m:r>
+                            <m:r>
+                              <m:rPr>
+                                <m:sty m:val="p"/>
+                              </m:rPr>
+                              <a:rPr lang="fr-FR" sz="2200"/>
+                              <m:t>u</m:t>
+                            </m:r>
+                            <m:r>
+                              <a:rPr lang="fr-FR" sz="2200"/>
+                              <m:t>, </m:t>
+                            </m:r>
+                            <m:r>
+                              <m:rPr>
+                                <m:sty m:val="p"/>
+                              </m:rPr>
+                              <a:rPr lang="fr-FR" sz="2200"/>
+                              <m:t>nhi</m:t>
+                            </m:r>
+                            <m:r>
+                              <a:rPr lang="fr-FR" sz="2200"/>
+                              <m:t>ê</m:t>
+                            </m:r>
+                            <m:r>
+                              <m:rPr>
+                                <m:sty m:val="p"/>
+                              </m:rPr>
+                              <a:rPr lang="fr-FR" sz="2200"/>
+                              <m:t>u</m:t>
+                            </m:r>
+                            <m:r>
+                              <a:rPr lang="fr-FR" sz="2200"/>
+                              <m:t> </m:t>
+                            </m:r>
+                            <m:r>
+                              <m:rPr>
+                                <m:sty m:val="p"/>
+                              </m:rPr>
+                              <a:rPr lang="fr-FR" sz="2200"/>
+                              <m:t>ti</m:t>
+                            </m:r>
+                            <m:r>
+                              <a:rPr lang="fr-FR" sz="2200"/>
+                              <m:t>ề</m:t>
+                            </m:r>
+                            <m:r>
+                              <m:rPr>
+                                <m:sty m:val="p"/>
+                              </m:rPr>
+                              <a:rPr lang="fr-FR" sz="2200"/>
+                              <m:t>n</m:t>
+                            </m:r>
+                            <m:r>
+                              <a:rPr lang="fr-FR" sz="2200"/>
+                              <m:t>, </m:t>
+                            </m:r>
+                            <m:r>
+                              <m:rPr>
+                                <m:sty m:val="p"/>
+                              </m:rPr>
+                              <a:rPr lang="fr-FR" sz="2200"/>
+                              <m:t>ti</m:t>
+                            </m:r>
+                            <m:r>
+                              <a:rPr lang="fr-FR" sz="2200"/>
+                              <m:t>ề</m:t>
+                            </m:r>
+                            <m:r>
+                              <m:rPr>
+                                <m:sty m:val="p"/>
+                              </m:rPr>
+                              <a:rPr lang="fr-FR" sz="2200"/>
+                              <m:t>n</m:t>
+                            </m:r>
+                            <m:r>
+                              <a:rPr lang="fr-FR" sz="2200"/>
+                              <m:t> 1, 1 </m:t>
+                            </m:r>
+                            <m:r>
+                              <m:rPr>
+                                <m:sty m:val="p"/>
+                              </m:rPr>
+                              <a:rPr lang="fr-FR" sz="2200"/>
+                              <m:t>t</m:t>
+                            </m:r>
+                            <m:r>
+                              <a:rPr lang="fr-FR" sz="2200"/>
+                              <m:t>í</m:t>
+                            </m:r>
+                            <m:r>
+                              <m:rPr>
+                                <m:sty m:val="p"/>
+                              </m:rPr>
+                              <a:rPr lang="fr-FR" sz="2200"/>
+                              <m:t>n</m:t>
+                            </m:r>
+                            <m:r>
+                              <a:rPr lang="fr-FR" sz="2200"/>
+                              <m:t>, </m:t>
+                            </m:r>
+                            <m:r>
+                              <m:rPr>
+                                <m:sty m:val="p"/>
+                              </m:rPr>
+                              <a:rPr lang="fr-FR" sz="2200"/>
+                              <m:t>t</m:t>
+                            </m:r>
+                            <m:r>
+                              <a:rPr lang="fr-FR" sz="2200"/>
+                              <m:t>í</m:t>
+                            </m:r>
+                            <m:r>
+                              <m:rPr>
+                                <m:sty m:val="p"/>
+                              </m:rPr>
+                              <a:rPr lang="fr-FR" sz="2200"/>
+                              <m:t>n</m:t>
+                            </m:r>
+                            <m:r>
+                              <a:rPr lang="fr-FR" sz="2200"/>
+                              <m:t> </m:t>
+                            </m:r>
+                            <m:r>
+                              <m:rPr>
+                                <m:sty m:val="p"/>
+                              </m:rPr>
+                              <a:rPr lang="fr-FR" sz="2200"/>
+                              <m:t>ch</m:t>
+                            </m:r>
+                            <m:r>
+                              <a:rPr lang="fr-FR" sz="2200"/>
+                              <m:t>ỉ</m:t>
+                            </m:r>
+                            <m:r>
+                              <a:rPr lang="en-US" sz="2200"/>
+                              <m:t>}</m:t>
+                            </m:r>
+                          </m:e>
+                        </m:d>
+                        <m:r>
+                          <a:rPr lang="en-US" sz="2200"/>
+                          <m:t>+|</m:t>
+                        </m:r>
+                        <m:r>
+                          <a:rPr lang="en-US" sz="2200" i="1"/>
+                          <m:t>{</m:t>
+                        </m:r>
+                        <m:r>
+                          <m:rPr>
+                            <m:sty m:val="p"/>
+                          </m:rPr>
+                          <a:rPr lang="en-US" sz="2200"/>
+                          <m:t>h</m:t>
+                        </m:r>
+                        <m:r>
+                          <a:rPr lang="en-US" sz="2200"/>
+                          <m:t>ọ</m:t>
+                        </m:r>
+                        <m:r>
+                          <m:rPr>
+                            <m:sty m:val="p"/>
+                          </m:rPr>
+                          <a:rPr lang="en-US" sz="2200"/>
+                          <m:t>c</m:t>
+                        </m:r>
+                        <m:r>
+                          <a:rPr lang="en-US" sz="2200"/>
+                          <m:t> </m:t>
+                        </m:r>
+                        <m:r>
+                          <m:rPr>
+                            <m:sty m:val="p"/>
+                          </m:rPr>
+                          <a:rPr lang="en-US" sz="2200"/>
+                          <m:t>ph</m:t>
+                        </m:r>
+                        <m:r>
+                          <a:rPr lang="en-US" sz="2200"/>
+                          <m:t>í, </m:t>
+                        </m:r>
+                        <m:r>
+                          <m:rPr>
+                            <m:sty m:val="p"/>
+                          </m:rPr>
+                          <a:rPr lang="en-US" sz="2200"/>
+                          <m:t>ph</m:t>
+                        </m:r>
+                        <m:r>
+                          <a:rPr lang="en-US" sz="2200"/>
+                          <m:t>í 1, 1 </m:t>
+                        </m:r>
+                        <m:r>
+                          <m:rPr>
+                            <m:sty m:val="p"/>
+                          </m:rPr>
+                          <a:rPr lang="en-US" sz="2200"/>
+                          <m:t>t</m:t>
+                        </m:r>
+                        <m:r>
+                          <a:rPr lang="en-US" sz="2200"/>
+                          <m:t>í</m:t>
+                        </m:r>
+                        <m:r>
+                          <m:rPr>
+                            <m:sty m:val="p"/>
+                          </m:rPr>
+                          <a:rPr lang="en-US" sz="2200"/>
+                          <m:t>n</m:t>
+                        </m:r>
+                        <m:r>
+                          <a:rPr lang="en-US" sz="2200"/>
+                          <m:t>, </m:t>
+                        </m:r>
+                        <m:r>
+                          <m:rPr>
+                            <m:sty m:val="p"/>
+                          </m:rPr>
+                          <a:rPr lang="en-US" sz="2200"/>
+                          <m:t>t</m:t>
+                        </m:r>
+                        <m:r>
+                          <a:rPr lang="en-US" sz="2200"/>
+                          <m:t>í</m:t>
+                        </m:r>
+                        <m:r>
+                          <m:rPr>
+                            <m:sty m:val="p"/>
+                          </m:rPr>
+                          <a:rPr lang="en-US" sz="2200"/>
+                          <m:t>n</m:t>
+                        </m:r>
+                        <m:r>
+                          <a:rPr lang="en-US" sz="2200"/>
+                          <m:t> </m:t>
+                        </m:r>
+                        <m:r>
+                          <m:rPr>
+                            <m:sty m:val="p"/>
+                          </m:rPr>
+                          <a:rPr lang="en-US" sz="2200"/>
+                          <m:t>ch</m:t>
+                        </m:r>
+                        <m:r>
+                          <a:rPr lang="en-US" sz="2200"/>
+                          <m:t>ỉ, </m:t>
+                        </m:r>
+                        <m:r>
+                          <m:rPr>
+                            <m:sty m:val="p"/>
+                          </m:rPr>
+                          <a:rPr lang="en-US" sz="2200"/>
+                          <m:t>ch</m:t>
+                        </m:r>
+                        <m:r>
+                          <a:rPr lang="en-US" sz="2200"/>
+                          <m:t>ỉ </m:t>
+                        </m:r>
+                        <m:r>
+                          <m:rPr>
+                            <m:sty m:val="p"/>
+                          </m:rPr>
+                          <a:rPr lang="en-US" sz="2200"/>
+                          <m:t>l</m:t>
+                        </m:r>
+                        <m:r>
+                          <a:rPr lang="en-US" sz="2200"/>
+                          <m:t>à, </m:t>
+                        </m:r>
+                        <m:r>
+                          <m:rPr>
+                            <m:sty m:val="p"/>
+                          </m:rPr>
+                          <a:rPr lang="en-US" sz="2200"/>
+                          <m:t>l</m:t>
+                        </m:r>
+                        <m:r>
+                          <a:rPr lang="en-US" sz="2200"/>
+                          <m:t>à </m:t>
+                        </m:r>
+                        <m:r>
+                          <m:rPr>
+                            <m:sty m:val="p"/>
+                          </m:rPr>
+                          <a:rPr lang="en-US" sz="2200"/>
+                          <m:t>bao</m:t>
+                        </m:r>
+                        <m:r>
+                          <a:rPr lang="en-US" sz="2200"/>
+                          <m:t>, </m:t>
+                        </m:r>
+                        <m:r>
+                          <m:rPr>
+                            <m:sty m:val="p"/>
+                          </m:rPr>
+                          <a:rPr lang="en-US" sz="2200"/>
+                          <m:t>bao</m:t>
+                        </m:r>
+                        <m:r>
+                          <a:rPr lang="en-US" sz="2200"/>
+                          <m:t> </m:t>
+                        </m:r>
+                        <m:r>
+                          <m:rPr>
+                            <m:sty m:val="p"/>
+                          </m:rPr>
+                          <a:rPr lang="en-US" sz="2200"/>
+                          <m:t>nhi</m:t>
+                        </m:r>
+                        <m:r>
+                          <a:rPr lang="en-US" sz="2200"/>
+                          <m:t>ê</m:t>
+                        </m:r>
+                        <m:r>
+                          <m:rPr>
+                            <m:sty m:val="p"/>
+                          </m:rPr>
+                          <a:rPr lang="en-US" sz="2200"/>
+                          <m:t>u</m:t>
+                        </m:r>
+                        <m:r>
+                          <a:rPr lang="en-US" sz="2200" i="1"/>
+                          <m:t>}</m:t>
+                        </m:r>
+                        <m:r>
+                          <a:rPr lang="en-US" sz="2200"/>
+                          <m:t>|</m:t>
+                        </m:r>
+                      </m:den>
+                    </m:f>
+                  </m:oMath>
+                </a14:m>
+                <a:endParaRPr lang="vi-VN" sz="2200">
+                  <a:latin typeface="Times New Roman" panose="02020603050405020304" pitchFamily="18" charset="0"/>
+                  <a:cs typeface="Times New Roman" panose="02020603050405020304" pitchFamily="18" charset="0"/>
+                </a:endParaRPr>
+              </a:p>
+              <a:p>
+                <a:pPr marL="0" indent="0">
+                  <a:buNone/>
+                </a:pPr>
+                <a:r>
+                  <a:rPr lang="en-US" sz="2200">
+                    <a:latin typeface="Times New Roman" panose="02020603050405020304" pitchFamily="18" charset="0"/>
+                    <a:cs typeface="Times New Roman" panose="02020603050405020304" pitchFamily="18" charset="0"/>
+                  </a:rPr>
+                  <a:t>=</a:t>
+                </a:r>
+                <a14:m>
+                  <m:oMath xmlns:m="http://schemas.openxmlformats.org/officeDocument/2006/math">
+                    <m:f>
+                      <m:fPr>
+                        <m:ctrlPr>
+                          <a:rPr lang="vi-VN" sz="2200" i="1"/>
+                        </m:ctrlPr>
+                      </m:fPr>
+                      <m:num>
+                        <m:r>
+                          <a:rPr lang="en-US" sz="2200" i="1"/>
+                          <m:t>2</m:t>
+                        </m:r>
+                        <m:r>
+                          <a:rPr lang="en-US" sz="2200" i="1"/>
+                          <m:t>𝑥</m:t>
+                        </m:r>
+                        <m:r>
+                          <a:rPr lang="en-US" sz="2200" i="1"/>
+                          <m:t>3</m:t>
+                        </m:r>
+                      </m:num>
+                      <m:den>
+                        <m:r>
+                          <a:rPr lang="en-US" sz="2200" i="1"/>
+                          <m:t>5+7</m:t>
+                        </m:r>
+                      </m:den>
+                    </m:f>
+                  </m:oMath>
+                </a14:m>
+                <a:r>
+                  <a:rPr lang="en-US" sz="2200">
+                    <a:latin typeface="Times New Roman" panose="02020603050405020304" pitchFamily="18" charset="0"/>
+                    <a:cs typeface="Times New Roman" panose="02020603050405020304" pitchFamily="18" charset="0"/>
+                  </a:rPr>
+                  <a:t> = 0.5</a:t>
+                </a:r>
+                <a:endParaRPr lang="vi-VN" sz="2200">
+                  <a:latin typeface="Times New Roman" panose="02020603050405020304" pitchFamily="18" charset="0"/>
+                  <a:cs typeface="Times New Roman" panose="02020603050405020304" pitchFamily="18" charset="0"/>
+                </a:endParaRPr>
+              </a:p>
+              <a:p>
+                <a:endParaRPr lang="vi-VN"/>
+              </a:p>
+            </p:txBody>
+          </p:sp>
+        </mc:Choice>
+        <mc:Fallback>
+          <p:sp>
+            <p:nvSpPr>
+              <p:cNvPr id="3" name="Content Placeholder 2"/>
+              <p:cNvSpPr>
+                <a:spLocks noGrp="1" noRot="1" noChangeAspect="1" noMove="1" noResize="1" noEditPoints="1" noAdjustHandles="1" noChangeArrowheads="1" noChangeShapeType="1" noTextEdit="1"/>
+              </p:cNvSpPr>
+              <p:nvPr>
+                <p:ph idx="1"/>
+              </p:nvPr>
+            </p:nvSpPr>
+            <p:spPr>
+              <a:blipFill rotWithShape="0">
+                <a:blip r:embed="rId2"/>
+                <a:stretch>
+                  <a:fillRect l="-709" t="-560"/>
+                </a:stretch>
+              </a:blipFill>
+            </p:spPr>
+            <p:txBody>
+              <a:bodyPr/>
+              <a:lstStyle/>
+              <a:p>
+                <a:r>
+                  <a:rPr lang="vi-VN">
+                    <a:noFill/>
+                  </a:rPr>
+                  <a:t> </a:t>
+                </a:r>
+              </a:p>
+            </p:txBody>
+          </p:sp>
+        </mc:Fallback>
+      </mc:AlternateContent>
+    </p:spTree>
+    <p:extLst>
+      <p:ext uri="{BB962C8B-B14F-4D97-AF65-F5344CB8AC3E}">
+        <p14:creationId xmlns:p14="http://schemas.microsoft.com/office/powerpoint/2010/main" val="1743871636"/>
+      </p:ext>
+    </p:extLst>
+  </p:cSld>
+  <p:clrMapOvr>
+    <a:masterClrMapping/>
+  </p:clrMapOvr>
+  <p:timing>
+    <p:tnLst>
+      <p:par>
+        <p:cTn id="1" dur="indefinite" restart="never" nodeType="tmRoot"/>
+      </p:par>
+    </p:tnLst>
+  </p:timing>
+</p:sld>
+</file>
+
+<file path=ppt/slides/slide17.xml><?xml version="1.0" encoding="utf-8"?>
+<p:sld xmlns:a="http://schemas.openxmlformats.org/drawingml/2006/main" xmlns:r="http://schemas.openxmlformats.org/officeDocument/2006/relationships" xmlns:p="http://schemas.openxmlformats.org/presentationml/2006/main">
+  <p:cSld>
+    <p:spTree>
+      <p:nvGrpSpPr>
+        <p:cNvPr id="1" name=""/>
+        <p:cNvGrpSpPr/>
+        <p:nvPr/>
+      </p:nvGrpSpPr>
+      <p:grpSpPr>
+        <a:xfrm>
+          <a:off x="0" y="0"/>
+          <a:ext cx="0" cy="0"/>
+          <a:chOff x="0" y="0"/>
+          <a:chExt cx="0" cy="0"/>
+        </a:xfrm>
+      </p:grpSpPr>
+      <p:sp>
+        <p:nvSpPr>
+          <p:cNvPr id="2" name="Title 1"/>
+          <p:cNvSpPr>
+            <a:spLocks noGrp="1"/>
+          </p:cNvSpPr>
+          <p:nvPr>
+            <p:ph type="title"/>
+          </p:nvPr>
+        </p:nvSpPr>
+        <p:spPr/>
+        <p:txBody>
+          <a:bodyPr>
+            <a:normAutofit/>
+          </a:bodyPr>
+          <a:lstStyle/>
+          <a:p>
+            <a:endParaRPr lang="vi-VN"/>
+          </a:p>
+        </p:txBody>
+      </p:sp>
+      <p:sp>
+        <p:nvSpPr>
+          <p:cNvPr id="3" name="Content Placeholder 2"/>
+          <p:cNvSpPr>
+            <a:spLocks noGrp="1"/>
+          </p:cNvSpPr>
+          <p:nvPr>
+            <p:ph idx="1"/>
+          </p:nvPr>
+        </p:nvSpPr>
+        <p:spPr>
+          <a:xfrm>
+            <a:off x="791569" y="1828800"/>
+            <a:ext cx="9648967" cy="4351337"/>
+          </a:xfrm>
+        </p:spPr>
+        <p:txBody>
+          <a:bodyPr>
+            <a:normAutofit/>
+          </a:bodyPr>
+          <a:lstStyle/>
+          <a:p>
+            <a:pPr marL="0" indent="0">
+              <a:buNone/>
+            </a:pPr>
+            <a:endParaRPr lang="en-US" sz="3800" smtClean="0">
+              <a:latin typeface="Times New Roman" panose="02020603050405020304" pitchFamily="18" charset="0"/>
+              <a:cs typeface="Times New Roman" panose="02020603050405020304" pitchFamily="18" charset="0"/>
+            </a:endParaRPr>
+          </a:p>
+          <a:p>
+            <a:pPr marL="0" indent="0" algn="ctr">
+              <a:buNone/>
+            </a:pPr>
+            <a:endParaRPr lang="en-US" sz="3800" smtClean="0">
+              <a:latin typeface="Times New Roman" panose="02020603050405020304" pitchFamily="18" charset="0"/>
+              <a:cs typeface="Times New Roman" panose="02020603050405020304" pitchFamily="18" charset="0"/>
+            </a:endParaRPr>
+          </a:p>
+          <a:p>
+            <a:pPr marL="0" indent="0" algn="ctr">
+              <a:buNone/>
+            </a:pPr>
+            <a:r>
+              <a:rPr lang="en-US" sz="3800" smtClean="0">
+                <a:latin typeface="Times New Roman" panose="02020603050405020304" pitchFamily="18" charset="0"/>
+                <a:cs typeface="Times New Roman" panose="02020603050405020304" pitchFamily="18" charset="0"/>
+              </a:rPr>
+              <a:t>CHƯƠNG </a:t>
+            </a:r>
+            <a:r>
+              <a:rPr lang="en-US" sz="3800">
+                <a:latin typeface="Times New Roman" panose="02020603050405020304" pitchFamily="18" charset="0"/>
+                <a:cs typeface="Times New Roman" panose="02020603050405020304" pitchFamily="18" charset="0"/>
+              </a:rPr>
+              <a:t>4–NGHIÊN CỨU THỰC NGHIỆM</a:t>
+            </a:r>
+            <a:r>
+              <a:rPr lang="vi-VN" sz="3800" b="1"/>
+              <a:t/>
+            </a:r>
+            <a:br>
+              <a:rPr lang="vi-VN" sz="3800" b="1"/>
+            </a:br>
+            <a:endParaRPr lang="vi-VN" sz="3800">
+              <a:latin typeface="Times New Roman" panose="02020603050405020304" pitchFamily="18" charset="0"/>
+              <a:cs typeface="Times New Roman" panose="02020603050405020304" pitchFamily="18" charset="0"/>
+            </a:endParaRPr>
+          </a:p>
+        </p:txBody>
+      </p:sp>
+    </p:spTree>
+    <p:extLst>
+      <p:ext uri="{BB962C8B-B14F-4D97-AF65-F5344CB8AC3E}">
+        <p14:creationId xmlns:p14="http://schemas.microsoft.com/office/powerpoint/2010/main" val="4229966639"/>
+      </p:ext>
+    </p:extLst>
+  </p:cSld>
+  <p:clrMapOvr>
+    <a:masterClrMapping/>
+  </p:clrMapOvr>
+  <p:timing>
+    <p:tnLst>
+      <p:par>
+        <p:cTn id="1" dur="indefinite" restart="never" nodeType="tmRoot"/>
+      </p:par>
+    </p:tnLst>
+  </p:timing>
+</p:sld>
+</file>
+
+<file path=ppt/slides/slide18.xml><?xml version="1.0" encoding="utf-8"?>
+<p:sld xmlns:a="http://schemas.openxmlformats.org/drawingml/2006/main" xmlns:r="http://schemas.openxmlformats.org/officeDocument/2006/relationships" xmlns:p="http://schemas.openxmlformats.org/presentationml/2006/main">
+  <p:cSld>
+    <p:spTree>
+      <p:nvGrpSpPr>
+        <p:cNvPr id="1" name=""/>
+        <p:cNvGrpSpPr/>
+        <p:nvPr/>
+      </p:nvGrpSpPr>
+      <p:grpSpPr>
+        <a:xfrm>
+          <a:off x="0" y="0"/>
+          <a:ext cx="0" cy="0"/>
+          <a:chOff x="0" y="0"/>
+          <a:chExt cx="0" cy="0"/>
+        </a:xfrm>
+      </p:grpSpPr>
+      <p:sp>
+        <p:nvSpPr>
+          <p:cNvPr id="2" name="Title 1"/>
+          <p:cNvSpPr>
+            <a:spLocks noGrp="1"/>
+          </p:cNvSpPr>
+          <p:nvPr>
+            <p:ph type="title"/>
+          </p:nvPr>
+        </p:nvSpPr>
+        <p:spPr>
+          <a:xfrm>
+            <a:off x="783380" y="898023"/>
+            <a:ext cx="9692640" cy="1325562"/>
+          </a:xfrm>
+        </p:spPr>
+        <p:txBody>
+          <a:bodyPr>
+            <a:noAutofit/>
+          </a:bodyPr>
+          <a:lstStyle/>
+          <a:p>
+            <a:r>
+              <a:rPr lang="en-US" sz="3800" smtClean="0">
+                <a:latin typeface="Times New Roman" panose="02020603050405020304" pitchFamily="18" charset="0"/>
+                <a:cs typeface="Times New Roman" panose="02020603050405020304" pitchFamily="18" charset="0"/>
+              </a:rPr>
+              <a:t>4.1 </a:t>
+            </a:r>
+            <a:r>
+              <a:rPr lang="en-US" sz="3800" smtClean="0">
+                <a:latin typeface="Times New Roman" panose="02020603050405020304" pitchFamily="18" charset="0"/>
+                <a:cs typeface="Times New Roman" panose="02020603050405020304" pitchFamily="18" charset="0"/>
+              </a:rPr>
+              <a:t>Tổng quan </a:t>
+            </a:r>
+            <a:r>
+              <a:rPr lang="en-US" sz="3800">
+                <a:latin typeface="Times New Roman" panose="02020603050405020304" pitchFamily="18" charset="0"/>
+                <a:cs typeface="Times New Roman" panose="02020603050405020304" pitchFamily="18" charset="0"/>
+              </a:rPr>
+              <a:t>mô hình bộ </a:t>
+            </a:r>
+            <a:r>
+              <a:rPr lang="en-US" sz="3800" smtClean="0">
+                <a:latin typeface="Times New Roman" panose="02020603050405020304" pitchFamily="18" charset="0"/>
+                <a:cs typeface="Times New Roman" panose="02020603050405020304" pitchFamily="18" charset="0"/>
+              </a:rPr>
+              <a:t>đ</a:t>
+            </a:r>
+            <a:r>
+              <a:rPr lang="en-US" sz="3800" smtClean="0">
+                <a:latin typeface="Times New Roman" panose="02020603050405020304" pitchFamily="18" charset="0"/>
+                <a:cs typeface="Times New Roman" panose="02020603050405020304" pitchFamily="18" charset="0"/>
+              </a:rPr>
+              <a:t>ánh </a:t>
+            </a:r>
+            <a:r>
+              <a:rPr lang="en-US" sz="3800">
+                <a:latin typeface="Times New Roman" panose="02020603050405020304" pitchFamily="18" charset="0"/>
+                <a:cs typeface="Times New Roman" panose="02020603050405020304" pitchFamily="18" charset="0"/>
+              </a:rPr>
+              <a:t>giá giải thuật phân loại câu hỏi</a:t>
+            </a:r>
+            <a:r>
+              <a:rPr lang="vi-VN" sz="3800"/>
+              <a:t/>
+            </a:r>
+            <a:br>
+              <a:rPr lang="vi-VN" sz="3800"/>
+            </a:br>
+            <a:endParaRPr lang="vi-VN" sz="3800"/>
+          </a:p>
+        </p:txBody>
+      </p:sp>
+      <p:pic>
+        <p:nvPicPr>
+          <p:cNvPr id="4" name="Content Placeholder 3"/>
+          <p:cNvPicPr>
+            <a:picLocks noGrp="1"/>
+          </p:cNvPicPr>
+          <p:nvPr>
+            <p:ph idx="1"/>
+          </p:nvPr>
+        </p:nvPicPr>
+        <p:blipFill>
+          <a:blip r:embed="rId2">
+            <a:extLst>
+              <a:ext uri="{28A0092B-C50C-407E-A947-70E740481C1C}">
+                <a14:useLocalDpi xmlns:a14="http://schemas.microsoft.com/office/drawing/2010/main" val="0"/>
+              </a:ext>
+            </a:extLst>
+          </a:blip>
+          <a:stretch>
+            <a:fillRect/>
+          </a:stretch>
+        </p:blipFill>
+        <p:spPr bwMode="auto">
+          <a:xfrm>
+            <a:off x="2483892" y="1951629"/>
+            <a:ext cx="5691115" cy="4654051"/>
+          </a:xfrm>
+          <a:prstGeom prst="rect">
+            <a:avLst/>
+          </a:prstGeom>
+          <a:noFill/>
+          <a:ln>
+            <a:noFill/>
+          </a:ln>
+        </p:spPr>
+      </p:pic>
+    </p:spTree>
+    <p:extLst>
+      <p:ext uri="{BB962C8B-B14F-4D97-AF65-F5344CB8AC3E}">
+        <p14:creationId xmlns:p14="http://schemas.microsoft.com/office/powerpoint/2010/main" val="3526157464"/>
+      </p:ext>
+    </p:extLst>
+  </p:cSld>
+  <p:clrMapOvr>
+    <a:masterClrMapping/>
+  </p:clrMapOvr>
+  <p:timing>
+    <p:tnLst>
+      <p:par>
+        <p:cTn id="1" dur="indefinite" restart="never" nodeType="tmRoot"/>
+      </p:par>
+    </p:tnLst>
+  </p:timing>
+</p:sld>
+</file>
+
+<file path=ppt/slides/slide19.xml><?xml version="1.0" encoding="utf-8"?>
+<p:sld xmlns:a="http://schemas.openxmlformats.org/drawingml/2006/main" xmlns:r="http://schemas.openxmlformats.org/officeDocument/2006/relationships" xmlns:p="http://schemas.openxmlformats.org/presentationml/2006/main">
+  <p:cSld>
+    <p:spTree>
+      <p:nvGrpSpPr>
+        <p:cNvPr id="1" name=""/>
+        <p:cNvGrpSpPr/>
+        <p:nvPr/>
+      </p:nvGrpSpPr>
+      <p:grpSpPr>
+        <a:xfrm>
+          <a:off x="0" y="0"/>
+          <a:ext cx="0" cy="0"/>
+          <a:chOff x="0" y="0"/>
+          <a:chExt cx="0" cy="0"/>
+        </a:xfrm>
+      </p:grpSpPr>
+      <p:sp>
+        <p:nvSpPr>
+          <p:cNvPr id="2" name="Title 1"/>
+          <p:cNvSpPr>
+            <a:spLocks noGrp="1"/>
+          </p:cNvSpPr>
+          <p:nvPr>
+            <p:ph type="title"/>
+          </p:nvPr>
+        </p:nvSpPr>
+        <p:spPr>
+          <a:xfrm>
+            <a:off x="1107127" y="810192"/>
+            <a:ext cx="9692640" cy="1325562"/>
+          </a:xfrm>
+        </p:spPr>
+        <p:txBody>
+          <a:bodyPr>
+            <a:noAutofit/>
+          </a:bodyPr>
+          <a:lstStyle/>
+          <a:p>
+            <a:pPr marL="0" indent="0"/>
+            <a:r>
+              <a:rPr lang="en-US" sz="3800" smtClean="0">
+                <a:latin typeface="Times New Roman" panose="02020603050405020304" pitchFamily="18" charset="0"/>
+                <a:cs typeface="Times New Roman" panose="02020603050405020304" pitchFamily="18" charset="0"/>
+              </a:rPr>
+              <a:t/>
+            </a:r>
+            <a:br>
+              <a:rPr lang="en-US" sz="3800" smtClean="0">
+                <a:latin typeface="Times New Roman" panose="02020603050405020304" pitchFamily="18" charset="0"/>
+                <a:cs typeface="Times New Roman" panose="02020603050405020304" pitchFamily="18" charset="0"/>
+              </a:rPr>
+            </a:br>
+            <a:r>
+              <a:rPr lang="en-US" sz="3800" smtClean="0">
+                <a:latin typeface="Times New Roman" panose="02020603050405020304" pitchFamily="18" charset="0"/>
+                <a:cs typeface="Times New Roman" panose="02020603050405020304" pitchFamily="18" charset="0"/>
+              </a:rPr>
+              <a:t>Kết </a:t>
+            </a:r>
+            <a:r>
+              <a:rPr lang="en-US" sz="3800">
+                <a:latin typeface="Times New Roman" panose="02020603050405020304" pitchFamily="18" charset="0"/>
+                <a:cs typeface="Times New Roman" panose="02020603050405020304" pitchFamily="18" charset="0"/>
+              </a:rPr>
+              <a:t>quả thử nghiệm</a:t>
+            </a:r>
+            <a:br>
+              <a:rPr lang="en-US" sz="3800">
+                <a:latin typeface="Times New Roman" panose="02020603050405020304" pitchFamily="18" charset="0"/>
+                <a:cs typeface="Times New Roman" panose="02020603050405020304" pitchFamily="18" charset="0"/>
+              </a:rPr>
+            </a:br>
+            <a:r>
+              <a:rPr lang="vi-VN" sz="3800"/>
+              <a:t/>
+            </a:r>
+            <a:br>
+              <a:rPr lang="vi-VN" sz="3800"/>
+            </a:br>
+            <a:endParaRPr lang="vi-VN" sz="3800"/>
+          </a:p>
+        </p:txBody>
+      </p:sp>
+      <p:sp>
+        <p:nvSpPr>
+          <p:cNvPr id="3" name="Content Placeholder 2"/>
+          <p:cNvSpPr>
+            <a:spLocks noGrp="1"/>
+          </p:cNvSpPr>
+          <p:nvPr>
+            <p:ph idx="1"/>
+          </p:nvPr>
+        </p:nvSpPr>
+        <p:spPr>
+          <a:xfrm>
+            <a:off x="1261872" y="2025747"/>
+            <a:ext cx="8595360" cy="4351337"/>
+          </a:xfrm>
+        </p:spPr>
+        <p:txBody>
+          <a:bodyPr/>
+          <a:lstStyle/>
+          <a:p>
+            <a:pPr marL="0" indent="0">
+              <a:buNone/>
+            </a:pPr>
+            <a:endParaRPr lang="vi-VN"/>
+          </a:p>
+        </p:txBody>
+      </p:sp>
+      <p:graphicFrame>
+        <p:nvGraphicFramePr>
+          <p:cNvPr id="4" name="Table 3"/>
+          <p:cNvGraphicFramePr>
+            <a:graphicFrameLocks noGrp="1"/>
+          </p:cNvGraphicFramePr>
+          <p:nvPr>
+            <p:extLst>
+              <p:ext uri="{D42A27DB-BD31-4B8C-83A1-F6EECF244321}">
+                <p14:modId xmlns:p14="http://schemas.microsoft.com/office/powerpoint/2010/main" val="561886882"/>
+              </p:ext>
+            </p:extLst>
+          </p:nvPr>
+        </p:nvGraphicFramePr>
+        <p:xfrm>
+          <a:off x="1702191" y="2429669"/>
+          <a:ext cx="7948248" cy="3653500"/>
+        </p:xfrm>
+        <a:graphic>
+          <a:graphicData uri="http://schemas.openxmlformats.org/drawingml/2006/table">
+            <a:tbl>
+              <a:tblPr firstRow="1" firstCol="1" bandRow="1">
+                <a:tableStyleId>{5C22544A-7EE6-4342-B048-85BDC9FD1C3A}</a:tableStyleId>
+              </a:tblPr>
+              <a:tblGrid>
+                <a:gridCol w="1987062"/>
+                <a:gridCol w="1987062"/>
+                <a:gridCol w="1987062"/>
+                <a:gridCol w="1987062"/>
+              </a:tblGrid>
+              <a:tr h="665223">
+                <a:tc>
+                  <a:txBody>
+                    <a:bodyPr/>
+                    <a:lstStyle/>
+                    <a:p>
+                      <a:pPr indent="457200" algn="just">
+                        <a:lnSpc>
+                          <a:spcPct val="150000"/>
+                        </a:lnSpc>
+                        <a:spcAft>
+                          <a:spcPts val="600"/>
+                        </a:spcAft>
+                      </a:pPr>
+                      <a:r>
+                        <a:rPr lang="en-US" sz="1300">
+                          <a:effectLst/>
+                        </a:rPr>
+                        <a:t> Loại câu hỏi</a:t>
+                      </a:r>
+                      <a:endParaRPr lang="vi-VN" sz="1300">
+                        <a:effectLst/>
+                        <a:latin typeface="Times New Roman" panose="02020603050405020304" pitchFamily="18" charset="0"/>
+                        <a:ea typeface="Times New Roman" panose="02020603050405020304" pitchFamily="18" charset="0"/>
+                        <a:cs typeface="Times New Roman" panose="02020603050405020304" pitchFamily="18" charset="0"/>
+                      </a:endParaRPr>
+                    </a:p>
+                  </a:txBody>
+                  <a:tcPr marL="68580" marR="68580" marT="0" marB="0"/>
+                </a:tc>
+                <a:tc>
+                  <a:txBody>
+                    <a:bodyPr/>
+                    <a:lstStyle/>
+                    <a:p>
+                      <a:pPr indent="457200" algn="just">
+                        <a:lnSpc>
+                          <a:spcPct val="150000"/>
+                        </a:lnSpc>
+                        <a:spcAft>
+                          <a:spcPts val="600"/>
+                        </a:spcAft>
+                      </a:pPr>
+                      <a:r>
+                        <a:rPr lang="en-US" sz="1300">
+                          <a:effectLst/>
+                        </a:rPr>
+                        <a:t>Số kết quả đúng</a:t>
+                      </a:r>
+                      <a:endParaRPr lang="vi-VN" sz="1300">
+                        <a:effectLst/>
+                        <a:latin typeface="Times New Roman" panose="02020603050405020304" pitchFamily="18" charset="0"/>
+                        <a:ea typeface="Times New Roman" panose="02020603050405020304" pitchFamily="18" charset="0"/>
+                        <a:cs typeface="Times New Roman" panose="02020603050405020304" pitchFamily="18" charset="0"/>
+                      </a:endParaRPr>
+                    </a:p>
+                  </a:txBody>
+                  <a:tcPr marL="68580" marR="68580" marT="0" marB="0"/>
+                </a:tc>
+                <a:tc>
+                  <a:txBody>
+                    <a:bodyPr/>
+                    <a:lstStyle/>
+                    <a:p>
+                      <a:pPr indent="457200" algn="just">
+                        <a:lnSpc>
+                          <a:spcPct val="150000"/>
+                        </a:lnSpc>
+                        <a:spcAft>
+                          <a:spcPts val="600"/>
+                        </a:spcAft>
+                      </a:pPr>
+                      <a:r>
+                        <a:rPr lang="en-US" sz="1300">
+                          <a:effectLst/>
+                        </a:rPr>
+                        <a:t>Số câu trong cơ sở dữ liệu</a:t>
+                      </a:r>
+                      <a:endParaRPr lang="vi-VN" sz="1300">
+                        <a:effectLst/>
+                        <a:latin typeface="Times New Roman" panose="02020603050405020304" pitchFamily="18" charset="0"/>
+                        <a:ea typeface="Times New Roman" panose="02020603050405020304" pitchFamily="18" charset="0"/>
+                        <a:cs typeface="Times New Roman" panose="02020603050405020304" pitchFamily="18" charset="0"/>
+                      </a:endParaRPr>
+                    </a:p>
+                  </a:txBody>
+                  <a:tcPr marL="68580" marR="68580" marT="0" marB="0"/>
+                </a:tc>
+                <a:tc>
+                  <a:txBody>
+                    <a:bodyPr/>
+                    <a:lstStyle/>
+                    <a:p>
+                      <a:pPr indent="457200" algn="just">
+                        <a:lnSpc>
+                          <a:spcPct val="150000"/>
+                        </a:lnSpc>
+                        <a:spcAft>
+                          <a:spcPts val="600"/>
+                        </a:spcAft>
+                      </a:pPr>
+                      <a:r>
+                        <a:rPr lang="en-US" sz="1300">
+                          <a:effectLst/>
+                        </a:rPr>
+                        <a:t>Tỉ lệ đúng</a:t>
+                      </a:r>
+                      <a:endParaRPr lang="vi-VN" sz="1300">
+                        <a:effectLst/>
+                        <a:latin typeface="Times New Roman" panose="02020603050405020304" pitchFamily="18" charset="0"/>
+                        <a:ea typeface="Times New Roman" panose="02020603050405020304" pitchFamily="18" charset="0"/>
+                        <a:cs typeface="Times New Roman" panose="02020603050405020304" pitchFamily="18" charset="0"/>
+                      </a:endParaRPr>
+                    </a:p>
+                  </a:txBody>
+                  <a:tcPr marL="68580" marR="68580" marT="0" marB="0"/>
+                </a:tc>
+              </a:tr>
+              <a:tr h="431758">
+                <a:tc>
+                  <a:txBody>
+                    <a:bodyPr/>
+                    <a:lstStyle/>
+                    <a:p>
+                      <a:pPr indent="457200" algn="just">
+                        <a:lnSpc>
+                          <a:spcPct val="150000"/>
+                        </a:lnSpc>
+                        <a:spcAft>
+                          <a:spcPts val="600"/>
+                        </a:spcAft>
+                      </a:pPr>
+                      <a:r>
+                        <a:rPr lang="en-US" sz="1300">
+                          <a:effectLst/>
+                        </a:rPr>
+                        <a:t>How</a:t>
+                      </a:r>
+                      <a:endParaRPr lang="vi-VN" sz="1300">
+                        <a:effectLst/>
+                        <a:latin typeface="Times New Roman" panose="02020603050405020304" pitchFamily="18" charset="0"/>
+                        <a:ea typeface="Times New Roman" panose="02020603050405020304" pitchFamily="18" charset="0"/>
+                        <a:cs typeface="Times New Roman" panose="02020603050405020304" pitchFamily="18" charset="0"/>
+                      </a:endParaRPr>
+                    </a:p>
+                  </a:txBody>
+                  <a:tcPr marL="68580" marR="68580" marT="0" marB="0"/>
+                </a:tc>
+                <a:tc>
+                  <a:txBody>
+                    <a:bodyPr/>
+                    <a:lstStyle/>
+                    <a:p>
+                      <a:pPr indent="457200" algn="just">
+                        <a:lnSpc>
+                          <a:spcPct val="150000"/>
+                        </a:lnSpc>
+                        <a:spcAft>
+                          <a:spcPts val="600"/>
+                        </a:spcAft>
+                      </a:pPr>
+                      <a:r>
+                        <a:rPr lang="en-US" sz="1300">
+                          <a:effectLst/>
+                        </a:rPr>
+                        <a:t>13</a:t>
+                      </a:r>
+                      <a:endParaRPr lang="vi-VN" sz="1300">
+                        <a:effectLst/>
+                        <a:latin typeface="Times New Roman" panose="02020603050405020304" pitchFamily="18" charset="0"/>
+                        <a:ea typeface="Times New Roman" panose="02020603050405020304" pitchFamily="18" charset="0"/>
+                        <a:cs typeface="Times New Roman" panose="02020603050405020304" pitchFamily="18" charset="0"/>
+                      </a:endParaRPr>
+                    </a:p>
+                  </a:txBody>
+                  <a:tcPr marL="68580" marR="68580" marT="0" marB="0"/>
+                </a:tc>
+                <a:tc>
+                  <a:txBody>
+                    <a:bodyPr/>
+                    <a:lstStyle/>
+                    <a:p>
+                      <a:pPr indent="457200" algn="just">
+                        <a:lnSpc>
+                          <a:spcPct val="150000"/>
+                        </a:lnSpc>
+                        <a:spcAft>
+                          <a:spcPts val="600"/>
+                        </a:spcAft>
+                      </a:pPr>
+                      <a:r>
+                        <a:rPr lang="en-US" sz="1300">
+                          <a:effectLst/>
+                        </a:rPr>
+                        <a:t>17</a:t>
+                      </a:r>
+                      <a:endParaRPr lang="vi-VN" sz="1300">
+                        <a:effectLst/>
+                        <a:latin typeface="Times New Roman" panose="02020603050405020304" pitchFamily="18" charset="0"/>
+                        <a:ea typeface="Times New Roman" panose="02020603050405020304" pitchFamily="18" charset="0"/>
+                        <a:cs typeface="Times New Roman" panose="02020603050405020304" pitchFamily="18" charset="0"/>
+                      </a:endParaRPr>
+                    </a:p>
+                  </a:txBody>
+                  <a:tcPr marL="68580" marR="68580" marT="0" marB="0"/>
+                </a:tc>
+                <a:tc>
+                  <a:txBody>
+                    <a:bodyPr/>
+                    <a:lstStyle/>
+                    <a:p>
+                      <a:pPr indent="457200" algn="just">
+                        <a:lnSpc>
+                          <a:spcPct val="150000"/>
+                        </a:lnSpc>
+                        <a:spcAft>
+                          <a:spcPts val="600"/>
+                        </a:spcAft>
+                      </a:pPr>
+                      <a:r>
+                        <a:rPr lang="en-US" sz="1300">
+                          <a:effectLst/>
+                        </a:rPr>
+                        <a:t>76.47 %</a:t>
+                      </a:r>
+                      <a:endParaRPr lang="vi-VN" sz="1300">
+                        <a:effectLst/>
+                        <a:latin typeface="Times New Roman" panose="02020603050405020304" pitchFamily="18" charset="0"/>
+                        <a:ea typeface="Times New Roman" panose="02020603050405020304" pitchFamily="18" charset="0"/>
+                        <a:cs typeface="Times New Roman" panose="02020603050405020304" pitchFamily="18" charset="0"/>
+                      </a:endParaRPr>
+                    </a:p>
+                  </a:txBody>
+                  <a:tcPr marL="68580" marR="68580" marT="0" marB="0"/>
+                </a:tc>
+              </a:tr>
+              <a:tr h="431758">
+                <a:tc>
+                  <a:txBody>
+                    <a:bodyPr/>
+                    <a:lstStyle/>
+                    <a:p>
+                      <a:pPr indent="457200" algn="just">
+                        <a:lnSpc>
+                          <a:spcPct val="150000"/>
+                        </a:lnSpc>
+                        <a:spcAft>
+                          <a:spcPts val="600"/>
+                        </a:spcAft>
+                      </a:pPr>
+                      <a:r>
+                        <a:rPr lang="en-US" sz="1300">
+                          <a:effectLst/>
+                        </a:rPr>
+                        <a:t>Yesno</a:t>
+                      </a:r>
+                      <a:endParaRPr lang="vi-VN" sz="1300">
+                        <a:effectLst/>
+                        <a:latin typeface="Times New Roman" panose="02020603050405020304" pitchFamily="18" charset="0"/>
+                        <a:ea typeface="Times New Roman" panose="02020603050405020304" pitchFamily="18" charset="0"/>
+                        <a:cs typeface="Times New Roman" panose="02020603050405020304" pitchFamily="18" charset="0"/>
+                      </a:endParaRPr>
+                    </a:p>
+                  </a:txBody>
+                  <a:tcPr marL="68580" marR="68580" marT="0" marB="0"/>
+                </a:tc>
+                <a:tc>
+                  <a:txBody>
+                    <a:bodyPr/>
+                    <a:lstStyle/>
+                    <a:p>
+                      <a:pPr indent="457200" algn="just">
+                        <a:lnSpc>
+                          <a:spcPct val="150000"/>
+                        </a:lnSpc>
+                        <a:spcAft>
+                          <a:spcPts val="600"/>
+                        </a:spcAft>
+                      </a:pPr>
+                      <a:r>
+                        <a:rPr lang="en-US" sz="1300">
+                          <a:effectLst/>
+                        </a:rPr>
+                        <a:t>6</a:t>
+                      </a:r>
+                      <a:endParaRPr lang="vi-VN" sz="1300">
+                        <a:effectLst/>
+                        <a:latin typeface="Times New Roman" panose="02020603050405020304" pitchFamily="18" charset="0"/>
+                        <a:ea typeface="Times New Roman" panose="02020603050405020304" pitchFamily="18" charset="0"/>
+                        <a:cs typeface="Times New Roman" panose="02020603050405020304" pitchFamily="18" charset="0"/>
+                      </a:endParaRPr>
+                    </a:p>
+                  </a:txBody>
+                  <a:tcPr marL="68580" marR="68580" marT="0" marB="0"/>
+                </a:tc>
+                <a:tc>
+                  <a:txBody>
+                    <a:bodyPr/>
+                    <a:lstStyle/>
+                    <a:p>
+                      <a:pPr indent="457200" algn="just">
+                        <a:lnSpc>
+                          <a:spcPct val="150000"/>
+                        </a:lnSpc>
+                        <a:spcAft>
+                          <a:spcPts val="600"/>
+                        </a:spcAft>
+                      </a:pPr>
+                      <a:r>
+                        <a:rPr lang="en-US" sz="1300">
+                          <a:effectLst/>
+                        </a:rPr>
+                        <a:t>6</a:t>
+                      </a:r>
+                      <a:endParaRPr lang="vi-VN" sz="1300">
+                        <a:effectLst/>
+                        <a:latin typeface="Times New Roman" panose="02020603050405020304" pitchFamily="18" charset="0"/>
+                        <a:ea typeface="Times New Roman" panose="02020603050405020304" pitchFamily="18" charset="0"/>
+                        <a:cs typeface="Times New Roman" panose="02020603050405020304" pitchFamily="18" charset="0"/>
+                      </a:endParaRPr>
+                    </a:p>
+                  </a:txBody>
+                  <a:tcPr marL="68580" marR="68580" marT="0" marB="0"/>
+                </a:tc>
+                <a:tc>
+                  <a:txBody>
+                    <a:bodyPr/>
+                    <a:lstStyle/>
+                    <a:p>
+                      <a:pPr indent="457200" algn="just">
+                        <a:lnSpc>
+                          <a:spcPct val="150000"/>
+                        </a:lnSpc>
+                        <a:spcAft>
+                          <a:spcPts val="600"/>
+                        </a:spcAft>
+                      </a:pPr>
+                      <a:r>
+                        <a:rPr lang="en-US" sz="1300">
+                          <a:effectLst/>
+                        </a:rPr>
+                        <a:t>100 %</a:t>
+                      </a:r>
+                      <a:endParaRPr lang="vi-VN" sz="1300">
+                        <a:effectLst/>
+                        <a:latin typeface="Times New Roman" panose="02020603050405020304" pitchFamily="18" charset="0"/>
+                        <a:ea typeface="Times New Roman" panose="02020603050405020304" pitchFamily="18" charset="0"/>
+                        <a:cs typeface="Times New Roman" panose="02020603050405020304" pitchFamily="18" charset="0"/>
+                      </a:endParaRPr>
+                    </a:p>
+                  </a:txBody>
+                  <a:tcPr marL="68580" marR="68580" marT="0" marB="0"/>
+                </a:tc>
+              </a:tr>
+              <a:tr h="431758">
+                <a:tc>
+                  <a:txBody>
+                    <a:bodyPr/>
+                    <a:lstStyle/>
+                    <a:p>
+                      <a:pPr indent="457200" algn="just">
+                        <a:lnSpc>
+                          <a:spcPct val="150000"/>
+                        </a:lnSpc>
+                        <a:spcAft>
+                          <a:spcPts val="600"/>
+                        </a:spcAft>
+                      </a:pPr>
+                      <a:r>
+                        <a:rPr lang="en-US" sz="1300">
+                          <a:effectLst/>
+                        </a:rPr>
+                        <a:t>What</a:t>
+                      </a:r>
+                      <a:endParaRPr lang="vi-VN" sz="1300">
+                        <a:effectLst/>
+                        <a:latin typeface="Times New Roman" panose="02020603050405020304" pitchFamily="18" charset="0"/>
+                        <a:ea typeface="Times New Roman" panose="02020603050405020304" pitchFamily="18" charset="0"/>
+                        <a:cs typeface="Times New Roman" panose="02020603050405020304" pitchFamily="18" charset="0"/>
+                      </a:endParaRPr>
+                    </a:p>
+                  </a:txBody>
+                  <a:tcPr marL="68580" marR="68580" marT="0" marB="0"/>
+                </a:tc>
+                <a:tc>
+                  <a:txBody>
+                    <a:bodyPr/>
+                    <a:lstStyle/>
+                    <a:p>
+                      <a:pPr indent="457200" algn="just">
+                        <a:lnSpc>
+                          <a:spcPct val="150000"/>
+                        </a:lnSpc>
+                        <a:spcAft>
+                          <a:spcPts val="600"/>
+                        </a:spcAft>
+                      </a:pPr>
+                      <a:r>
+                        <a:rPr lang="en-US" sz="1300">
+                          <a:effectLst/>
+                        </a:rPr>
+                        <a:t>2</a:t>
+                      </a:r>
+                      <a:endParaRPr lang="vi-VN" sz="1300">
+                        <a:effectLst/>
+                        <a:latin typeface="Times New Roman" panose="02020603050405020304" pitchFamily="18" charset="0"/>
+                        <a:ea typeface="Times New Roman" panose="02020603050405020304" pitchFamily="18" charset="0"/>
+                        <a:cs typeface="Times New Roman" panose="02020603050405020304" pitchFamily="18" charset="0"/>
+                      </a:endParaRPr>
+                    </a:p>
+                  </a:txBody>
+                  <a:tcPr marL="68580" marR="68580" marT="0" marB="0"/>
+                </a:tc>
+                <a:tc>
+                  <a:txBody>
+                    <a:bodyPr/>
+                    <a:lstStyle/>
+                    <a:p>
+                      <a:pPr indent="457200" algn="just">
+                        <a:lnSpc>
+                          <a:spcPct val="150000"/>
+                        </a:lnSpc>
+                        <a:spcAft>
+                          <a:spcPts val="600"/>
+                        </a:spcAft>
+                      </a:pPr>
+                      <a:r>
+                        <a:rPr lang="en-US" sz="1300">
+                          <a:effectLst/>
+                        </a:rPr>
+                        <a:t>3</a:t>
+                      </a:r>
+                      <a:endParaRPr lang="vi-VN" sz="1300">
+                        <a:effectLst/>
+                        <a:latin typeface="Times New Roman" panose="02020603050405020304" pitchFamily="18" charset="0"/>
+                        <a:ea typeface="Times New Roman" panose="02020603050405020304" pitchFamily="18" charset="0"/>
+                        <a:cs typeface="Times New Roman" panose="02020603050405020304" pitchFamily="18" charset="0"/>
+                      </a:endParaRPr>
+                    </a:p>
+                  </a:txBody>
+                  <a:tcPr marL="68580" marR="68580" marT="0" marB="0"/>
+                </a:tc>
+                <a:tc>
+                  <a:txBody>
+                    <a:bodyPr/>
+                    <a:lstStyle/>
+                    <a:p>
+                      <a:pPr indent="457200" algn="just">
+                        <a:lnSpc>
+                          <a:spcPct val="150000"/>
+                        </a:lnSpc>
+                        <a:spcAft>
+                          <a:spcPts val="600"/>
+                        </a:spcAft>
+                      </a:pPr>
+                      <a:r>
+                        <a:rPr lang="en-US" sz="1300">
+                          <a:effectLst/>
+                        </a:rPr>
+                        <a:t>66.66 %</a:t>
+                      </a:r>
+                      <a:endParaRPr lang="vi-VN" sz="1300">
+                        <a:effectLst/>
+                        <a:latin typeface="Times New Roman" panose="02020603050405020304" pitchFamily="18" charset="0"/>
+                        <a:ea typeface="Times New Roman" panose="02020603050405020304" pitchFamily="18" charset="0"/>
+                        <a:cs typeface="Times New Roman" panose="02020603050405020304" pitchFamily="18" charset="0"/>
+                      </a:endParaRPr>
+                    </a:p>
+                  </a:txBody>
+                  <a:tcPr marL="68580" marR="68580" marT="0" marB="0"/>
+                </a:tc>
+              </a:tr>
+              <a:tr h="420415">
+                <a:tc>
+                  <a:txBody>
+                    <a:bodyPr/>
+                    <a:lstStyle/>
+                    <a:p>
+                      <a:pPr indent="457200" algn="just">
+                        <a:lnSpc>
+                          <a:spcPct val="150000"/>
+                        </a:lnSpc>
+                        <a:spcAft>
+                          <a:spcPts val="600"/>
+                        </a:spcAft>
+                      </a:pPr>
+                      <a:r>
+                        <a:rPr lang="en-US" sz="1300">
+                          <a:effectLst/>
+                        </a:rPr>
+                        <a:t>When</a:t>
+                      </a:r>
+                      <a:endParaRPr lang="vi-VN" sz="1300">
+                        <a:effectLst/>
+                        <a:latin typeface="Times New Roman" panose="02020603050405020304" pitchFamily="18" charset="0"/>
+                        <a:ea typeface="Times New Roman" panose="02020603050405020304" pitchFamily="18" charset="0"/>
+                        <a:cs typeface="Times New Roman" panose="02020603050405020304" pitchFamily="18" charset="0"/>
+                      </a:endParaRPr>
+                    </a:p>
+                  </a:txBody>
+                  <a:tcPr marL="68580" marR="68580" marT="0" marB="0"/>
+                </a:tc>
+                <a:tc>
+                  <a:txBody>
+                    <a:bodyPr/>
+                    <a:lstStyle/>
+                    <a:p>
+                      <a:pPr indent="457200" algn="just">
+                        <a:lnSpc>
+                          <a:spcPct val="150000"/>
+                        </a:lnSpc>
+                        <a:spcAft>
+                          <a:spcPts val="600"/>
+                        </a:spcAft>
+                      </a:pPr>
+                      <a:r>
+                        <a:rPr lang="en-US" sz="1300">
+                          <a:effectLst/>
+                        </a:rPr>
+                        <a:t>1</a:t>
+                      </a:r>
+                      <a:endParaRPr lang="vi-VN" sz="1300">
+                        <a:effectLst/>
+                        <a:latin typeface="Times New Roman" panose="02020603050405020304" pitchFamily="18" charset="0"/>
+                        <a:ea typeface="Times New Roman" panose="02020603050405020304" pitchFamily="18" charset="0"/>
+                        <a:cs typeface="Times New Roman" panose="02020603050405020304" pitchFamily="18" charset="0"/>
+                      </a:endParaRPr>
+                    </a:p>
+                  </a:txBody>
+                  <a:tcPr marL="68580" marR="68580" marT="0" marB="0"/>
+                </a:tc>
+                <a:tc>
+                  <a:txBody>
+                    <a:bodyPr/>
+                    <a:lstStyle/>
+                    <a:p>
+                      <a:pPr indent="457200" algn="just">
+                        <a:lnSpc>
+                          <a:spcPct val="150000"/>
+                        </a:lnSpc>
+                        <a:spcAft>
+                          <a:spcPts val="600"/>
+                        </a:spcAft>
+                      </a:pPr>
+                      <a:r>
+                        <a:rPr lang="en-US" sz="1300">
+                          <a:effectLst/>
+                        </a:rPr>
+                        <a:t>1</a:t>
+                      </a:r>
+                      <a:endParaRPr lang="vi-VN" sz="1300">
+                        <a:effectLst/>
+                        <a:latin typeface="Times New Roman" panose="02020603050405020304" pitchFamily="18" charset="0"/>
+                        <a:ea typeface="Times New Roman" panose="02020603050405020304" pitchFamily="18" charset="0"/>
+                        <a:cs typeface="Times New Roman" panose="02020603050405020304" pitchFamily="18" charset="0"/>
+                      </a:endParaRPr>
+                    </a:p>
+                  </a:txBody>
+                  <a:tcPr marL="68580" marR="68580" marT="0" marB="0"/>
+                </a:tc>
+                <a:tc>
+                  <a:txBody>
+                    <a:bodyPr/>
+                    <a:lstStyle/>
+                    <a:p>
+                      <a:pPr indent="457200" algn="just">
+                        <a:lnSpc>
+                          <a:spcPct val="150000"/>
+                        </a:lnSpc>
+                        <a:spcAft>
+                          <a:spcPts val="600"/>
+                        </a:spcAft>
+                      </a:pPr>
+                      <a:r>
+                        <a:rPr lang="en-US" sz="1300">
+                          <a:effectLst/>
+                        </a:rPr>
+                        <a:t>100 %</a:t>
+                      </a:r>
+                      <a:endParaRPr lang="vi-VN" sz="1300">
+                        <a:effectLst/>
+                        <a:latin typeface="Times New Roman" panose="02020603050405020304" pitchFamily="18" charset="0"/>
+                        <a:ea typeface="Times New Roman" panose="02020603050405020304" pitchFamily="18" charset="0"/>
+                        <a:cs typeface="Times New Roman" panose="02020603050405020304" pitchFamily="18" charset="0"/>
+                      </a:endParaRPr>
+                    </a:p>
+                  </a:txBody>
+                  <a:tcPr marL="68580" marR="68580" marT="0" marB="0"/>
+                </a:tc>
+              </a:tr>
+              <a:tr h="431758">
+                <a:tc>
+                  <a:txBody>
+                    <a:bodyPr/>
+                    <a:lstStyle/>
+                    <a:p>
+                      <a:pPr indent="457200" algn="just">
+                        <a:lnSpc>
+                          <a:spcPct val="150000"/>
+                        </a:lnSpc>
+                        <a:spcAft>
+                          <a:spcPts val="600"/>
+                        </a:spcAft>
+                      </a:pPr>
+                      <a:r>
+                        <a:rPr lang="en-US" sz="1300">
+                          <a:effectLst/>
+                        </a:rPr>
+                        <a:t>Why</a:t>
+                      </a:r>
+                      <a:endParaRPr lang="vi-VN" sz="1300">
+                        <a:effectLst/>
+                        <a:latin typeface="Times New Roman" panose="02020603050405020304" pitchFamily="18" charset="0"/>
+                        <a:ea typeface="Times New Roman" panose="02020603050405020304" pitchFamily="18" charset="0"/>
+                        <a:cs typeface="Times New Roman" panose="02020603050405020304" pitchFamily="18" charset="0"/>
+                      </a:endParaRPr>
+                    </a:p>
+                  </a:txBody>
+                  <a:tcPr marL="68580" marR="68580" marT="0" marB="0"/>
+                </a:tc>
+                <a:tc>
+                  <a:txBody>
+                    <a:bodyPr/>
+                    <a:lstStyle/>
+                    <a:p>
+                      <a:pPr indent="457200" algn="just">
+                        <a:lnSpc>
+                          <a:spcPct val="150000"/>
+                        </a:lnSpc>
+                        <a:spcAft>
+                          <a:spcPts val="600"/>
+                        </a:spcAft>
+                      </a:pPr>
+                      <a:r>
+                        <a:rPr lang="en-US" sz="1300">
+                          <a:effectLst/>
+                        </a:rPr>
+                        <a:t>1</a:t>
+                      </a:r>
+                      <a:endParaRPr lang="vi-VN" sz="1300">
+                        <a:effectLst/>
+                        <a:latin typeface="Times New Roman" panose="02020603050405020304" pitchFamily="18" charset="0"/>
+                        <a:ea typeface="Times New Roman" panose="02020603050405020304" pitchFamily="18" charset="0"/>
+                        <a:cs typeface="Times New Roman" panose="02020603050405020304" pitchFamily="18" charset="0"/>
+                      </a:endParaRPr>
+                    </a:p>
+                  </a:txBody>
+                  <a:tcPr marL="68580" marR="68580" marT="0" marB="0"/>
+                </a:tc>
+                <a:tc>
+                  <a:txBody>
+                    <a:bodyPr/>
+                    <a:lstStyle/>
+                    <a:p>
+                      <a:pPr indent="457200" algn="just">
+                        <a:lnSpc>
+                          <a:spcPct val="150000"/>
+                        </a:lnSpc>
+                        <a:spcAft>
+                          <a:spcPts val="600"/>
+                        </a:spcAft>
+                      </a:pPr>
+                      <a:r>
+                        <a:rPr lang="en-US" sz="1300">
+                          <a:effectLst/>
+                        </a:rPr>
+                        <a:t>1</a:t>
+                      </a:r>
+                      <a:endParaRPr lang="vi-VN" sz="1300">
+                        <a:effectLst/>
+                        <a:latin typeface="Times New Roman" panose="02020603050405020304" pitchFamily="18" charset="0"/>
+                        <a:ea typeface="Times New Roman" panose="02020603050405020304" pitchFamily="18" charset="0"/>
+                        <a:cs typeface="Times New Roman" panose="02020603050405020304" pitchFamily="18" charset="0"/>
+                      </a:endParaRPr>
+                    </a:p>
+                  </a:txBody>
+                  <a:tcPr marL="68580" marR="68580" marT="0" marB="0"/>
+                </a:tc>
+                <a:tc>
+                  <a:txBody>
+                    <a:bodyPr/>
+                    <a:lstStyle/>
+                    <a:p>
+                      <a:pPr indent="457200" algn="just">
+                        <a:lnSpc>
+                          <a:spcPct val="150000"/>
+                        </a:lnSpc>
+                        <a:spcAft>
+                          <a:spcPts val="600"/>
+                        </a:spcAft>
+                      </a:pPr>
+                      <a:r>
+                        <a:rPr lang="en-US" sz="1300">
+                          <a:effectLst/>
+                        </a:rPr>
+                        <a:t>100 %</a:t>
+                      </a:r>
+                      <a:endParaRPr lang="vi-VN" sz="1300">
+                        <a:effectLst/>
+                        <a:latin typeface="Times New Roman" panose="02020603050405020304" pitchFamily="18" charset="0"/>
+                        <a:ea typeface="Times New Roman" panose="02020603050405020304" pitchFamily="18" charset="0"/>
+                        <a:cs typeface="Times New Roman" panose="02020603050405020304" pitchFamily="18" charset="0"/>
+                      </a:endParaRPr>
+                    </a:p>
+                  </a:txBody>
+                  <a:tcPr marL="68580" marR="68580" marT="0" marB="0"/>
+                </a:tc>
+              </a:tr>
+              <a:tr h="420415">
+                <a:tc>
+                  <a:txBody>
+                    <a:bodyPr/>
+                    <a:lstStyle/>
+                    <a:p>
+                      <a:pPr indent="457200" algn="just">
+                        <a:lnSpc>
+                          <a:spcPct val="150000"/>
+                        </a:lnSpc>
+                        <a:spcAft>
+                          <a:spcPts val="600"/>
+                        </a:spcAft>
+                      </a:pPr>
+                      <a:r>
+                        <a:rPr lang="en-US" sz="1300">
+                          <a:effectLst/>
+                        </a:rPr>
+                        <a:t>Where</a:t>
+                      </a:r>
+                      <a:endParaRPr lang="vi-VN" sz="1300">
+                        <a:effectLst/>
+                        <a:latin typeface="Times New Roman" panose="02020603050405020304" pitchFamily="18" charset="0"/>
+                        <a:ea typeface="Times New Roman" panose="02020603050405020304" pitchFamily="18" charset="0"/>
+                        <a:cs typeface="Times New Roman" panose="02020603050405020304" pitchFamily="18" charset="0"/>
+                      </a:endParaRPr>
+                    </a:p>
+                  </a:txBody>
+                  <a:tcPr marL="68580" marR="68580" marT="0" marB="0"/>
+                </a:tc>
+                <a:tc>
+                  <a:txBody>
+                    <a:bodyPr/>
+                    <a:lstStyle/>
+                    <a:p>
+                      <a:pPr indent="457200" algn="just">
+                        <a:lnSpc>
+                          <a:spcPct val="150000"/>
+                        </a:lnSpc>
+                        <a:spcAft>
+                          <a:spcPts val="600"/>
+                        </a:spcAft>
+                      </a:pPr>
+                      <a:r>
+                        <a:rPr lang="en-US" sz="1300">
+                          <a:effectLst/>
+                        </a:rPr>
+                        <a:t>2</a:t>
+                      </a:r>
+                      <a:endParaRPr lang="vi-VN" sz="1300">
+                        <a:effectLst/>
+                        <a:latin typeface="Times New Roman" panose="02020603050405020304" pitchFamily="18" charset="0"/>
+                        <a:ea typeface="Times New Roman" panose="02020603050405020304" pitchFamily="18" charset="0"/>
+                        <a:cs typeface="Times New Roman" panose="02020603050405020304" pitchFamily="18" charset="0"/>
+                      </a:endParaRPr>
+                    </a:p>
+                  </a:txBody>
+                  <a:tcPr marL="68580" marR="68580" marT="0" marB="0"/>
+                </a:tc>
+                <a:tc>
+                  <a:txBody>
+                    <a:bodyPr/>
+                    <a:lstStyle/>
+                    <a:p>
+                      <a:pPr indent="457200" algn="just">
+                        <a:lnSpc>
+                          <a:spcPct val="150000"/>
+                        </a:lnSpc>
+                        <a:spcAft>
+                          <a:spcPts val="600"/>
+                        </a:spcAft>
+                      </a:pPr>
+                      <a:r>
+                        <a:rPr lang="en-US" sz="1300">
+                          <a:effectLst/>
+                        </a:rPr>
+                        <a:t>2</a:t>
+                      </a:r>
+                      <a:endParaRPr lang="vi-VN" sz="1300">
+                        <a:effectLst/>
+                        <a:latin typeface="Times New Roman" panose="02020603050405020304" pitchFamily="18" charset="0"/>
+                        <a:ea typeface="Times New Roman" panose="02020603050405020304" pitchFamily="18" charset="0"/>
+                        <a:cs typeface="Times New Roman" panose="02020603050405020304" pitchFamily="18" charset="0"/>
+                      </a:endParaRPr>
+                    </a:p>
+                  </a:txBody>
+                  <a:tcPr marL="68580" marR="68580" marT="0" marB="0"/>
+                </a:tc>
+                <a:tc>
+                  <a:txBody>
+                    <a:bodyPr/>
+                    <a:lstStyle/>
+                    <a:p>
+                      <a:pPr indent="457200" algn="just">
+                        <a:lnSpc>
+                          <a:spcPct val="150000"/>
+                        </a:lnSpc>
+                        <a:spcAft>
+                          <a:spcPts val="600"/>
+                        </a:spcAft>
+                      </a:pPr>
+                      <a:r>
+                        <a:rPr lang="en-US" sz="1300">
+                          <a:effectLst/>
+                        </a:rPr>
+                        <a:t>100 %</a:t>
+                      </a:r>
+                      <a:endParaRPr lang="vi-VN" sz="1300">
+                        <a:effectLst/>
+                        <a:latin typeface="Times New Roman" panose="02020603050405020304" pitchFamily="18" charset="0"/>
+                        <a:ea typeface="Times New Roman" panose="02020603050405020304" pitchFamily="18" charset="0"/>
+                        <a:cs typeface="Times New Roman" panose="02020603050405020304" pitchFamily="18" charset="0"/>
+                      </a:endParaRPr>
+                    </a:p>
+                  </a:txBody>
+                  <a:tcPr marL="68580" marR="68580" marT="0" marB="0"/>
+                </a:tc>
+              </a:tr>
+              <a:tr h="420415">
+                <a:tc>
+                  <a:txBody>
+                    <a:bodyPr/>
+                    <a:lstStyle/>
+                    <a:p>
+                      <a:pPr indent="457200" algn="just">
+                        <a:lnSpc>
+                          <a:spcPct val="150000"/>
+                        </a:lnSpc>
+                        <a:spcAft>
+                          <a:spcPts val="600"/>
+                        </a:spcAft>
+                      </a:pPr>
+                      <a:r>
+                        <a:rPr lang="en-US" sz="1300">
+                          <a:effectLst/>
+                        </a:rPr>
+                        <a:t> </a:t>
+                      </a:r>
+                      <a:endParaRPr lang="vi-VN" sz="1300">
+                        <a:effectLst/>
+                        <a:latin typeface="Times New Roman" panose="02020603050405020304" pitchFamily="18" charset="0"/>
+                        <a:ea typeface="Times New Roman" panose="02020603050405020304" pitchFamily="18" charset="0"/>
+                        <a:cs typeface="Times New Roman" panose="02020603050405020304" pitchFamily="18" charset="0"/>
+                      </a:endParaRPr>
+                    </a:p>
+                  </a:txBody>
+                  <a:tcPr marL="68580" marR="68580" marT="0" marB="0"/>
+                </a:tc>
+                <a:tc>
+                  <a:txBody>
+                    <a:bodyPr/>
+                    <a:lstStyle/>
+                    <a:p>
+                      <a:pPr indent="457200" algn="just">
+                        <a:lnSpc>
+                          <a:spcPct val="150000"/>
+                        </a:lnSpc>
+                        <a:spcAft>
+                          <a:spcPts val="600"/>
+                        </a:spcAft>
+                      </a:pPr>
+                      <a:r>
+                        <a:rPr lang="en-US" sz="1300">
+                          <a:effectLst/>
+                        </a:rPr>
+                        <a:t>25</a:t>
+                      </a:r>
+                      <a:endParaRPr lang="vi-VN" sz="1300">
+                        <a:effectLst/>
+                        <a:latin typeface="Times New Roman" panose="02020603050405020304" pitchFamily="18" charset="0"/>
+                        <a:ea typeface="Times New Roman" panose="02020603050405020304" pitchFamily="18" charset="0"/>
+                        <a:cs typeface="Times New Roman" panose="02020603050405020304" pitchFamily="18" charset="0"/>
+                      </a:endParaRPr>
+                    </a:p>
+                  </a:txBody>
+                  <a:tcPr marL="68580" marR="68580" marT="0" marB="0"/>
+                </a:tc>
+                <a:tc>
+                  <a:txBody>
+                    <a:bodyPr/>
+                    <a:lstStyle/>
+                    <a:p>
+                      <a:pPr indent="457200" algn="just">
+                        <a:lnSpc>
+                          <a:spcPct val="150000"/>
+                        </a:lnSpc>
+                        <a:spcAft>
+                          <a:spcPts val="600"/>
+                        </a:spcAft>
+                      </a:pPr>
+                      <a:r>
+                        <a:rPr lang="en-US" sz="1300">
+                          <a:effectLst/>
+                        </a:rPr>
+                        <a:t>30</a:t>
+                      </a:r>
+                      <a:endParaRPr lang="vi-VN" sz="1300">
+                        <a:effectLst/>
+                        <a:latin typeface="Times New Roman" panose="02020603050405020304" pitchFamily="18" charset="0"/>
+                        <a:ea typeface="Times New Roman" panose="02020603050405020304" pitchFamily="18" charset="0"/>
+                        <a:cs typeface="Times New Roman" panose="02020603050405020304" pitchFamily="18" charset="0"/>
+                      </a:endParaRPr>
+                    </a:p>
+                  </a:txBody>
+                  <a:tcPr marL="68580" marR="68580" marT="0" marB="0"/>
+                </a:tc>
+                <a:tc>
+                  <a:txBody>
+                    <a:bodyPr/>
+                    <a:lstStyle/>
+                    <a:p>
+                      <a:pPr indent="457200" algn="just">
+                        <a:lnSpc>
+                          <a:spcPct val="150000"/>
+                        </a:lnSpc>
+                        <a:spcAft>
+                          <a:spcPts val="600"/>
+                        </a:spcAft>
+                      </a:pPr>
+                      <a:r>
+                        <a:rPr lang="en-US" sz="1300">
+                          <a:effectLst/>
+                        </a:rPr>
+                        <a:t>83.33 %</a:t>
+                      </a:r>
+                      <a:endParaRPr lang="vi-VN" sz="1300">
+                        <a:effectLst/>
+                        <a:latin typeface="Times New Roman" panose="02020603050405020304" pitchFamily="18" charset="0"/>
+                        <a:ea typeface="Times New Roman" panose="02020603050405020304" pitchFamily="18" charset="0"/>
+                        <a:cs typeface="Times New Roman" panose="02020603050405020304" pitchFamily="18" charset="0"/>
+                      </a:endParaRPr>
+                    </a:p>
+                  </a:txBody>
+                  <a:tcPr marL="68580" marR="68580" marT="0" marB="0"/>
+                </a:tc>
+              </a:tr>
+            </a:tbl>
+          </a:graphicData>
+        </a:graphic>
+      </p:graphicFrame>
+      <p:sp>
+        <p:nvSpPr>
+          <p:cNvPr id="5" name="Rectangle 1"/>
+          <p:cNvSpPr>
+            <a:spLocks noChangeArrowheads="1"/>
+          </p:cNvSpPr>
+          <p:nvPr/>
+        </p:nvSpPr>
+        <p:spPr bwMode="auto">
+          <a:xfrm>
+            <a:off x="2484438" y="2430463"/>
+            <a:ext cx="12192000" cy="457200"/>
+          </a:xfrm>
+          <a:prstGeom prst="rect">
+            <a:avLst/>
+          </a:prstGeom>
+          <a:noFill/>
+          <a:ln>
+            <a:noFill/>
+          </a:ln>
+          <a:effectLst/>
+          <a:extLst>
+            <a:ext uri="{909E8E84-426E-40DD-AFC4-6F175D3DCCD1}">
+              <a14:hiddenFill xmlns:a14="http://schemas.microsoft.com/office/drawing/2010/main">
+                <a:solidFill>
+                  <a:schemeClr val="accent1"/>
+                </a:solidFill>
+              </a14:hiddenFill>
+            </a:ext>
+            <a:ext uri="{91240B29-F687-4F45-9708-019B960494DF}">
+              <a14:hiddenLine xmlns:a14="http://schemas.microsoft.com/office/drawing/2010/main" w="9525">
+                <a:solidFill>
+                  <a:schemeClr val="tx1"/>
+                </a:solidFill>
+                <a:miter lim="800000"/>
+                <a:headEnd/>
+                <a:tailEnd/>
+              </a14:hiddenLine>
+            </a:ext>
+            <a:ext uri="{AF507438-7753-43E0-B8FC-AC1667EBCBE1}">
+              <a14:hiddenEffects xmlns:a14="http://schemas.microsoft.com/office/drawing/2010/main">
+                <a:effectLst>
+                  <a:outerShdw dist="35921" dir="2700000" algn="ctr" rotWithShape="0">
+                    <a:schemeClr val="bg2"/>
+                  </a:outerShdw>
+                </a:effectLst>
+              </a14:hiddenEffects>
+            </a:ext>
+          </a:extLst>
+        </p:spPr>
+        <p:txBody>
+          <a:bodyPr vert="horz" wrap="none" lIns="91440" tIns="45720" rIns="91440" bIns="45720" numCol="1" anchor="ctr" anchorCtr="0" compatLnSpc="1">
+            <a:prstTxWarp prst="textNoShape">
+              <a:avLst/>
+            </a:prstTxWarp>
+            <a:spAutoFit/>
+          </a:bodyPr>
+          <a:lstStyle/>
+          <a:p>
+            <a:endParaRPr lang="vi-VN"/>
+          </a:p>
+        </p:txBody>
+      </p:sp>
+    </p:spTree>
+    <p:extLst>
+      <p:ext uri="{BB962C8B-B14F-4D97-AF65-F5344CB8AC3E}">
+        <p14:creationId xmlns:p14="http://schemas.microsoft.com/office/powerpoint/2010/main" val="1615116705"/>
       </p:ext>
     </p:extLst>
   </p:cSld>
@@ -4199,28 +7130,35 @@
               <a:buNone/>
             </a:pPr>
             <a:r>
-              <a:rPr lang="en-US" sz="2000" b="1" smtClean="0">
-                <a:latin typeface="Times New Roman" panose="02020603050405020304" pitchFamily="18" charset="0"/>
-                <a:cs typeface="Times New Roman" panose="02020603050405020304" pitchFamily="18" charset="0"/>
-              </a:rPr>
-              <a:t>1.Giới </a:t>
-            </a:r>
-            <a:r>
-              <a:rPr lang="en-US" sz="2000" b="1">
+              <a:rPr lang="en-US" sz="2400" b="1" smtClean="0">
+                <a:latin typeface="Times New Roman" panose="02020603050405020304" pitchFamily="18" charset="0"/>
+                <a:cs typeface="Times New Roman" panose="02020603050405020304" pitchFamily="18" charset="0"/>
+              </a:rPr>
+              <a:t>1</a:t>
+            </a:r>
+            <a:r>
+              <a:rPr lang="en-US" sz="2400" b="1" smtClean="0">
+                <a:latin typeface="Times New Roman" panose="02020603050405020304" pitchFamily="18" charset="0"/>
+                <a:cs typeface="Times New Roman" panose="02020603050405020304" pitchFamily="18" charset="0"/>
+              </a:rPr>
+              <a:t>. Giới </a:t>
+            </a:r>
+            <a:r>
+              <a:rPr lang="en-US" sz="2400" b="1">
                 <a:latin typeface="Times New Roman" panose="02020603050405020304" pitchFamily="18" charset="0"/>
                 <a:cs typeface="Times New Roman" panose="02020603050405020304" pitchFamily="18" charset="0"/>
               </a:rPr>
               <a:t>Thiệu Hệ Thống Hỏi Đáp Tự </a:t>
             </a:r>
             <a:r>
-              <a:rPr lang="en-US" sz="2000" b="1" smtClean="0">
+              <a:rPr lang="en-US" sz="2400" b="1" smtClean="0">
                 <a:latin typeface="Times New Roman" panose="02020603050405020304" pitchFamily="18" charset="0"/>
                 <a:cs typeface="Times New Roman" panose="02020603050405020304" pitchFamily="18" charset="0"/>
               </a:rPr>
               <a:t>Động</a:t>
             </a:r>
             <a:r>
-              <a:rPr lang="en-US" sz="2000" smtClean="0">
+              <a:rPr lang="en-US" sz="2400" smtClean="0">
                 <a:latin typeface="Times New Roman" panose="02020603050405020304" pitchFamily="18" charset="0"/>
                 <a:cs typeface="Times New Roman" panose="02020603050405020304" pitchFamily="18" charset="0"/>
               </a:rPr>
@@ -4235,102 +7173,64 @@
               <a:buNone/>
             </a:pPr>
             <a:r>
-              <a:rPr lang="en-US" sz="1900" smtClean="0">
-                <a:latin typeface="Times New Roman" panose="02020603050405020304" pitchFamily="18" charset="0"/>
-                <a:cs typeface="Times New Roman" panose="02020603050405020304" pitchFamily="18" charset="0"/>
-              </a:rPr>
-              <a:t>Ngày </a:t>
-            </a:r>
-            <a:r>
-              <a:rPr lang="en-US" sz="1900">
-                <a:latin typeface="Times New Roman" panose="02020603050405020304" pitchFamily="18" charset="0"/>
-                <a:cs typeface="Times New Roman" panose="02020603050405020304" pitchFamily="18" charset="0"/>
-              </a:rPr>
-              <a:t>nay hệ thống internet phát triển với một </a:t>
-            </a:r>
-            <a:r>
-              <a:rPr lang="en-US" sz="1900">
-                <a:latin typeface="Times New Roman" panose="02020603050405020304" pitchFamily="18" charset="0"/>
-                <a:cs typeface="Times New Roman" panose="02020603050405020304" pitchFamily="18" charset="0"/>
-              </a:rPr>
-              <a:t>khối </a:t>
-            </a:r>
-            <a:r>
-              <a:rPr lang="en-US" sz="1900" smtClean="0">
-                <a:latin typeface="Times New Roman" panose="02020603050405020304" pitchFamily="18" charset="0"/>
-                <a:cs typeface="Times New Roman" panose="02020603050405020304" pitchFamily="18" charset="0"/>
-              </a:rPr>
-              <a:t>lượng </a:t>
-            </a:r>
-            <a:r>
-              <a:rPr lang="en-US" sz="1900">
-                <a:latin typeface="Times New Roman" panose="02020603050405020304" pitchFamily="18" charset="0"/>
-                <a:cs typeface="Times New Roman" panose="02020603050405020304" pitchFamily="18" charset="0"/>
-              </a:rPr>
-              <a:t>dữ liệu khổng lồ dẫn đến việc tìm </a:t>
-            </a:r>
-            <a:r>
-              <a:rPr lang="en-US" sz="1900">
-                <a:latin typeface="Times New Roman" panose="02020603050405020304" pitchFamily="18" charset="0"/>
-                <a:cs typeface="Times New Roman" panose="02020603050405020304" pitchFamily="18" charset="0"/>
-              </a:rPr>
-              <a:t>kiếm </a:t>
-            </a:r>
-            <a:r>
-              <a:rPr lang="en-US" sz="1900" smtClean="0">
-                <a:latin typeface="Times New Roman" panose="02020603050405020304" pitchFamily="18" charset="0"/>
-                <a:cs typeface="Times New Roman" panose="02020603050405020304" pitchFamily="18" charset="0"/>
-              </a:rPr>
-              <a:t>thông tin sẽ </a:t>
-            </a:r>
-            <a:r>
-              <a:rPr lang="en-US" sz="1900">
-                <a:latin typeface="Times New Roman" panose="02020603050405020304" pitchFamily="18" charset="0"/>
-                <a:cs typeface="Times New Roman" panose="02020603050405020304" pitchFamily="18" charset="0"/>
-              </a:rPr>
-              <a:t>gặp khó khăn cùng với đó là </a:t>
-            </a:r>
-            <a:r>
-              <a:rPr lang="en-US" sz="1900">
-                <a:latin typeface="Times New Roman" panose="02020603050405020304" pitchFamily="18" charset="0"/>
-                <a:cs typeface="Times New Roman" panose="02020603050405020304" pitchFamily="18" charset="0"/>
-              </a:rPr>
-              <a:t>sự </a:t>
-            </a:r>
-            <a:r>
-              <a:rPr lang="en-US" sz="1900" smtClean="0">
-                <a:latin typeface="Times New Roman" panose="02020603050405020304" pitchFamily="18" charset="0"/>
-                <a:cs typeface="Times New Roman" panose="02020603050405020304" pitchFamily="18" charset="0"/>
-              </a:rPr>
-              <a:t>nguồn thông tin từ nhiều chiều </a:t>
-            </a:r>
-            <a:r>
-              <a:rPr lang="en-US" sz="1900">
-                <a:latin typeface="Times New Roman" panose="02020603050405020304" pitchFamily="18" charset="0"/>
-                <a:cs typeface="Times New Roman" panose="02020603050405020304" pitchFamily="18" charset="0"/>
-              </a:rPr>
-              <a:t>cũng có thể dẫn tới việc nắm bắt sai thông </a:t>
-            </a:r>
-            <a:r>
-              <a:rPr lang="en-US" sz="1900">
-                <a:latin typeface="Times New Roman" panose="02020603050405020304" pitchFamily="18" charset="0"/>
-                <a:cs typeface="Times New Roman" panose="02020603050405020304" pitchFamily="18" charset="0"/>
-              </a:rPr>
-              <a:t>tin</a:t>
-            </a:r>
-            <a:r>
-              <a:rPr lang="en-US" sz="1900" smtClean="0">
-                <a:latin typeface="Times New Roman" panose="02020603050405020304" pitchFamily="18" charset="0"/>
-                <a:cs typeface="Times New Roman" panose="02020603050405020304" pitchFamily="18" charset="0"/>
-              </a:rPr>
-              <a:t>.</a:t>
-            </a:r>
+              <a:rPr lang="en-US" sz="2200" smtClean="0">
+                <a:latin typeface="Times New Roman" panose="02020603050405020304" pitchFamily="18" charset="0"/>
+                <a:cs typeface="Times New Roman" panose="02020603050405020304" pitchFamily="18" charset="0"/>
+              </a:rPr>
+              <a:t>Hệ thống internet ngày càng </a:t>
+            </a:r>
+            <a:r>
+              <a:rPr lang="en-US" sz="2200">
+                <a:latin typeface="Times New Roman" panose="02020603050405020304" pitchFamily="18" charset="0"/>
+                <a:cs typeface="Times New Roman" panose="02020603050405020304" pitchFamily="18" charset="0"/>
+              </a:rPr>
+              <a:t>phát triển với một khối lượng dữ </a:t>
+            </a:r>
+            <a:r>
+              <a:rPr lang="en-US" sz="2200">
+                <a:latin typeface="Times New Roman" panose="02020603050405020304" pitchFamily="18" charset="0"/>
+                <a:cs typeface="Times New Roman" panose="02020603050405020304" pitchFamily="18" charset="0"/>
+              </a:rPr>
+              <a:t>liệu </a:t>
+            </a:r>
+            <a:r>
+              <a:rPr lang="en-US" sz="2200" smtClean="0">
+                <a:latin typeface="Times New Roman" panose="02020603050405020304" pitchFamily="18" charset="0"/>
+                <a:cs typeface="Times New Roman" panose="02020603050405020304" pitchFamily="18" charset="0"/>
+              </a:rPr>
+              <a:t>lớn dẫn </a:t>
+            </a:r>
+            <a:r>
+              <a:rPr lang="en-US" sz="2200">
+                <a:latin typeface="Times New Roman" panose="02020603050405020304" pitchFamily="18" charset="0"/>
+                <a:cs typeface="Times New Roman" panose="02020603050405020304" pitchFamily="18" charset="0"/>
+              </a:rPr>
+              <a:t>đến việc tìm kiếm thông tin sẽ gặp </a:t>
+            </a:r>
+            <a:r>
+              <a:rPr lang="en-US" sz="2200">
+                <a:latin typeface="Times New Roman" panose="02020603050405020304" pitchFamily="18" charset="0"/>
+                <a:cs typeface="Times New Roman" panose="02020603050405020304" pitchFamily="18" charset="0"/>
+              </a:rPr>
+              <a:t>khó </a:t>
+            </a:r>
+            <a:r>
+              <a:rPr lang="en-US" sz="2200" smtClean="0">
+                <a:latin typeface="Times New Roman" panose="02020603050405020304" pitchFamily="18" charset="0"/>
+                <a:cs typeface="Times New Roman" panose="02020603050405020304" pitchFamily="18" charset="0"/>
+              </a:rPr>
+              <a:t>khăn.</a:t>
+            </a:r>
+            <a:endParaRPr lang="en-US" sz="2200">
+              <a:latin typeface="Times New Roman" panose="02020603050405020304" pitchFamily="18" charset="0"/>
+              <a:cs typeface="Times New Roman" panose="02020603050405020304" pitchFamily="18" charset="0"/>
+            </a:endParaRPr>
           </a:p>
           <a:p>
             <a:pPr marL="548640" lvl="2" indent="0">
               <a:buNone/>
             </a:pPr>
-            <a:endParaRPr lang="en-US" sz="1900" smtClean="0">
+            <a:endParaRPr lang="en-US" sz="2200" smtClean="0">
               <a:latin typeface="Times New Roman" panose="02020603050405020304" pitchFamily="18" charset="0"/>
               <a:cs typeface="Times New Roman" panose="02020603050405020304" pitchFamily="18" charset="0"/>
             </a:endParaRPr>
@@ -4343,13 +7243,13 @@
               <a:buNone/>
             </a:pPr>
             <a:r>
-              <a:rPr lang="en-US" sz="1900">
+              <a:rPr lang="en-US" sz="2200">
                 <a:latin typeface="Times New Roman" panose="02020603050405020304" pitchFamily="18" charset="0"/>
                 <a:cs typeface="Times New Roman" panose="02020603050405020304" pitchFamily="18" charset="0"/>
               </a:rPr>
               <a:t>Thông tin tìm kiếm đôi khỉ chỉ dừng ở mức tài liệu nghiên cứu, còn hệ thống hỏi đáp sẽ cho ta một câu trả lời ngắn gọn nhất có thể và đôi khi là 1 hướng giải quyết vấn đề từ những người đi trước.</a:t>
             </a:r>
-            <a:endParaRPr lang="vi-VN" sz="1900">
+            <a:endParaRPr lang="vi-VN" sz="2200">
               <a:latin typeface="Times New Roman" panose="02020603050405020304" pitchFamily="18" charset="0"/>
               <a:cs typeface="Times New Roman" panose="02020603050405020304" pitchFamily="18" charset="0"/>
             </a:endParaRPr>
@@ -4406,6 +7306,2564 @@
     <p:extLst>
       <p:ext uri="{BB962C8B-B14F-4D97-AF65-F5344CB8AC3E}">
         <p14:creationId xmlns:p14="http://schemas.microsoft.com/office/powerpoint/2010/main" val="1959882576"/>
+      </p:ext>
+    </p:extLst>
+  </p:cSld>
+  <p:clrMapOvr>
+    <a:masterClrMapping/>
+  </p:clrMapOvr>
+  <p:timing>
+    <p:tnLst>
+      <p:par>
+        <p:cTn id="1" dur="indefinite" restart="never" nodeType="tmRoot"/>
+      </p:par>
+    </p:tnLst>
+  </p:timing>
+</p:sld>
+</file>
+
+<file path=ppt/slides/slide20.xml><?xml version="1.0" encoding="utf-8"?>
+<p:sld xmlns:a="http://schemas.openxmlformats.org/drawingml/2006/main" xmlns:r="http://schemas.openxmlformats.org/officeDocument/2006/relationships" xmlns:p="http://schemas.openxmlformats.org/presentationml/2006/main">
+  <p:cSld>
+    <p:spTree>
+      <p:nvGrpSpPr>
+        <p:cNvPr id="1" name=""/>
+        <p:cNvGrpSpPr/>
+        <p:nvPr/>
+      </p:nvGrpSpPr>
+      <p:grpSpPr>
+        <a:xfrm>
+          <a:off x="0" y="0"/>
+          <a:ext cx="0" cy="0"/>
+          <a:chOff x="0" y="0"/>
+          <a:chExt cx="0" cy="0"/>
+        </a:xfrm>
+      </p:grpSpPr>
+      <p:sp>
+        <p:nvSpPr>
+          <p:cNvPr id="2" name="Title 1"/>
+          <p:cNvSpPr>
+            <a:spLocks noGrp="1"/>
+          </p:cNvSpPr>
+          <p:nvPr>
+            <p:ph type="title"/>
+          </p:nvPr>
+        </p:nvSpPr>
+        <p:spPr>
+          <a:xfrm>
+            <a:off x="619608" y="0"/>
+            <a:ext cx="9692640" cy="1325562"/>
+          </a:xfrm>
+        </p:spPr>
+        <p:txBody>
+          <a:bodyPr>
+            <a:normAutofit/>
+          </a:bodyPr>
+          <a:lstStyle/>
+          <a:p>
+            <a:r>
+              <a:rPr lang="en-US" sz="3800" smtClean="0">
+                <a:latin typeface="Times New Roman" panose="02020603050405020304" pitchFamily="18" charset="0"/>
+                <a:cs typeface="Times New Roman" panose="02020603050405020304" pitchFamily="18" charset="0"/>
+              </a:rPr>
+              <a:t>4.2 Bộ </a:t>
+            </a:r>
+            <a:r>
+              <a:rPr lang="en-US" sz="3800">
+                <a:latin typeface="Times New Roman" panose="02020603050405020304" pitchFamily="18" charset="0"/>
+                <a:cs typeface="Times New Roman" panose="02020603050405020304" pitchFamily="18" charset="0"/>
+              </a:rPr>
+              <a:t>đánh giá mô-đun trả lời tự động</a:t>
+            </a:r>
+            <a:endParaRPr lang="vi-VN" sz="3800">
+              <a:latin typeface="Times New Roman" panose="02020603050405020304" pitchFamily="18" charset="0"/>
+              <a:cs typeface="Times New Roman" panose="02020603050405020304" pitchFamily="18" charset="0"/>
+            </a:endParaRPr>
+          </a:p>
+        </p:txBody>
+      </p:sp>
+      <p:pic>
+        <p:nvPicPr>
+          <p:cNvPr id="4" name="Content Placeholder 3"/>
+          <p:cNvPicPr>
+            <a:picLocks noGrp="1"/>
+          </p:cNvPicPr>
+          <p:nvPr>
+            <p:ph idx="1"/>
+          </p:nvPr>
+        </p:nvPicPr>
+        <p:blipFill>
+          <a:blip r:embed="rId2">
+            <a:extLst>
+              <a:ext uri="{28A0092B-C50C-407E-A947-70E740481C1C}">
+                <a14:useLocalDpi xmlns:a14="http://schemas.microsoft.com/office/drawing/2010/main" val="0"/>
+              </a:ext>
+            </a:extLst>
+          </a:blip>
+          <a:srcRect/>
+          <a:stretch>
+            <a:fillRect/>
+          </a:stretch>
+        </p:blipFill>
+        <p:spPr bwMode="auto">
+          <a:xfrm>
+            <a:off x="2210937" y="1908237"/>
+            <a:ext cx="6509982" cy="4328789"/>
+          </a:xfrm>
+          <a:prstGeom prst="rect">
+            <a:avLst/>
+          </a:prstGeom>
+          <a:noFill/>
+          <a:ln>
+            <a:noFill/>
+          </a:ln>
+        </p:spPr>
+      </p:pic>
+    </p:spTree>
+    <p:extLst>
+      <p:ext uri="{BB962C8B-B14F-4D97-AF65-F5344CB8AC3E}">
+        <p14:creationId xmlns:p14="http://schemas.microsoft.com/office/powerpoint/2010/main" val="667194264"/>
+      </p:ext>
+    </p:extLst>
+  </p:cSld>
+  <p:clrMapOvr>
+    <a:masterClrMapping/>
+  </p:clrMapOvr>
+  <p:timing>
+    <p:tnLst>
+      <p:par>
+        <p:cTn id="1" dur="indefinite" restart="never" nodeType="tmRoot"/>
+      </p:par>
+    </p:tnLst>
+  </p:timing>
+</p:sld>
+</file>
+
+<file path=ppt/slides/slide21.xml><?xml version="1.0" encoding="utf-8"?>
+<p:sld xmlns:a="http://schemas.openxmlformats.org/drawingml/2006/main" xmlns:r="http://schemas.openxmlformats.org/officeDocument/2006/relationships" xmlns:p="http://schemas.openxmlformats.org/presentationml/2006/main">
+  <p:cSld>
+    <p:spTree>
+      <p:nvGrpSpPr>
+        <p:cNvPr id="1" name=""/>
+        <p:cNvGrpSpPr/>
+        <p:nvPr/>
+      </p:nvGrpSpPr>
+      <p:grpSpPr>
+        <a:xfrm>
+          <a:off x="0" y="0"/>
+          <a:ext cx="0" cy="0"/>
+          <a:chOff x="0" y="0"/>
+          <a:chExt cx="0" cy="0"/>
+        </a:xfrm>
+      </p:grpSpPr>
+      <p:sp>
+        <p:nvSpPr>
+          <p:cNvPr id="2" name="Title 1"/>
+          <p:cNvSpPr>
+            <a:spLocks noGrp="1"/>
+          </p:cNvSpPr>
+          <p:nvPr>
+            <p:ph type="title"/>
+          </p:nvPr>
+        </p:nvSpPr>
+        <p:spPr/>
+        <p:txBody>
+          <a:bodyPr/>
+          <a:lstStyle/>
+          <a:p>
+            <a:endParaRPr lang="vi-VN"/>
+          </a:p>
+        </p:txBody>
+      </p:sp>
+      <p:sp>
+        <p:nvSpPr>
+          <p:cNvPr id="3" name="Content Placeholder 2"/>
+          <p:cNvSpPr>
+            <a:spLocks noGrp="1"/>
+          </p:cNvSpPr>
+          <p:nvPr>
+            <p:ph idx="1"/>
+          </p:nvPr>
+        </p:nvSpPr>
+        <p:spPr/>
+        <p:txBody>
+          <a:bodyPr/>
+          <a:lstStyle/>
+          <a:p>
+            <a:pPr marL="0" indent="0">
+              <a:buNone/>
+            </a:pPr>
+            <a:r>
+              <a:rPr lang="en-US" sz="2200" b="1" smtClean="0">
+                <a:latin typeface="Times New Roman" panose="02020603050405020304" pitchFamily="18" charset="0"/>
+                <a:cs typeface="Times New Roman" panose="02020603050405020304" pitchFamily="18" charset="0"/>
+              </a:rPr>
+              <a:t>Ví dụ:</a:t>
+            </a:r>
+          </a:p>
+          <a:p>
+            <a:r>
+              <a:rPr lang="en-US" sz="2200" smtClean="0">
+                <a:latin typeface="Times New Roman" panose="02020603050405020304" pitchFamily="18" charset="0"/>
+                <a:cs typeface="Times New Roman" panose="02020603050405020304" pitchFamily="18" charset="0"/>
+              </a:rPr>
+              <a:t>Câu </a:t>
+            </a:r>
+            <a:r>
+              <a:rPr lang="en-US" sz="2200">
+                <a:latin typeface="Times New Roman" panose="02020603050405020304" pitchFamily="18" charset="0"/>
+                <a:cs typeface="Times New Roman" panose="02020603050405020304" pitchFamily="18" charset="0"/>
+              </a:rPr>
+              <a:t>hỏi kiểm thử: “Có </a:t>
+            </a:r>
+            <a:r>
+              <a:rPr lang="en-US" sz="2200">
+                <a:latin typeface="Times New Roman" panose="02020603050405020304" pitchFamily="18" charset="0"/>
+                <a:cs typeface="Times New Roman" panose="02020603050405020304" pitchFamily="18" charset="0"/>
+              </a:rPr>
+              <a:t>được </a:t>
+            </a:r>
+            <a:r>
+              <a:rPr lang="en-US" sz="2200" smtClean="0">
+                <a:latin typeface="Times New Roman" panose="02020603050405020304" pitchFamily="18" charset="0"/>
+                <a:cs typeface="Times New Roman" panose="02020603050405020304" pitchFamily="18" charset="0"/>
+              </a:rPr>
+              <a:t>tốt </a:t>
+            </a:r>
+            <a:r>
+              <a:rPr lang="en-US" sz="2200">
+                <a:latin typeface="Times New Roman" panose="02020603050405020304" pitchFamily="18" charset="0"/>
+                <a:cs typeface="Times New Roman" panose="02020603050405020304" pitchFamily="18" charset="0"/>
+              </a:rPr>
+              <a:t>nghiệp sớm </a:t>
+            </a:r>
+            <a:r>
+              <a:rPr lang="en-US" sz="2200">
+                <a:latin typeface="Times New Roman" panose="02020603050405020304" pitchFamily="18" charset="0"/>
+                <a:cs typeface="Times New Roman" panose="02020603050405020304" pitchFamily="18" charset="0"/>
+              </a:rPr>
+              <a:t>không</a:t>
+            </a:r>
+            <a:r>
+              <a:rPr lang="en-US" sz="2200" smtClean="0">
+                <a:latin typeface="Times New Roman" panose="02020603050405020304" pitchFamily="18" charset="0"/>
+                <a:cs typeface="Times New Roman" panose="02020603050405020304" pitchFamily="18" charset="0"/>
+              </a:rPr>
+              <a:t>?”</a:t>
+            </a:r>
+          </a:p>
+          <a:p>
+            <a:r>
+              <a:rPr lang="en-US" sz="2200" smtClean="0">
+                <a:latin typeface="Times New Roman" panose="02020603050405020304" pitchFamily="18" charset="0"/>
+                <a:cs typeface="Times New Roman" panose="02020603050405020304" pitchFamily="18" charset="0"/>
+              </a:rPr>
+              <a:t>Câu </a:t>
+            </a:r>
+            <a:r>
+              <a:rPr lang="en-US" sz="2200">
+                <a:latin typeface="Times New Roman" panose="02020603050405020304" pitchFamily="18" charset="0"/>
+                <a:cs typeface="Times New Roman" panose="02020603050405020304" pitchFamily="18" charset="0"/>
+              </a:rPr>
+              <a:t>hỏi </a:t>
+            </a:r>
+            <a:r>
+              <a:rPr lang="en-US" sz="2200">
+                <a:latin typeface="Times New Roman" panose="02020603050405020304" pitchFamily="18" charset="0"/>
+                <a:cs typeface="Times New Roman" panose="02020603050405020304" pitchFamily="18" charset="0"/>
+              </a:rPr>
+              <a:t>tương </a:t>
+            </a:r>
+            <a:r>
+              <a:rPr lang="en-US" sz="2200" smtClean="0">
+                <a:latin typeface="Times New Roman" panose="02020603050405020304" pitchFamily="18" charset="0"/>
+                <a:cs typeface="Times New Roman" panose="02020603050405020304" pitchFamily="18" charset="0"/>
+              </a:rPr>
+              <a:t>tự được gán là</a:t>
+            </a:r>
+            <a:r>
+              <a:rPr lang="en-US" sz="2200">
+                <a:latin typeface="Times New Roman" panose="02020603050405020304" pitchFamily="18" charset="0"/>
+                <a:cs typeface="Times New Roman" panose="02020603050405020304" pitchFamily="18" charset="0"/>
+              </a:rPr>
+              <a:t>: “Em muốn tốt nghiệp sớm khoảng 2 năm có được không</a:t>
+            </a:r>
+            <a:r>
+              <a:rPr lang="en-US" sz="2200">
+                <a:latin typeface="Times New Roman" panose="02020603050405020304" pitchFamily="18" charset="0"/>
+                <a:cs typeface="Times New Roman" panose="02020603050405020304" pitchFamily="18" charset="0"/>
+              </a:rPr>
+              <a:t>?”. </a:t>
+            </a:r>
+            <a:endParaRPr lang="en-US" sz="2200" smtClean="0">
+              <a:latin typeface="Times New Roman" panose="02020603050405020304" pitchFamily="18" charset="0"/>
+              <a:cs typeface="Times New Roman" panose="02020603050405020304" pitchFamily="18" charset="0"/>
+            </a:endParaRPr>
+          </a:p>
+          <a:p>
+            <a:r>
+              <a:rPr lang="en-US" sz="2200">
+                <a:latin typeface="Times New Roman" panose="02020603050405020304" pitchFamily="18" charset="0"/>
+                <a:cs typeface="Times New Roman" panose="02020603050405020304" pitchFamily="18" charset="0"/>
+              </a:rPr>
+              <a:t>Sau khi được xử lý bởi mô đun trả lời tự động ta nhận được một câu hỏi tương tự có trọng số cao nhất (0.7058823529411765) </a:t>
+            </a:r>
+            <a:r>
+              <a:rPr lang="en-US" sz="2200">
+                <a:latin typeface="Times New Roman" panose="02020603050405020304" pitchFamily="18" charset="0"/>
+                <a:cs typeface="Times New Roman" panose="02020603050405020304" pitchFamily="18" charset="0"/>
+              </a:rPr>
+              <a:t>là</a:t>
+            </a:r>
+            <a:r>
+              <a:rPr lang="en-US" sz="2200" smtClean="0">
+                <a:latin typeface="Times New Roman" panose="02020603050405020304" pitchFamily="18" charset="0"/>
+                <a:cs typeface="Times New Roman" panose="02020603050405020304" pitchFamily="18" charset="0"/>
+              </a:rPr>
+              <a:t>: </a:t>
+            </a:r>
+            <a:r>
+              <a:rPr lang="en-US" sz="2200">
+                <a:latin typeface="Times New Roman" panose="02020603050405020304" pitchFamily="18" charset="0"/>
+                <a:cs typeface="Times New Roman" panose="02020603050405020304" pitchFamily="18" charset="0"/>
+              </a:rPr>
+              <a:t>“Em muốn tốt nghiệp sớm khoảng 2 năm có được </a:t>
+            </a:r>
+            <a:r>
+              <a:rPr lang="en-US" sz="2200">
+                <a:latin typeface="Times New Roman" panose="02020603050405020304" pitchFamily="18" charset="0"/>
+                <a:cs typeface="Times New Roman" panose="02020603050405020304" pitchFamily="18" charset="0"/>
+              </a:rPr>
+              <a:t>không</a:t>
+            </a:r>
+            <a:r>
+              <a:rPr lang="en-US" sz="2200" smtClean="0">
+                <a:latin typeface="Times New Roman" panose="02020603050405020304" pitchFamily="18" charset="0"/>
+                <a:cs typeface="Times New Roman" panose="02020603050405020304" pitchFamily="18" charset="0"/>
+              </a:rPr>
+              <a:t>?”.</a:t>
+            </a:r>
+          </a:p>
+          <a:p>
+            <a:r>
+              <a:rPr lang="en-US" sz="2200" smtClean="0">
+                <a:latin typeface="Times New Roman" panose="02020603050405020304" pitchFamily="18" charset="0"/>
+                <a:cs typeface="Times New Roman" panose="02020603050405020304" pitchFamily="18" charset="0"/>
+              </a:rPr>
+              <a:t>Ta thấy câu hỏi tương tự được gán và kết quả được hệ thống xử lý và trả về giống nhau nên ta có thể rút ra kết luận là hệ thống xử lý đúng.</a:t>
+            </a:r>
+            <a:endParaRPr lang="vi-VN" sz="2200">
+              <a:latin typeface="Times New Roman" panose="02020603050405020304" pitchFamily="18" charset="0"/>
+              <a:cs typeface="Times New Roman" panose="02020603050405020304" pitchFamily="18" charset="0"/>
+            </a:endParaRPr>
+          </a:p>
+          <a:p>
+            <a:endParaRPr lang="vi-VN"/>
+          </a:p>
+        </p:txBody>
+      </p:sp>
+    </p:spTree>
+    <p:extLst>
+      <p:ext uri="{BB962C8B-B14F-4D97-AF65-F5344CB8AC3E}">
+        <p14:creationId xmlns:p14="http://schemas.microsoft.com/office/powerpoint/2010/main" val="3507344551"/>
+      </p:ext>
+    </p:extLst>
+  </p:cSld>
+  <p:clrMapOvr>
+    <a:masterClrMapping/>
+  </p:clrMapOvr>
+  <p:timing>
+    <p:tnLst>
+      <p:par>
+        <p:cTn id="1" dur="indefinite" restart="never" nodeType="tmRoot"/>
+      </p:par>
+    </p:tnLst>
+  </p:timing>
+</p:sld>
+</file>
+
+<file path=ppt/slides/slide22.xml><?xml version="1.0" encoding="utf-8"?>
+<p:sld xmlns:a="http://schemas.openxmlformats.org/drawingml/2006/main" xmlns:r="http://schemas.openxmlformats.org/officeDocument/2006/relationships" xmlns:p="http://schemas.openxmlformats.org/presentationml/2006/main">
+  <p:cSld>
+    <p:spTree>
+      <p:nvGrpSpPr>
+        <p:cNvPr id="1" name=""/>
+        <p:cNvGrpSpPr/>
+        <p:nvPr/>
+      </p:nvGrpSpPr>
+      <p:grpSpPr>
+        <a:xfrm>
+          <a:off x="0" y="0"/>
+          <a:ext cx="0" cy="0"/>
+          <a:chOff x="0" y="0"/>
+          <a:chExt cx="0" cy="0"/>
+        </a:xfrm>
+      </p:grpSpPr>
+      <p:sp>
+        <p:nvSpPr>
+          <p:cNvPr id="2" name="Title 1"/>
+          <p:cNvSpPr>
+            <a:spLocks noGrp="1"/>
+          </p:cNvSpPr>
+          <p:nvPr>
+            <p:ph type="title"/>
+          </p:nvPr>
+        </p:nvSpPr>
+        <p:spPr>
+          <a:xfrm>
+            <a:off x="702313" y="297522"/>
+            <a:ext cx="9692640" cy="1325562"/>
+          </a:xfrm>
+        </p:spPr>
+        <p:txBody>
+          <a:bodyPr>
+            <a:normAutofit/>
+          </a:bodyPr>
+          <a:lstStyle/>
+          <a:p>
+            <a:r>
+              <a:rPr lang="en-US" smtClean="0">
+                <a:latin typeface="Times New Roman" panose="02020603050405020304" pitchFamily="18" charset="0"/>
+                <a:cs typeface="Times New Roman" panose="02020603050405020304" pitchFamily="18" charset="0"/>
+              </a:rPr>
+              <a:t>Kết quả thực nghiệm</a:t>
+            </a:r>
+            <a:endParaRPr lang="vi-VN">
+              <a:latin typeface="Times New Roman" panose="02020603050405020304" pitchFamily="18" charset="0"/>
+              <a:cs typeface="Times New Roman" panose="02020603050405020304" pitchFamily="18" charset="0"/>
+            </a:endParaRPr>
+          </a:p>
+        </p:txBody>
+      </p:sp>
+      <mc:AlternateContent xmlns:mc="http://schemas.openxmlformats.org/markup-compatibility/2006">
+        <mc:Choice xmlns:a14="http://schemas.microsoft.com/office/drawing/2010/main" Requires="a14">
+          <p:graphicFrame>
+            <p:nvGraphicFramePr>
+              <p:cNvPr id="4" name="Content Placeholder 3"/>
+              <p:cNvGraphicFramePr>
+                <a:graphicFrameLocks noGrp="1"/>
+              </p:cNvGraphicFramePr>
+              <p:nvPr>
+                <p:ph idx="1"/>
+                <p:extLst>
+                  <p:ext uri="{D42A27DB-BD31-4B8C-83A1-F6EECF244321}">
+                    <p14:modId xmlns:p14="http://schemas.microsoft.com/office/powerpoint/2010/main" val="4066433903"/>
+                  </p:ext>
+                </p:extLst>
+              </p:nvPr>
+            </p:nvGraphicFramePr>
+            <p:xfrm>
+              <a:off x="1692321" y="1828800"/>
+              <a:ext cx="8529852" cy="4351337"/>
+            </p:xfrm>
+            <a:graphic>
+              <a:graphicData uri="http://schemas.openxmlformats.org/drawingml/2006/table">
+                <a:tbl>
+                  <a:tblPr firstRow="1" firstCol="1" bandRow="1">
+                    <a:tableStyleId>{5C22544A-7EE6-4342-B048-85BDC9FD1C3A}</a:tableStyleId>
+                  </a:tblPr>
+                  <a:tblGrid>
+                    <a:gridCol w="1606503"/>
+                    <a:gridCol w="1599348"/>
+                    <a:gridCol w="1795241"/>
+                    <a:gridCol w="1784506"/>
+                    <a:gridCol w="1744254"/>
+                  </a:tblGrid>
+                  <a:tr h="1279805">
+                    <a:tc>
+                      <a:txBody>
+                        <a:bodyPr/>
+                        <a:lstStyle/>
+                        <a:p>
+                          <a:pPr indent="457200" algn="ctr">
+                            <a:lnSpc>
+                              <a:spcPct val="150000"/>
+                            </a:lnSpc>
+                            <a:spcAft>
+                              <a:spcPts val="600"/>
+                            </a:spcAft>
+                          </a:pPr>
+                          <a:r>
+                            <a:rPr lang="en-US" sz="1100">
+                              <a:effectLst/>
+                            </a:rPr>
+                            <a:t>Tiêu chí đánh giá</a:t>
+                          </a:r>
+                          <a:endParaRPr lang="vi-VN" sz="1100">
+                            <a:effectLst/>
+                            <a:latin typeface="Times New Roman" panose="02020603050405020304" pitchFamily="18" charset="0"/>
+                            <a:ea typeface="Times New Roman" panose="02020603050405020304" pitchFamily="18" charset="0"/>
+                            <a:cs typeface="Times New Roman" panose="02020603050405020304" pitchFamily="18" charset="0"/>
+                          </a:endParaRPr>
+                        </a:p>
+                      </a:txBody>
+                      <a:tcPr marL="59068" marR="59068" marT="0" marB="0"/>
+                    </a:tc>
+                    <a:tc>
+                      <a:txBody>
+                        <a:bodyPr/>
+                        <a:lstStyle/>
+                        <a:p>
+                          <a:pPr indent="457200" algn="ctr">
+                            <a:lnSpc>
+                              <a:spcPct val="150000"/>
+                            </a:lnSpc>
+                            <a:spcAft>
+                              <a:spcPts val="600"/>
+                            </a:spcAft>
+                          </a:pPr>
+                          <a:r>
+                            <a:rPr lang="en-US" sz="1100">
+                              <a:effectLst/>
+                            </a:rPr>
+                            <a:t>Lấy 1 câu hỏi có số điểm cao nhất</a:t>
+                          </a:r>
+                          <a:endParaRPr lang="vi-VN" sz="1100">
+                            <a:effectLst/>
+                          </a:endParaRPr>
+                        </a:p>
+                        <a:p>
+                          <a:pPr indent="457200" algn="ctr">
+                            <a:lnSpc>
+                              <a:spcPct val="150000"/>
+                            </a:lnSpc>
+                            <a:spcAft>
+                              <a:spcPts val="600"/>
+                            </a:spcAft>
+                          </a:pPr>
+                          <a:r>
+                            <a:rPr lang="en-US" sz="1100">
+                              <a:effectLst/>
+                            </a:rPr>
+                            <a:t> </a:t>
+                          </a:r>
+                          <a:endParaRPr lang="vi-VN" sz="1100">
+                            <a:effectLst/>
+                            <a:latin typeface="Times New Roman" panose="02020603050405020304" pitchFamily="18" charset="0"/>
+                            <a:ea typeface="Times New Roman" panose="02020603050405020304" pitchFamily="18" charset="0"/>
+                            <a:cs typeface="Times New Roman" panose="02020603050405020304" pitchFamily="18" charset="0"/>
+                          </a:endParaRPr>
+                        </a:p>
+                      </a:txBody>
+                      <a:tcPr marL="59068" marR="59068" marT="0" marB="0"/>
+                    </a:tc>
+                    <a:tc>
+                      <a:txBody>
+                        <a:bodyPr/>
+                        <a:lstStyle/>
+                        <a:p>
+                          <a:pPr indent="457200" algn="ctr">
+                            <a:lnSpc>
+                              <a:spcPct val="150000"/>
+                            </a:lnSpc>
+                            <a:spcAft>
+                              <a:spcPts val="600"/>
+                            </a:spcAft>
+                          </a:pPr>
+                          <a:r>
+                            <a:rPr lang="en-US" sz="1100">
+                              <a:effectLst/>
+                            </a:rPr>
+                            <a:t>Lấy 1 câu hỏi có số điểm cao nhất không sử dụng bộ phân loại</a:t>
+                          </a:r>
+                          <a:endParaRPr lang="vi-VN" sz="1100">
+                            <a:effectLst/>
+                            <a:latin typeface="Times New Roman" panose="02020603050405020304" pitchFamily="18" charset="0"/>
+                            <a:ea typeface="Times New Roman" panose="02020603050405020304" pitchFamily="18" charset="0"/>
+                            <a:cs typeface="Times New Roman" panose="02020603050405020304" pitchFamily="18" charset="0"/>
+                          </a:endParaRPr>
+                        </a:p>
+                      </a:txBody>
+                      <a:tcPr marL="59068" marR="59068" marT="0" marB="0"/>
+                    </a:tc>
+                    <a:tc>
+                      <a:txBody>
+                        <a:bodyPr/>
+                        <a:lstStyle/>
+                        <a:p>
+                          <a:pPr indent="457200" algn="ctr">
+                            <a:lnSpc>
+                              <a:spcPct val="150000"/>
+                            </a:lnSpc>
+                            <a:spcAft>
+                              <a:spcPts val="600"/>
+                            </a:spcAft>
+                          </a:pPr>
+                          <a:r>
+                            <a:rPr lang="en-US" sz="1100">
+                              <a:effectLst/>
+                            </a:rPr>
+                            <a:t>Lấy 3 câu hỏi có số điểm cao nhất</a:t>
+                          </a:r>
+                          <a:endParaRPr lang="vi-VN" sz="1100">
+                            <a:effectLst/>
+                            <a:latin typeface="Times New Roman" panose="02020603050405020304" pitchFamily="18" charset="0"/>
+                            <a:ea typeface="Times New Roman" panose="02020603050405020304" pitchFamily="18" charset="0"/>
+                            <a:cs typeface="Times New Roman" panose="02020603050405020304" pitchFamily="18" charset="0"/>
+                          </a:endParaRPr>
+                        </a:p>
+                      </a:txBody>
+                      <a:tcPr marL="59068" marR="59068" marT="0" marB="0"/>
+                    </a:tc>
+                    <a:tc>
+                      <a:txBody>
+                        <a:bodyPr/>
+                        <a:lstStyle/>
+                        <a:p>
+                          <a:pPr indent="457200" algn="ctr">
+                            <a:lnSpc>
+                              <a:spcPct val="150000"/>
+                            </a:lnSpc>
+                            <a:spcAft>
+                              <a:spcPts val="600"/>
+                            </a:spcAft>
+                          </a:pPr>
+                          <a:r>
+                            <a:rPr lang="en-US" sz="1100">
+                              <a:effectLst/>
+                            </a:rPr>
+                            <a:t>Lấy 3 câu hỏi có số điểm cao nhất không sử dụng bộ phân loại</a:t>
+                          </a:r>
+                          <a:endParaRPr lang="vi-VN" sz="1100">
+                            <a:effectLst/>
+                            <a:latin typeface="Times New Roman" panose="02020603050405020304" pitchFamily="18" charset="0"/>
+                            <a:ea typeface="Times New Roman" panose="02020603050405020304" pitchFamily="18" charset="0"/>
+                            <a:cs typeface="Times New Roman" panose="02020603050405020304" pitchFamily="18" charset="0"/>
+                          </a:endParaRPr>
+                        </a:p>
+                      </a:txBody>
+                      <a:tcPr marL="59068" marR="59068" marT="0" marB="0"/>
+                    </a:tc>
+                  </a:tr>
+                  <a:tr h="767883">
+                    <a:tc>
+                      <a:txBody>
+                        <a:bodyPr/>
+                        <a:lstStyle/>
+                        <a:p>
+                          <a:pPr indent="457200" algn="ctr">
+                            <a:lnSpc>
+                              <a:spcPct val="150000"/>
+                            </a:lnSpc>
+                            <a:spcAft>
+                              <a:spcPts val="600"/>
+                            </a:spcAft>
+                          </a:pPr>
+                          <a:r>
+                            <a:rPr lang="en-US" sz="1100">
+                              <a:effectLst/>
+                            </a:rPr>
+                            <a:t>Số lượng câu đánh giá</a:t>
+                          </a:r>
+                          <a:endParaRPr lang="vi-VN" sz="1100">
+                            <a:effectLst/>
+                            <a:latin typeface="Times New Roman" panose="02020603050405020304" pitchFamily="18" charset="0"/>
+                            <a:ea typeface="Times New Roman" panose="02020603050405020304" pitchFamily="18" charset="0"/>
+                            <a:cs typeface="Times New Roman" panose="02020603050405020304" pitchFamily="18" charset="0"/>
+                          </a:endParaRPr>
+                        </a:p>
+                      </a:txBody>
+                      <a:tcPr marL="59068" marR="59068" marT="0" marB="0"/>
+                    </a:tc>
+                    <a:tc>
+                      <a:txBody>
+                        <a:bodyPr/>
+                        <a:lstStyle/>
+                        <a:p>
+                          <a:pPr indent="457200" algn="ctr">
+                            <a:lnSpc>
+                              <a:spcPct val="150000"/>
+                            </a:lnSpc>
+                            <a:spcAft>
+                              <a:spcPts val="600"/>
+                            </a:spcAft>
+                          </a:pPr>
+                          <a:r>
+                            <a:rPr lang="en-US" sz="1100">
+                              <a:effectLst/>
+                            </a:rPr>
+                            <a:t>30</a:t>
+                          </a:r>
+                          <a:endParaRPr lang="vi-VN" sz="1100">
+                            <a:effectLst/>
+                            <a:latin typeface="Times New Roman" panose="02020603050405020304" pitchFamily="18" charset="0"/>
+                            <a:ea typeface="Times New Roman" panose="02020603050405020304" pitchFamily="18" charset="0"/>
+                            <a:cs typeface="Times New Roman" panose="02020603050405020304" pitchFamily="18" charset="0"/>
+                          </a:endParaRPr>
+                        </a:p>
+                      </a:txBody>
+                      <a:tcPr marL="59068" marR="59068" marT="0" marB="0"/>
+                    </a:tc>
+                    <a:tc>
+                      <a:txBody>
+                        <a:bodyPr/>
+                        <a:lstStyle/>
+                        <a:p>
+                          <a:pPr indent="457200" algn="ctr">
+                            <a:lnSpc>
+                              <a:spcPct val="150000"/>
+                            </a:lnSpc>
+                            <a:spcAft>
+                              <a:spcPts val="600"/>
+                            </a:spcAft>
+                          </a:pPr>
+                          <a:r>
+                            <a:rPr lang="en-US" sz="1100">
+                              <a:effectLst/>
+                            </a:rPr>
+                            <a:t>30</a:t>
+                          </a:r>
+                          <a:endParaRPr lang="vi-VN" sz="1100">
+                            <a:effectLst/>
+                            <a:latin typeface="Times New Roman" panose="02020603050405020304" pitchFamily="18" charset="0"/>
+                            <a:ea typeface="Times New Roman" panose="02020603050405020304" pitchFamily="18" charset="0"/>
+                            <a:cs typeface="Times New Roman" panose="02020603050405020304" pitchFamily="18" charset="0"/>
+                          </a:endParaRPr>
+                        </a:p>
+                      </a:txBody>
+                      <a:tcPr marL="59068" marR="59068" marT="0" marB="0"/>
+                    </a:tc>
+                    <a:tc>
+                      <a:txBody>
+                        <a:bodyPr/>
+                        <a:lstStyle/>
+                        <a:p>
+                          <a:pPr indent="457200" algn="ctr">
+                            <a:lnSpc>
+                              <a:spcPct val="150000"/>
+                            </a:lnSpc>
+                            <a:spcAft>
+                              <a:spcPts val="600"/>
+                            </a:spcAft>
+                          </a:pPr>
+                          <a:r>
+                            <a:rPr lang="en-US" sz="1100">
+                              <a:effectLst/>
+                            </a:rPr>
+                            <a:t>30</a:t>
+                          </a:r>
+                          <a:endParaRPr lang="vi-VN" sz="1100">
+                            <a:effectLst/>
+                            <a:latin typeface="Times New Roman" panose="02020603050405020304" pitchFamily="18" charset="0"/>
+                            <a:ea typeface="Times New Roman" panose="02020603050405020304" pitchFamily="18" charset="0"/>
+                            <a:cs typeface="Times New Roman" panose="02020603050405020304" pitchFamily="18" charset="0"/>
+                          </a:endParaRPr>
+                        </a:p>
+                      </a:txBody>
+                      <a:tcPr marL="59068" marR="59068" marT="0" marB="0"/>
+                    </a:tc>
+                    <a:tc>
+                      <a:txBody>
+                        <a:bodyPr/>
+                        <a:lstStyle/>
+                        <a:p>
+                          <a:pPr indent="457200" algn="ctr">
+                            <a:lnSpc>
+                              <a:spcPct val="150000"/>
+                            </a:lnSpc>
+                            <a:spcAft>
+                              <a:spcPts val="600"/>
+                            </a:spcAft>
+                          </a:pPr>
+                          <a:r>
+                            <a:rPr lang="en-US" sz="1100">
+                              <a:effectLst/>
+                            </a:rPr>
+                            <a:t>30</a:t>
+                          </a:r>
+                          <a:endParaRPr lang="vi-VN" sz="1100">
+                            <a:effectLst/>
+                            <a:latin typeface="Times New Roman" panose="02020603050405020304" pitchFamily="18" charset="0"/>
+                            <a:ea typeface="Times New Roman" panose="02020603050405020304" pitchFamily="18" charset="0"/>
+                            <a:cs typeface="Times New Roman" panose="02020603050405020304" pitchFamily="18" charset="0"/>
+                          </a:endParaRPr>
+                        </a:p>
+                      </a:txBody>
+                      <a:tcPr marL="59068" marR="59068" marT="0" marB="0"/>
+                    </a:tc>
+                  </a:tr>
+                  <a:tr h="1023844">
+                    <a:tc>
+                      <a:txBody>
+                        <a:bodyPr/>
+                        <a:lstStyle/>
+                        <a:p>
+                          <a:pPr indent="457200" algn="ctr">
+                            <a:lnSpc>
+                              <a:spcPct val="150000"/>
+                            </a:lnSpc>
+                            <a:spcAft>
+                              <a:spcPts val="600"/>
+                            </a:spcAft>
+                          </a:pPr>
+                          <a:r>
+                            <a:rPr lang="en-US" sz="1100">
+                              <a:effectLst/>
+                            </a:rPr>
+                            <a:t>Số lượng câu nguồn để kiểm tra</a:t>
+                          </a:r>
+                          <a:endParaRPr lang="vi-VN" sz="1100">
+                            <a:effectLst/>
+                            <a:latin typeface="Times New Roman" panose="02020603050405020304" pitchFamily="18" charset="0"/>
+                            <a:ea typeface="Times New Roman" panose="02020603050405020304" pitchFamily="18" charset="0"/>
+                            <a:cs typeface="Times New Roman" panose="02020603050405020304" pitchFamily="18" charset="0"/>
+                          </a:endParaRPr>
+                        </a:p>
+                      </a:txBody>
+                      <a:tcPr marL="59068" marR="59068" marT="0" marB="0"/>
+                    </a:tc>
+                    <a:tc>
+                      <a:txBody>
+                        <a:bodyPr/>
+                        <a:lstStyle/>
+                        <a:p>
+                          <a:pPr indent="457200" algn="ctr">
+                            <a:lnSpc>
+                              <a:spcPct val="150000"/>
+                            </a:lnSpc>
+                            <a:spcAft>
+                              <a:spcPts val="600"/>
+                            </a:spcAft>
+                          </a:pPr>
+                          <a:r>
+                            <a:rPr lang="en-US" sz="1100">
+                              <a:effectLst/>
+                            </a:rPr>
+                            <a:t>44</a:t>
+                          </a:r>
+                          <a:endParaRPr lang="vi-VN" sz="1100">
+                            <a:effectLst/>
+                            <a:latin typeface="Times New Roman" panose="02020603050405020304" pitchFamily="18" charset="0"/>
+                            <a:ea typeface="Times New Roman" panose="02020603050405020304" pitchFamily="18" charset="0"/>
+                            <a:cs typeface="Times New Roman" panose="02020603050405020304" pitchFamily="18" charset="0"/>
+                          </a:endParaRPr>
+                        </a:p>
+                      </a:txBody>
+                      <a:tcPr marL="59068" marR="59068" marT="0" marB="0"/>
+                    </a:tc>
+                    <a:tc>
+                      <a:txBody>
+                        <a:bodyPr/>
+                        <a:lstStyle/>
+                        <a:p>
+                          <a:pPr indent="457200" algn="ctr">
+                            <a:lnSpc>
+                              <a:spcPct val="150000"/>
+                            </a:lnSpc>
+                            <a:spcAft>
+                              <a:spcPts val="600"/>
+                            </a:spcAft>
+                          </a:pPr>
+                          <a:r>
+                            <a:rPr lang="en-US" sz="1100">
+                              <a:effectLst/>
+                            </a:rPr>
+                            <a:t>44</a:t>
+                          </a:r>
+                          <a:endParaRPr lang="vi-VN" sz="1100">
+                            <a:effectLst/>
+                            <a:latin typeface="Times New Roman" panose="02020603050405020304" pitchFamily="18" charset="0"/>
+                            <a:ea typeface="Times New Roman" panose="02020603050405020304" pitchFamily="18" charset="0"/>
+                            <a:cs typeface="Times New Roman" panose="02020603050405020304" pitchFamily="18" charset="0"/>
+                          </a:endParaRPr>
+                        </a:p>
+                      </a:txBody>
+                      <a:tcPr marL="59068" marR="59068" marT="0" marB="0"/>
+                    </a:tc>
+                    <a:tc>
+                      <a:txBody>
+                        <a:bodyPr/>
+                        <a:lstStyle/>
+                        <a:p>
+                          <a:pPr indent="457200" algn="ctr">
+                            <a:lnSpc>
+                              <a:spcPct val="150000"/>
+                            </a:lnSpc>
+                            <a:spcAft>
+                              <a:spcPts val="600"/>
+                            </a:spcAft>
+                          </a:pPr>
+                          <a:r>
+                            <a:rPr lang="en-US" sz="1100">
+                              <a:effectLst/>
+                            </a:rPr>
+                            <a:t>44</a:t>
+                          </a:r>
+                          <a:endParaRPr lang="vi-VN" sz="1100">
+                            <a:effectLst/>
+                            <a:latin typeface="Times New Roman" panose="02020603050405020304" pitchFamily="18" charset="0"/>
+                            <a:ea typeface="Times New Roman" panose="02020603050405020304" pitchFamily="18" charset="0"/>
+                            <a:cs typeface="Times New Roman" panose="02020603050405020304" pitchFamily="18" charset="0"/>
+                          </a:endParaRPr>
+                        </a:p>
+                      </a:txBody>
+                      <a:tcPr marL="59068" marR="59068" marT="0" marB="0"/>
+                    </a:tc>
+                    <a:tc>
+                      <a:txBody>
+                        <a:bodyPr/>
+                        <a:lstStyle/>
+                        <a:p>
+                          <a:pPr indent="457200" algn="ctr">
+                            <a:lnSpc>
+                              <a:spcPct val="150000"/>
+                            </a:lnSpc>
+                            <a:spcAft>
+                              <a:spcPts val="600"/>
+                            </a:spcAft>
+                          </a:pPr>
+                          <a:r>
+                            <a:rPr lang="en-US" sz="1100">
+                              <a:effectLst/>
+                            </a:rPr>
+                            <a:t>44</a:t>
+                          </a:r>
+                          <a:endParaRPr lang="vi-VN" sz="1100">
+                            <a:effectLst/>
+                            <a:latin typeface="Times New Roman" panose="02020603050405020304" pitchFamily="18" charset="0"/>
+                            <a:ea typeface="Times New Roman" panose="02020603050405020304" pitchFamily="18" charset="0"/>
+                            <a:cs typeface="Times New Roman" panose="02020603050405020304" pitchFamily="18" charset="0"/>
+                          </a:endParaRPr>
+                        </a:p>
+                      </a:txBody>
+                      <a:tcPr marL="59068" marR="59068" marT="0" marB="0"/>
+                    </a:tc>
+                  </a:tr>
+                  <a:tr h="767883">
+                    <a:tc>
+                      <a:txBody>
+                        <a:bodyPr/>
+                        <a:lstStyle/>
+                        <a:p>
+                          <a:pPr indent="457200" algn="ctr">
+                            <a:lnSpc>
+                              <a:spcPct val="150000"/>
+                            </a:lnSpc>
+                            <a:spcAft>
+                              <a:spcPts val="600"/>
+                            </a:spcAft>
+                          </a:pPr>
+                          <a:r>
+                            <a:rPr lang="en-US" sz="1100">
+                              <a:effectLst/>
+                            </a:rPr>
+                            <a:t>Số lượng câu đúng</a:t>
+                          </a:r>
+                          <a:endParaRPr lang="vi-VN" sz="1100">
+                            <a:effectLst/>
+                            <a:latin typeface="Times New Roman" panose="02020603050405020304" pitchFamily="18" charset="0"/>
+                            <a:ea typeface="Times New Roman" panose="02020603050405020304" pitchFamily="18" charset="0"/>
+                            <a:cs typeface="Times New Roman" panose="02020603050405020304" pitchFamily="18" charset="0"/>
+                          </a:endParaRPr>
+                        </a:p>
+                      </a:txBody>
+                      <a:tcPr marL="59068" marR="59068" marT="0" marB="0"/>
+                    </a:tc>
+                    <a:tc>
+                      <a:txBody>
+                        <a:bodyPr/>
+                        <a:lstStyle/>
+                        <a:p>
+                          <a:pPr indent="457200" algn="ctr">
+                            <a:lnSpc>
+                              <a:spcPct val="150000"/>
+                            </a:lnSpc>
+                            <a:spcAft>
+                              <a:spcPts val="600"/>
+                            </a:spcAft>
+                          </a:pPr>
+                          <a14:m>
+                            <m:oMathPara xmlns:m="http://schemas.openxmlformats.org/officeDocument/2006/math">
+                              <m:oMathParaPr>
+                                <m:jc m:val="centerGroup"/>
+                              </m:oMathParaPr>
+                              <m:oMath xmlns:m="http://schemas.openxmlformats.org/officeDocument/2006/math">
+                                <m:f>
+                                  <m:fPr>
+                                    <m:ctrlPr>
+                                      <a:rPr lang="vi-VN" sz="1000">
+                                        <a:effectLst/>
+                                      </a:rPr>
+                                    </m:ctrlPr>
+                                  </m:fPr>
+                                  <m:num>
+                                    <m:r>
+                                      <a:rPr lang="en-US" sz="1000">
+                                        <a:effectLst/>
+                                      </a:rPr>
+                                      <m:t>17</m:t>
+                                    </m:r>
+                                  </m:num>
+                                  <m:den>
+                                    <m:r>
+                                      <a:rPr lang="en-US" sz="1000">
+                                        <a:effectLst/>
+                                      </a:rPr>
+                                      <m:t>30</m:t>
+                                    </m:r>
+                                  </m:den>
+                                </m:f>
+                              </m:oMath>
+                            </m:oMathPara>
+                          </a14:m>
+                          <a:endParaRPr lang="vi-VN" sz="1100">
+                            <a:effectLst/>
+                            <a:latin typeface="Times New Roman" panose="02020603050405020304" pitchFamily="18" charset="0"/>
+                            <a:ea typeface="Times New Roman" panose="02020603050405020304" pitchFamily="18" charset="0"/>
+                            <a:cs typeface="Times New Roman" panose="02020603050405020304" pitchFamily="18" charset="0"/>
+                          </a:endParaRPr>
+                        </a:p>
+                      </a:txBody>
+                      <a:tcPr marL="59068" marR="59068" marT="0" marB="0"/>
+                    </a:tc>
+                    <a:tc>
+                      <a:txBody>
+                        <a:bodyPr/>
+                        <a:lstStyle/>
+                        <a:p>
+                          <a:pPr indent="457200" algn="just">
+                            <a:lnSpc>
+                              <a:spcPct val="150000"/>
+                            </a:lnSpc>
+                            <a:spcAft>
+                              <a:spcPts val="600"/>
+                            </a:spcAft>
+                            <a:tabLst>
+                              <a:tab pos="685800" algn="l"/>
+                            </a:tabLst>
+                          </a:pPr>
+                          <a14:m>
+                            <m:oMathPara xmlns:m="http://schemas.openxmlformats.org/officeDocument/2006/math">
+                              <m:oMathParaPr>
+                                <m:jc m:val="centerGroup"/>
+                              </m:oMathParaPr>
+                              <m:oMath xmlns:m="http://schemas.openxmlformats.org/officeDocument/2006/math">
+                                <m:f>
+                                  <m:fPr>
+                                    <m:ctrlPr>
+                                      <a:rPr lang="vi-VN" sz="1000">
+                                        <a:effectLst/>
+                                      </a:rPr>
+                                    </m:ctrlPr>
+                                  </m:fPr>
+                                  <m:num>
+                                    <m:r>
+                                      <a:rPr lang="en-US" sz="1000">
+                                        <a:effectLst/>
+                                      </a:rPr>
+                                      <m:t>18</m:t>
+                                    </m:r>
+                                  </m:num>
+                                  <m:den>
+                                    <m:r>
+                                      <a:rPr lang="en-US" sz="1000">
+                                        <a:effectLst/>
+                                      </a:rPr>
+                                      <m:t>30</m:t>
+                                    </m:r>
+                                  </m:den>
+                                </m:f>
+                              </m:oMath>
+                            </m:oMathPara>
+                          </a14:m>
+                          <a:endParaRPr lang="vi-VN" sz="1100">
+                            <a:effectLst/>
+                            <a:latin typeface="Times New Roman" panose="02020603050405020304" pitchFamily="18" charset="0"/>
+                            <a:ea typeface="Times New Roman" panose="02020603050405020304" pitchFamily="18" charset="0"/>
+                            <a:cs typeface="Times New Roman" panose="02020603050405020304" pitchFamily="18" charset="0"/>
+                          </a:endParaRPr>
+                        </a:p>
+                      </a:txBody>
+                      <a:tcPr marL="59068" marR="59068" marT="0" marB="0"/>
+                    </a:tc>
+                    <a:tc>
+                      <a:txBody>
+                        <a:bodyPr/>
+                        <a:lstStyle/>
+                        <a:p>
+                          <a:pPr indent="457200" algn="ctr">
+                            <a:lnSpc>
+                              <a:spcPct val="150000"/>
+                            </a:lnSpc>
+                            <a:spcAft>
+                              <a:spcPts val="600"/>
+                            </a:spcAft>
+                            <a:tabLst>
+                              <a:tab pos="685800" algn="l"/>
+                            </a:tabLst>
+                          </a:pPr>
+                          <a14:m>
+                            <m:oMathPara xmlns:m="http://schemas.openxmlformats.org/officeDocument/2006/math">
+                              <m:oMathParaPr>
+                                <m:jc m:val="centerGroup"/>
+                              </m:oMathParaPr>
+                              <m:oMath xmlns:m="http://schemas.openxmlformats.org/officeDocument/2006/math">
+                                <m:f>
+                                  <m:fPr>
+                                    <m:ctrlPr>
+                                      <a:rPr lang="vi-VN" sz="1000">
+                                        <a:effectLst/>
+                                      </a:rPr>
+                                    </m:ctrlPr>
+                                  </m:fPr>
+                                  <m:num>
+                                    <m:r>
+                                      <a:rPr lang="en-US" sz="1000">
+                                        <a:effectLst/>
+                                      </a:rPr>
+                                      <m:t>24</m:t>
+                                    </m:r>
+                                  </m:num>
+                                  <m:den>
+                                    <m:r>
+                                      <a:rPr lang="en-US" sz="1000">
+                                        <a:effectLst/>
+                                      </a:rPr>
+                                      <m:t>30</m:t>
+                                    </m:r>
+                                  </m:den>
+                                </m:f>
+                              </m:oMath>
+                            </m:oMathPara>
+                          </a14:m>
+                          <a:endParaRPr lang="vi-VN" sz="1100">
+                            <a:effectLst/>
+                            <a:latin typeface="Times New Roman" panose="02020603050405020304" pitchFamily="18" charset="0"/>
+                            <a:ea typeface="Times New Roman" panose="02020603050405020304" pitchFamily="18" charset="0"/>
+                            <a:cs typeface="Times New Roman" panose="02020603050405020304" pitchFamily="18" charset="0"/>
+                          </a:endParaRPr>
+                        </a:p>
+                      </a:txBody>
+                      <a:tcPr marL="59068" marR="59068" marT="0" marB="0"/>
+                    </a:tc>
+                    <a:tc>
+                      <a:txBody>
+                        <a:bodyPr/>
+                        <a:lstStyle/>
+                        <a:p>
+                          <a:pPr indent="457200" algn="ctr">
+                            <a:lnSpc>
+                              <a:spcPct val="150000"/>
+                            </a:lnSpc>
+                            <a:spcAft>
+                              <a:spcPts val="600"/>
+                            </a:spcAft>
+                            <a:tabLst>
+                              <a:tab pos="685800" algn="l"/>
+                            </a:tabLst>
+                          </a:pPr>
+                          <a14:m>
+                            <m:oMathPara xmlns:m="http://schemas.openxmlformats.org/officeDocument/2006/math">
+                              <m:oMathParaPr>
+                                <m:jc m:val="centerGroup"/>
+                              </m:oMathParaPr>
+                              <m:oMath xmlns:m="http://schemas.openxmlformats.org/officeDocument/2006/math">
+                                <m:f>
+                                  <m:fPr>
+                                    <m:ctrlPr>
+                                      <a:rPr lang="vi-VN" sz="1000">
+                                        <a:effectLst/>
+                                      </a:rPr>
+                                    </m:ctrlPr>
+                                  </m:fPr>
+                                  <m:num>
+                                    <m:r>
+                                      <a:rPr lang="en-US" sz="1000">
+                                        <a:effectLst/>
+                                      </a:rPr>
+                                      <m:t>27</m:t>
+                                    </m:r>
+                                  </m:num>
+                                  <m:den>
+                                    <m:r>
+                                      <a:rPr lang="en-US" sz="1000">
+                                        <a:effectLst/>
+                                      </a:rPr>
+                                      <m:t>30</m:t>
+                                    </m:r>
+                                  </m:den>
+                                </m:f>
+                              </m:oMath>
+                            </m:oMathPara>
+                          </a14:m>
+                          <a:endParaRPr lang="vi-VN" sz="1100">
+                            <a:effectLst/>
+                            <a:latin typeface="Times New Roman" panose="02020603050405020304" pitchFamily="18" charset="0"/>
+                            <a:ea typeface="Times New Roman" panose="02020603050405020304" pitchFamily="18" charset="0"/>
+                            <a:cs typeface="Times New Roman" panose="02020603050405020304" pitchFamily="18" charset="0"/>
+                          </a:endParaRPr>
+                        </a:p>
+                      </a:txBody>
+                      <a:tcPr marL="59068" marR="59068" marT="0" marB="0"/>
+                    </a:tc>
+                  </a:tr>
+                  <a:tr h="511922">
+                    <a:tc>
+                      <a:txBody>
+                        <a:bodyPr/>
+                        <a:lstStyle/>
+                        <a:p>
+                          <a:pPr indent="457200" algn="ctr">
+                            <a:lnSpc>
+                              <a:spcPct val="150000"/>
+                            </a:lnSpc>
+                            <a:spcAft>
+                              <a:spcPts val="600"/>
+                            </a:spcAft>
+                          </a:pPr>
+                          <a:r>
+                            <a:rPr lang="en-US" sz="1100">
+                              <a:effectLst/>
+                            </a:rPr>
+                            <a:t>Tỉ lệ đúng</a:t>
+                          </a:r>
+                          <a:endParaRPr lang="vi-VN" sz="1100">
+                            <a:effectLst/>
+                            <a:latin typeface="Times New Roman" panose="02020603050405020304" pitchFamily="18" charset="0"/>
+                            <a:ea typeface="Times New Roman" panose="02020603050405020304" pitchFamily="18" charset="0"/>
+                            <a:cs typeface="Times New Roman" panose="02020603050405020304" pitchFamily="18" charset="0"/>
+                          </a:endParaRPr>
+                        </a:p>
+                      </a:txBody>
+                      <a:tcPr marL="59068" marR="59068" marT="0" marB="0"/>
+                    </a:tc>
+                    <a:tc>
+                      <a:txBody>
+                        <a:bodyPr/>
+                        <a:lstStyle/>
+                        <a:p>
+                          <a:pPr indent="457200" algn="ctr">
+                            <a:lnSpc>
+                              <a:spcPct val="150000"/>
+                            </a:lnSpc>
+                            <a:spcAft>
+                              <a:spcPts val="600"/>
+                            </a:spcAft>
+                          </a:pPr>
+                          <a:r>
+                            <a:rPr lang="en-US" sz="1100">
+                              <a:effectLst/>
+                            </a:rPr>
+                            <a:t>56,67%</a:t>
+                          </a:r>
+                          <a:endParaRPr lang="vi-VN" sz="1100">
+                            <a:effectLst/>
+                            <a:latin typeface="Times New Roman" panose="02020603050405020304" pitchFamily="18" charset="0"/>
+                            <a:ea typeface="Times New Roman" panose="02020603050405020304" pitchFamily="18" charset="0"/>
+                            <a:cs typeface="Times New Roman" panose="02020603050405020304" pitchFamily="18" charset="0"/>
+                          </a:endParaRPr>
+                        </a:p>
+                      </a:txBody>
+                      <a:tcPr marL="59068" marR="59068" marT="0" marB="0"/>
+                    </a:tc>
+                    <a:tc>
+                      <a:txBody>
+                        <a:bodyPr/>
+                        <a:lstStyle/>
+                        <a:p>
+                          <a:pPr indent="457200" algn="ctr">
+                            <a:lnSpc>
+                              <a:spcPct val="150000"/>
+                            </a:lnSpc>
+                            <a:spcAft>
+                              <a:spcPts val="600"/>
+                            </a:spcAft>
+                          </a:pPr>
+                          <a:r>
+                            <a:rPr lang="en-US" sz="1100">
+                              <a:effectLst/>
+                            </a:rPr>
+                            <a:t>60%</a:t>
+                          </a:r>
+                          <a:endParaRPr lang="vi-VN" sz="1100">
+                            <a:effectLst/>
+                            <a:latin typeface="Times New Roman" panose="02020603050405020304" pitchFamily="18" charset="0"/>
+                            <a:ea typeface="Times New Roman" panose="02020603050405020304" pitchFamily="18" charset="0"/>
+                            <a:cs typeface="Times New Roman" panose="02020603050405020304" pitchFamily="18" charset="0"/>
+                          </a:endParaRPr>
+                        </a:p>
+                      </a:txBody>
+                      <a:tcPr marL="59068" marR="59068" marT="0" marB="0"/>
+                    </a:tc>
+                    <a:tc>
+                      <a:txBody>
+                        <a:bodyPr/>
+                        <a:lstStyle/>
+                        <a:p>
+                          <a:pPr indent="457200" algn="ctr">
+                            <a:lnSpc>
+                              <a:spcPct val="150000"/>
+                            </a:lnSpc>
+                            <a:spcAft>
+                              <a:spcPts val="600"/>
+                            </a:spcAft>
+                          </a:pPr>
+                          <a:r>
+                            <a:rPr lang="en-US" sz="1100">
+                              <a:effectLst/>
+                            </a:rPr>
+                            <a:t>80%</a:t>
+                          </a:r>
+                          <a:endParaRPr lang="vi-VN" sz="1100">
+                            <a:effectLst/>
+                            <a:latin typeface="Times New Roman" panose="02020603050405020304" pitchFamily="18" charset="0"/>
+                            <a:ea typeface="Times New Roman" panose="02020603050405020304" pitchFamily="18" charset="0"/>
+                            <a:cs typeface="Times New Roman" panose="02020603050405020304" pitchFamily="18" charset="0"/>
+                          </a:endParaRPr>
+                        </a:p>
+                      </a:txBody>
+                      <a:tcPr marL="59068" marR="59068" marT="0" marB="0"/>
+                    </a:tc>
+                    <a:tc>
+                      <a:txBody>
+                        <a:bodyPr/>
+                        <a:lstStyle/>
+                        <a:p>
+                          <a:pPr indent="457200" algn="ctr">
+                            <a:lnSpc>
+                              <a:spcPct val="150000"/>
+                            </a:lnSpc>
+                            <a:spcAft>
+                              <a:spcPts val="600"/>
+                            </a:spcAft>
+                          </a:pPr>
+                          <a:r>
+                            <a:rPr lang="en-US" sz="1100">
+                              <a:effectLst/>
+                            </a:rPr>
+                            <a:t>90%</a:t>
+                          </a:r>
+                          <a:endParaRPr lang="vi-VN" sz="1100">
+                            <a:effectLst/>
+                            <a:latin typeface="Times New Roman" panose="02020603050405020304" pitchFamily="18" charset="0"/>
+                            <a:ea typeface="Times New Roman" panose="02020603050405020304" pitchFamily="18" charset="0"/>
+                            <a:cs typeface="Times New Roman" panose="02020603050405020304" pitchFamily="18" charset="0"/>
+                          </a:endParaRPr>
+                        </a:p>
+                      </a:txBody>
+                      <a:tcPr marL="59068" marR="59068" marT="0" marB="0"/>
+                    </a:tc>
+                  </a:tr>
+                </a:tbl>
+              </a:graphicData>
+            </a:graphic>
+          </p:graphicFrame>
+        </mc:Choice>
+        <mc:Fallback>
+          <p:graphicFrame>
+            <p:nvGraphicFramePr>
+              <p:cNvPr id="4" name="Content Placeholder 3"/>
+              <p:cNvGraphicFramePr>
+                <a:graphicFrameLocks noGrp="1"/>
+              </p:cNvGraphicFramePr>
+              <p:nvPr>
+                <p:ph idx="1"/>
+                <p:extLst>
+                  <p:ext uri="{D42A27DB-BD31-4B8C-83A1-F6EECF244321}">
+                    <p14:modId xmlns:p14="http://schemas.microsoft.com/office/powerpoint/2010/main" val="4066433903"/>
+                  </p:ext>
+                </p:extLst>
+              </p:nvPr>
+            </p:nvGraphicFramePr>
+            <p:xfrm>
+              <a:off x="1692321" y="1828800"/>
+              <a:ext cx="8529852" cy="4351337"/>
+            </p:xfrm>
+            <a:graphic>
+              <a:graphicData uri="http://schemas.openxmlformats.org/drawingml/2006/table">
+                <a:tbl>
+                  <a:tblPr firstRow="1" firstCol="1" bandRow="1">
+                    <a:tableStyleId>{5C22544A-7EE6-4342-B048-85BDC9FD1C3A}</a:tableStyleId>
+                  </a:tblPr>
+                  <a:tblGrid>
+                    <a:gridCol w="1606503"/>
+                    <a:gridCol w="1599348"/>
+                    <a:gridCol w="1795241"/>
+                    <a:gridCol w="1784506"/>
+                    <a:gridCol w="1744254"/>
+                  </a:tblGrid>
+                  <a:tr h="1279805">
+                    <a:tc>
+                      <a:txBody>
+                        <a:bodyPr/>
+                        <a:lstStyle/>
+                        <a:p>
+                          <a:pPr indent="457200" algn="ctr">
+                            <a:lnSpc>
+                              <a:spcPct val="150000"/>
+                            </a:lnSpc>
+                            <a:spcAft>
+                              <a:spcPts val="600"/>
+                            </a:spcAft>
+                          </a:pPr>
+                          <a:r>
+                            <a:rPr lang="en-US" sz="1100">
+                              <a:effectLst/>
+                            </a:rPr>
+                            <a:t>Tiêu chí đánh giá</a:t>
+                          </a:r>
+                          <a:endParaRPr lang="vi-VN" sz="1100">
+                            <a:effectLst/>
+                            <a:latin typeface="Times New Roman" panose="02020603050405020304" pitchFamily="18" charset="0"/>
+                            <a:ea typeface="Times New Roman" panose="02020603050405020304" pitchFamily="18" charset="0"/>
+                            <a:cs typeface="Times New Roman" panose="02020603050405020304" pitchFamily="18" charset="0"/>
+                          </a:endParaRPr>
+                        </a:p>
+                      </a:txBody>
+                      <a:tcPr marL="59068" marR="59068" marT="0" marB="0"/>
+                    </a:tc>
+                    <a:tc>
+                      <a:txBody>
+                        <a:bodyPr/>
+                        <a:lstStyle/>
+                        <a:p>
+                          <a:pPr indent="457200" algn="ctr">
+                            <a:lnSpc>
+                              <a:spcPct val="150000"/>
+                            </a:lnSpc>
+                            <a:spcAft>
+                              <a:spcPts val="600"/>
+                            </a:spcAft>
+                          </a:pPr>
+                          <a:r>
+                            <a:rPr lang="en-US" sz="1100">
+                              <a:effectLst/>
+                            </a:rPr>
+                            <a:t>Lấy 1 câu hỏi có số điểm cao nhất</a:t>
+                          </a:r>
+                          <a:endParaRPr lang="vi-VN" sz="1100">
+                            <a:effectLst/>
+                          </a:endParaRPr>
+                        </a:p>
+                        <a:p>
+                          <a:pPr indent="457200" algn="ctr">
+                            <a:lnSpc>
+                              <a:spcPct val="150000"/>
+                            </a:lnSpc>
+                            <a:spcAft>
+                              <a:spcPts val="600"/>
+                            </a:spcAft>
+                          </a:pPr>
+                          <a:r>
+                            <a:rPr lang="en-US" sz="1100">
+                              <a:effectLst/>
+                            </a:rPr>
+                            <a:t> </a:t>
+                          </a:r>
+                          <a:endParaRPr lang="vi-VN" sz="1100">
+                            <a:effectLst/>
+                            <a:latin typeface="Times New Roman" panose="02020603050405020304" pitchFamily="18" charset="0"/>
+                            <a:ea typeface="Times New Roman" panose="02020603050405020304" pitchFamily="18" charset="0"/>
+                            <a:cs typeface="Times New Roman" panose="02020603050405020304" pitchFamily="18" charset="0"/>
+                          </a:endParaRPr>
+                        </a:p>
+                      </a:txBody>
+                      <a:tcPr marL="59068" marR="59068" marT="0" marB="0"/>
+                    </a:tc>
+                    <a:tc>
+                      <a:txBody>
+                        <a:bodyPr/>
+                        <a:lstStyle/>
+                        <a:p>
+                          <a:pPr indent="457200" algn="ctr">
+                            <a:lnSpc>
+                              <a:spcPct val="150000"/>
+                            </a:lnSpc>
+                            <a:spcAft>
+                              <a:spcPts val="600"/>
+                            </a:spcAft>
+                          </a:pPr>
+                          <a:r>
+                            <a:rPr lang="en-US" sz="1100">
+                              <a:effectLst/>
+                            </a:rPr>
+                            <a:t>Lấy 1 câu hỏi có số điểm cao nhất không sử dụng bộ phân loại</a:t>
+                          </a:r>
+                          <a:endParaRPr lang="vi-VN" sz="1100">
+                            <a:effectLst/>
+                            <a:latin typeface="Times New Roman" panose="02020603050405020304" pitchFamily="18" charset="0"/>
+                            <a:ea typeface="Times New Roman" panose="02020603050405020304" pitchFamily="18" charset="0"/>
+                            <a:cs typeface="Times New Roman" panose="02020603050405020304" pitchFamily="18" charset="0"/>
+                          </a:endParaRPr>
+                        </a:p>
+                      </a:txBody>
+                      <a:tcPr marL="59068" marR="59068" marT="0" marB="0"/>
+                    </a:tc>
+                    <a:tc>
+                      <a:txBody>
+                        <a:bodyPr/>
+                        <a:lstStyle/>
+                        <a:p>
+                          <a:pPr indent="457200" algn="ctr">
+                            <a:lnSpc>
+                              <a:spcPct val="150000"/>
+                            </a:lnSpc>
+                            <a:spcAft>
+                              <a:spcPts val="600"/>
+                            </a:spcAft>
+                          </a:pPr>
+                          <a:r>
+                            <a:rPr lang="en-US" sz="1100">
+                              <a:effectLst/>
+                            </a:rPr>
+                            <a:t>Lấy 3 câu hỏi có số điểm cao nhất</a:t>
+                          </a:r>
+                          <a:endParaRPr lang="vi-VN" sz="1100">
+                            <a:effectLst/>
+                            <a:latin typeface="Times New Roman" panose="02020603050405020304" pitchFamily="18" charset="0"/>
+                            <a:ea typeface="Times New Roman" panose="02020603050405020304" pitchFamily="18" charset="0"/>
+                            <a:cs typeface="Times New Roman" panose="02020603050405020304" pitchFamily="18" charset="0"/>
+                          </a:endParaRPr>
+                        </a:p>
+                      </a:txBody>
+                      <a:tcPr marL="59068" marR="59068" marT="0" marB="0"/>
+                    </a:tc>
+                    <a:tc>
+                      <a:txBody>
+                        <a:bodyPr/>
+                        <a:lstStyle/>
+                        <a:p>
+                          <a:pPr indent="457200" algn="ctr">
+                            <a:lnSpc>
+                              <a:spcPct val="150000"/>
+                            </a:lnSpc>
+                            <a:spcAft>
+                              <a:spcPts val="600"/>
+                            </a:spcAft>
+                          </a:pPr>
+                          <a:r>
+                            <a:rPr lang="en-US" sz="1100">
+                              <a:effectLst/>
+                            </a:rPr>
+                            <a:t>Lấy 3 câu hỏi có số điểm cao nhất không sử dụng bộ phân loại</a:t>
+                          </a:r>
+                          <a:endParaRPr lang="vi-VN" sz="1100">
+                            <a:effectLst/>
+                            <a:latin typeface="Times New Roman" panose="02020603050405020304" pitchFamily="18" charset="0"/>
+                            <a:ea typeface="Times New Roman" panose="02020603050405020304" pitchFamily="18" charset="0"/>
+                            <a:cs typeface="Times New Roman" panose="02020603050405020304" pitchFamily="18" charset="0"/>
+                          </a:endParaRPr>
+                        </a:p>
+                      </a:txBody>
+                      <a:tcPr marL="59068" marR="59068" marT="0" marB="0"/>
+                    </a:tc>
+                  </a:tr>
+                  <a:tr h="767883">
+                    <a:tc>
+                      <a:txBody>
+                        <a:bodyPr/>
+                        <a:lstStyle/>
+                        <a:p>
+                          <a:pPr indent="457200" algn="ctr">
+                            <a:lnSpc>
+                              <a:spcPct val="150000"/>
+                            </a:lnSpc>
+                            <a:spcAft>
+                              <a:spcPts val="600"/>
+                            </a:spcAft>
+                          </a:pPr>
+                          <a:r>
+                            <a:rPr lang="en-US" sz="1100">
+                              <a:effectLst/>
+                            </a:rPr>
+                            <a:t>Số lượng câu đánh giá</a:t>
+                          </a:r>
+                          <a:endParaRPr lang="vi-VN" sz="1100">
+                            <a:effectLst/>
+                            <a:latin typeface="Times New Roman" panose="02020603050405020304" pitchFamily="18" charset="0"/>
+                            <a:ea typeface="Times New Roman" panose="02020603050405020304" pitchFamily="18" charset="0"/>
+                            <a:cs typeface="Times New Roman" panose="02020603050405020304" pitchFamily="18" charset="0"/>
+                          </a:endParaRPr>
+                        </a:p>
+                      </a:txBody>
+                      <a:tcPr marL="59068" marR="59068" marT="0" marB="0"/>
+                    </a:tc>
+                    <a:tc>
+                      <a:txBody>
+                        <a:bodyPr/>
+                        <a:lstStyle/>
+                        <a:p>
+                          <a:pPr indent="457200" algn="ctr">
+                            <a:lnSpc>
+                              <a:spcPct val="150000"/>
+                            </a:lnSpc>
+                            <a:spcAft>
+                              <a:spcPts val="600"/>
+                            </a:spcAft>
+                          </a:pPr>
+                          <a:r>
+                            <a:rPr lang="en-US" sz="1100">
+                              <a:effectLst/>
+                            </a:rPr>
+                            <a:t>30</a:t>
+                          </a:r>
+                          <a:endParaRPr lang="vi-VN" sz="1100">
+                            <a:effectLst/>
+                            <a:latin typeface="Times New Roman" panose="02020603050405020304" pitchFamily="18" charset="0"/>
+                            <a:ea typeface="Times New Roman" panose="02020603050405020304" pitchFamily="18" charset="0"/>
+                            <a:cs typeface="Times New Roman" panose="02020603050405020304" pitchFamily="18" charset="0"/>
+                          </a:endParaRPr>
+                        </a:p>
+                      </a:txBody>
+                      <a:tcPr marL="59068" marR="59068" marT="0" marB="0"/>
+                    </a:tc>
+                    <a:tc>
+                      <a:txBody>
+                        <a:bodyPr/>
+                        <a:lstStyle/>
+                        <a:p>
+                          <a:pPr indent="457200" algn="ctr">
+                            <a:lnSpc>
+                              <a:spcPct val="150000"/>
+                            </a:lnSpc>
+                            <a:spcAft>
+                              <a:spcPts val="600"/>
+                            </a:spcAft>
+                          </a:pPr>
+                          <a:r>
+                            <a:rPr lang="en-US" sz="1100">
+                              <a:effectLst/>
+                            </a:rPr>
+                            <a:t>30</a:t>
+                          </a:r>
+                          <a:endParaRPr lang="vi-VN" sz="1100">
+                            <a:effectLst/>
+                            <a:latin typeface="Times New Roman" panose="02020603050405020304" pitchFamily="18" charset="0"/>
+                            <a:ea typeface="Times New Roman" panose="02020603050405020304" pitchFamily="18" charset="0"/>
+                            <a:cs typeface="Times New Roman" panose="02020603050405020304" pitchFamily="18" charset="0"/>
+                          </a:endParaRPr>
+                        </a:p>
+                      </a:txBody>
+                      <a:tcPr marL="59068" marR="59068" marT="0" marB="0"/>
+                    </a:tc>
+                    <a:tc>
+                      <a:txBody>
+                        <a:bodyPr/>
+                        <a:lstStyle/>
+                        <a:p>
+                          <a:pPr indent="457200" algn="ctr">
+                            <a:lnSpc>
+                              <a:spcPct val="150000"/>
+                            </a:lnSpc>
+                            <a:spcAft>
+                              <a:spcPts val="600"/>
+                            </a:spcAft>
+                          </a:pPr>
+                          <a:r>
+                            <a:rPr lang="en-US" sz="1100">
+                              <a:effectLst/>
+                            </a:rPr>
+                            <a:t>30</a:t>
+                          </a:r>
+                          <a:endParaRPr lang="vi-VN" sz="1100">
+                            <a:effectLst/>
+                            <a:latin typeface="Times New Roman" panose="02020603050405020304" pitchFamily="18" charset="0"/>
+                            <a:ea typeface="Times New Roman" panose="02020603050405020304" pitchFamily="18" charset="0"/>
+                            <a:cs typeface="Times New Roman" panose="02020603050405020304" pitchFamily="18" charset="0"/>
+                          </a:endParaRPr>
+                        </a:p>
+                      </a:txBody>
+                      <a:tcPr marL="59068" marR="59068" marT="0" marB="0"/>
+                    </a:tc>
+                    <a:tc>
+                      <a:txBody>
+                        <a:bodyPr/>
+                        <a:lstStyle/>
+                        <a:p>
+                          <a:pPr indent="457200" algn="ctr">
+                            <a:lnSpc>
+                              <a:spcPct val="150000"/>
+                            </a:lnSpc>
+                            <a:spcAft>
+                              <a:spcPts val="600"/>
+                            </a:spcAft>
+                          </a:pPr>
+                          <a:r>
+                            <a:rPr lang="en-US" sz="1100">
+                              <a:effectLst/>
+                            </a:rPr>
+                            <a:t>30</a:t>
+                          </a:r>
+                          <a:endParaRPr lang="vi-VN" sz="1100">
+                            <a:effectLst/>
+                            <a:latin typeface="Times New Roman" panose="02020603050405020304" pitchFamily="18" charset="0"/>
+                            <a:ea typeface="Times New Roman" panose="02020603050405020304" pitchFamily="18" charset="0"/>
+                            <a:cs typeface="Times New Roman" panose="02020603050405020304" pitchFamily="18" charset="0"/>
+                          </a:endParaRPr>
+                        </a:p>
+                      </a:txBody>
+                      <a:tcPr marL="59068" marR="59068" marT="0" marB="0"/>
+                    </a:tc>
+                  </a:tr>
+                  <a:tr h="1023844">
+                    <a:tc>
+                      <a:txBody>
+                        <a:bodyPr/>
+                        <a:lstStyle/>
+                        <a:p>
+                          <a:pPr indent="457200" algn="ctr">
+                            <a:lnSpc>
+                              <a:spcPct val="150000"/>
+                            </a:lnSpc>
+                            <a:spcAft>
+                              <a:spcPts val="600"/>
+                            </a:spcAft>
+                          </a:pPr>
+                          <a:r>
+                            <a:rPr lang="en-US" sz="1100">
+                              <a:effectLst/>
+                            </a:rPr>
+                            <a:t>Số lượng câu nguồn để kiểm tra</a:t>
+                          </a:r>
+                          <a:endParaRPr lang="vi-VN" sz="1100">
+                            <a:effectLst/>
+                            <a:latin typeface="Times New Roman" panose="02020603050405020304" pitchFamily="18" charset="0"/>
+                            <a:ea typeface="Times New Roman" panose="02020603050405020304" pitchFamily="18" charset="0"/>
+                            <a:cs typeface="Times New Roman" panose="02020603050405020304" pitchFamily="18" charset="0"/>
+                          </a:endParaRPr>
+                        </a:p>
+                      </a:txBody>
+                      <a:tcPr marL="59068" marR="59068" marT="0" marB="0"/>
+                    </a:tc>
+                    <a:tc>
+                      <a:txBody>
+                        <a:bodyPr/>
+                        <a:lstStyle/>
+                        <a:p>
+                          <a:pPr indent="457200" algn="ctr">
+                            <a:lnSpc>
+                              <a:spcPct val="150000"/>
+                            </a:lnSpc>
+                            <a:spcAft>
+                              <a:spcPts val="600"/>
+                            </a:spcAft>
+                          </a:pPr>
+                          <a:r>
+                            <a:rPr lang="en-US" sz="1100">
+                              <a:effectLst/>
+                            </a:rPr>
+                            <a:t>44</a:t>
+                          </a:r>
+                          <a:endParaRPr lang="vi-VN" sz="1100">
+                            <a:effectLst/>
+                            <a:latin typeface="Times New Roman" panose="02020603050405020304" pitchFamily="18" charset="0"/>
+                            <a:ea typeface="Times New Roman" panose="02020603050405020304" pitchFamily="18" charset="0"/>
+                            <a:cs typeface="Times New Roman" panose="02020603050405020304" pitchFamily="18" charset="0"/>
+                          </a:endParaRPr>
+                        </a:p>
+                      </a:txBody>
+                      <a:tcPr marL="59068" marR="59068" marT="0" marB="0"/>
+                    </a:tc>
+                    <a:tc>
+                      <a:txBody>
+                        <a:bodyPr/>
+                        <a:lstStyle/>
+                        <a:p>
+                          <a:pPr indent="457200" algn="ctr">
+                            <a:lnSpc>
+                              <a:spcPct val="150000"/>
+                            </a:lnSpc>
+                            <a:spcAft>
+                              <a:spcPts val="600"/>
+                            </a:spcAft>
+                          </a:pPr>
+                          <a:r>
+                            <a:rPr lang="en-US" sz="1100">
+                              <a:effectLst/>
+                            </a:rPr>
+                            <a:t>44</a:t>
+                          </a:r>
+                          <a:endParaRPr lang="vi-VN" sz="1100">
+                            <a:effectLst/>
+                            <a:latin typeface="Times New Roman" panose="02020603050405020304" pitchFamily="18" charset="0"/>
+                            <a:ea typeface="Times New Roman" panose="02020603050405020304" pitchFamily="18" charset="0"/>
+                            <a:cs typeface="Times New Roman" panose="02020603050405020304" pitchFamily="18" charset="0"/>
+                          </a:endParaRPr>
+                        </a:p>
+                      </a:txBody>
+                      <a:tcPr marL="59068" marR="59068" marT="0" marB="0"/>
+                    </a:tc>
+                    <a:tc>
+                      <a:txBody>
+                        <a:bodyPr/>
+                        <a:lstStyle/>
+                        <a:p>
+                          <a:pPr indent="457200" algn="ctr">
+                            <a:lnSpc>
+                              <a:spcPct val="150000"/>
+                            </a:lnSpc>
+                            <a:spcAft>
+                              <a:spcPts val="600"/>
+                            </a:spcAft>
+                          </a:pPr>
+                          <a:r>
+                            <a:rPr lang="en-US" sz="1100">
+                              <a:effectLst/>
+                            </a:rPr>
+                            <a:t>44</a:t>
+                          </a:r>
+                          <a:endParaRPr lang="vi-VN" sz="1100">
+                            <a:effectLst/>
+                            <a:latin typeface="Times New Roman" panose="02020603050405020304" pitchFamily="18" charset="0"/>
+                            <a:ea typeface="Times New Roman" panose="02020603050405020304" pitchFamily="18" charset="0"/>
+                            <a:cs typeface="Times New Roman" panose="02020603050405020304" pitchFamily="18" charset="0"/>
+                          </a:endParaRPr>
+                        </a:p>
+                      </a:txBody>
+                      <a:tcPr marL="59068" marR="59068" marT="0" marB="0"/>
+                    </a:tc>
+                    <a:tc>
+                      <a:txBody>
+                        <a:bodyPr/>
+                        <a:lstStyle/>
+                        <a:p>
+                          <a:pPr indent="457200" algn="ctr">
+                            <a:lnSpc>
+                              <a:spcPct val="150000"/>
+                            </a:lnSpc>
+                            <a:spcAft>
+                              <a:spcPts val="600"/>
+                            </a:spcAft>
+                          </a:pPr>
+                          <a:r>
+                            <a:rPr lang="en-US" sz="1100">
+                              <a:effectLst/>
+                            </a:rPr>
+                            <a:t>44</a:t>
+                          </a:r>
+                          <a:endParaRPr lang="vi-VN" sz="1100">
+                            <a:effectLst/>
+                            <a:latin typeface="Times New Roman" panose="02020603050405020304" pitchFamily="18" charset="0"/>
+                            <a:ea typeface="Times New Roman" panose="02020603050405020304" pitchFamily="18" charset="0"/>
+                            <a:cs typeface="Times New Roman" panose="02020603050405020304" pitchFamily="18" charset="0"/>
+                          </a:endParaRPr>
+                        </a:p>
+                      </a:txBody>
+                      <a:tcPr marL="59068" marR="59068" marT="0" marB="0"/>
+                    </a:tc>
+                  </a:tr>
+                  <a:tr h="767883">
+                    <a:tc>
+                      <a:txBody>
+                        <a:bodyPr/>
+                        <a:lstStyle/>
+                        <a:p>
+                          <a:pPr indent="457200" algn="ctr">
+                            <a:lnSpc>
+                              <a:spcPct val="150000"/>
+                            </a:lnSpc>
+                            <a:spcAft>
+                              <a:spcPts val="600"/>
+                            </a:spcAft>
+                          </a:pPr>
+                          <a:r>
+                            <a:rPr lang="en-US" sz="1100">
+                              <a:effectLst/>
+                            </a:rPr>
+                            <a:t>Số lượng câu đúng</a:t>
+                          </a:r>
+                          <a:endParaRPr lang="vi-VN" sz="1100">
+                            <a:effectLst/>
+                            <a:latin typeface="Times New Roman" panose="02020603050405020304" pitchFamily="18" charset="0"/>
+                            <a:ea typeface="Times New Roman" panose="02020603050405020304" pitchFamily="18" charset="0"/>
+                            <a:cs typeface="Times New Roman" panose="02020603050405020304" pitchFamily="18" charset="0"/>
+                          </a:endParaRPr>
+                        </a:p>
+                      </a:txBody>
+                      <a:tcPr marL="59068" marR="59068" marT="0" marB="0"/>
+                    </a:tc>
+                    <a:tc>
+                      <a:txBody>
+                        <a:bodyPr/>
+                        <a:lstStyle/>
+                        <a:p>
+                          <a:endParaRPr lang="vi-VN"/>
+                        </a:p>
+                      </a:txBody>
+                      <a:tcPr marL="59068" marR="59068" marT="0" marB="0">
+                        <a:blipFill rotWithShape="0">
+                          <a:blip r:embed="rId2"/>
+                          <a:stretch>
+                            <a:fillRect l="-101145" t="-401587" r="-335496" b="-68254"/>
+                          </a:stretch>
+                        </a:blipFill>
+                      </a:tcPr>
+                    </a:tc>
+                    <a:tc>
+                      <a:txBody>
+                        <a:bodyPr/>
+                        <a:lstStyle/>
+                        <a:p>
+                          <a:endParaRPr lang="vi-VN"/>
+                        </a:p>
+                      </a:txBody>
+                      <a:tcPr marL="59068" marR="59068" marT="0" marB="0">
+                        <a:blipFill rotWithShape="0">
+                          <a:blip r:embed="rId2"/>
+                          <a:stretch>
+                            <a:fillRect l="-178644" t="-401587" r="-197966" b="-68254"/>
+                          </a:stretch>
+                        </a:blipFill>
+                      </a:tcPr>
+                    </a:tc>
+                    <a:tc>
+                      <a:txBody>
+                        <a:bodyPr/>
+                        <a:lstStyle/>
+                        <a:p>
+                          <a:endParaRPr lang="vi-VN"/>
+                        </a:p>
+                      </a:txBody>
+                      <a:tcPr marL="59068" marR="59068" marT="0" marB="0">
+                        <a:blipFill rotWithShape="0">
+                          <a:blip r:embed="rId2"/>
+                          <a:stretch>
+                            <a:fillRect l="-280546" t="-401587" r="-99317" b="-68254"/>
+                          </a:stretch>
+                        </a:blipFill>
+                      </a:tcPr>
+                    </a:tc>
+                    <a:tc>
+                      <a:txBody>
+                        <a:bodyPr/>
+                        <a:lstStyle/>
+                        <a:p>
+                          <a:endParaRPr lang="vi-VN"/>
+                        </a:p>
+                      </a:txBody>
+                      <a:tcPr marL="59068" marR="59068" marT="0" marB="0">
+                        <a:blipFill rotWithShape="0">
+                          <a:blip r:embed="rId2"/>
+                          <a:stretch>
+                            <a:fillRect l="-389860" t="-401587" r="-1748" b="-68254"/>
+                          </a:stretch>
+                        </a:blipFill>
+                      </a:tcPr>
+                    </a:tc>
+                  </a:tr>
+                  <a:tr h="511922">
+                    <a:tc>
+                      <a:txBody>
+                        <a:bodyPr/>
+                        <a:lstStyle/>
+                        <a:p>
+                          <a:pPr indent="457200" algn="ctr">
+                            <a:lnSpc>
+                              <a:spcPct val="150000"/>
+                            </a:lnSpc>
+                            <a:spcAft>
+                              <a:spcPts val="600"/>
+                            </a:spcAft>
+                          </a:pPr>
+                          <a:r>
+                            <a:rPr lang="en-US" sz="1100">
+                              <a:effectLst/>
+                            </a:rPr>
+                            <a:t>Tỉ lệ đúng</a:t>
+                          </a:r>
+                          <a:endParaRPr lang="vi-VN" sz="1100">
+                            <a:effectLst/>
+                            <a:latin typeface="Times New Roman" panose="02020603050405020304" pitchFamily="18" charset="0"/>
+                            <a:ea typeface="Times New Roman" panose="02020603050405020304" pitchFamily="18" charset="0"/>
+                            <a:cs typeface="Times New Roman" panose="02020603050405020304" pitchFamily="18" charset="0"/>
+                          </a:endParaRPr>
+                        </a:p>
+                      </a:txBody>
+                      <a:tcPr marL="59068" marR="59068" marT="0" marB="0"/>
+                    </a:tc>
+                    <a:tc>
+                      <a:txBody>
+                        <a:bodyPr/>
+                        <a:lstStyle/>
+                        <a:p>
+                          <a:pPr indent="457200" algn="ctr">
+                            <a:lnSpc>
+                              <a:spcPct val="150000"/>
+                            </a:lnSpc>
+                            <a:spcAft>
+                              <a:spcPts val="600"/>
+                            </a:spcAft>
+                          </a:pPr>
+                          <a:r>
+                            <a:rPr lang="en-US" sz="1100">
+                              <a:effectLst/>
+                            </a:rPr>
+                            <a:t>56,67%</a:t>
+                          </a:r>
+                          <a:endParaRPr lang="vi-VN" sz="1100">
+                            <a:effectLst/>
+                            <a:latin typeface="Times New Roman" panose="02020603050405020304" pitchFamily="18" charset="0"/>
+                            <a:ea typeface="Times New Roman" panose="02020603050405020304" pitchFamily="18" charset="0"/>
+                            <a:cs typeface="Times New Roman" panose="02020603050405020304" pitchFamily="18" charset="0"/>
+                          </a:endParaRPr>
+                        </a:p>
+                      </a:txBody>
+                      <a:tcPr marL="59068" marR="59068" marT="0" marB="0"/>
+                    </a:tc>
+                    <a:tc>
+                      <a:txBody>
+                        <a:bodyPr/>
+                        <a:lstStyle/>
+                        <a:p>
+                          <a:pPr indent="457200" algn="ctr">
+                            <a:lnSpc>
+                              <a:spcPct val="150000"/>
+                            </a:lnSpc>
+                            <a:spcAft>
+                              <a:spcPts val="600"/>
+                            </a:spcAft>
+                          </a:pPr>
+                          <a:r>
+                            <a:rPr lang="en-US" sz="1100">
+                              <a:effectLst/>
+                            </a:rPr>
+                            <a:t>60%</a:t>
+                          </a:r>
+                          <a:endParaRPr lang="vi-VN" sz="1100">
+                            <a:effectLst/>
+                            <a:latin typeface="Times New Roman" panose="02020603050405020304" pitchFamily="18" charset="0"/>
+                            <a:ea typeface="Times New Roman" panose="02020603050405020304" pitchFamily="18" charset="0"/>
+                            <a:cs typeface="Times New Roman" panose="02020603050405020304" pitchFamily="18" charset="0"/>
+                          </a:endParaRPr>
+                        </a:p>
+                      </a:txBody>
+                      <a:tcPr marL="59068" marR="59068" marT="0" marB="0"/>
+                    </a:tc>
+                    <a:tc>
+                      <a:txBody>
+                        <a:bodyPr/>
+                        <a:lstStyle/>
+                        <a:p>
+                          <a:pPr indent="457200" algn="ctr">
+                            <a:lnSpc>
+                              <a:spcPct val="150000"/>
+                            </a:lnSpc>
+                            <a:spcAft>
+                              <a:spcPts val="600"/>
+                            </a:spcAft>
+                          </a:pPr>
+                          <a:r>
+                            <a:rPr lang="en-US" sz="1100">
+                              <a:effectLst/>
+                            </a:rPr>
+                            <a:t>80%</a:t>
+                          </a:r>
+                          <a:endParaRPr lang="vi-VN" sz="1100">
+                            <a:effectLst/>
+                            <a:latin typeface="Times New Roman" panose="02020603050405020304" pitchFamily="18" charset="0"/>
+                            <a:ea typeface="Times New Roman" panose="02020603050405020304" pitchFamily="18" charset="0"/>
+                            <a:cs typeface="Times New Roman" panose="02020603050405020304" pitchFamily="18" charset="0"/>
+                          </a:endParaRPr>
+                        </a:p>
+                      </a:txBody>
+                      <a:tcPr marL="59068" marR="59068" marT="0" marB="0"/>
+                    </a:tc>
+                    <a:tc>
+                      <a:txBody>
+                        <a:bodyPr/>
+                        <a:lstStyle/>
+                        <a:p>
+                          <a:pPr indent="457200" algn="ctr">
+                            <a:lnSpc>
+                              <a:spcPct val="150000"/>
+                            </a:lnSpc>
+                            <a:spcAft>
+                              <a:spcPts val="600"/>
+                            </a:spcAft>
+                          </a:pPr>
+                          <a:r>
+                            <a:rPr lang="en-US" sz="1100">
+                              <a:effectLst/>
+                            </a:rPr>
+                            <a:t>90%</a:t>
+                          </a:r>
+                          <a:endParaRPr lang="vi-VN" sz="1100">
+                            <a:effectLst/>
+                            <a:latin typeface="Times New Roman" panose="02020603050405020304" pitchFamily="18" charset="0"/>
+                            <a:ea typeface="Times New Roman" panose="02020603050405020304" pitchFamily="18" charset="0"/>
+                            <a:cs typeface="Times New Roman" panose="02020603050405020304" pitchFamily="18" charset="0"/>
+                          </a:endParaRPr>
+                        </a:p>
+                      </a:txBody>
+                      <a:tcPr marL="59068" marR="59068" marT="0" marB="0"/>
+                    </a:tc>
+                  </a:tr>
+                </a:tbl>
+              </a:graphicData>
+            </a:graphic>
+          </p:graphicFrame>
+        </mc:Fallback>
+      </mc:AlternateContent>
+    </p:spTree>
+    <p:extLst>
+      <p:ext uri="{BB962C8B-B14F-4D97-AF65-F5344CB8AC3E}">
+        <p14:creationId xmlns:p14="http://schemas.microsoft.com/office/powerpoint/2010/main" val="3303998410"/>
+      </p:ext>
+    </p:extLst>
+  </p:cSld>
+  <p:clrMapOvr>
+    <a:masterClrMapping/>
+  </p:clrMapOvr>
+  <p:timing>
+    <p:tnLst>
+      <p:par>
+        <p:cTn id="1" dur="indefinite" restart="never" nodeType="tmRoot"/>
+      </p:par>
+    </p:tnLst>
+  </p:timing>
+</p:sld>
+</file>
+
+<file path=ppt/slides/slide23.xml><?xml version="1.0" encoding="utf-8"?>
+<p:sld xmlns:a="http://schemas.openxmlformats.org/drawingml/2006/main" xmlns:r="http://schemas.openxmlformats.org/officeDocument/2006/relationships" xmlns:p="http://schemas.openxmlformats.org/presentationml/2006/main">
+  <p:cSld>
+    <p:spTree>
+      <p:nvGrpSpPr>
+        <p:cNvPr id="1" name=""/>
+        <p:cNvGrpSpPr/>
+        <p:nvPr/>
+      </p:nvGrpSpPr>
+      <p:grpSpPr>
+        <a:xfrm>
+          <a:off x="0" y="0"/>
+          <a:ext cx="0" cy="0"/>
+          <a:chOff x="0" y="0"/>
+          <a:chExt cx="0" cy="0"/>
+        </a:xfrm>
+      </p:grpSpPr>
+      <p:sp>
+        <p:nvSpPr>
+          <p:cNvPr id="2" name="Title 1"/>
+          <p:cNvSpPr>
+            <a:spLocks noGrp="1"/>
+          </p:cNvSpPr>
+          <p:nvPr>
+            <p:ph type="title"/>
+          </p:nvPr>
+        </p:nvSpPr>
+        <p:spPr>
+          <a:xfrm>
+            <a:off x="497597" y="365760"/>
+            <a:ext cx="9692640" cy="1325562"/>
+          </a:xfrm>
+        </p:spPr>
+        <p:txBody>
+          <a:bodyPr>
+            <a:normAutofit/>
+          </a:bodyPr>
+          <a:lstStyle/>
+          <a:p>
+            <a:r>
+              <a:rPr lang="en-US" sz="3800">
+                <a:latin typeface="Times New Roman" panose="02020603050405020304" pitchFamily="18" charset="0"/>
+                <a:cs typeface="Times New Roman" panose="02020603050405020304" pitchFamily="18" charset="0"/>
+              </a:rPr>
+              <a:t>CHƯƠNG 5– TỔNG KẾT</a:t>
+            </a:r>
+            <a:r>
+              <a:rPr lang="vi-VN" sz="3800">
+                <a:latin typeface="Times New Roman" panose="02020603050405020304" pitchFamily="18" charset="0"/>
+                <a:cs typeface="Times New Roman" panose="02020603050405020304" pitchFamily="18" charset="0"/>
+              </a:rPr>
+              <a:t/>
+            </a:r>
+            <a:br>
+              <a:rPr lang="vi-VN" sz="3800">
+                <a:latin typeface="Times New Roman" panose="02020603050405020304" pitchFamily="18" charset="0"/>
+                <a:cs typeface="Times New Roman" panose="02020603050405020304" pitchFamily="18" charset="0"/>
+              </a:rPr>
+            </a:br>
+            <a:endParaRPr lang="vi-VN" sz="3800">
+              <a:latin typeface="Times New Roman" panose="02020603050405020304" pitchFamily="18" charset="0"/>
+              <a:cs typeface="Times New Roman" panose="02020603050405020304" pitchFamily="18" charset="0"/>
+            </a:endParaRPr>
+          </a:p>
+        </p:txBody>
+      </p:sp>
+      <p:sp>
+        <p:nvSpPr>
+          <p:cNvPr id="3" name="Content Placeholder 2"/>
+          <p:cNvSpPr>
+            <a:spLocks noGrp="1"/>
+          </p:cNvSpPr>
+          <p:nvPr>
+            <p:ph idx="1"/>
+          </p:nvPr>
+        </p:nvSpPr>
+        <p:spPr>
+          <a:xfrm>
+            <a:off x="497597" y="1691322"/>
+            <a:ext cx="9560803" cy="4828008"/>
+          </a:xfrm>
+        </p:spPr>
+        <p:txBody>
+          <a:bodyPr>
+            <a:noAutofit/>
+          </a:bodyPr>
+          <a:lstStyle/>
+          <a:p>
+            <a:pPr marL="0" indent="0">
+              <a:buNone/>
+            </a:pPr>
+            <a:r>
+              <a:rPr lang="en-US" sz="2000" b="1" smtClean="0">
+                <a:latin typeface="Times New Roman" panose="02020603050405020304" pitchFamily="18" charset="0"/>
+                <a:cs typeface="Times New Roman" panose="02020603050405020304" pitchFamily="18" charset="0"/>
+              </a:rPr>
+              <a:t>Các </a:t>
+            </a:r>
+            <a:r>
+              <a:rPr lang="en-US" sz="2000" b="1">
+                <a:latin typeface="Times New Roman" panose="02020603050405020304" pitchFamily="18" charset="0"/>
+                <a:cs typeface="Times New Roman" panose="02020603050405020304" pitchFamily="18" charset="0"/>
+              </a:rPr>
+              <a:t>vấn đề đã làm </a:t>
+            </a:r>
+            <a:r>
+              <a:rPr lang="en-US" sz="2000" b="1" smtClean="0">
+                <a:latin typeface="Times New Roman" panose="02020603050405020304" pitchFamily="18" charset="0"/>
+                <a:cs typeface="Times New Roman" panose="02020603050405020304" pitchFamily="18" charset="0"/>
+              </a:rPr>
+              <a:t>được:</a:t>
+            </a:r>
+          </a:p>
+          <a:p>
+            <a:pPr lvl="0"/>
+            <a:r>
+              <a:rPr lang="en-US" sz="2200" smtClean="0">
+                <a:latin typeface="Times New Roman" panose="02020603050405020304" pitchFamily="18" charset="0"/>
+                <a:cs typeface="Times New Roman" panose="02020603050405020304" pitchFamily="18" charset="0"/>
+              </a:rPr>
+              <a:t>Xây dựng hệ thống hỏi đáp bằng web và ứng dụng điện thoại trên nền tảng android.</a:t>
+            </a:r>
+            <a:endParaRPr lang="vi-VN" sz="2200" smtClean="0">
+              <a:latin typeface="Times New Roman" panose="02020603050405020304" pitchFamily="18" charset="0"/>
+              <a:cs typeface="Times New Roman" panose="02020603050405020304" pitchFamily="18" charset="0"/>
+            </a:endParaRPr>
+          </a:p>
+          <a:p>
+            <a:pPr lvl="0"/>
+            <a:r>
+              <a:rPr lang="en-US" sz="2200" smtClean="0">
+                <a:latin typeface="Times New Roman" panose="02020603050405020304" pitchFamily="18" charset="0"/>
+                <a:cs typeface="Times New Roman" panose="02020603050405020304" pitchFamily="18" charset="0"/>
+              </a:rPr>
+              <a:t>Xây dựng được hệ thống Rest API cho cả web và điện thoại cùng sử dụng.</a:t>
+            </a:r>
+            <a:endParaRPr lang="vi-VN" sz="2200" smtClean="0">
+              <a:latin typeface="Times New Roman" panose="02020603050405020304" pitchFamily="18" charset="0"/>
+              <a:cs typeface="Times New Roman" panose="02020603050405020304" pitchFamily="18" charset="0"/>
+            </a:endParaRPr>
+          </a:p>
+          <a:p>
+            <a:pPr lvl="0"/>
+            <a:r>
+              <a:rPr lang="en-US" sz="2200" smtClean="0">
+                <a:latin typeface="Times New Roman" panose="02020603050405020304" pitchFamily="18" charset="0"/>
+                <a:cs typeface="Times New Roman" panose="02020603050405020304" pitchFamily="18" charset="0"/>
+              </a:rPr>
+              <a:t>Hiện thực được các chức năng cần có của một hệ thống hỏi đáp.</a:t>
+            </a:r>
+            <a:endParaRPr lang="vi-VN" sz="2200" smtClean="0">
+              <a:latin typeface="Times New Roman" panose="02020603050405020304" pitchFamily="18" charset="0"/>
+              <a:cs typeface="Times New Roman" panose="02020603050405020304" pitchFamily="18" charset="0"/>
+            </a:endParaRPr>
+          </a:p>
+          <a:p>
+            <a:pPr lvl="0"/>
+            <a:r>
+              <a:rPr lang="en-US" sz="2200" smtClean="0">
+                <a:latin typeface="Times New Roman" panose="02020603050405020304" pitchFamily="18" charset="0"/>
+                <a:cs typeface="Times New Roman" panose="02020603050405020304" pitchFamily="18" charset="0"/>
+              </a:rPr>
+              <a:t>Hiện thực được giải thuật tìm kiếm cho phép hệ thống trả lời tự động người dùng.</a:t>
+            </a:r>
+            <a:endParaRPr lang="vi-VN" sz="2200" smtClean="0">
+              <a:latin typeface="Times New Roman" panose="02020603050405020304" pitchFamily="18" charset="0"/>
+              <a:cs typeface="Times New Roman" panose="02020603050405020304" pitchFamily="18" charset="0"/>
+            </a:endParaRPr>
+          </a:p>
+        </p:txBody>
+      </p:sp>
+    </p:spTree>
+    <p:extLst>
+      <p:ext uri="{BB962C8B-B14F-4D97-AF65-F5344CB8AC3E}">
+        <p14:creationId xmlns:p14="http://schemas.microsoft.com/office/powerpoint/2010/main" val="2787953767"/>
+      </p:ext>
+    </p:extLst>
+  </p:cSld>
+  <p:clrMapOvr>
+    <a:masterClrMapping/>
+  </p:clrMapOvr>
+  <p:timing>
+    <p:tnLst>
+      <p:par>
+        <p:cTn id="1" dur="indefinite" restart="never" nodeType="tmRoot"/>
+      </p:par>
+    </p:tnLst>
+  </p:timing>
+</p:sld>
+</file>
+
+<file path=ppt/slides/slide24.xml><?xml version="1.0" encoding="utf-8"?>
+<p:sld xmlns:a="http://schemas.openxmlformats.org/drawingml/2006/main" xmlns:r="http://schemas.openxmlformats.org/officeDocument/2006/relationships" xmlns:p="http://schemas.openxmlformats.org/presentationml/2006/main">
+  <p:cSld>
+    <p:spTree>
+      <p:nvGrpSpPr>
+        <p:cNvPr id="1" name=""/>
+        <p:cNvGrpSpPr/>
+        <p:nvPr/>
+      </p:nvGrpSpPr>
+      <p:grpSpPr>
+        <a:xfrm>
+          <a:off x="0" y="0"/>
+          <a:ext cx="0" cy="0"/>
+          <a:chOff x="0" y="0"/>
+          <a:chExt cx="0" cy="0"/>
+        </a:xfrm>
+      </p:grpSpPr>
+      <p:sp>
+        <p:nvSpPr>
+          <p:cNvPr id="2" name="Title 1"/>
+          <p:cNvSpPr>
+            <a:spLocks noGrp="1"/>
+          </p:cNvSpPr>
+          <p:nvPr>
+            <p:ph type="title"/>
+          </p:nvPr>
+        </p:nvSpPr>
+        <p:spPr/>
+        <p:txBody>
+          <a:bodyPr/>
+          <a:lstStyle/>
+          <a:p>
+            <a:endParaRPr lang="vi-VN"/>
+          </a:p>
+        </p:txBody>
+      </p:sp>
+      <p:sp>
+        <p:nvSpPr>
+          <p:cNvPr id="3" name="Content Placeholder 2"/>
+          <p:cNvSpPr>
+            <a:spLocks noGrp="1"/>
+          </p:cNvSpPr>
+          <p:nvPr>
+            <p:ph idx="1"/>
+          </p:nvPr>
+        </p:nvSpPr>
+        <p:spPr/>
+        <p:txBody>
+          <a:bodyPr>
+            <a:normAutofit/>
+          </a:bodyPr>
+          <a:lstStyle/>
+          <a:p>
+            <a:pPr marL="0" indent="0">
+              <a:buNone/>
+            </a:pPr>
+            <a:r>
+              <a:rPr lang="en-US" sz="2000" b="1" smtClean="0">
+                <a:latin typeface="Times New Roman" panose="02020603050405020304" pitchFamily="18" charset="0"/>
+                <a:cs typeface="Times New Roman" panose="02020603050405020304" pitchFamily="18" charset="0"/>
+              </a:rPr>
+              <a:t>Các vấn đề chưa làm được:</a:t>
+            </a:r>
+            <a:endParaRPr lang="vi-VN" sz="2000" b="1" smtClean="0">
+              <a:latin typeface="Times New Roman" panose="02020603050405020304" pitchFamily="18" charset="0"/>
+              <a:cs typeface="Times New Roman" panose="02020603050405020304" pitchFamily="18" charset="0"/>
+            </a:endParaRPr>
+          </a:p>
+          <a:p>
+            <a:pPr lvl="0"/>
+            <a:r>
+              <a:rPr lang="en-US" sz="2200" smtClean="0">
+                <a:latin typeface="Times New Roman" panose="02020603050405020304" pitchFamily="18" charset="0"/>
+                <a:cs typeface="Times New Roman" panose="02020603050405020304" pitchFamily="18" charset="0"/>
+              </a:rPr>
+              <a:t>Hệ thống chưa kiếm các câu hỏi tương tự đúng 100%.</a:t>
+            </a:r>
+            <a:endParaRPr lang="vi-VN" sz="2200" smtClean="0">
+              <a:latin typeface="Times New Roman" panose="02020603050405020304" pitchFamily="18" charset="0"/>
+              <a:cs typeface="Times New Roman" panose="02020603050405020304" pitchFamily="18" charset="0"/>
+            </a:endParaRPr>
+          </a:p>
+          <a:p>
+            <a:pPr lvl="0"/>
+            <a:r>
+              <a:rPr lang="en-US" sz="2200" smtClean="0">
+                <a:latin typeface="Times New Roman" panose="02020603050405020304" pitchFamily="18" charset="0"/>
+                <a:cs typeface="Times New Roman" panose="02020603050405020304" pitchFamily="18" charset="0"/>
+              </a:rPr>
+              <a:t>Chưa có thông báo cho người dùng câu hỏi đã có người trả lời hay chưa.</a:t>
+            </a:r>
+            <a:endParaRPr lang="vi-VN" sz="2200" smtClean="0">
+              <a:latin typeface="Times New Roman" panose="02020603050405020304" pitchFamily="18" charset="0"/>
+              <a:cs typeface="Times New Roman" panose="02020603050405020304" pitchFamily="18" charset="0"/>
+            </a:endParaRPr>
+          </a:p>
+          <a:p>
+            <a:pPr lvl="0"/>
+            <a:r>
+              <a:rPr lang="en-US" sz="2200" smtClean="0">
+                <a:latin typeface="Times New Roman" panose="02020603050405020304" pitchFamily="18" charset="0"/>
+                <a:cs typeface="Times New Roman" panose="02020603050405020304" pitchFamily="18" charset="0"/>
+              </a:rPr>
+              <a:t>Xử lý bài viết không hợp lệ với tiêu chí của diễn đàn.</a:t>
+            </a:r>
+            <a:endParaRPr lang="vi-VN" sz="2200" smtClean="0">
+              <a:latin typeface="Times New Roman" panose="02020603050405020304" pitchFamily="18" charset="0"/>
+              <a:cs typeface="Times New Roman" panose="02020603050405020304" pitchFamily="18" charset="0"/>
+            </a:endParaRPr>
+          </a:p>
+          <a:p>
+            <a:pPr lvl="0"/>
+            <a:r>
+              <a:rPr lang="en-US" sz="2200" smtClean="0">
+                <a:latin typeface="Times New Roman" panose="02020603050405020304" pitchFamily="18" charset="0"/>
+                <a:cs typeface="Times New Roman" panose="02020603050405020304" pitchFamily="18" charset="0"/>
+              </a:rPr>
+              <a:t>Bảo mật cho hệ thống.</a:t>
+            </a:r>
+            <a:endParaRPr lang="vi-VN" sz="2200" smtClean="0">
+              <a:latin typeface="Times New Roman" panose="02020603050405020304" pitchFamily="18" charset="0"/>
+              <a:cs typeface="Times New Roman" panose="02020603050405020304" pitchFamily="18" charset="0"/>
+            </a:endParaRPr>
+          </a:p>
+          <a:p>
+            <a:pPr marL="0" indent="0">
+              <a:buNone/>
+            </a:pPr>
+            <a:r>
+              <a:rPr lang="en-US" sz="2000" b="1" smtClean="0">
+                <a:latin typeface="Times New Roman" panose="02020603050405020304" pitchFamily="18" charset="0"/>
+                <a:cs typeface="Times New Roman" panose="02020603050405020304" pitchFamily="18" charset="0"/>
+              </a:rPr>
+              <a:t>Hướng phát triển cho tương lai:</a:t>
+            </a:r>
+            <a:endParaRPr lang="vi-VN" sz="2000" b="1" smtClean="0">
+              <a:latin typeface="Times New Roman" panose="02020603050405020304" pitchFamily="18" charset="0"/>
+              <a:cs typeface="Times New Roman" panose="02020603050405020304" pitchFamily="18" charset="0"/>
+            </a:endParaRPr>
+          </a:p>
+          <a:p>
+            <a:r>
+              <a:rPr lang="en-US" sz="2200" smtClean="0">
+                <a:latin typeface="Times New Roman" panose="02020603050405020304" pitchFamily="18" charset="0"/>
+                <a:cs typeface="Times New Roman" panose="02020603050405020304" pitchFamily="18" charset="0"/>
+              </a:rPr>
+              <a:t>Áp dụng thêm một số giải thuật để tăng độ chính xác đồng thời tạo thêm một phân phân loại câu hỏi theo chủ đề. </a:t>
+            </a:r>
+            <a:endParaRPr lang="vi-VN" sz="2200">
+              <a:latin typeface="Times New Roman" panose="02020603050405020304" pitchFamily="18" charset="0"/>
+              <a:cs typeface="Times New Roman" panose="02020603050405020304" pitchFamily="18" charset="0"/>
+            </a:endParaRPr>
+          </a:p>
+          <a:p>
+            <a:endParaRPr lang="vi-VN"/>
+          </a:p>
+        </p:txBody>
+      </p:sp>
+    </p:spTree>
+    <p:extLst>
+      <p:ext uri="{BB962C8B-B14F-4D97-AF65-F5344CB8AC3E}">
+        <p14:creationId xmlns:p14="http://schemas.microsoft.com/office/powerpoint/2010/main" val="3532598653"/>
+      </p:ext>
+    </p:extLst>
+  </p:cSld>
+  <p:clrMapOvr>
+    <a:masterClrMapping/>
+  </p:clrMapOvr>
+  <p:timing>
+    <p:tnLst>
+      <p:par>
+        <p:cTn id="1" dur="indefinite" restart="never" nodeType="tmRoot"/>
+      </p:par>
+    </p:tnLst>
+  </p:timing>
+</p:sld>
+</file>
+
+<file path=ppt/slides/slide25.xml><?xml version="1.0" encoding="utf-8"?>
+<p:sld xmlns:a="http://schemas.openxmlformats.org/drawingml/2006/main" xmlns:r="http://schemas.openxmlformats.org/officeDocument/2006/relationships" xmlns:p="http://schemas.openxmlformats.org/presentationml/2006/main">
+  <p:cSld>
+    <p:spTree>
+      <p:nvGrpSpPr>
+        <p:cNvPr id="1" name=""/>
+        <p:cNvGrpSpPr/>
+        <p:nvPr/>
+      </p:nvGrpSpPr>
+      <p:grpSpPr>
+        <a:xfrm>
+          <a:off x="0" y="0"/>
+          <a:ext cx="0" cy="0"/>
+          <a:chOff x="0" y="0"/>
+          <a:chExt cx="0" cy="0"/>
+        </a:xfrm>
+      </p:grpSpPr>
+      <p:sp>
+        <p:nvSpPr>
+          <p:cNvPr id="2" name="Title 1"/>
+          <p:cNvSpPr>
+            <a:spLocks noGrp="1"/>
+          </p:cNvSpPr>
+          <p:nvPr>
+            <p:ph type="title"/>
+          </p:nvPr>
+        </p:nvSpPr>
+        <p:spPr/>
+        <p:txBody>
+          <a:bodyPr/>
+          <a:lstStyle/>
+          <a:p>
+            <a:endParaRPr lang="vi-VN"/>
+          </a:p>
+        </p:txBody>
+      </p:sp>
+      <p:sp>
+        <p:nvSpPr>
+          <p:cNvPr id="3" name="Content Placeholder 2"/>
+          <p:cNvSpPr>
+            <a:spLocks noGrp="1"/>
+          </p:cNvSpPr>
+          <p:nvPr>
+            <p:ph idx="1"/>
+          </p:nvPr>
+        </p:nvSpPr>
+        <p:spPr/>
+        <p:txBody>
+          <a:bodyPr/>
+          <a:lstStyle/>
+          <a:p>
+            <a:endParaRPr lang="en-US" smtClean="0"/>
+          </a:p>
+          <a:p>
+            <a:endParaRPr lang="en-US"/>
+          </a:p>
+          <a:p>
+            <a:pPr marL="0" indent="0">
+              <a:buNone/>
+            </a:pPr>
+            <a:r>
+              <a:rPr lang="en-US" sz="3600">
+                <a:latin typeface="Times New Roman" panose="02020603050405020304" pitchFamily="18" charset="0"/>
+                <a:cs typeface="Times New Roman" panose="02020603050405020304" pitchFamily="18" charset="0"/>
+              </a:rPr>
+              <a:t>XIN CẢM ƠN CÁC THẦY ĐÃ LẮNG NGHE PHẦN TRÌNH BÀY CỦA NHÓM</a:t>
+            </a:r>
+            <a:endParaRPr lang="vi-VN" sz="3600">
+              <a:latin typeface="Times New Roman" panose="02020603050405020304" pitchFamily="18" charset="0"/>
+              <a:cs typeface="Times New Roman" panose="02020603050405020304" pitchFamily="18" charset="0"/>
+            </a:endParaRPr>
+          </a:p>
+          <a:p>
+            <a:endParaRPr lang="en-US" sz="3600" smtClean="0"/>
+          </a:p>
+        </p:txBody>
+      </p:sp>
+    </p:spTree>
+    <p:extLst>
+      <p:ext uri="{BB962C8B-B14F-4D97-AF65-F5344CB8AC3E}">
+        <p14:creationId xmlns:p14="http://schemas.microsoft.com/office/powerpoint/2010/main" val="3044223509"/>
       </p:ext>
     </p:extLst>
   </p:cSld>
@@ -4481,7 +9939,7 @@
         </p:spPr>
         <p:txBody>
           <a:bodyPr>
-            <a:normAutofit fontScale="92500" lnSpcReduction="10000"/>
+            <a:normAutofit/>
           </a:bodyPr>
           <a:lstStyle/>
           <a:p>
@@ -4489,27 +9947,27 @@
               <a:buNone/>
             </a:pPr>
             <a:r>
-              <a:rPr lang="en-US" sz="2600" b="1">
+              <a:rPr lang="en-US" sz="2400" b="1" smtClean="0">
                 <a:latin typeface="Times New Roman" panose="02020603050405020304" pitchFamily="18" charset="0"/>
                 <a:cs typeface="Times New Roman" panose="02020603050405020304" pitchFamily="18" charset="0"/>
               </a:rPr>
               <a:t>Hệ </a:t>
             </a:r>
             <a:r>
-              <a:rPr lang="en-US" sz="2200" b="1">
-                <a:latin typeface="Times New Roman" panose="02020603050405020304" pitchFamily="18" charset="0"/>
-                <a:cs typeface="Times New Roman" panose="02020603050405020304" pitchFamily="18" charset="0"/>
-              </a:rPr>
-              <a:t>thống</a:t>
-            </a:r>
-            <a:r>
-              <a:rPr lang="en-US" sz="2600" b="1">
-                <a:latin typeface="Times New Roman" panose="02020603050405020304" pitchFamily="18" charset="0"/>
-                <a:cs typeface="Times New Roman" panose="02020603050405020304" pitchFamily="18" charset="0"/>
-              </a:rPr>
-              <a:t> hỏi đáp là gì:</a:t>
-            </a:r>
-            <a:endParaRPr lang="vi-VN" sz="2600" b="1">
+              <a:rPr lang="en-US" sz="2400" b="1">
+                <a:latin typeface="Times New Roman" panose="02020603050405020304" pitchFamily="18" charset="0"/>
+                <a:cs typeface="Times New Roman" panose="02020603050405020304" pitchFamily="18" charset="0"/>
+              </a:rPr>
+              <a:t>thống hỏi đáp là gì</a:t>
+            </a:r>
+            <a:r>
+              <a:rPr lang="en-US" sz="2400" b="1" smtClean="0">
+                <a:latin typeface="Times New Roman" panose="02020603050405020304" pitchFamily="18" charset="0"/>
+                <a:cs typeface="Times New Roman" panose="02020603050405020304" pitchFamily="18" charset="0"/>
+              </a:rPr>
+              <a:t>:</a:t>
+            </a:r>
+            <a:endParaRPr lang="vi-VN" sz="2400" b="1">
               <a:latin typeface="Times New Roman" panose="02020603050405020304" pitchFamily="18" charset="0"/>
               <a:cs typeface="Times New Roman" panose="02020603050405020304" pitchFamily="18" charset="0"/>
             </a:endParaRPr>
@@ -4522,68 +9980,30 @@
               <a:buNone/>
             </a:pPr>
             <a:r>
-              <a:rPr lang="en-US" sz="1900">
-                <a:latin typeface="Times New Roman" panose="02020603050405020304" pitchFamily="18" charset="0"/>
-                <a:cs typeface="Times New Roman" panose="02020603050405020304" pitchFamily="18" charset="0"/>
-              </a:rPr>
-              <a:t>Hệ thống hỏi đáp là hệ thống cho phép người dùng đặt câu hỏi và nhận được câu trả lời về những vấn đề mà họ đang gặp khó khăn và chưa tìm ra hướng </a:t>
-            </a:r>
-            <a:r>
-              <a:rPr lang="en-US" sz="1900">
-                <a:latin typeface="Times New Roman" panose="02020603050405020304" pitchFamily="18" charset="0"/>
-                <a:cs typeface="Times New Roman" panose="02020603050405020304" pitchFamily="18" charset="0"/>
-              </a:rPr>
-              <a:t>giải </a:t>
-            </a:r>
-            <a:r>
-              <a:rPr lang="en-US" sz="1900" smtClean="0">
-                <a:latin typeface="Times New Roman" panose="02020603050405020304" pitchFamily="18" charset="0"/>
-                <a:cs typeface="Times New Roman" panose="02020603050405020304" pitchFamily="18" charset="0"/>
-              </a:rPr>
-              <a:t>quyết đồng thời là </a:t>
-            </a:r>
-            <a:r>
-              <a:rPr lang="en-US" sz="1900">
-                <a:latin typeface="Times New Roman" panose="02020603050405020304" pitchFamily="18" charset="0"/>
-                <a:cs typeface="Times New Roman" panose="02020603050405020304" pitchFamily="18" charset="0"/>
-              </a:rPr>
-              <a:t>nơi tập trung các </a:t>
-            </a:r>
-            <a:r>
-              <a:rPr lang="en-US" sz="1900">
-                <a:latin typeface="Times New Roman" panose="02020603050405020304" pitchFamily="18" charset="0"/>
-                <a:cs typeface="Times New Roman" panose="02020603050405020304" pitchFamily="18" charset="0"/>
-              </a:rPr>
-              <a:t>kiến </a:t>
-            </a:r>
-            <a:r>
-              <a:rPr lang="en-US" sz="1900" smtClean="0">
-                <a:latin typeface="Times New Roman" panose="02020603050405020304" pitchFamily="18" charset="0"/>
-                <a:cs typeface="Times New Roman" panose="02020603050405020304" pitchFamily="18" charset="0"/>
-              </a:rPr>
-              <a:t>thứ, đồng thời cũng </a:t>
-            </a:r>
-            <a:r>
-              <a:rPr lang="en-US" sz="1900">
-                <a:latin typeface="Times New Roman" panose="02020603050405020304" pitchFamily="18" charset="0"/>
-                <a:cs typeface="Times New Roman" panose="02020603050405020304" pitchFamily="18" charset="0"/>
-              </a:rPr>
-              <a:t>là thế giới thông tin mở và là kho tàng </a:t>
-            </a:r>
-            <a:r>
-              <a:rPr lang="en-US" sz="1900">
-                <a:latin typeface="Times New Roman" panose="02020603050405020304" pitchFamily="18" charset="0"/>
-                <a:cs typeface="Times New Roman" panose="02020603050405020304" pitchFamily="18" charset="0"/>
-              </a:rPr>
-              <a:t>kiến </a:t>
-            </a:r>
-            <a:r>
-              <a:rPr lang="en-US" sz="1900" smtClean="0">
-                <a:latin typeface="Times New Roman" panose="02020603050405020304" pitchFamily="18" charset="0"/>
-                <a:cs typeface="Times New Roman" panose="02020603050405020304" pitchFamily="18" charset="0"/>
-              </a:rPr>
-              <a:t>thức.</a:t>
-            </a:r>
+              <a:rPr lang="en-US" sz="2200" smtClean="0">
+                <a:latin typeface="Times New Roman" panose="02020603050405020304" pitchFamily="18" charset="0"/>
+                <a:cs typeface="Times New Roman" panose="02020603050405020304" pitchFamily="18" charset="0"/>
+              </a:rPr>
+              <a:t>Hệ </a:t>
+            </a:r>
+            <a:r>
+              <a:rPr lang="en-US" sz="2200">
+                <a:latin typeface="Times New Roman" panose="02020603050405020304" pitchFamily="18" charset="0"/>
+                <a:cs typeface="Times New Roman" panose="02020603050405020304" pitchFamily="18" charset="0"/>
+              </a:rPr>
+              <a:t>thống hỏi đáp là hệ thống cho phép người dùng đặt câu hỏi và nhận được câu trả </a:t>
+            </a:r>
+            <a:r>
+              <a:rPr lang="en-US" sz="2200" smtClean="0">
+                <a:latin typeface="Times New Roman" panose="02020603050405020304" pitchFamily="18" charset="0"/>
+                <a:cs typeface="Times New Roman" panose="02020603050405020304" pitchFamily="18" charset="0"/>
+              </a:rPr>
+              <a:t>lời.</a:t>
+            </a:r>
+            <a:endParaRPr lang="en-US" sz="2200" smtClean="0">
+              <a:latin typeface="Times New Roman" panose="02020603050405020304" pitchFamily="18" charset="0"/>
+              <a:cs typeface="Times New Roman" panose="02020603050405020304" pitchFamily="18" charset="0"/>
+            </a:endParaRPr>
           </a:p>
           <a:p>
             <a:pPr marL="274320" lvl="1" indent="0">
@@ -4593,7 +10013,7 @@
               <a:buNone/>
             </a:pPr>
             <a:r>
-              <a:rPr lang="en-US" sz="1900" smtClean="0">
+              <a:rPr lang="en-US" sz="2200" smtClean="0">
                 <a:latin typeface="Times New Roman" panose="02020603050405020304" pitchFamily="18" charset="0"/>
                 <a:cs typeface="Times New Roman" panose="02020603050405020304" pitchFamily="18" charset="0"/>
               </a:rPr>
@@ -4607,16 +10027,19 @@
               </a:lnSpc>
             </a:pPr>
             <a:r>
-              <a:rPr lang="en-US" sz="1900">
-                <a:latin typeface="Times New Roman" panose="02020603050405020304" pitchFamily="18" charset="0"/>
-                <a:cs typeface="Times New Roman" panose="02020603050405020304" pitchFamily="18" charset="0"/>
-              </a:rPr>
-              <a:t>Hỏi đáp dựa trên cộng đồng (Community Question Answering System): dữ liệu được thu thập chủ yếu từ những cơ sở tri thức trên internet để xây dựng nên hệ thống.</a:t>
-            </a:r>
-            <a:endParaRPr lang="vi-VN" sz="1900">
-              <a:latin typeface="Times New Roman" panose="02020603050405020304" pitchFamily="18" charset="0"/>
-              <a:cs typeface="Times New Roman" panose="02020603050405020304" pitchFamily="18" charset="0"/>
-            </a:endParaRPr>
+              <a:rPr lang="en-US" sz="2200">
+                <a:latin typeface="Times New Roman" panose="02020603050405020304" pitchFamily="18" charset="0"/>
+                <a:cs typeface="Times New Roman" panose="02020603050405020304" pitchFamily="18" charset="0"/>
+              </a:rPr>
+              <a:t>Hỏi đáp dựa trên cộng đồng (Community Question Answering System</a:t>
+            </a:r>
+            <a:r>
+              <a:rPr lang="en-US" sz="2200" smtClean="0">
+                <a:latin typeface="Times New Roman" panose="02020603050405020304" pitchFamily="18" charset="0"/>
+                <a:cs typeface="Times New Roman" panose="02020603050405020304" pitchFamily="18" charset="0"/>
+              </a:rPr>
+              <a:t>)</a:t>
+            </a:r>
           </a:p>
           <a:p>
             <a:pPr lvl="1">
@@ -4625,25 +10048,27 @@
               </a:lnSpc>
             </a:pPr>
             <a:r>
-              <a:rPr lang="en-US" sz="1900">
-                <a:latin typeface="Times New Roman" panose="02020603050405020304" pitchFamily="18" charset="0"/>
-                <a:cs typeface="Times New Roman" panose="02020603050405020304" pitchFamily="18" charset="0"/>
-              </a:rPr>
-              <a:t>Hỏi đáp dựa trên bộ sinh (Generative Question Answering System): Câu trả lời sẽ tự động được sinh ra đáp ứng nhu cầu hỏi đáp được xây dựng từ các tri thức có sẵn và sinh ra câu trả lời.</a:t>
-            </a:r>
-            <a:endParaRPr lang="vi-VN" sz="1900">
-              <a:latin typeface="Times New Roman" panose="02020603050405020304" pitchFamily="18" charset="0"/>
-              <a:cs typeface="Times New Roman" panose="02020603050405020304" pitchFamily="18" charset="0"/>
-            </a:endParaRPr>
-          </a:p>
-          <a:p>
-            <a:pPr marL="274320" lvl="1" indent="0">
-              <a:lnSpc>
-                <a:spcPct val="150000"/>
-              </a:lnSpc>
-              <a:buNone/>
-            </a:pPr>
-            <a:endParaRPr lang="en-US" sz="2000" smtClean="0">
+              <a:rPr lang="en-US" sz="2200" smtClean="0">
+                <a:latin typeface="Times New Roman" panose="02020603050405020304" pitchFamily="18" charset="0"/>
+                <a:cs typeface="Times New Roman" panose="02020603050405020304" pitchFamily="18" charset="0"/>
+              </a:rPr>
+              <a:t>Hỏi </a:t>
+            </a:r>
+            <a:r>
+              <a:rPr lang="en-US" sz="2200">
+                <a:latin typeface="Times New Roman" panose="02020603050405020304" pitchFamily="18" charset="0"/>
+                <a:cs typeface="Times New Roman" panose="02020603050405020304" pitchFamily="18" charset="0"/>
+              </a:rPr>
+              <a:t>đáp dựa trên bộ sinh (Generative Question Answering System</a:t>
+            </a:r>
+            <a:r>
+              <a:rPr lang="en-US" sz="2200" smtClean="0">
+                <a:latin typeface="Times New Roman" panose="02020603050405020304" pitchFamily="18" charset="0"/>
+                <a:cs typeface="Times New Roman" panose="02020603050405020304" pitchFamily="18" charset="0"/>
+              </a:rPr>
+              <a:t>)</a:t>
+            </a:r>
+            <a:endParaRPr lang="en-US" sz="2200" smtClean="0">
               <a:latin typeface="Times New Roman" panose="02020603050405020304" pitchFamily="18" charset="0"/>
               <a:cs typeface="Times New Roman" panose="02020603050405020304" pitchFamily="18" charset="0"/>
             </a:endParaRPr>
@@ -4653,7 +10078,7 @@
               <a:buFont typeface="+mj-lt"/>
               <a:buAutoNum type="romanUcPeriod"/>
             </a:pPr>
-            <a:endParaRPr lang="en-US">
+            <a:endParaRPr lang="en-US" sz="2200">
               <a:latin typeface="Times New Roman" panose="02020603050405020304" pitchFamily="18" charset="0"/>
               <a:cs typeface="Times New Roman" panose="02020603050405020304" pitchFamily="18" charset="0"/>
             </a:endParaRPr>
@@ -4663,13 +10088,13 @@
               <a:buFont typeface="+mj-lt"/>
               <a:buAutoNum type="romanUcPeriod"/>
             </a:pPr>
-            <a:endParaRPr lang="en-US" smtClean="0">
+            <a:endParaRPr lang="en-US" sz="2200" smtClean="0">
               <a:latin typeface="Times New Roman" panose="02020603050405020304" pitchFamily="18" charset="0"/>
               <a:cs typeface="Times New Roman" panose="02020603050405020304" pitchFamily="18" charset="0"/>
             </a:endParaRPr>
           </a:p>
           <a:p>
-            <a:endParaRPr lang="vi-VN"/>
+            <a:endParaRPr lang="vi-VN" sz="2200"/>
           </a:p>
         </p:txBody>
       </p:sp>
@@ -4739,12 +10164,19 @@
             <p:ph idx="1"/>
           </p:nvPr>
         </p:nvSpPr>
-        <p:spPr/>
+        <p:spPr>
+          <a:xfrm>
+            <a:off x="415710" y="1801504"/>
+            <a:ext cx="9342439" cy="4351337"/>
+          </a:xfrm>
+        </p:spPr>
         <p:txBody>
-          <a:bodyPr/>
+          <a:bodyPr>
+            <a:normAutofit/>
+          </a:bodyPr>
           <a:lstStyle/>
           <a:p>
-            <a:pPr marL="0" indent="0">
+            <a:pPr marL="548640" lvl="2" indent="0">
               <a:buNone/>
             </a:pPr>
             <a:r>
@@ -4752,71 +10184,103 @@
                 <a:latin typeface="Times New Roman" panose="02020603050405020304" pitchFamily="18" charset="0"/>
                 <a:cs typeface="Times New Roman" panose="02020603050405020304" pitchFamily="18" charset="0"/>
               </a:rPr>
-              <a:t>Ý </a:t>
+              <a:t>2. Mục </a:t>
             </a:r>
             <a:r>
               <a:rPr lang="en-US" sz="2400" b="1">
                 <a:latin typeface="Times New Roman" panose="02020603050405020304" pitchFamily="18" charset="0"/>
                 <a:cs typeface="Times New Roman" panose="02020603050405020304" pitchFamily="18" charset="0"/>
               </a:rPr>
-              <a:t>nghĩa hệ thống hỏi đáp và nhu cầu xã hội: </a:t>
-            </a:r>
-            <a:endParaRPr lang="vi-VN" sz="2400" b="1">
+              <a:t>đích đề </a:t>
+            </a:r>
+            <a:r>
+              <a:rPr lang="en-US" sz="2400" b="1" smtClean="0">
+                <a:latin typeface="Times New Roman" panose="02020603050405020304" pitchFamily="18" charset="0"/>
+                <a:cs typeface="Times New Roman" panose="02020603050405020304" pitchFamily="18" charset="0"/>
+              </a:rPr>
+              <a:t>tài</a:t>
+            </a:r>
+          </a:p>
+          <a:p>
+            <a:pPr lvl="2">
+              <a:lnSpc>
+                <a:spcPct val="150000"/>
+              </a:lnSpc>
+            </a:pPr>
+            <a:r>
+              <a:rPr lang="en-US" sz="2200">
+                <a:latin typeface="Times New Roman" panose="02020603050405020304" pitchFamily="18" charset="0"/>
+                <a:cs typeface="Times New Roman" panose="02020603050405020304" pitchFamily="18" charset="0"/>
+              </a:rPr>
+              <a:t>Tạo ra diễn đàn kết nối giữa sinh viên và nhà </a:t>
+            </a:r>
+            <a:r>
+              <a:rPr lang="en-US" sz="2200" smtClean="0">
+                <a:latin typeface="Times New Roman" panose="02020603050405020304" pitchFamily="18" charset="0"/>
+                <a:cs typeface="Times New Roman" panose="02020603050405020304" pitchFamily="18" charset="0"/>
+              </a:rPr>
+              <a:t>trường </a:t>
+            </a:r>
+            <a:r>
+              <a:rPr lang="en-US" sz="2200">
+                <a:latin typeface="Times New Roman" panose="02020603050405020304" pitchFamily="18" charset="0"/>
+                <a:cs typeface="Times New Roman" panose="02020603050405020304" pitchFamily="18" charset="0"/>
+              </a:rPr>
+              <a:t>thông qua website và ứng dụng điện thoại trên nền tảng Android. Là </a:t>
+            </a:r>
+            <a:r>
+              <a:rPr lang="en-US" sz="2200" smtClean="0">
+                <a:latin typeface="Times New Roman" panose="02020603050405020304" pitchFamily="18" charset="0"/>
+                <a:cs typeface="Times New Roman" panose="02020603050405020304" pitchFamily="18" charset="0"/>
+              </a:rPr>
+              <a:t>nơi </a:t>
+            </a:r>
+            <a:r>
+              <a:rPr lang="en-US" sz="2200">
+                <a:latin typeface="Times New Roman" panose="02020603050405020304" pitchFamily="18" charset="0"/>
+                <a:cs typeface="Times New Roman" panose="02020603050405020304" pitchFamily="18" charset="0"/>
+              </a:rPr>
+              <a:t>trao đổi, giải đáp các thắc mắc của các bạn sinh viên, hỗ trợ sinh viên tìm kiếm thông tin một cách nhanh chóng và chính xác nhất.</a:t>
+            </a:r>
+            <a:endParaRPr lang="vi-VN" sz="2200">
               <a:latin typeface="Times New Roman" panose="02020603050405020304" pitchFamily="18" charset="0"/>
               <a:cs typeface="Times New Roman" panose="02020603050405020304" pitchFamily="18" charset="0"/>
             </a:endParaRPr>
           </a:p>
           <a:p>
-            <a:r>
-              <a:rPr lang="en-US" smtClean="0">
-                <a:latin typeface="Times New Roman" panose="02020603050405020304" pitchFamily="18" charset="0"/>
-                <a:cs typeface="Times New Roman" panose="02020603050405020304" pitchFamily="18" charset="0"/>
-              </a:rPr>
-              <a:t>Là nơi tập trung các giải quyết các vấn đề khó khăn hoặc thắc mắc,góp ý của các bạn sinh viên.</a:t>
-            </a:r>
-          </a:p>
-          <a:p>
-            <a:r>
-              <a:rPr lang="en-US">
-                <a:latin typeface="Times New Roman" panose="02020603050405020304" pitchFamily="18" charset="0"/>
-                <a:cs typeface="Times New Roman" panose="02020603050405020304" pitchFamily="18" charset="0"/>
-              </a:rPr>
-              <a:t> Hệ thống cho phép sinh viên đặt và trả lời các </a:t>
-            </a:r>
-            <a:r>
-              <a:rPr lang="en-US">
-                <a:latin typeface="Times New Roman" panose="02020603050405020304" pitchFamily="18" charset="0"/>
-                <a:cs typeface="Times New Roman" panose="02020603050405020304" pitchFamily="18" charset="0"/>
-              </a:rPr>
-              <a:t>câu </a:t>
-            </a:r>
-            <a:r>
-              <a:rPr lang="en-US" smtClean="0">
-                <a:latin typeface="Times New Roman" panose="02020603050405020304" pitchFamily="18" charset="0"/>
-                <a:cs typeface="Times New Roman" panose="02020603050405020304" pitchFamily="18" charset="0"/>
-              </a:rPr>
-              <a:t>hỏi và sẽ là kênh thông tin kết nối giữa nhà trường và các bạn sinh viên.</a:t>
-            </a:r>
-          </a:p>
-          <a:p>
-            <a:r>
-              <a:rPr lang="en-US" smtClean="0">
-                <a:latin typeface="Times New Roman" panose="02020603050405020304" pitchFamily="18" charset="0"/>
-                <a:cs typeface="Times New Roman" panose="02020603050405020304" pitchFamily="18" charset="0"/>
-              </a:rPr>
-              <a:t>Một địa chỉ đáng tin cậy và tập trung thông tin cho toàn thể sinh viên trường Đại Học Tôn Đức Thắng.</a:t>
-            </a:r>
-            <a:endParaRPr lang="vi-VN">
+            <a:pPr lvl="2">
+              <a:lnSpc>
+                <a:spcPct val="150000"/>
+              </a:lnSpc>
+            </a:pPr>
+            <a:r>
+              <a:rPr lang="en-US" sz="2200">
+                <a:latin typeface="Times New Roman" panose="02020603050405020304" pitchFamily="18" charset="0"/>
+                <a:cs typeface="Times New Roman" panose="02020603050405020304" pitchFamily="18" charset="0"/>
+              </a:rPr>
+              <a:t>Nghiên cứu hệ thống Question Answering và cách hiện thực một hệ thống trả lời tự động áp dụng cho sinh viên trường Đại Học Tôn </a:t>
+            </a:r>
+            <a:r>
+              <a:rPr lang="en-US" sz="2200" smtClean="0">
+                <a:latin typeface="Times New Roman" panose="02020603050405020304" pitchFamily="18" charset="0"/>
+                <a:cs typeface="Times New Roman" panose="02020603050405020304" pitchFamily="18" charset="0"/>
+              </a:rPr>
+              <a:t>Đức Thắng.</a:t>
+            </a:r>
+            <a:endParaRPr lang="vi-VN" sz="2200">
               <a:latin typeface="Times New Roman" panose="02020603050405020304" pitchFamily="18" charset="0"/>
               <a:cs typeface="Times New Roman" panose="02020603050405020304" pitchFamily="18" charset="0"/>
             </a:endParaRPr>
+          </a:p>
+          <a:p>
+            <a:endParaRPr lang="vi-VN"/>
           </a:p>
         </p:txBody>
       </p:sp>
     </p:spTree>
     <p:extLst>
       <p:ext uri="{BB962C8B-B14F-4D97-AF65-F5344CB8AC3E}">
-        <p14:creationId xmlns:p14="http://schemas.microsoft.com/office/powerpoint/2010/main" val="2235547894"/>
+        <p14:creationId xmlns:p14="http://schemas.microsoft.com/office/powerpoint/2010/main" val="2557757998"/>
       </p:ext>
     </p:extLst>
   </p:cSld>
@@ -4879,48 +10343,20 @@
             <p:ph idx="1"/>
           </p:nvPr>
         </p:nvSpPr>
-        <p:spPr>
-          <a:xfrm>
-            <a:off x="415710" y="1801504"/>
-            <a:ext cx="9342439" cy="4351337"/>
-          </a:xfrm>
-        </p:spPr>
+        <p:spPr/>
         <p:txBody>
-          <a:bodyPr>
-            <a:normAutofit fontScale="92500" lnSpcReduction="10000"/>
-          </a:bodyPr>
+          <a:bodyPr/>
           <a:lstStyle/>
           <a:p>
             <a:pPr marL="548640" lvl="2" indent="0">
               <a:buNone/>
             </a:pPr>
             <a:r>
-              <a:rPr lang="en-US" sz="2200" b="1" smtClean="0">
-                <a:latin typeface="Times New Roman" panose="02020603050405020304" pitchFamily="18" charset="0"/>
-                <a:cs typeface="Times New Roman" panose="02020603050405020304" pitchFamily="18" charset="0"/>
-              </a:rPr>
-              <a:t>2. Mục </a:t>
-            </a:r>
-            <a:r>
-              <a:rPr lang="en-US" sz="2200" b="1">
-                <a:latin typeface="Times New Roman" panose="02020603050405020304" pitchFamily="18" charset="0"/>
-                <a:cs typeface="Times New Roman" panose="02020603050405020304" pitchFamily="18" charset="0"/>
-              </a:rPr>
-              <a:t>đích </a:t>
-            </a:r>
-            <a:r>
-              <a:rPr lang="en-US" sz="2200" b="1">
-                <a:latin typeface="Times New Roman" panose="02020603050405020304" pitchFamily="18" charset="0"/>
-                <a:cs typeface="Times New Roman" panose="02020603050405020304" pitchFamily="18" charset="0"/>
-              </a:rPr>
-              <a:t>đề </a:t>
-            </a:r>
-            <a:r>
-              <a:rPr lang="en-US" sz="2200" b="1" smtClean="0">
-                <a:latin typeface="Times New Roman" panose="02020603050405020304" pitchFamily="18" charset="0"/>
-                <a:cs typeface="Times New Roman" panose="02020603050405020304" pitchFamily="18" charset="0"/>
-              </a:rPr>
-              <a:t>tài</a:t>
+              <a:rPr lang="en-US" sz="2400" b="1">
+                <a:latin typeface="Times New Roman" panose="02020603050405020304" pitchFamily="18" charset="0"/>
+                <a:cs typeface="Times New Roman" panose="02020603050405020304" pitchFamily="18" charset="0"/>
+              </a:rPr>
+              <a:t>3. Đối tượng và phạm vi nghiên cứu</a:t>
             </a:r>
           </a:p>
           <a:p>
@@ -4930,13 +10366,13 @@
               </a:lnSpc>
             </a:pPr>
             <a:r>
-              <a:rPr lang="en-US" sz="1800">
-                <a:latin typeface="Times New Roman" panose="02020603050405020304" pitchFamily="18" charset="0"/>
-                <a:cs typeface="Times New Roman" panose="02020603050405020304" pitchFamily="18" charset="0"/>
-              </a:rPr>
-              <a:t>Tạo ra diễn đàn kết nối giữa sinh viên và nhà trường, thông qua website và ứng dụng điện thoại trên nền tảng Android. Là nơi cung cấp lời, trao đổi, giải đáp các thắc mắc của các bạn sinh viên, hỗ trợ sinh viên tìm kiếm thông tin một cách nhanh chóng và chính xác nhất.</a:t>
-            </a:r>
-            <a:endParaRPr lang="vi-VN" sz="1800">
+              <a:rPr lang="en-US" sz="2200">
+                <a:latin typeface="Times New Roman" panose="02020603050405020304" pitchFamily="18" charset="0"/>
+                <a:cs typeface="Times New Roman" panose="02020603050405020304" pitchFamily="18" charset="0"/>
+              </a:rPr>
+              <a:t>Nghiên cứu xây dựng diễn đàn.</a:t>
+            </a:r>
+            <a:endParaRPr lang="vi-VN" sz="2200">
               <a:latin typeface="Times New Roman" panose="02020603050405020304" pitchFamily="18" charset="0"/>
               <a:cs typeface="Times New Roman" panose="02020603050405020304" pitchFamily="18" charset="0"/>
             </a:endParaRPr>
@@ -4948,49 +10384,16 @@
               </a:lnSpc>
             </a:pPr>
             <a:r>
-              <a:rPr lang="en-US" sz="1800">
-                <a:latin typeface="Times New Roman" panose="02020603050405020304" pitchFamily="18" charset="0"/>
-                <a:cs typeface="Times New Roman" panose="02020603050405020304" pitchFamily="18" charset="0"/>
-              </a:rPr>
-              <a:t>Nghiên cứu hệ thống Question Answering và cách hiện thực một hệ thống trả lời tự động áp dụng cho sinh viên trường Đại Học Tôn Đức Thắng nói riêng và có thể mở rộng cho toàn thể xã hội sử dụng từ cơ sở dữ liệu của diễn đàn.</a:t>
-            </a:r>
-            <a:endParaRPr lang="vi-VN" sz="1800">
+              <a:rPr lang="en-US" sz="2200">
+                <a:latin typeface="Times New Roman" panose="02020603050405020304" pitchFamily="18" charset="0"/>
+                <a:cs typeface="Times New Roman" panose="02020603050405020304" pitchFamily="18" charset="0"/>
+              </a:rPr>
+              <a:t>Nghiên cứu xây dụng ứng dụng chạy trên nền tảng android.</a:t>
+            </a:r>
+            <a:endParaRPr lang="vi-VN" sz="2200">
               <a:latin typeface="Times New Roman" panose="02020603050405020304" pitchFamily="18" charset="0"/>
               <a:cs typeface="Times New Roman" panose="02020603050405020304" pitchFamily="18" charset="0"/>
             </a:endParaRPr>
-          </a:p>
-          <a:p>
-            <a:pPr marL="548640" lvl="2" indent="0">
-              <a:buNone/>
-            </a:pPr>
-            <a:r>
-              <a:rPr lang="en-US" sz="2200" b="1" smtClean="0">
-                <a:latin typeface="Times New Roman" panose="02020603050405020304" pitchFamily="18" charset="0"/>
-                <a:cs typeface="Times New Roman" panose="02020603050405020304" pitchFamily="18" charset="0"/>
-              </a:rPr>
-              <a:t>3. Đối </a:t>
-            </a:r>
-            <a:r>
-              <a:rPr lang="en-US" sz="2200" b="1">
-                <a:latin typeface="Times New Roman" panose="02020603050405020304" pitchFamily="18" charset="0"/>
-                <a:cs typeface="Times New Roman" panose="02020603050405020304" pitchFamily="18" charset="0"/>
-              </a:rPr>
-              <a:t>tượng và phạm vi </a:t>
-            </a:r>
-            <a:r>
-              <a:rPr lang="en-US" sz="2200" b="1">
-                <a:latin typeface="Times New Roman" panose="02020603050405020304" pitchFamily="18" charset="0"/>
-                <a:cs typeface="Times New Roman" panose="02020603050405020304" pitchFamily="18" charset="0"/>
-              </a:rPr>
-              <a:t>nghiên </a:t>
-            </a:r>
-            <a:r>
-              <a:rPr lang="en-US" sz="2200" b="1" smtClean="0">
-                <a:latin typeface="Times New Roman" panose="02020603050405020304" pitchFamily="18" charset="0"/>
-                <a:cs typeface="Times New Roman" panose="02020603050405020304" pitchFamily="18" charset="0"/>
-              </a:rPr>
-              <a:t>cứu</a:t>
-            </a:r>
           </a:p>
           <a:p>
             <a:pPr lvl="2">
@@ -4999,49 +10402,13 @@
               </a:lnSpc>
             </a:pPr>
             <a:r>
-              <a:rPr lang="en-US" sz="1800">
-                <a:latin typeface="Times New Roman" panose="02020603050405020304" pitchFamily="18" charset="0"/>
-                <a:cs typeface="Times New Roman" panose="02020603050405020304" pitchFamily="18" charset="0"/>
-              </a:rPr>
-              <a:t>Nghiên cứu xây dựng diễn đàn.</a:t>
-            </a:r>
-            <a:endParaRPr lang="vi-VN" sz="1800">
-              <a:latin typeface="Times New Roman" panose="02020603050405020304" pitchFamily="18" charset="0"/>
-              <a:cs typeface="Times New Roman" panose="02020603050405020304" pitchFamily="18" charset="0"/>
-            </a:endParaRPr>
-          </a:p>
-          <a:p>
-            <a:pPr lvl="2">
-              <a:lnSpc>
-                <a:spcPct val="150000"/>
-              </a:lnSpc>
-            </a:pPr>
-            <a:r>
-              <a:rPr lang="en-US" sz="1800">
-                <a:latin typeface="Times New Roman" panose="02020603050405020304" pitchFamily="18" charset="0"/>
-                <a:cs typeface="Times New Roman" panose="02020603050405020304" pitchFamily="18" charset="0"/>
-              </a:rPr>
-              <a:t>Nghiên cứu xây dụng ứng dụng chạy trên nền tảng android.</a:t>
-            </a:r>
-            <a:endParaRPr lang="vi-VN" sz="1800">
-              <a:latin typeface="Times New Roman" panose="02020603050405020304" pitchFamily="18" charset="0"/>
-              <a:cs typeface="Times New Roman" panose="02020603050405020304" pitchFamily="18" charset="0"/>
-            </a:endParaRPr>
-          </a:p>
-          <a:p>
-            <a:pPr lvl="2">
-              <a:lnSpc>
-                <a:spcPct val="150000"/>
-              </a:lnSpc>
-            </a:pPr>
-            <a:r>
-              <a:rPr lang="en-US" sz="1800">
-                <a:latin typeface="Times New Roman" panose="02020603050405020304" pitchFamily="18" charset="0"/>
-                <a:cs typeface="Times New Roman" panose="02020603050405020304" pitchFamily="18" charset="0"/>
-              </a:rPr>
-              <a:t>Hệ thống tìm kiếm câu hỏi tương đương.</a:t>
-            </a:r>
-            <a:endParaRPr lang="vi-VN" sz="1800">
+              <a:rPr lang="en-US" sz="2200">
+                <a:latin typeface="Times New Roman" panose="02020603050405020304" pitchFamily="18" charset="0"/>
+                <a:cs typeface="Times New Roman" panose="02020603050405020304" pitchFamily="18" charset="0"/>
+              </a:rPr>
+              <a:t>Hệ thống tự động trả lời.</a:t>
+            </a:r>
+            <a:endParaRPr lang="vi-VN" sz="2200">
               <a:latin typeface="Times New Roman" panose="02020603050405020304" pitchFamily="18" charset="0"/>
               <a:cs typeface="Times New Roman" panose="02020603050405020304" pitchFamily="18" charset="0"/>
             </a:endParaRPr>
@@ -5054,20 +10421,13 @@
     </p:spTree>
     <p:extLst>
       <p:ext uri="{BB962C8B-B14F-4D97-AF65-F5344CB8AC3E}">
-        <p14:creationId xmlns:p14="http://schemas.microsoft.com/office/powerpoint/2010/main" val="2557757998"/>
+        <p14:creationId xmlns:p14="http://schemas.microsoft.com/office/powerpoint/2010/main" val="3869730393"/>
       </p:ext>
     </p:extLst>
   </p:cSld>
   <p:clrMapOvr>
     <a:masterClrMapping/>
   </p:clrMapOvr>
-  <p:timing>
-    <p:tnLst>
-      <p:par>
-        <p:cTn id="1" dur="indefinite" restart="never" nodeType="tmRoot"/>
-      </p:par>
-    </p:tnLst>
-  </p:timing>
 </p:sld>
 </file>
 
@@ -5168,21 +10528,28 @@
               <a:buNone/>
             </a:pPr>
             <a:r>
-              <a:rPr lang="en-US" sz="2000" b="1" smtClean="0">
-                <a:latin typeface="Times New Roman" panose="02020603050405020304" pitchFamily="18" charset="0"/>
-                <a:cs typeface="Times New Roman" panose="02020603050405020304" pitchFamily="18" charset="0"/>
-              </a:rPr>
-              <a:t>1.Kiến </a:t>
-            </a:r>
-            <a:r>
-              <a:rPr lang="en-US" sz="2000" b="1">
+              <a:rPr lang="en-US" sz="2400" b="1" smtClean="0">
+                <a:latin typeface="Times New Roman" panose="02020603050405020304" pitchFamily="18" charset="0"/>
+                <a:cs typeface="Times New Roman" panose="02020603050405020304" pitchFamily="18" charset="0"/>
+              </a:rPr>
+              <a:t>1</a:t>
+            </a:r>
+            <a:r>
+              <a:rPr lang="en-US" sz="2400" b="1" smtClean="0">
+                <a:latin typeface="Times New Roman" panose="02020603050405020304" pitchFamily="18" charset="0"/>
+                <a:cs typeface="Times New Roman" panose="02020603050405020304" pitchFamily="18" charset="0"/>
+              </a:rPr>
+              <a:t>. Kiến </a:t>
+            </a:r>
+            <a:r>
+              <a:rPr lang="en-US" sz="2400" b="1">
                 <a:latin typeface="Times New Roman" panose="02020603050405020304" pitchFamily="18" charset="0"/>
                 <a:cs typeface="Times New Roman" panose="02020603050405020304" pitchFamily="18" charset="0"/>
               </a:rPr>
               <a:t>trúc tổng quan của hệ </a:t>
             </a:r>
             <a:r>
-              <a:rPr lang="en-US" sz="2000" b="1" smtClean="0">
+              <a:rPr lang="en-US" sz="2400" b="1" smtClean="0">
                 <a:latin typeface="Times New Roman" panose="02020603050405020304" pitchFamily="18" charset="0"/>
                 <a:cs typeface="Times New Roman" panose="02020603050405020304" pitchFamily="18" charset="0"/>
               </a:rPr>
@@ -5194,27 +10561,26 @@
               <a:buNone/>
             </a:pPr>
             <a:r>
-              <a:rPr lang="en-US">
+              <a:rPr lang="en-US" sz="2200">
                 <a:latin typeface="Times New Roman" panose="02020603050405020304" pitchFamily="18" charset="0"/>
                 <a:cs typeface="Times New Roman" panose="02020603050405020304" pitchFamily="18" charset="0"/>
               </a:rPr>
               <a:t>Hệ thống bao gồm 4 thành phần chính: </a:t>
             </a:r>
-            <a:endParaRPr lang="vi-VN" b="1">
+            <a:endParaRPr lang="en-US" sz="2200" smtClean="0">
               <a:latin typeface="Times New Roman" panose="02020603050405020304" pitchFamily="18" charset="0"/>
               <a:cs typeface="Times New Roman" panose="02020603050405020304" pitchFamily="18" charset="0"/>
             </a:endParaRPr>
           </a:p>
           <a:p>
-            <a:pPr lvl="0"/>
-            <a:r>
-              <a:rPr lang="en-US">
-                <a:latin typeface="Times New Roman" panose="02020603050405020304" pitchFamily="18" charset="0"/>
-                <a:cs typeface="Times New Roman" panose="02020603050405020304" pitchFamily="18" charset="0"/>
-              </a:rPr>
-              <a:t>Web Client hay ứng dụng trên điện thoại di động là nơi hiển thì giao diện cho người dùng tương tác.</a:t>
-            </a:r>
-            <a:endParaRPr lang="vi-VN" b="1">
+            <a:r>
+              <a:rPr lang="en-US" sz="2200" smtClean="0">
+                <a:latin typeface="Times New Roman" panose="02020603050405020304" pitchFamily="18" charset="0"/>
+                <a:cs typeface="Times New Roman" panose="02020603050405020304" pitchFamily="18" charset="0"/>
+              </a:rPr>
+              <a:t>Cơ sỡ dữ liệu</a:t>
+            </a:r>
+            <a:endParaRPr lang="vi-VN" sz="2200" b="1">
               <a:latin typeface="Times New Roman" panose="02020603050405020304" pitchFamily="18" charset="0"/>
               <a:cs typeface="Times New Roman" panose="02020603050405020304" pitchFamily="18" charset="0"/>
             </a:endParaRPr>
@@ -5222,13 +10588,20 @@
           <a:p>
             <a:pPr lvl="0"/>
             <a:r>
-              <a:rPr lang="en-US">
-                <a:latin typeface="Times New Roman" panose="02020603050405020304" pitchFamily="18" charset="0"/>
-                <a:cs typeface="Times New Roman" panose="02020603050405020304" pitchFamily="18" charset="0"/>
-              </a:rPr>
-              <a:t> Rest API là nơi tiếp nhận xử lý các yêu cầu từ người dùng như đăng nhập, đặt câu hỏi, tìm kiếm câu hỏi… </a:t>
-            </a:r>
-            <a:endParaRPr lang="vi-VN" b="1">
+              <a:rPr lang="en-US" sz="2200">
+                <a:latin typeface="Times New Roman" panose="02020603050405020304" pitchFamily="18" charset="0"/>
+                <a:cs typeface="Times New Roman" panose="02020603050405020304" pitchFamily="18" charset="0"/>
+              </a:rPr>
+              <a:t>Web Client </a:t>
+            </a:r>
+            <a:r>
+              <a:rPr lang="en-US" sz="2200" smtClean="0">
+                <a:latin typeface="Times New Roman" panose="02020603050405020304" pitchFamily="18" charset="0"/>
+                <a:cs typeface="Times New Roman" panose="02020603050405020304" pitchFamily="18" charset="0"/>
+              </a:rPr>
+              <a:t>và Ứng dụng trên hệ điều hành Android</a:t>
+            </a:r>
+            <a:endParaRPr lang="en-US" sz="2200" smtClean="0">
               <a:latin typeface="Times New Roman" panose="02020603050405020304" pitchFamily="18" charset="0"/>
               <a:cs typeface="Times New Roman" panose="02020603050405020304" pitchFamily="18" charset="0"/>
             </a:endParaRPr>
@@ -5236,13 +10609,13 @@
           <a:p>
             <a:pPr lvl="0"/>
             <a:r>
-              <a:rPr lang="en-US">
-                <a:latin typeface="Times New Roman" panose="02020603050405020304" pitchFamily="18" charset="0"/>
-                <a:cs typeface="Times New Roman" panose="02020603050405020304" pitchFamily="18" charset="0"/>
-              </a:rPr>
-              <a:t>Mô đun trả lời tự động là nơi xử lý các câu hỏi, tìm ra câu hỏi tương tự và gửi về cho Rest API</a:t>
-            </a:r>
-            <a:endParaRPr lang="vi-VN" b="1">
+              <a:rPr lang="en-US" sz="2200" smtClean="0">
+                <a:latin typeface="Times New Roman" panose="02020603050405020304" pitchFamily="18" charset="0"/>
+                <a:cs typeface="Times New Roman" panose="02020603050405020304" pitchFamily="18" charset="0"/>
+              </a:rPr>
+              <a:t>Rest API (Web Services)</a:t>
+            </a:r>
+            <a:endParaRPr lang="en-US" sz="2200" smtClean="0">
               <a:latin typeface="Times New Roman" panose="02020603050405020304" pitchFamily="18" charset="0"/>
               <a:cs typeface="Times New Roman" panose="02020603050405020304" pitchFamily="18" charset="0"/>
             </a:endParaRPr>
@@ -5250,18 +10623,15 @@
           <a:p>
             <a:pPr lvl="0"/>
             <a:r>
-              <a:rPr lang="en-US">
-                <a:latin typeface="Times New Roman" panose="02020603050405020304" pitchFamily="18" charset="0"/>
-                <a:cs typeface="Times New Roman" panose="02020603050405020304" pitchFamily="18" charset="0"/>
-              </a:rPr>
-              <a:t> Database là nơi cung cấp dữ liệu như các câu hỏi, câu trả lời, thông tin người dùng…</a:t>
-            </a:r>
-            <a:endParaRPr lang="vi-VN" b="1">
-              <a:latin typeface="Times New Roman" panose="02020603050405020304" pitchFamily="18" charset="0"/>
-              <a:cs typeface="Times New Roman" panose="02020603050405020304" pitchFamily="18" charset="0"/>
-            </a:endParaRPr>
-          </a:p>
-          <a:p>
+              <a:rPr lang="en-US" sz="2200" smtClean="0">
+                <a:latin typeface="Times New Roman" panose="02020603050405020304" pitchFamily="18" charset="0"/>
+                <a:cs typeface="Times New Roman" panose="02020603050405020304" pitchFamily="18" charset="0"/>
+              </a:rPr>
+              <a:t>Module trả lời tự động </a:t>
+            </a:r>
+          </a:p>
+          <a:p>
+            <a:pPr lvl="0"/>
             <a:endParaRPr lang="en-US" sz="2800" smtClean="0">
               <a:latin typeface="Times New Roman" panose="02020603050405020304" pitchFamily="18" charset="0"/>
               <a:cs typeface="Times New Roman" panose="02020603050405020304" pitchFamily="18" charset="0"/>
@@ -5559,8 +10929,8 @@
         </p:blipFill>
         <p:spPr>
           <a:xfrm>
-            <a:off x="1934677" y="2402006"/>
-            <a:ext cx="7332153" cy="4351338"/>
+            <a:off x="1261872" y="1828800"/>
+            <a:ext cx="8209674" cy="4708478"/>
           </a:xfrm>
         </p:spPr>
       </p:pic>
@@ -5614,165 +10984,60 @@
         <p:spPr/>
         <p:txBody>
           <a:bodyPr>
-            <a:normAutofit fontScale="90000"/>
+            <a:normAutofit/>
           </a:bodyPr>
           <a:lstStyle/>
           <a:p>
             <a:r>
-              <a:rPr lang="en-US">
-                <a:latin typeface="Times New Roman" panose="02020603050405020304" pitchFamily="18" charset="0"/>
-                <a:cs typeface="Times New Roman" panose="02020603050405020304" pitchFamily="18" charset="0"/>
-              </a:rPr>
-              <a:t>CHƯƠNG 3 – </a:t>
-            </a:r>
-            <a:r>
-              <a:rPr lang="en-US" smtClean="0">
-                <a:latin typeface="Times New Roman" panose="02020603050405020304" pitchFamily="18" charset="0"/>
-                <a:cs typeface="Times New Roman" panose="02020603050405020304" pitchFamily="18" charset="0"/>
-              </a:rPr>
-              <a:t>XÂY </a:t>
-            </a:r>
-            <a:r>
-              <a:rPr lang="en-US">
-                <a:latin typeface="Times New Roman" panose="02020603050405020304" pitchFamily="18" charset="0"/>
-                <a:cs typeface="Times New Roman" panose="02020603050405020304" pitchFamily="18" charset="0"/>
-              </a:rPr>
-              <a:t>DỰNG CƠ CHẾ TRẢ LỜI TỰ ĐỘNG</a:t>
-            </a:r>
-            <a:r>
-              <a:rPr lang="vi-VN">
-                <a:latin typeface="Times New Roman" panose="02020603050405020304" pitchFamily="18" charset="0"/>
-                <a:cs typeface="Times New Roman" panose="02020603050405020304" pitchFamily="18" charset="0"/>
-              </a:rPr>
-              <a:t/>
-            </a:r>
-            <a:br>
-              <a:rPr lang="vi-VN">
-                <a:latin typeface="Times New Roman" panose="02020603050405020304" pitchFamily="18" charset="0"/>
-                <a:cs typeface="Times New Roman" panose="02020603050405020304" pitchFamily="18" charset="0"/>
-              </a:rPr>
-            </a:br>
-            <a:endParaRPr lang="vi-VN">
+              <a:rPr lang="en-US" sz="3800" smtClean="0">
+                <a:latin typeface="Times New Roman" panose="02020603050405020304" pitchFamily="18" charset="0"/>
+                <a:cs typeface="Times New Roman" panose="02020603050405020304" pitchFamily="18" charset="0"/>
+              </a:rPr>
+              <a:t>Mô Hình Mean JS</a:t>
+            </a:r>
+            <a:endParaRPr lang="vi-VN" sz="3800">
               <a:latin typeface="Times New Roman" panose="02020603050405020304" pitchFamily="18" charset="0"/>
               <a:cs typeface="Times New Roman" panose="02020603050405020304" pitchFamily="18" charset="0"/>
             </a:endParaRPr>
           </a:p>
         </p:txBody>
       </p:sp>
-      <p:sp>
-        <p:nvSpPr>
-          <p:cNvPr id="3" name="Content Placeholder 2"/>
-          <p:cNvSpPr>
-            <a:spLocks noGrp="1"/>
-          </p:cNvSpPr>
+      <p:pic>
+        <p:nvPicPr>
+          <p:cNvPr id="4" name="Content Placeholder 3"/>
+          <p:cNvPicPr>
+            <a:picLocks noGrp="1"/>
+          </p:cNvPicPr>
           <p:nvPr>
             <p:ph idx="1"/>
           </p:nvPr>
-        </p:nvSpPr>
-        <p:spPr/>
-        <p:txBody>
-          <a:bodyPr>
-            <a:normAutofit/>
-          </a:bodyPr>
-          <a:lstStyle/>
-          <a:p>
-            <a:r>
-              <a:rPr lang="en-US" sz="2800">
-                <a:latin typeface="Times New Roman" panose="02020603050405020304" pitchFamily="18" charset="0"/>
-                <a:cs typeface="Times New Roman" panose="02020603050405020304" pitchFamily="18" charset="0"/>
-              </a:rPr>
-              <a:t>Kiến trúc tổng </a:t>
-            </a:r>
-            <a:r>
-              <a:rPr lang="en-US" sz="2800" smtClean="0">
-                <a:latin typeface="Times New Roman" panose="02020603050405020304" pitchFamily="18" charset="0"/>
-                <a:cs typeface="Times New Roman" panose="02020603050405020304" pitchFamily="18" charset="0"/>
-              </a:rPr>
-              <a:t>quan</a:t>
-            </a:r>
-            <a:r>
-              <a:rPr lang="vi-VN" sz="2800" smtClean="0">
-                <a:latin typeface="Times New Roman" panose="02020603050405020304" pitchFamily="18" charset="0"/>
-                <a:cs typeface="Times New Roman" panose="02020603050405020304" pitchFamily="18" charset="0"/>
-              </a:rPr>
-              <a:t> hệ thống trả lời tự động</a:t>
-            </a:r>
-          </a:p>
-          <a:p>
-            <a:r>
-              <a:rPr lang="en-US" sz="2800" smtClean="0">
-                <a:latin typeface="Times New Roman" panose="02020603050405020304" pitchFamily="18" charset="0"/>
-                <a:cs typeface="Times New Roman" panose="02020603050405020304" pitchFamily="18" charset="0"/>
-              </a:rPr>
-              <a:t>Lọc </a:t>
-            </a:r>
-            <a:r>
-              <a:rPr lang="en-US" sz="2800">
-                <a:latin typeface="Times New Roman" panose="02020603050405020304" pitchFamily="18" charset="0"/>
-                <a:cs typeface="Times New Roman" panose="02020603050405020304" pitchFamily="18" charset="0"/>
-              </a:rPr>
-              <a:t>dữ liệu sử dụng Full Text </a:t>
-            </a:r>
-            <a:r>
-              <a:rPr lang="en-US" sz="2800" smtClean="0">
-                <a:latin typeface="Times New Roman" panose="02020603050405020304" pitchFamily="18" charset="0"/>
-                <a:cs typeface="Times New Roman" panose="02020603050405020304" pitchFamily="18" charset="0"/>
-              </a:rPr>
-              <a:t>Search</a:t>
-            </a:r>
-          </a:p>
-          <a:p>
-            <a:r>
-              <a:rPr lang="en-US" sz="2800">
-                <a:latin typeface="Times New Roman" panose="02020603050405020304" pitchFamily="18" charset="0"/>
-                <a:cs typeface="Times New Roman" panose="02020603050405020304" pitchFamily="18" charset="0"/>
-              </a:rPr>
-              <a:t>Tách từ</a:t>
-            </a:r>
-            <a:endParaRPr lang="en-US" sz="2800" smtClean="0">
-              <a:latin typeface="Times New Roman" panose="02020603050405020304" pitchFamily="18" charset="0"/>
-              <a:cs typeface="Times New Roman" panose="02020603050405020304" pitchFamily="18" charset="0"/>
-            </a:endParaRPr>
-          </a:p>
-          <a:p>
-            <a:r>
-              <a:rPr lang="en-US" sz="2800">
-                <a:latin typeface="Times New Roman" panose="02020603050405020304" pitchFamily="18" charset="0"/>
-                <a:cs typeface="Times New Roman" panose="02020603050405020304" pitchFamily="18" charset="0"/>
-              </a:rPr>
-              <a:t>Phân loại câu hỏi sử dụng Maximum entropy classifier</a:t>
-            </a:r>
-            <a:endParaRPr lang="en-US" sz="2800" smtClean="0">
-              <a:latin typeface="Times New Roman" panose="02020603050405020304" pitchFamily="18" charset="0"/>
-              <a:cs typeface="Times New Roman" panose="02020603050405020304" pitchFamily="18" charset="0"/>
-            </a:endParaRPr>
-          </a:p>
-          <a:p>
-            <a:r>
-              <a:rPr lang="fr-FR" sz="2800">
-                <a:latin typeface="Times New Roman" panose="02020603050405020304" pitchFamily="18" charset="0"/>
-                <a:cs typeface="Times New Roman" panose="02020603050405020304" pitchFamily="18" charset="0"/>
-              </a:rPr>
-              <a:t>Đo độ tương tự giữa các câu </a:t>
-            </a:r>
-            <a:r>
-              <a:rPr lang="fr-FR" sz="2800" smtClean="0">
-                <a:latin typeface="Times New Roman" panose="02020603050405020304" pitchFamily="18" charset="0"/>
-                <a:cs typeface="Times New Roman" panose="02020603050405020304" pitchFamily="18" charset="0"/>
-              </a:rPr>
-              <a:t>hỏi</a:t>
-            </a:r>
-            <a:endParaRPr lang="vi-VN" sz="2800">
-              <a:latin typeface="Times New Roman" panose="02020603050405020304" pitchFamily="18" charset="0"/>
-              <a:cs typeface="Times New Roman" panose="02020603050405020304" pitchFamily="18" charset="0"/>
-            </a:endParaRPr>
-          </a:p>
-        </p:txBody>
-      </p:sp>
+        </p:nvPicPr>
+        <p:blipFill>
+          <a:blip r:embed="rId2">
+            <a:extLst>
+              <a:ext uri="{28A0092B-C50C-407E-A947-70E740481C1C}">
+                <a14:useLocalDpi xmlns:a14="http://schemas.microsoft.com/office/drawing/2010/main" val="0"/>
+              </a:ext>
+            </a:extLst>
+          </a:blip>
+          <a:stretch>
+            <a:fillRect/>
+          </a:stretch>
+        </p:blipFill>
+        <p:spPr>
+          <a:xfrm>
+            <a:off x="2007737" y="1828800"/>
+            <a:ext cx="7103377" cy="4351338"/>
+          </a:xfrm>
+          <a:prstGeom prst="rect">
+            <a:avLst/>
+          </a:prstGeom>
+        </p:spPr>
+      </p:pic>
     </p:spTree>
     <p:extLst>
       <p:ext uri="{BB962C8B-B14F-4D97-AF65-F5344CB8AC3E}">
-        <p14:creationId xmlns:p14="http://schemas.microsoft.com/office/powerpoint/2010/main" val="2702124910"/>
+        <p14:creationId xmlns:p14="http://schemas.microsoft.com/office/powerpoint/2010/main" val="1706943198"/>
       </p:ext>
     </p:extLst>
   </p:cSld>
